--- a/OralExamination/SkripsieOral_APSmit.pptx
+++ b/OralExamination/SkripsieOral_APSmit.pptx
@@ -17,7 +17,7 @@
     <p:sldId id="683" r:id="rId5"/>
     <p:sldId id="684" r:id="rId6"/>
     <p:sldId id="608" r:id="rId7"/>
-    <p:sldId id="681" r:id="rId8"/>
+    <p:sldId id="685" r:id="rId8"/>
   </p:sldIdLst>
   <p:sldSz cx="12192000" cy="6858000"/>
   <p:notesSz cx="7315200" cy="9601200"/>
@@ -4786,7 +4786,7 @@
           <a:p>
             <a:r>
               <a:rPr lang="en-US" dirty="0"/>
-              <a:t>Problem statement</a:t>
+              <a:t>Introduction</a:t>
             </a:r>
           </a:p>
           <a:p>
@@ -4913,7 +4913,7 @@
           <a:p>
             <a:r>
               <a:rPr lang="en-ZA" dirty="0"/>
-              <a:t>Problem statement</a:t>
+              <a:t>Introduction</a:t>
             </a:r>
           </a:p>
         </p:txBody>
@@ -6760,6 +6760,41 @@
           <a:chExt cx="0" cy="0"/>
         </a:xfrm>
       </p:grpSpPr>
+      <p:pic>
+        <p:nvPicPr>
+          <p:cNvPr id="37" name="Picture 36">
+            <a:extLst>
+              <a:ext uri="{FF2B5EF4-FFF2-40B4-BE49-F238E27FC236}">
+                <a16:creationId xmlns:a16="http://schemas.microsoft.com/office/drawing/2014/main" id="{D45EB7C5-48C4-4711-8A31-AF06944136BA}"/>
+              </a:ext>
+            </a:extLst>
+          </p:cNvPr>
+          <p:cNvPicPr>
+            <a:picLocks noChangeAspect="1"/>
+          </p:cNvPicPr>
+          <p:nvPr/>
+        </p:nvPicPr>
+        <p:blipFill rotWithShape="1">
+          <a:blip r:embed="rId3" cstate="print">
+            <a:extLst>
+              <a:ext uri="{28A0092B-C50C-407E-A947-70E740481C1C}">
+                <a14:useLocalDpi xmlns:a14="http://schemas.microsoft.com/office/drawing/2010/main" val="0"/>
+              </a:ext>
+            </a:extLst>
+          </a:blip>
+          <a:srcRect l="1903" t="2281" b="-991"/>
+          <a:stretch/>
+        </p:blipFill>
+        <p:spPr>
+          <a:xfrm>
+            <a:off x="2951463" y="1892445"/>
+            <a:ext cx="3369816" cy="4752191"/>
+          </a:xfrm>
+          <a:prstGeom prst="rect">
+            <a:avLst/>
+          </a:prstGeom>
+        </p:spPr>
+      </p:pic>
       <p:sp>
         <p:nvSpPr>
           <p:cNvPr id="2" name="Title 1"/>
@@ -6777,7 +6812,7 @@
           <a:p>
             <a:r>
               <a:rPr lang="en-US" dirty="0"/>
-              <a:t>Introduction</a:t>
+              <a:t>Image Processing</a:t>
             </a:r>
             <a:endParaRPr lang="en-ZA" dirty="0"/>
           </a:p>
@@ -6799,61 +6834,30 @@
           <a:lstStyle/>
           <a:p>
             <a:r>
-              <a:rPr lang="en-ZA" dirty="0"/>
-              <a:t>The erosion characteristics of shells and shell fragments are investigated</a:t>
-            </a:r>
-          </a:p>
-          <a:p>
-            <a:r>
-              <a:rPr lang="en-ZA" dirty="0"/>
-              <a:t>The incipient motion of shells and shell fragments has been studied experimentally by researchers (</a:t>
-            </a:r>
-            <a:r>
-              <a:rPr lang="en-ZA" dirty="0" err="1"/>
-              <a:t>Dey</a:t>
-            </a:r>
-            <a:r>
-              <a:rPr lang="en-ZA" dirty="0"/>
-              <a:t> (2001, 2004))</a:t>
-            </a:r>
-          </a:p>
-          <a:p>
-            <a:r>
-              <a:rPr lang="en-GB" dirty="0" err="1"/>
-              <a:t>Ramsdell</a:t>
-            </a:r>
-            <a:r>
-              <a:rPr lang="en-GB" dirty="0"/>
-              <a:t> </a:t>
-            </a:r>
-            <a:r>
-              <a:rPr lang="en-ZA" dirty="0"/>
-              <a:t>and </a:t>
-            </a:r>
-            <a:r>
-              <a:rPr lang="en-ZA" dirty="0" err="1"/>
-              <a:t>Miedema</a:t>
-            </a:r>
-            <a:r>
-              <a:rPr lang="en-ZA" dirty="0"/>
-              <a:t> (2010); </a:t>
-            </a:r>
-            <a:r>
-              <a:rPr lang="en-ZA" dirty="0" err="1"/>
-              <a:t>Miedema</a:t>
-            </a:r>
-            <a:r>
-              <a:rPr lang="en-ZA" dirty="0"/>
-              <a:t> and </a:t>
-            </a:r>
-            <a:r>
-              <a:rPr lang="en-ZA" dirty="0" err="1"/>
-              <a:t>Ramsdell</a:t>
-            </a:r>
-            <a:r>
-              <a:rPr lang="en-ZA" dirty="0"/>
-              <a:t> (2011) related findings of the critical shear stress for erosion to a Shields diagram for non-uniform particle distributions</a:t>
-            </a:r>
+              <a:rPr lang="en-ZA" kern="1200" dirty="0">
+                <a:effectLst>
+                  <a:outerShdw blurRad="38100" dist="38100" dir="2700000" algn="tl">
+                    <a:srgbClr val="000000">
+                      <a:alpha val="43137"/>
+                    </a:srgbClr>
+                  </a:outerShdw>
+                </a:effectLst>
+                <a:latin typeface="Times New Roman" pitchFamily="18" charset="0"/>
+              </a:rPr>
+              <a:t> First step is to find the orientation of the template</a:t>
+            </a:r>
+          </a:p>
+          <a:p>
+            <a:endParaRPr lang="en-ZA" kern="1200" dirty="0">
+              <a:effectLst>
+                <a:outerShdw blurRad="38100" dist="38100" dir="2700000" algn="tl">
+                  <a:srgbClr val="000000">
+                    <a:alpha val="43137"/>
+                  </a:srgbClr>
+                </a:outerShdw>
+              </a:effectLst>
+              <a:latin typeface="Times New Roman" pitchFamily="18" charset="0"/>
+            </a:endParaRPr>
           </a:p>
         </p:txBody>
       </p:sp>
@@ -6867,7 +6871,12 @@
             <p:ph type="sldNum" sz="quarter" idx="10"/>
           </p:nvPr>
         </p:nvSpPr>
-        <p:spPr/>
+        <p:spPr>
+          <a:xfrm>
+            <a:off x="609600" y="6405560"/>
+            <a:ext cx="2540000" cy="457200"/>
+          </a:xfrm>
+        </p:spPr>
         <p:txBody>
           <a:bodyPr/>
           <a:lstStyle/>
@@ -6881,6 +6890,508 @@
           </a:p>
         </p:txBody>
       </p:sp>
+      <p:pic>
+        <p:nvPicPr>
+          <p:cNvPr id="6" name="Picture 5">
+            <a:extLst>
+              <a:ext uri="{FF2B5EF4-FFF2-40B4-BE49-F238E27FC236}">
+                <a16:creationId xmlns:a16="http://schemas.microsoft.com/office/drawing/2014/main" id="{DFC384C2-16DC-4529-A0A3-CA807AC56920}"/>
+              </a:ext>
+            </a:extLst>
+          </p:cNvPr>
+          <p:cNvPicPr>
+            <a:picLocks noChangeAspect="1"/>
+          </p:cNvPicPr>
+          <p:nvPr/>
+        </p:nvPicPr>
+        <p:blipFill rotWithShape="1">
+          <a:blip r:embed="rId4">
+            <a:extLst>
+              <a:ext uri="{28A0092B-C50C-407E-A947-70E740481C1C}">
+                <a14:useLocalDpi xmlns:a14="http://schemas.microsoft.com/office/drawing/2010/main" val="0"/>
+              </a:ext>
+            </a:extLst>
+          </a:blip>
+          <a:srcRect l="5516" t="3740" r="5341" b="1698"/>
+          <a:stretch/>
+        </p:blipFill>
+        <p:spPr>
+          <a:xfrm>
+            <a:off x="7682148" y="1883502"/>
+            <a:ext cx="3542366" cy="4522058"/>
+          </a:xfrm>
+          <a:prstGeom prst="rect">
+            <a:avLst/>
+          </a:prstGeom>
+        </p:spPr>
+      </p:pic>
+      <p:cxnSp>
+        <p:nvCxnSpPr>
+          <p:cNvPr id="12" name="Straight Connector 11">
+            <a:extLst>
+              <a:ext uri="{FF2B5EF4-FFF2-40B4-BE49-F238E27FC236}">
+                <a16:creationId xmlns:a16="http://schemas.microsoft.com/office/drawing/2014/main" id="{C6FC822A-662A-4084-A947-4E9162C36ED5}"/>
+              </a:ext>
+            </a:extLst>
+          </p:cNvPr>
+          <p:cNvCxnSpPr>
+            <a:cxnSpLocks/>
+          </p:cNvCxnSpPr>
+          <p:nvPr/>
+        </p:nvCxnSpPr>
+        <p:spPr bwMode="auto">
+          <a:xfrm>
+            <a:off x="2889250" y="3378829"/>
+            <a:ext cx="3333325" cy="24767"/>
+          </a:xfrm>
+          <a:prstGeom prst="line">
+            <a:avLst/>
+          </a:prstGeom>
+          <a:solidFill>
+            <a:schemeClr val="accent1"/>
+          </a:solidFill>
+          <a:ln w="12700" cap="sq" cmpd="sng" algn="ctr">
+            <a:solidFill>
+              <a:srgbClr val="0070C0"/>
+            </a:solidFill>
+            <a:prstDash val="solid"/>
+            <a:round/>
+            <a:headEnd type="none" w="sm" len="sm"/>
+            <a:tailEnd type="none" w="sm" len="sm"/>
+          </a:ln>
+          <a:effectLst/>
+        </p:spPr>
+      </p:cxnSp>
+      <p:cxnSp>
+        <p:nvCxnSpPr>
+          <p:cNvPr id="17" name="Straight Connector 16">
+            <a:extLst>
+              <a:ext uri="{FF2B5EF4-FFF2-40B4-BE49-F238E27FC236}">
+                <a16:creationId xmlns:a16="http://schemas.microsoft.com/office/drawing/2014/main" id="{64E4A50E-D785-4CD3-BA37-490A4571AE1A}"/>
+              </a:ext>
+            </a:extLst>
+          </p:cNvPr>
+          <p:cNvCxnSpPr>
+            <a:cxnSpLocks/>
+          </p:cNvCxnSpPr>
+          <p:nvPr/>
+        </p:nvCxnSpPr>
+        <p:spPr bwMode="auto">
+          <a:xfrm flipH="1">
+            <a:off x="4624915" y="2095496"/>
+            <a:ext cx="26460" cy="4381500"/>
+          </a:xfrm>
+          <a:prstGeom prst="line">
+            <a:avLst/>
+          </a:prstGeom>
+          <a:solidFill>
+            <a:schemeClr val="accent1"/>
+          </a:solidFill>
+          <a:ln w="12700" cap="sq" cmpd="sng" algn="ctr">
+            <a:solidFill>
+              <a:srgbClr val="92D050"/>
+            </a:solidFill>
+            <a:prstDash val="solid"/>
+            <a:round/>
+            <a:headEnd type="none" w="sm" len="sm"/>
+            <a:tailEnd type="none" w="sm" len="sm"/>
+          </a:ln>
+          <a:effectLst/>
+        </p:spPr>
+      </p:cxnSp>
+      <p:sp>
+        <p:nvSpPr>
+          <p:cNvPr id="18" name="Oval 17">
+            <a:extLst>
+              <a:ext uri="{FF2B5EF4-FFF2-40B4-BE49-F238E27FC236}">
+                <a16:creationId xmlns:a16="http://schemas.microsoft.com/office/drawing/2014/main" id="{6371A327-D392-41F0-AE8F-822862290DC0}"/>
+              </a:ext>
+            </a:extLst>
+          </p:cNvPr>
+          <p:cNvSpPr/>
+          <p:nvPr/>
+        </p:nvSpPr>
+        <p:spPr bwMode="auto">
+          <a:xfrm>
+            <a:off x="4621740" y="3372479"/>
+            <a:ext cx="45719" cy="45719"/>
+          </a:xfrm>
+          <a:prstGeom prst="ellipse">
+            <a:avLst/>
+          </a:prstGeom>
+          <a:solidFill>
+            <a:srgbClr val="FF0000"/>
+          </a:solidFill>
+          <a:ln w="12700" cap="sq" cmpd="sng" algn="ctr">
+            <a:solidFill>
+              <a:srgbClr val="FF0000"/>
+            </a:solidFill>
+            <a:prstDash val="solid"/>
+            <a:round/>
+            <a:headEnd type="none" w="sm" len="sm"/>
+            <a:tailEnd type="none" w="sm" len="sm"/>
+          </a:ln>
+          <a:effectLst/>
+        </p:spPr>
+        <p:txBody>
+          <a:bodyPr vert="horz" wrap="square" lIns="91440" tIns="45720" rIns="91440" bIns="45720" numCol="1" rtlCol="0" anchor="t" anchorCtr="0" compatLnSpc="1">
+            <a:prstTxWarp prst="textNoShape">
+              <a:avLst/>
+            </a:prstTxWarp>
+          </a:bodyPr>
+          <a:lstStyle/>
+          <a:p>
+            <a:pPr marL="0" marR="0" indent="0" algn="l" defTabSz="914400" rtl="0" eaLnBrk="1" fontAlgn="base" latinLnBrk="0" hangingPunct="1">
+              <a:lnSpc>
+                <a:spcPct val="100000"/>
+              </a:lnSpc>
+              <a:spcBef>
+                <a:spcPct val="0"/>
+              </a:spcBef>
+              <a:spcAft>
+                <a:spcPct val="0"/>
+              </a:spcAft>
+              <a:buClrTx/>
+              <a:buSzTx/>
+              <a:buFontTx/>
+              <a:buNone/>
+              <a:tabLst/>
+            </a:pPr>
+            <a:endParaRPr kumimoji="0" lang="en-ZA" sz="2400" b="0" i="0" u="none" strike="noStrike" cap="none" normalizeH="0" baseline="0">
+              <a:ln>
+                <a:noFill/>
+              </a:ln>
+              <a:solidFill>
+                <a:schemeClr val="tx1"/>
+              </a:solidFill>
+              <a:effectLst/>
+              <a:latin typeface="Times New Roman" pitchFamily="18" charset="0"/>
+            </a:endParaRPr>
+          </a:p>
+        </p:txBody>
+      </p:sp>
+      <p:cxnSp>
+        <p:nvCxnSpPr>
+          <p:cNvPr id="34" name="Straight Connector 33">
+            <a:extLst>
+              <a:ext uri="{FF2B5EF4-FFF2-40B4-BE49-F238E27FC236}">
+                <a16:creationId xmlns:a16="http://schemas.microsoft.com/office/drawing/2014/main" id="{09753472-D731-48D2-8F2E-86B6DD44869A}"/>
+              </a:ext>
+            </a:extLst>
+          </p:cNvPr>
+          <p:cNvCxnSpPr>
+            <a:cxnSpLocks/>
+          </p:cNvCxnSpPr>
+          <p:nvPr/>
+        </p:nvCxnSpPr>
+        <p:spPr bwMode="auto">
+          <a:xfrm flipH="1">
+            <a:off x="3234411" y="2095496"/>
+            <a:ext cx="26460" cy="4381500"/>
+          </a:xfrm>
+          <a:prstGeom prst="line">
+            <a:avLst/>
+          </a:prstGeom>
+          <a:solidFill>
+            <a:schemeClr val="accent1"/>
+          </a:solidFill>
+          <a:ln w="12700" cap="sq" cmpd="sng" algn="ctr">
+            <a:solidFill>
+              <a:srgbClr val="92D050"/>
+            </a:solidFill>
+            <a:prstDash val="solid"/>
+            <a:round/>
+            <a:headEnd type="none" w="sm" len="sm"/>
+            <a:tailEnd type="none" w="sm" len="sm"/>
+          </a:ln>
+          <a:effectLst/>
+        </p:spPr>
+      </p:cxnSp>
+      <p:sp>
+        <p:nvSpPr>
+          <p:cNvPr id="21" name="Oval 20">
+            <a:extLst>
+              <a:ext uri="{FF2B5EF4-FFF2-40B4-BE49-F238E27FC236}">
+                <a16:creationId xmlns:a16="http://schemas.microsoft.com/office/drawing/2014/main" id="{A8A0CF91-A2BD-4B73-BBC7-A37F6D62ED3D}"/>
+              </a:ext>
+            </a:extLst>
+          </p:cNvPr>
+          <p:cNvSpPr/>
+          <p:nvPr/>
+        </p:nvSpPr>
+        <p:spPr bwMode="auto">
+          <a:xfrm>
+            <a:off x="3231090" y="3355969"/>
+            <a:ext cx="45719" cy="45719"/>
+          </a:xfrm>
+          <a:prstGeom prst="ellipse">
+            <a:avLst/>
+          </a:prstGeom>
+          <a:solidFill>
+            <a:srgbClr val="FF0000"/>
+          </a:solidFill>
+          <a:ln w="12700" cap="sq" cmpd="sng" algn="ctr">
+            <a:solidFill>
+              <a:srgbClr val="FF0000"/>
+            </a:solidFill>
+            <a:prstDash val="solid"/>
+            <a:round/>
+            <a:headEnd type="none" w="sm" len="sm"/>
+            <a:tailEnd type="none" w="sm" len="sm"/>
+          </a:ln>
+          <a:effectLst/>
+        </p:spPr>
+        <p:txBody>
+          <a:bodyPr vert="horz" wrap="square" lIns="91440" tIns="45720" rIns="91440" bIns="45720" numCol="1" rtlCol="0" anchor="t" anchorCtr="0" compatLnSpc="1">
+            <a:prstTxWarp prst="textNoShape">
+              <a:avLst/>
+            </a:prstTxWarp>
+          </a:bodyPr>
+          <a:lstStyle/>
+          <a:p>
+            <a:pPr marL="0" marR="0" indent="0" algn="l" defTabSz="914400" rtl="0" eaLnBrk="1" fontAlgn="base" latinLnBrk="0" hangingPunct="1">
+              <a:lnSpc>
+                <a:spcPct val="100000"/>
+              </a:lnSpc>
+              <a:spcBef>
+                <a:spcPct val="0"/>
+              </a:spcBef>
+              <a:spcAft>
+                <a:spcPct val="0"/>
+              </a:spcAft>
+              <a:buClrTx/>
+              <a:buSzTx/>
+              <a:buFontTx/>
+              <a:buNone/>
+              <a:tabLst/>
+            </a:pPr>
+            <a:endParaRPr kumimoji="0" lang="en-ZA" sz="2400" b="0" i="0" u="none" strike="noStrike" cap="none" normalizeH="0" baseline="0">
+              <a:ln>
+                <a:noFill/>
+              </a:ln>
+              <a:solidFill>
+                <a:schemeClr val="tx1"/>
+              </a:solidFill>
+              <a:effectLst/>
+              <a:latin typeface="Times New Roman" pitchFamily="18" charset="0"/>
+            </a:endParaRPr>
+          </a:p>
+        </p:txBody>
+      </p:sp>
+      <p:cxnSp>
+        <p:nvCxnSpPr>
+          <p:cNvPr id="41" name="Straight Connector 40">
+            <a:extLst>
+              <a:ext uri="{FF2B5EF4-FFF2-40B4-BE49-F238E27FC236}">
+                <a16:creationId xmlns:a16="http://schemas.microsoft.com/office/drawing/2014/main" id="{EE7DA128-A2FA-4978-8AAD-C8A19C490643}"/>
+              </a:ext>
+            </a:extLst>
+          </p:cNvPr>
+          <p:cNvCxnSpPr>
+            <a:cxnSpLocks/>
+          </p:cNvCxnSpPr>
+          <p:nvPr/>
+        </p:nvCxnSpPr>
+        <p:spPr bwMode="auto">
+          <a:xfrm>
+            <a:off x="2889249" y="6379261"/>
+            <a:ext cx="3286126" cy="12384"/>
+          </a:xfrm>
+          <a:prstGeom prst="line">
+            <a:avLst/>
+          </a:prstGeom>
+          <a:solidFill>
+            <a:schemeClr val="accent1"/>
+          </a:solidFill>
+          <a:ln w="12700" cap="sq" cmpd="sng" algn="ctr">
+            <a:solidFill>
+              <a:srgbClr val="0070C0"/>
+            </a:solidFill>
+            <a:prstDash val="solid"/>
+            <a:round/>
+            <a:headEnd type="none" w="sm" len="sm"/>
+            <a:tailEnd type="none" w="sm" len="sm"/>
+          </a:ln>
+          <a:effectLst/>
+        </p:spPr>
+      </p:cxnSp>
+      <p:sp>
+        <p:nvSpPr>
+          <p:cNvPr id="31" name="Oval 30">
+            <a:extLst>
+              <a:ext uri="{FF2B5EF4-FFF2-40B4-BE49-F238E27FC236}">
+                <a16:creationId xmlns:a16="http://schemas.microsoft.com/office/drawing/2014/main" id="{1B85BCC7-7CC6-44AC-A223-20EB37983A08}"/>
+              </a:ext>
+            </a:extLst>
+          </p:cNvPr>
+          <p:cNvSpPr/>
+          <p:nvPr/>
+        </p:nvSpPr>
+        <p:spPr bwMode="auto">
+          <a:xfrm>
+            <a:off x="3209818" y="6360055"/>
+            <a:ext cx="45719" cy="45719"/>
+          </a:xfrm>
+          <a:prstGeom prst="ellipse">
+            <a:avLst/>
+          </a:prstGeom>
+          <a:solidFill>
+            <a:srgbClr val="FF0000"/>
+          </a:solidFill>
+          <a:ln w="12700" cap="sq" cmpd="sng" algn="ctr">
+            <a:solidFill>
+              <a:srgbClr val="FF0000"/>
+            </a:solidFill>
+            <a:prstDash val="solid"/>
+            <a:round/>
+            <a:headEnd type="none" w="sm" len="sm"/>
+            <a:tailEnd type="none" w="sm" len="sm"/>
+          </a:ln>
+          <a:effectLst/>
+        </p:spPr>
+        <p:txBody>
+          <a:bodyPr vert="horz" wrap="square" lIns="91440" tIns="45720" rIns="91440" bIns="45720" numCol="1" rtlCol="0" anchor="t" anchorCtr="0" compatLnSpc="1">
+            <a:prstTxWarp prst="textNoShape">
+              <a:avLst/>
+            </a:prstTxWarp>
+          </a:bodyPr>
+          <a:lstStyle/>
+          <a:p>
+            <a:pPr marL="0" marR="0" indent="0" algn="l" defTabSz="914400" rtl="0" eaLnBrk="1" fontAlgn="base" latinLnBrk="0" hangingPunct="1">
+              <a:lnSpc>
+                <a:spcPct val="100000"/>
+              </a:lnSpc>
+              <a:spcBef>
+                <a:spcPct val="0"/>
+              </a:spcBef>
+              <a:spcAft>
+                <a:spcPct val="0"/>
+              </a:spcAft>
+              <a:buClrTx/>
+              <a:buSzTx/>
+              <a:buFontTx/>
+              <a:buNone/>
+              <a:tabLst/>
+            </a:pPr>
+            <a:endParaRPr kumimoji="0" lang="en-ZA" sz="2400" b="0" i="0" u="none" strike="noStrike" cap="none" normalizeH="0" baseline="0">
+              <a:ln>
+                <a:noFill/>
+              </a:ln>
+              <a:solidFill>
+                <a:schemeClr val="tx1"/>
+              </a:solidFill>
+              <a:effectLst/>
+              <a:latin typeface="Times New Roman" pitchFamily="18" charset="0"/>
+            </a:endParaRPr>
+          </a:p>
+        </p:txBody>
+      </p:sp>
+      <p:sp>
+        <p:nvSpPr>
+          <p:cNvPr id="22" name="Oval 21">
+            <a:extLst>
+              <a:ext uri="{FF2B5EF4-FFF2-40B4-BE49-F238E27FC236}">
+                <a16:creationId xmlns:a16="http://schemas.microsoft.com/office/drawing/2014/main" id="{86D4E02C-964A-4BF0-9F6C-71C7E82F1915}"/>
+              </a:ext>
+            </a:extLst>
+          </p:cNvPr>
+          <p:cNvSpPr/>
+          <p:nvPr/>
+        </p:nvSpPr>
+        <p:spPr bwMode="auto">
+          <a:xfrm>
+            <a:off x="4602054" y="6366405"/>
+            <a:ext cx="45719" cy="45719"/>
+          </a:xfrm>
+          <a:prstGeom prst="ellipse">
+            <a:avLst/>
+          </a:prstGeom>
+          <a:solidFill>
+            <a:srgbClr val="FF0000"/>
+          </a:solidFill>
+          <a:ln w="12700" cap="sq" cmpd="sng" algn="ctr">
+            <a:solidFill>
+              <a:srgbClr val="FF0000"/>
+            </a:solidFill>
+            <a:prstDash val="solid"/>
+            <a:round/>
+            <a:headEnd type="none" w="sm" len="sm"/>
+            <a:tailEnd type="none" w="sm" len="sm"/>
+          </a:ln>
+          <a:effectLst/>
+        </p:spPr>
+        <p:txBody>
+          <a:bodyPr vert="horz" wrap="square" lIns="91440" tIns="45720" rIns="91440" bIns="45720" numCol="1" rtlCol="0" anchor="t" anchorCtr="0" compatLnSpc="1">
+            <a:prstTxWarp prst="textNoShape">
+              <a:avLst/>
+            </a:prstTxWarp>
+          </a:bodyPr>
+          <a:lstStyle/>
+          <a:p>
+            <a:pPr marL="0" marR="0" indent="0" algn="l" defTabSz="914400" rtl="0" eaLnBrk="1" fontAlgn="base" latinLnBrk="0" hangingPunct="1">
+              <a:lnSpc>
+                <a:spcPct val="100000"/>
+              </a:lnSpc>
+              <a:spcBef>
+                <a:spcPct val="0"/>
+              </a:spcBef>
+              <a:spcAft>
+                <a:spcPct val="0"/>
+              </a:spcAft>
+              <a:buClrTx/>
+              <a:buSzTx/>
+              <a:buFontTx/>
+              <a:buNone/>
+              <a:tabLst/>
+            </a:pPr>
+            <a:endParaRPr kumimoji="0" lang="en-ZA" sz="2400" b="0" i="0" u="none" strike="noStrike" cap="none" normalizeH="0" baseline="0">
+              <a:ln>
+                <a:noFill/>
+              </a:ln>
+              <a:solidFill>
+                <a:schemeClr val="tx1"/>
+              </a:solidFill>
+              <a:effectLst/>
+              <a:latin typeface="Times New Roman" pitchFamily="18" charset="0"/>
+            </a:endParaRPr>
+          </a:p>
+        </p:txBody>
+      </p:sp>
+      <p:pic>
+        <p:nvPicPr>
+          <p:cNvPr id="45" name="Picture 44">
+            <a:extLst>
+              <a:ext uri="{FF2B5EF4-FFF2-40B4-BE49-F238E27FC236}">
+                <a16:creationId xmlns:a16="http://schemas.microsoft.com/office/drawing/2014/main" id="{617E3869-2308-4766-B30B-87966A45D861}"/>
+              </a:ext>
+            </a:extLst>
+          </p:cNvPr>
+          <p:cNvPicPr>
+            <a:picLocks noChangeAspect="1"/>
+          </p:cNvPicPr>
+          <p:nvPr/>
+        </p:nvPicPr>
+        <p:blipFill rotWithShape="1">
+          <a:blip r:embed="rId5" cstate="print">
+            <a:extLst>
+              <a:ext uri="{28A0092B-C50C-407E-A947-70E740481C1C}">
+                <a14:useLocalDpi xmlns:a14="http://schemas.microsoft.com/office/drawing/2010/main" val="0"/>
+              </a:ext>
+            </a:extLst>
+          </a:blip>
+          <a:srcRect l="12396" t="13102" r="8591" b="10603"/>
+          <a:stretch/>
+        </p:blipFill>
+        <p:spPr>
+          <a:xfrm rot="16200000">
+            <a:off x="-128586" y="3690934"/>
+            <a:ext cx="4057650" cy="1514478"/>
+          </a:xfrm>
+          <a:prstGeom prst="rect">
+            <a:avLst/>
+          </a:prstGeom>
+        </p:spPr>
+      </p:pic>
     </p:spTree>
     <p:extLst>
       <p:ext uri="{BB962C8B-B14F-4D97-AF65-F5344CB8AC3E}">
@@ -6891,6 +7402,447 @@
   <p:clrMapOvr>
     <a:masterClrMapping/>
   </p:clrMapOvr>
+  <p:timing>
+    <p:tnLst>
+      <p:par>
+        <p:cTn id="1" dur="indefinite" restart="never" nodeType="tmRoot">
+          <p:childTnLst>
+            <p:seq concurrent="1" nextAc="seek">
+              <p:cTn id="2" dur="indefinite" nodeType="mainSeq">
+                <p:childTnLst>
+                  <p:par>
+                    <p:cTn id="3" fill="hold">
+                      <p:stCondLst>
+                        <p:cond delay="indefinite"/>
+                      </p:stCondLst>
+                      <p:childTnLst>
+                        <p:par>
+                          <p:cTn id="4" fill="hold">
+                            <p:stCondLst>
+                              <p:cond delay="0"/>
+                            </p:stCondLst>
+                            <p:childTnLst>
+                              <p:par>
+                                <p:cTn id="5" presetID="1" presetClass="entr" presetSubtype="0" fill="hold" nodeType="clickEffect">
+                                  <p:stCondLst>
+                                    <p:cond delay="0"/>
+                                  </p:stCondLst>
+                                  <p:childTnLst>
+                                    <p:set>
+                                      <p:cBhvr>
+                                        <p:cTn id="6" dur="1" fill="hold">
+                                          <p:stCondLst>
+                                            <p:cond delay="0"/>
+                                          </p:stCondLst>
+                                        </p:cTn>
+                                        <p:tgtEl>
+                                          <p:spTgt spid="37"/>
+                                        </p:tgtEl>
+                                        <p:attrNameLst>
+                                          <p:attrName>style.visibility</p:attrName>
+                                        </p:attrNameLst>
+                                      </p:cBhvr>
+                                      <p:to>
+                                        <p:strVal val="visible"/>
+                                      </p:to>
+                                    </p:set>
+                                  </p:childTnLst>
+                                </p:cTn>
+                              </p:par>
+                            </p:childTnLst>
+                          </p:cTn>
+                        </p:par>
+                      </p:childTnLst>
+                    </p:cTn>
+                  </p:par>
+                  <p:par>
+                    <p:cTn id="7" fill="hold">
+                      <p:stCondLst>
+                        <p:cond delay="indefinite"/>
+                      </p:stCondLst>
+                      <p:childTnLst>
+                        <p:par>
+                          <p:cTn id="8" fill="hold">
+                            <p:stCondLst>
+                              <p:cond delay="0"/>
+                            </p:stCondLst>
+                            <p:childTnLst>
+                              <p:par>
+                                <p:cTn id="9" presetID="1" presetClass="entr" presetSubtype="0" fill="hold" nodeType="clickEffect">
+                                  <p:stCondLst>
+                                    <p:cond delay="0"/>
+                                  </p:stCondLst>
+                                  <p:childTnLst>
+                                    <p:set>
+                                      <p:cBhvr>
+                                        <p:cTn id="10" dur="1" fill="hold">
+                                          <p:stCondLst>
+                                            <p:cond delay="0"/>
+                                          </p:stCondLst>
+                                        </p:cTn>
+                                        <p:tgtEl>
+                                          <p:spTgt spid="45"/>
+                                        </p:tgtEl>
+                                        <p:attrNameLst>
+                                          <p:attrName>style.visibility</p:attrName>
+                                        </p:attrNameLst>
+                                      </p:cBhvr>
+                                      <p:to>
+                                        <p:strVal val="visible"/>
+                                      </p:to>
+                                    </p:set>
+                                  </p:childTnLst>
+                                </p:cTn>
+                              </p:par>
+                            </p:childTnLst>
+                          </p:cTn>
+                        </p:par>
+                      </p:childTnLst>
+                    </p:cTn>
+                  </p:par>
+                  <p:par>
+                    <p:cTn id="11" fill="hold">
+                      <p:stCondLst>
+                        <p:cond delay="indefinite"/>
+                      </p:stCondLst>
+                      <p:childTnLst>
+                        <p:par>
+                          <p:cTn id="12" fill="hold">
+                            <p:stCondLst>
+                              <p:cond delay="0"/>
+                            </p:stCondLst>
+                            <p:childTnLst>
+                              <p:par>
+                                <p:cTn id="13" presetID="1" presetClass="entr" presetSubtype="0" fill="hold" nodeType="clickEffect">
+                                  <p:stCondLst>
+                                    <p:cond delay="0"/>
+                                  </p:stCondLst>
+                                  <p:childTnLst>
+                                    <p:set>
+                                      <p:cBhvr>
+                                        <p:cTn id="14" dur="1" fill="hold">
+                                          <p:stCondLst>
+                                            <p:cond delay="0"/>
+                                          </p:stCondLst>
+                                        </p:cTn>
+                                        <p:tgtEl>
+                                          <p:spTgt spid="12"/>
+                                        </p:tgtEl>
+                                        <p:attrNameLst>
+                                          <p:attrName>style.visibility</p:attrName>
+                                        </p:attrNameLst>
+                                      </p:cBhvr>
+                                      <p:to>
+                                        <p:strVal val="visible"/>
+                                      </p:to>
+                                    </p:set>
+                                  </p:childTnLst>
+                                </p:cTn>
+                              </p:par>
+                              <p:par>
+                                <p:cTn id="15" presetID="1" presetClass="entr" presetSubtype="0" fill="hold" nodeType="withEffect">
+                                  <p:stCondLst>
+                                    <p:cond delay="0"/>
+                                  </p:stCondLst>
+                                  <p:childTnLst>
+                                    <p:set>
+                                      <p:cBhvr>
+                                        <p:cTn id="16" dur="1" fill="hold">
+                                          <p:stCondLst>
+                                            <p:cond delay="0"/>
+                                          </p:stCondLst>
+                                        </p:cTn>
+                                        <p:tgtEl>
+                                          <p:spTgt spid="41"/>
+                                        </p:tgtEl>
+                                        <p:attrNameLst>
+                                          <p:attrName>style.visibility</p:attrName>
+                                        </p:attrNameLst>
+                                      </p:cBhvr>
+                                      <p:to>
+                                        <p:strVal val="visible"/>
+                                      </p:to>
+                                    </p:set>
+                                  </p:childTnLst>
+                                </p:cTn>
+                              </p:par>
+                            </p:childTnLst>
+                          </p:cTn>
+                        </p:par>
+                      </p:childTnLst>
+                    </p:cTn>
+                  </p:par>
+                  <p:par>
+                    <p:cTn id="17" fill="hold">
+                      <p:stCondLst>
+                        <p:cond delay="indefinite"/>
+                      </p:stCondLst>
+                      <p:childTnLst>
+                        <p:par>
+                          <p:cTn id="18" fill="hold">
+                            <p:stCondLst>
+                              <p:cond delay="0"/>
+                            </p:stCondLst>
+                            <p:childTnLst>
+                              <p:par>
+                                <p:cTn id="19" presetID="1" presetClass="entr" presetSubtype="0" fill="hold" nodeType="clickEffect">
+                                  <p:stCondLst>
+                                    <p:cond delay="0"/>
+                                  </p:stCondLst>
+                                  <p:childTnLst>
+                                    <p:set>
+                                      <p:cBhvr>
+                                        <p:cTn id="20" dur="1" fill="hold">
+                                          <p:stCondLst>
+                                            <p:cond delay="0"/>
+                                          </p:stCondLst>
+                                        </p:cTn>
+                                        <p:tgtEl>
+                                          <p:spTgt spid="34"/>
+                                        </p:tgtEl>
+                                        <p:attrNameLst>
+                                          <p:attrName>style.visibility</p:attrName>
+                                        </p:attrNameLst>
+                                      </p:cBhvr>
+                                      <p:to>
+                                        <p:strVal val="visible"/>
+                                      </p:to>
+                                    </p:set>
+                                  </p:childTnLst>
+                                </p:cTn>
+                              </p:par>
+                              <p:par>
+                                <p:cTn id="21" presetID="1" presetClass="entr" presetSubtype="0" fill="hold" nodeType="withEffect">
+                                  <p:stCondLst>
+                                    <p:cond delay="0"/>
+                                  </p:stCondLst>
+                                  <p:childTnLst>
+                                    <p:set>
+                                      <p:cBhvr>
+                                        <p:cTn id="22" dur="1" fill="hold">
+                                          <p:stCondLst>
+                                            <p:cond delay="0"/>
+                                          </p:stCondLst>
+                                        </p:cTn>
+                                        <p:tgtEl>
+                                          <p:spTgt spid="17"/>
+                                        </p:tgtEl>
+                                        <p:attrNameLst>
+                                          <p:attrName>style.visibility</p:attrName>
+                                        </p:attrNameLst>
+                                      </p:cBhvr>
+                                      <p:to>
+                                        <p:strVal val="visible"/>
+                                      </p:to>
+                                    </p:set>
+                                  </p:childTnLst>
+                                </p:cTn>
+                              </p:par>
+                            </p:childTnLst>
+                          </p:cTn>
+                        </p:par>
+                      </p:childTnLst>
+                    </p:cTn>
+                  </p:par>
+                  <p:par>
+                    <p:cTn id="23" fill="hold">
+                      <p:stCondLst>
+                        <p:cond delay="indefinite"/>
+                      </p:stCondLst>
+                      <p:childTnLst>
+                        <p:par>
+                          <p:cTn id="24" fill="hold">
+                            <p:stCondLst>
+                              <p:cond delay="0"/>
+                            </p:stCondLst>
+                            <p:childTnLst>
+                              <p:par>
+                                <p:cTn id="25" presetID="1" presetClass="entr" presetSubtype="0" fill="hold" grpId="0" nodeType="clickEffect">
+                                  <p:stCondLst>
+                                    <p:cond delay="0"/>
+                                  </p:stCondLst>
+                                  <p:childTnLst>
+                                    <p:set>
+                                      <p:cBhvr>
+                                        <p:cTn id="26" dur="1" fill="hold">
+                                          <p:stCondLst>
+                                            <p:cond delay="0"/>
+                                          </p:stCondLst>
+                                        </p:cTn>
+                                        <p:tgtEl>
+                                          <p:spTgt spid="21"/>
+                                        </p:tgtEl>
+                                        <p:attrNameLst>
+                                          <p:attrName>style.visibility</p:attrName>
+                                        </p:attrNameLst>
+                                      </p:cBhvr>
+                                      <p:to>
+                                        <p:strVal val="visible"/>
+                                      </p:to>
+                                    </p:set>
+                                  </p:childTnLst>
+                                </p:cTn>
+                              </p:par>
+                              <p:par>
+                                <p:cTn id="27" presetID="1" presetClass="entr" presetSubtype="0" fill="hold" grpId="0" nodeType="withEffect">
+                                  <p:stCondLst>
+                                    <p:cond delay="0"/>
+                                  </p:stCondLst>
+                                  <p:childTnLst>
+                                    <p:set>
+                                      <p:cBhvr>
+                                        <p:cTn id="28" dur="1" fill="hold">
+                                          <p:stCondLst>
+                                            <p:cond delay="0"/>
+                                          </p:stCondLst>
+                                        </p:cTn>
+                                        <p:tgtEl>
+                                          <p:spTgt spid="22"/>
+                                        </p:tgtEl>
+                                        <p:attrNameLst>
+                                          <p:attrName>style.visibility</p:attrName>
+                                        </p:attrNameLst>
+                                      </p:cBhvr>
+                                      <p:to>
+                                        <p:strVal val="visible"/>
+                                      </p:to>
+                                    </p:set>
+                                  </p:childTnLst>
+                                </p:cTn>
+                              </p:par>
+                              <p:par>
+                                <p:cTn id="29" presetID="1" presetClass="entr" presetSubtype="0" fill="hold" grpId="0" nodeType="withEffect">
+                                  <p:stCondLst>
+                                    <p:cond delay="0"/>
+                                  </p:stCondLst>
+                                  <p:childTnLst>
+                                    <p:set>
+                                      <p:cBhvr>
+                                        <p:cTn id="30" dur="1" fill="hold">
+                                          <p:stCondLst>
+                                            <p:cond delay="0"/>
+                                          </p:stCondLst>
+                                        </p:cTn>
+                                        <p:tgtEl>
+                                          <p:spTgt spid="31"/>
+                                        </p:tgtEl>
+                                        <p:attrNameLst>
+                                          <p:attrName>style.visibility</p:attrName>
+                                        </p:attrNameLst>
+                                      </p:cBhvr>
+                                      <p:to>
+                                        <p:strVal val="visible"/>
+                                      </p:to>
+                                    </p:set>
+                                  </p:childTnLst>
+                                </p:cTn>
+                              </p:par>
+                              <p:par>
+                                <p:cTn id="31" presetID="1" presetClass="entr" presetSubtype="0" fill="hold" grpId="0" nodeType="withEffect">
+                                  <p:stCondLst>
+                                    <p:cond delay="0"/>
+                                  </p:stCondLst>
+                                  <p:childTnLst>
+                                    <p:set>
+                                      <p:cBhvr>
+                                        <p:cTn id="32" dur="1" fill="hold">
+                                          <p:stCondLst>
+                                            <p:cond delay="0"/>
+                                          </p:stCondLst>
+                                        </p:cTn>
+                                        <p:tgtEl>
+                                          <p:spTgt spid="18"/>
+                                        </p:tgtEl>
+                                        <p:attrNameLst>
+                                          <p:attrName>style.visibility</p:attrName>
+                                        </p:attrNameLst>
+                                      </p:cBhvr>
+                                      <p:to>
+                                        <p:strVal val="visible"/>
+                                      </p:to>
+                                    </p:set>
+                                  </p:childTnLst>
+                                </p:cTn>
+                              </p:par>
+                            </p:childTnLst>
+                          </p:cTn>
+                        </p:par>
+                      </p:childTnLst>
+                    </p:cTn>
+                  </p:par>
+                  <p:par>
+                    <p:cTn id="33" fill="hold">
+                      <p:stCondLst>
+                        <p:cond delay="indefinite"/>
+                      </p:stCondLst>
+                      <p:childTnLst>
+                        <p:par>
+                          <p:cTn id="34" fill="hold">
+                            <p:stCondLst>
+                              <p:cond delay="0"/>
+                            </p:stCondLst>
+                            <p:childTnLst>
+                              <p:par>
+                                <p:cTn id="35" presetID="1" presetClass="entr" presetSubtype="0" fill="hold" nodeType="clickEffect">
+                                  <p:stCondLst>
+                                    <p:cond delay="0"/>
+                                  </p:stCondLst>
+                                  <p:childTnLst>
+                                    <p:set>
+                                      <p:cBhvr>
+                                        <p:cTn id="36" dur="1" fill="hold">
+                                          <p:stCondLst>
+                                            <p:cond delay="0"/>
+                                          </p:stCondLst>
+                                        </p:cTn>
+                                        <p:tgtEl>
+                                          <p:spTgt spid="6"/>
+                                        </p:tgtEl>
+                                        <p:attrNameLst>
+                                          <p:attrName>style.visibility</p:attrName>
+                                        </p:attrNameLst>
+                                      </p:cBhvr>
+                                      <p:to>
+                                        <p:strVal val="visible"/>
+                                      </p:to>
+                                    </p:set>
+                                  </p:childTnLst>
+                                </p:cTn>
+                              </p:par>
+                            </p:childTnLst>
+                          </p:cTn>
+                        </p:par>
+                      </p:childTnLst>
+                    </p:cTn>
+                  </p:par>
+                </p:childTnLst>
+              </p:cTn>
+              <p:prevCondLst>
+                <p:cond evt="onPrev" delay="0">
+                  <p:tgtEl>
+                    <p:sldTgt/>
+                  </p:tgtEl>
+                </p:cond>
+              </p:prevCondLst>
+              <p:nextCondLst>
+                <p:cond evt="onNext" delay="0">
+                  <p:tgtEl>
+                    <p:sldTgt/>
+                  </p:tgtEl>
+                </p:cond>
+              </p:nextCondLst>
+            </p:seq>
+          </p:childTnLst>
+        </p:cTn>
+      </p:par>
+    </p:tnLst>
+    <p:bldLst>
+      <p:bldP spid="18" grpId="0" animBg="1"/>
+      <p:bldP spid="21" grpId="0" animBg="1"/>
+      <p:bldP spid="31" grpId="0" animBg="1"/>
+      <p:bldP spid="22" grpId="0" animBg="1"/>
+    </p:bldLst>
+  </p:timing>
 </p:sld>
 </file>
 
@@ -6913,7 +7865,13 @@
       </p:grpSpPr>
       <p:sp>
         <p:nvSpPr>
-          <p:cNvPr id="2" name="Title 1"/>
+          <p:cNvPr id="2" name="Title 1">
+            <a:extLst>
+              <a:ext uri="{FF2B5EF4-FFF2-40B4-BE49-F238E27FC236}">
+                <a16:creationId xmlns:a16="http://schemas.microsoft.com/office/drawing/2014/main" id="{0900A91B-BAC2-44E1-A791-90B33A4C963B}"/>
+              </a:ext>
+            </a:extLst>
+          </p:cNvPr>
           <p:cNvSpPr>
             <a:spLocks noGrp="1"/>
           </p:cNvSpPr>
@@ -6926,17 +7884,182 @@
           <a:bodyPr/>
           <a:lstStyle/>
           <a:p>
-            <a:r>
-              <a:rPr lang="en-US" dirty="0"/>
-              <a:t>Introduction</a:t>
-            </a:r>
-            <a:endParaRPr lang="en-GB" dirty="0"/>
+            <a:endParaRPr lang="en-ZA"/>
           </a:p>
         </p:txBody>
       </p:sp>
       <p:sp>
         <p:nvSpPr>
-          <p:cNvPr id="3" name="Content Placeholder 2"/>
+          <p:cNvPr id="4" name="Slide Number Placeholder 3">
+            <a:extLst>
+              <a:ext uri="{FF2B5EF4-FFF2-40B4-BE49-F238E27FC236}">
+                <a16:creationId xmlns:a16="http://schemas.microsoft.com/office/drawing/2014/main" id="{CB887F69-566C-4B98-A607-DA1A1021298F}"/>
+              </a:ext>
+            </a:extLst>
+          </p:cNvPr>
+          <p:cNvSpPr>
+            <a:spLocks noGrp="1"/>
+          </p:cNvSpPr>
+          <p:nvPr>
+            <p:ph type="sldNum" sz="quarter" idx="10"/>
+          </p:nvPr>
+        </p:nvSpPr>
+        <p:spPr/>
+        <p:txBody>
+          <a:bodyPr/>
+          <a:lstStyle/>
+          <a:p>
+            <a:pPr>
+              <a:defRPr/>
+            </a:pPr>
+            <a:fld id="{A27591B5-593E-49C1-8C2D-4B5CC8495990}" type="slidenum">
+              <a:rPr lang="en-US" smtClean="0"/>
+              <a:pPr>
+                <a:defRPr/>
+              </a:pPr>
+              <a:t>7</a:t>
+            </a:fld>
+            <a:endParaRPr lang="en-US" dirty="0"/>
+          </a:p>
+        </p:txBody>
+      </p:sp>
+      <p:pic>
+        <p:nvPicPr>
+          <p:cNvPr id="8" name="Picture 7">
+            <a:extLst>
+              <a:ext uri="{FF2B5EF4-FFF2-40B4-BE49-F238E27FC236}">
+                <a16:creationId xmlns:a16="http://schemas.microsoft.com/office/drawing/2014/main" id="{ED303DAB-881A-4740-A11C-FF58B8C183BD}"/>
+              </a:ext>
+            </a:extLst>
+          </p:cNvPr>
+          <p:cNvPicPr>
+            <a:picLocks noChangeAspect="1"/>
+          </p:cNvPicPr>
+          <p:nvPr/>
+        </p:nvPicPr>
+        <p:blipFill>
+          <a:blip r:embed="rId2">
+            <a:extLst>
+              <a:ext uri="{28A0092B-C50C-407E-A947-70E740481C1C}">
+                <a14:useLocalDpi xmlns:a14="http://schemas.microsoft.com/office/drawing/2010/main" val="0"/>
+              </a:ext>
+            </a:extLst>
+          </a:blip>
+          <a:stretch>
+            <a:fillRect/>
+          </a:stretch>
+        </p:blipFill>
+        <p:spPr>
+          <a:xfrm>
+            <a:off x="1828800" y="2034748"/>
+            <a:ext cx="2825488" cy="4442252"/>
+          </a:xfrm>
+          <a:prstGeom prst="rect">
+            <a:avLst/>
+          </a:prstGeom>
+        </p:spPr>
+      </p:pic>
+      <p:sp>
+        <p:nvSpPr>
+          <p:cNvPr id="6" name="Rectangle 5">
+            <a:extLst>
+              <a:ext uri="{FF2B5EF4-FFF2-40B4-BE49-F238E27FC236}">
+                <a16:creationId xmlns:a16="http://schemas.microsoft.com/office/drawing/2014/main" id="{CDD6BE5B-404A-4062-B371-CF7E32C70DD2}"/>
+              </a:ext>
+            </a:extLst>
+          </p:cNvPr>
+          <p:cNvSpPr/>
+          <p:nvPr/>
+        </p:nvSpPr>
+        <p:spPr>
+          <a:xfrm>
+            <a:off x="847631" y="1203751"/>
+            <a:ext cx="6096000" cy="830997"/>
+          </a:xfrm>
+          <a:prstGeom prst="rect">
+            <a:avLst/>
+          </a:prstGeom>
+        </p:spPr>
+        <p:txBody>
+          <a:bodyPr>
+            <a:spAutoFit/>
+          </a:bodyPr>
+          <a:lstStyle/>
+          <a:p>
+            <a:r>
+              <a:rPr lang="en-ZA" dirty="0"/>
+              <a:t>Once this is done the bubble locations can be found and processed.</a:t>
+            </a:r>
+          </a:p>
+        </p:txBody>
+      </p:sp>
+      <p:pic>
+        <p:nvPicPr>
+          <p:cNvPr id="9" name="Content Placeholder 4">
+            <a:extLst>
+              <a:ext uri="{FF2B5EF4-FFF2-40B4-BE49-F238E27FC236}">
+                <a16:creationId xmlns:a16="http://schemas.microsoft.com/office/drawing/2014/main" id="{F50276F8-DD58-47E8-A125-0A05867F915C}"/>
+              </a:ext>
+            </a:extLst>
+          </p:cNvPr>
+          <p:cNvPicPr>
+            <a:picLocks noChangeAspect="1"/>
+          </p:cNvPicPr>
+          <p:nvPr/>
+        </p:nvPicPr>
+        <p:blipFill rotWithShape="1">
+          <a:blip r:embed="rId3">
+            <a:extLst>
+              <a:ext uri="{28A0092B-C50C-407E-A947-70E740481C1C}">
+                <a14:useLocalDpi xmlns:a14="http://schemas.microsoft.com/office/drawing/2010/main" val="0"/>
+              </a:ext>
+            </a:extLst>
+          </a:blip>
+          <a:srcRect l="79282" t="7597" r="4243" b="66960"/>
+          <a:stretch/>
+        </p:blipFill>
+        <p:spPr bwMode="auto">
+          <a:xfrm>
+            <a:off x="6844713" y="2347354"/>
+            <a:ext cx="3910819" cy="3972951"/>
+          </a:xfrm>
+          <a:prstGeom prst="rect">
+            <a:avLst/>
+          </a:prstGeom>
+          <a:noFill/>
+          <a:ln>
+            <a:noFill/>
+          </a:ln>
+          <a:extLst>
+            <a:ext uri="{909E8E84-426E-40DD-AFC4-6F175D3DCCD1}">
+              <a14:hiddenFill xmlns:a14="http://schemas.microsoft.com/office/drawing/2010/main">
+                <a:solidFill>
+                  <a:srgbClr val="FFFFFF"/>
+                </a:solidFill>
+              </a14:hiddenFill>
+            </a:ext>
+            <a:ext uri="{91240B29-F687-4F45-9708-019B960494DF}">
+              <a14:hiddenLine xmlns:a14="http://schemas.microsoft.com/office/drawing/2010/main" w="9525">
+                <a:solidFill>
+                  <a:srgbClr val="000000"/>
+                </a:solidFill>
+                <a:miter lim="800000"/>
+                <a:headEnd/>
+                <a:tailEnd/>
+              </a14:hiddenLine>
+            </a:ext>
+          </a:extLst>
+        </p:spPr>
+      </p:pic>
+      <p:sp>
+        <p:nvSpPr>
+          <p:cNvPr id="11" name="Content Placeholder 10">
+            <a:extLst>
+              <a:ext uri="{FF2B5EF4-FFF2-40B4-BE49-F238E27FC236}">
+                <a16:creationId xmlns:a16="http://schemas.microsoft.com/office/drawing/2014/main" id="{82A21995-C246-430F-A665-07BCDEB35DFC}"/>
+              </a:ext>
+            </a:extLst>
+          </p:cNvPr>
           <p:cNvSpPr>
             <a:spLocks noGrp="1"/>
           </p:cNvSpPr>
@@ -6949,123 +8072,14 @@
           <a:bodyPr/>
           <a:lstStyle/>
           <a:p>
-            <a:r>
-              <a:rPr lang="en-ZA" dirty="0"/>
-              <a:t>The incipient motion, and thus also the erosion of shells and shell fragments, differs from that of equivalent sized sand particles</a:t>
-            </a:r>
-          </a:p>
-          <a:p>
-            <a:r>
-              <a:rPr lang="en-ZA" dirty="0"/>
-              <a:t>Only a small cross-sectional area of a shell is exposed to the horizontal direction of the flow making shells difficult to erode</a:t>
-            </a:r>
-          </a:p>
-          <a:p>
-            <a:r>
-              <a:rPr lang="en-GB" dirty="0"/>
-              <a:t>They have low </a:t>
-            </a:r>
-            <a:r>
-              <a:rPr lang="en-ZA" dirty="0"/>
-              <a:t>settling velocities due to their large cross-sectional area:</a:t>
-            </a:r>
-          </a:p>
-          <a:p>
-            <a:pPr lvl="1"/>
-            <a:r>
-              <a:rPr lang="en-ZA" dirty="0"/>
-              <a:t>This implies that shells are mostly visible on top of the sand</a:t>
-            </a:r>
-          </a:p>
-          <a:p>
-            <a:pPr lvl="1"/>
-            <a:r>
-              <a:rPr lang="en-ZA" dirty="0"/>
-              <a:t>consequently also shielding the finer, more easily erodible sediment such as sand</a:t>
-            </a:r>
-          </a:p>
-          <a:p>
-            <a:pPr marL="0" indent="0">
-              <a:buNone/>
-            </a:pPr>
-            <a:endParaRPr lang="en-GB" dirty="0"/>
+            <a:endParaRPr lang="en-ZA" dirty="0"/>
           </a:p>
         </p:txBody>
       </p:sp>
-      <p:sp>
-        <p:nvSpPr>
-          <p:cNvPr id="4" name="Slide Number Placeholder 3"/>
-          <p:cNvSpPr>
-            <a:spLocks noGrp="1"/>
-          </p:cNvSpPr>
-          <p:nvPr>
-            <p:ph type="sldNum" sz="quarter" idx="10"/>
-          </p:nvPr>
-        </p:nvSpPr>
-        <p:spPr/>
-        <p:txBody>
-          <a:bodyPr/>
-          <a:lstStyle/>
-          <a:p>
-            <a:pPr>
-              <a:defRPr/>
-            </a:pPr>
-            <a:fld id="{A27591B5-593E-49C1-8C2D-4B5CC8495990}" type="slidenum">
-              <a:rPr lang="en-US" smtClean="0"/>
-              <a:pPr>
-                <a:defRPr/>
-              </a:pPr>
-              <a:t>7</a:t>
-            </a:fld>
-            <a:endParaRPr lang="en-US" dirty="0"/>
-          </a:p>
-        </p:txBody>
-      </p:sp>
-      <p:pic>
-        <p:nvPicPr>
-          <p:cNvPr id="1026" name="Picture 2" descr="Shells, Beach, White, Waterfront, Nature, Sea"/>
-          <p:cNvPicPr>
-            <a:picLocks noChangeAspect="1" noChangeArrowheads="1"/>
-          </p:cNvPicPr>
-          <p:nvPr/>
-        </p:nvPicPr>
-        <p:blipFill>
-          <a:blip r:embed="rId2" cstate="screen">
-            <a:extLst>
-              <a:ext uri="{28A0092B-C50C-407E-A947-70E740481C1C}">
-                <a14:useLocalDpi xmlns:a14="http://schemas.microsoft.com/office/drawing/2010/main"/>
-              </a:ext>
-            </a:extLst>
-          </a:blip>
-          <a:srcRect/>
-          <a:stretch>
-            <a:fillRect/>
-          </a:stretch>
-        </p:blipFill>
-        <p:spPr bwMode="auto">
-          <a:xfrm>
-            <a:off x="8480981" y="5165407"/>
-            <a:ext cx="2043124" cy="1532343"/>
-          </a:xfrm>
-          <a:prstGeom prst="rect">
-            <a:avLst/>
-          </a:prstGeom>
-          <a:noFill/>
-          <a:extLst>
-            <a:ext uri="{909E8E84-426E-40DD-AFC4-6F175D3DCCD1}">
-              <a14:hiddenFill xmlns:a14="http://schemas.microsoft.com/office/drawing/2010/main">
-                <a:solidFill>
-                  <a:srgbClr val="FFFFFF"/>
-                </a:solidFill>
-              </a14:hiddenFill>
-            </a:ext>
-          </a:extLst>
-        </p:spPr>
-      </p:pic>
     </p:spTree>
     <p:extLst>
       <p:ext uri="{BB962C8B-B14F-4D97-AF65-F5344CB8AC3E}">
-        <p14:creationId xmlns:p14="http://schemas.microsoft.com/office/powerpoint/2010/main" val="3343450410"/>
+        <p14:creationId xmlns:p14="http://schemas.microsoft.com/office/powerpoint/2010/main" val="339862086"/>
       </p:ext>
     </p:extLst>
   </p:cSld>
@@ -7084,9 +8098,6 @@
                     <p:cTn id="3" fill="hold">
                       <p:stCondLst>
                         <p:cond delay="indefinite"/>
-                        <p:cond evt="onBegin" delay="0">
-                          <p:tn val="2"/>
-                        </p:cond>
                       </p:stCondLst>
                       <p:childTnLst>
                         <p:par>
@@ -7096,7 +8107,7 @@
                             </p:stCondLst>
                             <p:childTnLst>
                               <p:par>
-                                <p:cTn id="5" presetID="1" presetClass="entr" presetSubtype="0" fill="hold" nodeType="withEffect">
+                                <p:cTn id="5" presetID="1" presetClass="entr" presetSubtype="0" fill="hold" nodeType="clickEffect">
                                   <p:stCondLst>
                                     <p:cond delay="0"/>
                                   </p:stCondLst>
@@ -7109,7 +8120,52 @@
                                           </p:stCondLst>
                                         </p:cTn>
                                         <p:tgtEl>
-                                          <p:spTgt spid="1026"/>
+                                          <p:spTgt spid="8"/>
+                                        </p:tgtEl>
+                                        <p:attrNameLst>
+                                          <p:attrName>style.visibility</p:attrName>
+                                        </p:attrNameLst>
+                                      </p:cBhvr>
+                                      <p:to>
+                                        <p:strVal val="visible"/>
+                                      </p:to>
+                                    </p:set>
+                                  </p:childTnLst>
+                                </p:cTn>
+                              </p:par>
+                            </p:childTnLst>
+                          </p:cTn>
+                        </p:par>
+                      </p:childTnLst>
+                    </p:cTn>
+                  </p:par>
+                  <p:par>
+                    <p:cTn id="7" fill="hold">
+                      <p:stCondLst>
+                        <p:cond delay="indefinite"/>
+                      </p:stCondLst>
+                      <p:childTnLst>
+                        <p:par>
+                          <p:cTn id="8" fill="hold">
+                            <p:stCondLst>
+                              <p:cond delay="0"/>
+                            </p:stCondLst>
+                            <p:childTnLst>
+                              <p:par>
+                                <p:cTn id="9" presetID="1" presetClass="entr" presetSubtype="0" fill="hold" nodeType="clickEffect">
+                                  <p:stCondLst>
+                                    <p:cond delay="0"/>
+                                  </p:stCondLst>
+                                  <p:childTnLst>
+                                    <p:set>
+                                      <p:cBhvr>
+                                        <p:cTn id="10" dur="1" fill="hold">
+                                          <p:stCondLst>
+                                            <p:cond delay="0"/>
+                                          </p:stCondLst>
+                                        </p:cTn>
+                                        <p:tgtEl>
+                                          <p:spTgt spid="9"/>
                                         </p:tgtEl>
                                         <p:attrNameLst>
                                           <p:attrName>style.visibility</p:attrName>

--- a/OralExamination/SkripsieOral_APSmit.pptx
+++ b/OralExamination/SkripsieOral_APSmit.pptx
@@ -5,10 +5,10 @@
     <p:sldMasterId id="2147483648" r:id="rId1"/>
   </p:sldMasterIdLst>
   <p:notesMasterIdLst>
-    <p:notesMasterId r:id="rId9"/>
+    <p:notesMasterId r:id="rId13"/>
   </p:notesMasterIdLst>
   <p:handoutMasterIdLst>
-    <p:handoutMasterId r:id="rId10"/>
+    <p:handoutMasterId r:id="rId14"/>
   </p:handoutMasterIdLst>
   <p:sldIdLst>
     <p:sldId id="655" r:id="rId2"/>
@@ -16,13 +16,17 @@
     <p:sldId id="682" r:id="rId4"/>
     <p:sldId id="683" r:id="rId5"/>
     <p:sldId id="684" r:id="rId6"/>
-    <p:sldId id="608" r:id="rId7"/>
-    <p:sldId id="685" r:id="rId8"/>
+    <p:sldId id="689" r:id="rId7"/>
+    <p:sldId id="608" r:id="rId8"/>
+    <p:sldId id="685" r:id="rId9"/>
+    <p:sldId id="688" r:id="rId10"/>
+    <p:sldId id="686" r:id="rId11"/>
+    <p:sldId id="687" r:id="rId12"/>
   </p:sldIdLst>
   <p:sldSz cx="12192000" cy="6858000"/>
   <p:notesSz cx="7315200" cy="9601200"/>
   <p:custDataLst>
-    <p:tags r:id="rId11"/>
+    <p:tags r:id="rId15"/>
   </p:custDataLst>
   <p:defaultTextStyle>
     <a:defPPr>
@@ -1229,12 +1233,7 @@
             <p:ph type="sldImg"/>
           </p:nvPr>
         </p:nvSpPr>
-        <p:spPr>
-          <a:xfrm>
-            <a:off x="469900" y="717550"/>
-            <a:ext cx="6375400" cy="3586163"/>
-          </a:xfrm>
-        </p:spPr>
+        <p:spPr/>
       </p:sp>
       <p:sp>
         <p:nvSpPr>
@@ -1248,9 +1247,7 @@
         </p:nvSpPr>
         <p:spPr/>
         <p:txBody>
-          <a:bodyPr>
-            <a:normAutofit/>
-          </a:bodyPr>
+          <a:bodyPr/>
           <a:lstStyle/>
           <a:p>
             <a:endParaRPr lang="en-ZA" dirty="0"/>
@@ -1272,10 +1269,107 @@
           <a:bodyPr/>
           <a:lstStyle/>
           <a:p>
+            <a:pPr>
+              <a:defRPr/>
+            </a:pPr>
+            <a:fld id="{2AABE78A-E99E-4C1C-B170-1B5F1DA6AE54}" type="slidenum">
+              <a:rPr lang="en-US" smtClean="0"/>
+              <a:pPr>
+                <a:defRPr/>
+              </a:pPr>
+              <a:t>6</a:t>
+            </a:fld>
+            <a:endParaRPr lang="en-US" dirty="0"/>
+          </a:p>
+        </p:txBody>
+      </p:sp>
+    </p:spTree>
+    <p:extLst>
+      <p:ext uri="{BB962C8B-B14F-4D97-AF65-F5344CB8AC3E}">
+        <p14:creationId xmlns:p14="http://schemas.microsoft.com/office/powerpoint/2010/main" val="4098089469"/>
+      </p:ext>
+    </p:extLst>
+  </p:cSld>
+  <p:clrMapOvr>
+    <a:masterClrMapping/>
+  </p:clrMapOvr>
+</p:notes>
+</file>
+
+<file path=ppt/notesSlides/notesSlide5.xml><?xml version="1.0" encoding="utf-8"?>
+<p:notes xmlns:a="http://schemas.openxmlformats.org/drawingml/2006/main" xmlns:r="http://schemas.openxmlformats.org/officeDocument/2006/relationships" xmlns:p="http://schemas.openxmlformats.org/presentationml/2006/main">
+  <p:cSld>
+    <p:spTree>
+      <p:nvGrpSpPr>
+        <p:cNvPr id="1" name=""/>
+        <p:cNvGrpSpPr/>
+        <p:nvPr/>
+      </p:nvGrpSpPr>
+      <p:grpSpPr>
+        <a:xfrm>
+          <a:off x="0" y="0"/>
+          <a:ext cx="0" cy="0"/>
+          <a:chOff x="0" y="0"/>
+          <a:chExt cx="0" cy="0"/>
+        </a:xfrm>
+      </p:grpSpPr>
+      <p:sp>
+        <p:nvSpPr>
+          <p:cNvPr id="2" name="Slide Image Placeholder 1"/>
+          <p:cNvSpPr>
+            <a:spLocks noGrp="1" noRot="1" noChangeAspect="1"/>
+          </p:cNvSpPr>
+          <p:nvPr>
+            <p:ph type="sldImg"/>
+          </p:nvPr>
+        </p:nvSpPr>
+        <p:spPr>
+          <a:xfrm>
+            <a:off x="469900" y="717550"/>
+            <a:ext cx="6375400" cy="3586163"/>
+          </a:xfrm>
+        </p:spPr>
+      </p:sp>
+      <p:sp>
+        <p:nvSpPr>
+          <p:cNvPr id="3" name="Notes Placeholder 2"/>
+          <p:cNvSpPr>
+            <a:spLocks noGrp="1"/>
+          </p:cNvSpPr>
+          <p:nvPr>
+            <p:ph type="body" idx="1"/>
+          </p:nvPr>
+        </p:nvSpPr>
+        <p:spPr/>
+        <p:txBody>
+          <a:bodyPr>
+            <a:normAutofit/>
+          </a:bodyPr>
+          <a:lstStyle/>
+          <a:p>
+            <a:endParaRPr lang="en-ZA" dirty="0"/>
+          </a:p>
+        </p:txBody>
+      </p:sp>
+      <p:sp>
+        <p:nvSpPr>
+          <p:cNvPr id="4" name="Slide Number Placeholder 3"/>
+          <p:cNvSpPr>
+            <a:spLocks noGrp="1"/>
+          </p:cNvSpPr>
+          <p:nvPr>
+            <p:ph type="sldNum" sz="quarter" idx="10"/>
+          </p:nvPr>
+        </p:nvSpPr>
+        <p:spPr/>
+        <p:txBody>
+          <a:bodyPr/>
+          <a:lstStyle/>
+          <a:p>
             <a:fld id="{8FB65BEE-96AF-45B2-8292-13A3CB745DD0}" type="slidenum">
               <a:rPr lang="en-ZA" smtClean="0"/>
               <a:pPr/>
-              <a:t>6</a:t>
+              <a:t>7</a:t>
             </a:fld>
             <a:endParaRPr lang="en-ZA"/>
           </a:p>
@@ -4729,6 +4823,242 @@
 </p:sld>
 </file>
 
+<file path=ppt/slides/slide10.xml><?xml version="1.0" encoding="utf-8"?>
+<p:sld xmlns:a="http://schemas.openxmlformats.org/drawingml/2006/main" xmlns:r="http://schemas.openxmlformats.org/officeDocument/2006/relationships" xmlns:p="http://schemas.openxmlformats.org/presentationml/2006/main">
+  <p:cSld>
+    <p:spTree>
+      <p:nvGrpSpPr>
+        <p:cNvPr id="1" name=""/>
+        <p:cNvGrpSpPr/>
+        <p:nvPr/>
+      </p:nvGrpSpPr>
+      <p:grpSpPr>
+        <a:xfrm>
+          <a:off x="0" y="0"/>
+          <a:ext cx="0" cy="0"/>
+          <a:chOff x="0" y="0"/>
+          <a:chExt cx="0" cy="0"/>
+        </a:xfrm>
+      </p:grpSpPr>
+      <p:sp>
+        <p:nvSpPr>
+          <p:cNvPr id="2" name="Title 1">
+            <a:extLst>
+              <a:ext uri="{FF2B5EF4-FFF2-40B4-BE49-F238E27FC236}">
+                <a16:creationId xmlns:a16="http://schemas.microsoft.com/office/drawing/2014/main" id="{85DFEE1E-0A28-4E7C-9266-460DA1C19829}"/>
+              </a:ext>
+            </a:extLst>
+          </p:cNvPr>
+          <p:cNvSpPr>
+            <a:spLocks noGrp="1"/>
+          </p:cNvSpPr>
+          <p:nvPr>
+            <p:ph type="title"/>
+          </p:nvPr>
+        </p:nvSpPr>
+        <p:spPr/>
+        <p:txBody>
+          <a:bodyPr/>
+          <a:lstStyle/>
+          <a:p>
+            <a:r>
+              <a:rPr lang="en-ZA" dirty="0"/>
+              <a:t>Neural Networks</a:t>
+            </a:r>
+          </a:p>
+        </p:txBody>
+      </p:sp>
+      <p:sp>
+        <p:nvSpPr>
+          <p:cNvPr id="3" name="Content Placeholder 2">
+            <a:extLst>
+              <a:ext uri="{FF2B5EF4-FFF2-40B4-BE49-F238E27FC236}">
+                <a16:creationId xmlns:a16="http://schemas.microsoft.com/office/drawing/2014/main" id="{73214DDD-8DE5-4CDF-AA22-71B73940A3D7}"/>
+              </a:ext>
+            </a:extLst>
+          </p:cNvPr>
+          <p:cNvSpPr>
+            <a:spLocks noGrp="1"/>
+          </p:cNvSpPr>
+          <p:nvPr>
+            <p:ph idx="1"/>
+          </p:nvPr>
+        </p:nvSpPr>
+        <p:spPr/>
+        <p:txBody>
+          <a:bodyPr/>
+          <a:lstStyle/>
+          <a:p>
+            <a:endParaRPr lang="en-ZA" dirty="0"/>
+          </a:p>
+        </p:txBody>
+      </p:sp>
+      <p:sp>
+        <p:nvSpPr>
+          <p:cNvPr id="4" name="Slide Number Placeholder 3">
+            <a:extLst>
+              <a:ext uri="{FF2B5EF4-FFF2-40B4-BE49-F238E27FC236}">
+                <a16:creationId xmlns:a16="http://schemas.microsoft.com/office/drawing/2014/main" id="{6781CED3-6DC9-481D-BC4B-3DF2D38CA3E8}"/>
+              </a:ext>
+            </a:extLst>
+          </p:cNvPr>
+          <p:cNvSpPr>
+            <a:spLocks noGrp="1"/>
+          </p:cNvSpPr>
+          <p:nvPr>
+            <p:ph type="sldNum" sz="quarter" idx="10"/>
+          </p:nvPr>
+        </p:nvSpPr>
+        <p:spPr/>
+        <p:txBody>
+          <a:bodyPr/>
+          <a:lstStyle/>
+          <a:p>
+            <a:pPr>
+              <a:defRPr/>
+            </a:pPr>
+            <a:fld id="{A27591B5-593E-49C1-8C2D-4B5CC8495990}" type="slidenum">
+              <a:rPr lang="en-US" smtClean="0"/>
+              <a:pPr>
+                <a:defRPr/>
+              </a:pPr>
+              <a:t>10</a:t>
+            </a:fld>
+            <a:endParaRPr lang="en-US" dirty="0"/>
+          </a:p>
+        </p:txBody>
+      </p:sp>
+    </p:spTree>
+    <p:extLst>
+      <p:ext uri="{BB962C8B-B14F-4D97-AF65-F5344CB8AC3E}">
+        <p14:creationId xmlns:p14="http://schemas.microsoft.com/office/powerpoint/2010/main" val="1614728947"/>
+      </p:ext>
+    </p:extLst>
+  </p:cSld>
+  <p:clrMapOvr>
+    <a:masterClrMapping/>
+  </p:clrMapOvr>
+</p:sld>
+</file>
+
+<file path=ppt/slides/slide11.xml><?xml version="1.0" encoding="utf-8"?>
+<p:sld xmlns:a="http://schemas.openxmlformats.org/drawingml/2006/main" xmlns:r="http://schemas.openxmlformats.org/officeDocument/2006/relationships" xmlns:p="http://schemas.openxmlformats.org/presentationml/2006/main">
+  <p:cSld>
+    <p:spTree>
+      <p:nvGrpSpPr>
+        <p:cNvPr id="1" name=""/>
+        <p:cNvGrpSpPr/>
+        <p:nvPr/>
+      </p:nvGrpSpPr>
+      <p:grpSpPr>
+        <a:xfrm>
+          <a:off x="0" y="0"/>
+          <a:ext cx="0" cy="0"/>
+          <a:chOff x="0" y="0"/>
+          <a:chExt cx="0" cy="0"/>
+        </a:xfrm>
+      </p:grpSpPr>
+      <p:sp>
+        <p:nvSpPr>
+          <p:cNvPr id="2" name="Title 1">
+            <a:extLst>
+              <a:ext uri="{FF2B5EF4-FFF2-40B4-BE49-F238E27FC236}">
+                <a16:creationId xmlns:a16="http://schemas.microsoft.com/office/drawing/2014/main" id="{77EC4F6D-D351-48A5-8BFA-A35639D494F5}"/>
+              </a:ext>
+            </a:extLst>
+          </p:cNvPr>
+          <p:cNvSpPr>
+            <a:spLocks noGrp="1"/>
+          </p:cNvSpPr>
+          <p:nvPr>
+            <p:ph type="title"/>
+          </p:nvPr>
+        </p:nvSpPr>
+        <p:spPr/>
+        <p:txBody>
+          <a:bodyPr/>
+          <a:lstStyle/>
+          <a:p>
+            <a:r>
+              <a:rPr lang="en-ZA" dirty="0"/>
+              <a:t>Probabilistic Graphical Models</a:t>
+            </a:r>
+          </a:p>
+        </p:txBody>
+      </p:sp>
+      <p:sp>
+        <p:nvSpPr>
+          <p:cNvPr id="3" name="Content Placeholder 2">
+            <a:extLst>
+              <a:ext uri="{FF2B5EF4-FFF2-40B4-BE49-F238E27FC236}">
+                <a16:creationId xmlns:a16="http://schemas.microsoft.com/office/drawing/2014/main" id="{0E056701-1D03-4C14-93F1-2C7D4F26D210}"/>
+              </a:ext>
+            </a:extLst>
+          </p:cNvPr>
+          <p:cNvSpPr>
+            <a:spLocks noGrp="1"/>
+          </p:cNvSpPr>
+          <p:nvPr>
+            <p:ph idx="1"/>
+          </p:nvPr>
+        </p:nvSpPr>
+        <p:spPr/>
+        <p:txBody>
+          <a:bodyPr/>
+          <a:lstStyle/>
+          <a:p>
+            <a:endParaRPr lang="en-ZA"/>
+          </a:p>
+        </p:txBody>
+      </p:sp>
+      <p:sp>
+        <p:nvSpPr>
+          <p:cNvPr id="4" name="Slide Number Placeholder 3">
+            <a:extLst>
+              <a:ext uri="{FF2B5EF4-FFF2-40B4-BE49-F238E27FC236}">
+                <a16:creationId xmlns:a16="http://schemas.microsoft.com/office/drawing/2014/main" id="{99C20772-CB77-4ADB-88FE-DA777DAE42A9}"/>
+              </a:ext>
+            </a:extLst>
+          </p:cNvPr>
+          <p:cNvSpPr>
+            <a:spLocks noGrp="1"/>
+          </p:cNvSpPr>
+          <p:nvPr>
+            <p:ph type="sldNum" sz="quarter" idx="10"/>
+          </p:nvPr>
+        </p:nvSpPr>
+        <p:spPr/>
+        <p:txBody>
+          <a:bodyPr/>
+          <a:lstStyle/>
+          <a:p>
+            <a:pPr>
+              <a:defRPr/>
+            </a:pPr>
+            <a:fld id="{A27591B5-593E-49C1-8C2D-4B5CC8495990}" type="slidenum">
+              <a:rPr lang="en-US" smtClean="0"/>
+              <a:pPr>
+                <a:defRPr/>
+              </a:pPr>
+              <a:t>11</a:t>
+            </a:fld>
+            <a:endParaRPr lang="en-US" dirty="0"/>
+          </a:p>
+        </p:txBody>
+      </p:sp>
+    </p:spTree>
+    <p:extLst>
+      <p:ext uri="{BB962C8B-B14F-4D97-AF65-F5344CB8AC3E}">
+        <p14:creationId xmlns:p14="http://schemas.microsoft.com/office/powerpoint/2010/main" val="847988188"/>
+      </p:ext>
+    </p:extLst>
+  </p:cSld>
+  <p:clrMapOvr>
+    <a:masterClrMapping/>
+  </p:clrMapOvr>
+</p:sld>
+</file>
+
 <file path=ppt/slides/slide2.xml><?xml version="1.0" encoding="utf-8"?>
 <p:sld xmlns:a="http://schemas.openxmlformats.org/drawingml/2006/main" xmlns:r="http://schemas.openxmlformats.org/officeDocument/2006/relationships" xmlns:p="http://schemas.openxmlformats.org/presentationml/2006/main">
   <p:cSld>
@@ -4817,14 +5147,14 @@
             <a:pPr lvl="1"/>
             <a:r>
               <a:rPr lang="en-ZA" dirty="0"/>
-              <a:t>Neural Networks for character recognition</a:t>
+              <a:t> Character recognition using Neural Networks</a:t>
             </a:r>
           </a:p>
           <a:p>
             <a:pPr lvl="1"/>
             <a:r>
               <a:rPr lang="en-ZA" dirty="0"/>
-              <a:t>Probabilistic graphical model for final decision</a:t>
+              <a:t>Final decision making using Probabilistic Graphical Models</a:t>
             </a:r>
           </a:p>
           <a:p>
@@ -6760,6 +7090,1126 @@
           <a:chExt cx="0" cy="0"/>
         </a:xfrm>
       </p:grpSpPr>
+      <p:cxnSp>
+        <p:nvCxnSpPr>
+          <p:cNvPr id="27" name="Straight Arrow Connector 26">
+            <a:extLst>
+              <a:ext uri="{FF2B5EF4-FFF2-40B4-BE49-F238E27FC236}">
+                <a16:creationId xmlns:a16="http://schemas.microsoft.com/office/drawing/2014/main" id="{1D62DC96-1603-4BB4-8E2E-82748DC29107}"/>
+              </a:ext>
+            </a:extLst>
+          </p:cNvPr>
+          <p:cNvCxnSpPr>
+            <a:cxnSpLocks/>
+            <a:stCxn id="11" idx="3"/>
+            <a:endCxn id="12" idx="1"/>
+          </p:cNvCxnSpPr>
+          <p:nvPr/>
+        </p:nvCxnSpPr>
+        <p:spPr bwMode="auto">
+          <a:xfrm>
+            <a:off x="4254840" y="3838434"/>
+            <a:ext cx="289797" cy="1018287"/>
+          </a:xfrm>
+          <a:prstGeom prst="straightConnector1">
+            <a:avLst/>
+          </a:prstGeom>
+          <a:solidFill>
+            <a:schemeClr val="accent1"/>
+          </a:solidFill>
+          <a:ln w="12700" cap="sq" cmpd="sng" algn="ctr">
+            <a:solidFill>
+              <a:schemeClr val="tx1"/>
+            </a:solidFill>
+            <a:prstDash val="solid"/>
+            <a:round/>
+            <a:headEnd type="none" w="sm" len="sm"/>
+            <a:tailEnd type="triangle"/>
+          </a:ln>
+          <a:effectLst/>
+        </p:spPr>
+      </p:cxnSp>
+      <p:sp>
+        <p:nvSpPr>
+          <p:cNvPr id="2" name="Title 1">
+            <a:extLst>
+              <a:ext uri="{FF2B5EF4-FFF2-40B4-BE49-F238E27FC236}">
+                <a16:creationId xmlns:a16="http://schemas.microsoft.com/office/drawing/2014/main" id="{7DFD6271-9B77-4A84-97CD-5E95078DD9A8}"/>
+              </a:ext>
+            </a:extLst>
+          </p:cNvPr>
+          <p:cNvSpPr>
+            <a:spLocks noGrp="1"/>
+          </p:cNvSpPr>
+          <p:nvPr>
+            <p:ph type="title"/>
+          </p:nvPr>
+        </p:nvSpPr>
+        <p:spPr/>
+        <p:txBody>
+          <a:bodyPr/>
+          <a:lstStyle/>
+          <a:p>
+            <a:r>
+              <a:rPr lang="en-ZA" dirty="0"/>
+              <a:t>System overview</a:t>
+            </a:r>
+          </a:p>
+        </p:txBody>
+      </p:sp>
+      <p:sp>
+        <p:nvSpPr>
+          <p:cNvPr id="4" name="Slide Number Placeholder 3">
+            <a:extLst>
+              <a:ext uri="{FF2B5EF4-FFF2-40B4-BE49-F238E27FC236}">
+                <a16:creationId xmlns:a16="http://schemas.microsoft.com/office/drawing/2014/main" id="{9FDC663B-AE97-49DE-B1B2-171EA2DCE24C}"/>
+              </a:ext>
+            </a:extLst>
+          </p:cNvPr>
+          <p:cNvSpPr>
+            <a:spLocks noGrp="1"/>
+          </p:cNvSpPr>
+          <p:nvPr>
+            <p:ph type="sldNum" sz="quarter" idx="10"/>
+          </p:nvPr>
+        </p:nvSpPr>
+        <p:spPr/>
+        <p:txBody>
+          <a:bodyPr/>
+          <a:lstStyle/>
+          <a:p>
+            <a:pPr>
+              <a:defRPr/>
+            </a:pPr>
+            <a:fld id="{A27591B5-593E-49C1-8C2D-4B5CC8495990}" type="slidenum">
+              <a:rPr lang="en-US" smtClean="0"/>
+              <a:pPr>
+                <a:defRPr/>
+              </a:pPr>
+              <a:t>6</a:t>
+            </a:fld>
+            <a:endParaRPr lang="en-US" dirty="0"/>
+          </a:p>
+        </p:txBody>
+      </p:sp>
+      <p:pic>
+        <p:nvPicPr>
+          <p:cNvPr id="5" name="Content Placeholder 4">
+            <a:extLst>
+              <a:ext uri="{FF2B5EF4-FFF2-40B4-BE49-F238E27FC236}">
+                <a16:creationId xmlns:a16="http://schemas.microsoft.com/office/drawing/2014/main" id="{E1227393-8B36-46D3-9186-B9CF8F3CF40D}"/>
+              </a:ext>
+            </a:extLst>
+          </p:cNvPr>
+          <p:cNvPicPr>
+            <a:picLocks noGrp="1" noChangeAspect="1"/>
+          </p:cNvPicPr>
+          <p:nvPr>
+            <p:ph idx="1"/>
+          </p:nvPr>
+        </p:nvPicPr>
+        <p:blipFill rotWithShape="1">
+          <a:blip r:embed="rId3" cstate="print">
+            <a:extLst>
+              <a:ext uri="{28A0092B-C50C-407E-A947-70E740481C1C}">
+                <a14:useLocalDpi xmlns:a14="http://schemas.microsoft.com/office/drawing/2010/main" val="0"/>
+              </a:ext>
+            </a:extLst>
+          </a:blip>
+          <a:srcRect l="1903" t="2281" b="-991"/>
+          <a:stretch/>
+        </p:blipFill>
+        <p:spPr>
+          <a:xfrm>
+            <a:off x="620287" y="2554428"/>
+            <a:ext cx="1808880" cy="2568011"/>
+          </a:xfrm>
+          <a:prstGeom prst="rect">
+            <a:avLst/>
+          </a:prstGeom>
+        </p:spPr>
+      </p:pic>
+      <p:sp>
+        <p:nvSpPr>
+          <p:cNvPr id="11" name="Rectangle: Rounded Corners 10">
+            <a:extLst>
+              <a:ext uri="{FF2B5EF4-FFF2-40B4-BE49-F238E27FC236}">
+                <a16:creationId xmlns:a16="http://schemas.microsoft.com/office/drawing/2014/main" id="{93340CC5-537F-4E7D-BCA6-59818F50BDBA}"/>
+              </a:ext>
+            </a:extLst>
+          </p:cNvPr>
+          <p:cNvSpPr/>
+          <p:nvPr/>
+        </p:nvSpPr>
+        <p:spPr bwMode="auto">
+          <a:xfrm>
+            <a:off x="2622988" y="3372149"/>
+            <a:ext cx="1631852" cy="932570"/>
+          </a:xfrm>
+          <a:prstGeom prst="roundRect">
+            <a:avLst/>
+          </a:prstGeom>
+          <a:ln>
+            <a:headEnd type="none" w="sm" len="sm"/>
+            <a:tailEnd type="none" w="sm" len="sm"/>
+          </a:ln>
+        </p:spPr>
+        <p:style>
+          <a:lnRef idx="2">
+            <a:schemeClr val="accent1"/>
+          </a:lnRef>
+          <a:fillRef idx="1">
+            <a:schemeClr val="lt1"/>
+          </a:fillRef>
+          <a:effectRef idx="0">
+            <a:schemeClr val="accent1"/>
+          </a:effectRef>
+          <a:fontRef idx="minor">
+            <a:schemeClr val="dk1"/>
+          </a:fontRef>
+        </p:style>
+        <p:txBody>
+          <a:bodyPr vert="horz" wrap="square" lIns="91440" tIns="45720" rIns="91440" bIns="45720" numCol="1" rtlCol="0" anchor="t" anchorCtr="0" compatLnSpc="1">
+            <a:prstTxWarp prst="textNoShape">
+              <a:avLst/>
+            </a:prstTxWarp>
+          </a:bodyPr>
+          <a:lstStyle/>
+          <a:p>
+            <a:pPr marL="0" marR="0" indent="0" algn="l" defTabSz="914400" rtl="0" eaLnBrk="1" fontAlgn="base" latinLnBrk="0" hangingPunct="1">
+              <a:lnSpc>
+                <a:spcPct val="100000"/>
+              </a:lnSpc>
+              <a:spcBef>
+                <a:spcPct val="0"/>
+              </a:spcBef>
+              <a:spcAft>
+                <a:spcPct val="0"/>
+              </a:spcAft>
+              <a:buClrTx/>
+              <a:buSzTx/>
+              <a:buFontTx/>
+              <a:buNone/>
+              <a:tabLst/>
+            </a:pPr>
+            <a:r>
+              <a:rPr kumimoji="0" lang="en-ZA" sz="2400" b="0" i="0" u="none" strike="noStrike" cap="none" normalizeH="0" baseline="0" dirty="0">
+                <a:ln>
+                  <a:noFill/>
+                </a:ln>
+                <a:solidFill>
+                  <a:schemeClr val="tx1"/>
+                </a:solidFill>
+                <a:effectLst/>
+                <a:latin typeface="Times New Roman" pitchFamily="18" charset="0"/>
+              </a:rPr>
+              <a:t>Image Processing</a:t>
+            </a:r>
+          </a:p>
+        </p:txBody>
+      </p:sp>
+      <p:sp>
+        <p:nvSpPr>
+          <p:cNvPr id="12" name="Rectangle: Rounded Corners 11">
+            <a:extLst>
+              <a:ext uri="{FF2B5EF4-FFF2-40B4-BE49-F238E27FC236}">
+                <a16:creationId xmlns:a16="http://schemas.microsoft.com/office/drawing/2014/main" id="{2E9A134C-B271-4B60-A79C-B9731A32DCFB}"/>
+              </a:ext>
+            </a:extLst>
+          </p:cNvPr>
+          <p:cNvSpPr/>
+          <p:nvPr/>
+        </p:nvSpPr>
+        <p:spPr bwMode="auto">
+          <a:xfrm>
+            <a:off x="4544637" y="4390436"/>
+            <a:ext cx="1631852" cy="932570"/>
+          </a:xfrm>
+          <a:prstGeom prst="roundRect">
+            <a:avLst/>
+          </a:prstGeom>
+          <a:ln>
+            <a:headEnd type="none" w="sm" len="sm"/>
+            <a:tailEnd type="none" w="sm" len="sm"/>
+          </a:ln>
+        </p:spPr>
+        <p:style>
+          <a:lnRef idx="2">
+            <a:schemeClr val="accent1"/>
+          </a:lnRef>
+          <a:fillRef idx="1">
+            <a:schemeClr val="lt1"/>
+          </a:fillRef>
+          <a:effectRef idx="0">
+            <a:schemeClr val="accent1"/>
+          </a:effectRef>
+          <a:fontRef idx="minor">
+            <a:schemeClr val="dk1"/>
+          </a:fontRef>
+        </p:style>
+        <p:txBody>
+          <a:bodyPr vert="horz" wrap="square" lIns="91440" tIns="45720" rIns="91440" bIns="45720" numCol="1" rtlCol="0" anchor="t" anchorCtr="0" compatLnSpc="1">
+            <a:prstTxWarp prst="textNoShape">
+              <a:avLst/>
+            </a:prstTxWarp>
+          </a:bodyPr>
+          <a:lstStyle/>
+          <a:p>
+            <a:pPr marL="0" marR="0" indent="0" algn="l" defTabSz="914400" rtl="0" eaLnBrk="1" fontAlgn="base" latinLnBrk="0" hangingPunct="1">
+              <a:lnSpc>
+                <a:spcPct val="100000"/>
+              </a:lnSpc>
+              <a:spcBef>
+                <a:spcPct val="0"/>
+              </a:spcBef>
+              <a:spcAft>
+                <a:spcPct val="0"/>
+              </a:spcAft>
+              <a:buClrTx/>
+              <a:buSzTx/>
+              <a:buFontTx/>
+              <a:buNone/>
+              <a:tabLst/>
+            </a:pPr>
+            <a:r>
+              <a:rPr kumimoji="0" lang="en-ZA" sz="2400" b="0" i="0" u="none" strike="noStrike" cap="none" normalizeH="0" baseline="0" dirty="0">
+                <a:ln>
+                  <a:noFill/>
+                </a:ln>
+                <a:solidFill>
+                  <a:schemeClr val="tx1"/>
+                </a:solidFill>
+                <a:effectLst/>
+                <a:latin typeface="Times New Roman" pitchFamily="18" charset="0"/>
+              </a:rPr>
+              <a:t>Bubble evidence</a:t>
+            </a:r>
+          </a:p>
+        </p:txBody>
+      </p:sp>
+      <p:sp>
+        <p:nvSpPr>
+          <p:cNvPr id="13" name="Rectangle: Rounded Corners 12">
+            <a:extLst>
+              <a:ext uri="{FF2B5EF4-FFF2-40B4-BE49-F238E27FC236}">
+                <a16:creationId xmlns:a16="http://schemas.microsoft.com/office/drawing/2014/main" id="{20E6CB98-476D-4828-9058-3410F096093A}"/>
+              </a:ext>
+            </a:extLst>
+          </p:cNvPr>
+          <p:cNvSpPr/>
+          <p:nvPr/>
+        </p:nvSpPr>
+        <p:spPr bwMode="auto">
+          <a:xfrm>
+            <a:off x="4544638" y="3305821"/>
+            <a:ext cx="1631852" cy="932570"/>
+          </a:xfrm>
+          <a:prstGeom prst="roundRect">
+            <a:avLst/>
+          </a:prstGeom>
+          <a:ln>
+            <a:headEnd type="none" w="sm" len="sm"/>
+            <a:tailEnd type="none" w="sm" len="sm"/>
+          </a:ln>
+        </p:spPr>
+        <p:style>
+          <a:lnRef idx="2">
+            <a:schemeClr val="accent1"/>
+          </a:lnRef>
+          <a:fillRef idx="1">
+            <a:schemeClr val="lt1"/>
+          </a:fillRef>
+          <a:effectRef idx="0">
+            <a:schemeClr val="accent1"/>
+          </a:effectRef>
+          <a:fontRef idx="minor">
+            <a:schemeClr val="dk1"/>
+          </a:fontRef>
+        </p:style>
+        <p:txBody>
+          <a:bodyPr vert="horz" wrap="square" lIns="91440" tIns="45720" rIns="91440" bIns="45720" numCol="1" rtlCol="0" anchor="t" anchorCtr="0" compatLnSpc="1">
+            <a:prstTxWarp prst="textNoShape">
+              <a:avLst/>
+            </a:prstTxWarp>
+          </a:bodyPr>
+          <a:lstStyle/>
+          <a:p>
+            <a:pPr marL="0" marR="0" indent="0" algn="l" defTabSz="914400" rtl="0" eaLnBrk="1" fontAlgn="base" latinLnBrk="0" hangingPunct="1">
+              <a:lnSpc>
+                <a:spcPct val="100000"/>
+              </a:lnSpc>
+              <a:spcBef>
+                <a:spcPct val="0"/>
+              </a:spcBef>
+              <a:spcAft>
+                <a:spcPct val="0"/>
+              </a:spcAft>
+              <a:buClrTx/>
+              <a:buSzTx/>
+              <a:buFontTx/>
+              <a:buNone/>
+              <a:tabLst/>
+            </a:pPr>
+            <a:r>
+              <a:rPr kumimoji="0" lang="en-ZA" sz="2400" b="0" i="0" u="none" strike="noStrike" cap="none" normalizeH="0" baseline="0" dirty="0">
+                <a:ln>
+                  <a:noFill/>
+                </a:ln>
+                <a:solidFill>
+                  <a:schemeClr val="tx1"/>
+                </a:solidFill>
+                <a:effectLst/>
+                <a:latin typeface="Times New Roman" pitchFamily="18" charset="0"/>
+              </a:rPr>
+              <a:t>Character evidence</a:t>
+            </a:r>
+          </a:p>
+        </p:txBody>
+      </p:sp>
+      <p:sp>
+        <p:nvSpPr>
+          <p:cNvPr id="14" name="Rectangle: Rounded Corners 13">
+            <a:extLst>
+              <a:ext uri="{FF2B5EF4-FFF2-40B4-BE49-F238E27FC236}">
+                <a16:creationId xmlns:a16="http://schemas.microsoft.com/office/drawing/2014/main" id="{F04AD40B-4636-4B6D-ADB3-AE169D45EC41}"/>
+              </a:ext>
+            </a:extLst>
+          </p:cNvPr>
+          <p:cNvSpPr/>
+          <p:nvPr/>
+        </p:nvSpPr>
+        <p:spPr bwMode="auto">
+          <a:xfrm>
+            <a:off x="6370311" y="3305821"/>
+            <a:ext cx="1631852" cy="932570"/>
+          </a:xfrm>
+          <a:prstGeom prst="roundRect">
+            <a:avLst/>
+          </a:prstGeom>
+          <a:ln>
+            <a:headEnd type="none" w="sm" len="sm"/>
+            <a:tailEnd type="none" w="sm" len="sm"/>
+          </a:ln>
+        </p:spPr>
+        <p:style>
+          <a:lnRef idx="2">
+            <a:schemeClr val="accent1"/>
+          </a:lnRef>
+          <a:fillRef idx="1">
+            <a:schemeClr val="lt1"/>
+          </a:fillRef>
+          <a:effectRef idx="0">
+            <a:schemeClr val="accent1"/>
+          </a:effectRef>
+          <a:fontRef idx="minor">
+            <a:schemeClr val="dk1"/>
+          </a:fontRef>
+        </p:style>
+        <p:txBody>
+          <a:bodyPr vert="horz" wrap="square" lIns="91440" tIns="45720" rIns="91440" bIns="45720" numCol="1" rtlCol="0" anchor="t" anchorCtr="0" compatLnSpc="1">
+            <a:prstTxWarp prst="textNoShape">
+              <a:avLst/>
+            </a:prstTxWarp>
+          </a:bodyPr>
+          <a:lstStyle/>
+          <a:p>
+            <a:pPr marL="0" marR="0" indent="0" algn="l" defTabSz="914400" rtl="0" eaLnBrk="1" fontAlgn="base" latinLnBrk="0" hangingPunct="1">
+              <a:lnSpc>
+                <a:spcPct val="100000"/>
+              </a:lnSpc>
+              <a:spcBef>
+                <a:spcPct val="0"/>
+              </a:spcBef>
+              <a:spcAft>
+                <a:spcPct val="0"/>
+              </a:spcAft>
+              <a:buClrTx/>
+              <a:buSzTx/>
+              <a:buFontTx/>
+              <a:buNone/>
+              <a:tabLst/>
+            </a:pPr>
+            <a:r>
+              <a:rPr kumimoji="0" lang="en-ZA" sz="2400" b="0" i="0" u="none" strike="noStrike" cap="none" normalizeH="0" baseline="0" dirty="0">
+                <a:ln>
+                  <a:noFill/>
+                </a:ln>
+                <a:solidFill>
+                  <a:schemeClr val="tx1"/>
+                </a:solidFill>
+                <a:effectLst/>
+                <a:latin typeface="Times New Roman" pitchFamily="18" charset="0"/>
+              </a:rPr>
+              <a:t>Neural Network</a:t>
+            </a:r>
+          </a:p>
+        </p:txBody>
+      </p:sp>
+      <p:sp>
+        <p:nvSpPr>
+          <p:cNvPr id="16" name="Rectangle: Rounded Corners 15">
+            <a:extLst>
+              <a:ext uri="{FF2B5EF4-FFF2-40B4-BE49-F238E27FC236}">
+                <a16:creationId xmlns:a16="http://schemas.microsoft.com/office/drawing/2014/main" id="{B4FFC508-E214-498C-991B-72281FDE8026}"/>
+              </a:ext>
+            </a:extLst>
+          </p:cNvPr>
+          <p:cNvSpPr/>
+          <p:nvPr/>
+        </p:nvSpPr>
+        <p:spPr bwMode="auto">
+          <a:xfrm>
+            <a:off x="8414335" y="3471189"/>
+            <a:ext cx="1978564" cy="1865140"/>
+          </a:xfrm>
+          <a:prstGeom prst="roundRect">
+            <a:avLst/>
+          </a:prstGeom>
+          <a:ln>
+            <a:headEnd type="none" w="sm" len="sm"/>
+            <a:tailEnd type="none" w="sm" len="sm"/>
+          </a:ln>
+        </p:spPr>
+        <p:style>
+          <a:lnRef idx="2">
+            <a:schemeClr val="accent1"/>
+          </a:lnRef>
+          <a:fillRef idx="1">
+            <a:schemeClr val="lt1"/>
+          </a:fillRef>
+          <a:effectRef idx="0">
+            <a:schemeClr val="accent1"/>
+          </a:effectRef>
+          <a:fontRef idx="minor">
+            <a:schemeClr val="dk1"/>
+          </a:fontRef>
+        </p:style>
+        <p:txBody>
+          <a:bodyPr vert="horz" wrap="square" lIns="91440" tIns="45720" rIns="91440" bIns="45720" numCol="1" rtlCol="0" anchor="t" anchorCtr="0" compatLnSpc="1">
+            <a:prstTxWarp prst="textNoShape">
+              <a:avLst/>
+            </a:prstTxWarp>
+          </a:bodyPr>
+          <a:lstStyle/>
+          <a:p>
+            <a:pPr marL="0" marR="0" indent="0" algn="l" defTabSz="914400" rtl="0" eaLnBrk="1" fontAlgn="base" latinLnBrk="0" hangingPunct="1">
+              <a:lnSpc>
+                <a:spcPct val="100000"/>
+              </a:lnSpc>
+              <a:spcBef>
+                <a:spcPct val="0"/>
+              </a:spcBef>
+              <a:spcAft>
+                <a:spcPct val="0"/>
+              </a:spcAft>
+              <a:buClrTx/>
+              <a:buSzTx/>
+              <a:buFontTx/>
+              <a:buNone/>
+              <a:tabLst/>
+            </a:pPr>
+            <a:r>
+              <a:rPr kumimoji="0" lang="en-ZA" sz="2400" b="0" i="0" u="none" strike="noStrike" cap="none" normalizeH="0" baseline="0" dirty="0">
+                <a:ln>
+                  <a:noFill/>
+                </a:ln>
+                <a:solidFill>
+                  <a:schemeClr val="tx1"/>
+                </a:solidFill>
+                <a:effectLst/>
+                <a:latin typeface="Times New Roman" pitchFamily="18" charset="0"/>
+              </a:rPr>
+              <a:t>Probabilistic graphical models</a:t>
+            </a:r>
+          </a:p>
+        </p:txBody>
+      </p:sp>
+      <p:sp>
+        <p:nvSpPr>
+          <p:cNvPr id="17" name="TextBox 16">
+            <a:extLst>
+              <a:ext uri="{FF2B5EF4-FFF2-40B4-BE49-F238E27FC236}">
+                <a16:creationId xmlns:a16="http://schemas.microsoft.com/office/drawing/2014/main" id="{522ACCB7-6010-4915-BEDF-34E801892BC3}"/>
+              </a:ext>
+            </a:extLst>
+          </p:cNvPr>
+          <p:cNvSpPr txBox="1"/>
+          <p:nvPr/>
+        </p:nvSpPr>
+        <p:spPr>
+          <a:xfrm>
+            <a:off x="10586720" y="4177547"/>
+            <a:ext cx="1399535" cy="461665"/>
+          </a:xfrm>
+          <a:prstGeom prst="rect">
+            <a:avLst/>
+          </a:prstGeom>
+          <a:noFill/>
+        </p:spPr>
+        <p:txBody>
+          <a:bodyPr wrap="square" rtlCol="0">
+            <a:spAutoFit/>
+          </a:bodyPr>
+          <a:lstStyle/>
+          <a:p>
+            <a:r>
+              <a:rPr lang="en-ZA" dirty="0"/>
+              <a:t>Answers</a:t>
+            </a:r>
+          </a:p>
+        </p:txBody>
+      </p:sp>
+      <p:cxnSp>
+        <p:nvCxnSpPr>
+          <p:cNvPr id="19" name="Straight Arrow Connector 18">
+            <a:extLst>
+              <a:ext uri="{FF2B5EF4-FFF2-40B4-BE49-F238E27FC236}">
+                <a16:creationId xmlns:a16="http://schemas.microsoft.com/office/drawing/2014/main" id="{4E491680-5F87-43D7-86E6-90416B22030C}"/>
+              </a:ext>
+            </a:extLst>
+          </p:cNvPr>
+          <p:cNvCxnSpPr>
+            <a:stCxn id="5" idx="3"/>
+            <a:endCxn id="11" idx="1"/>
+          </p:cNvCxnSpPr>
+          <p:nvPr/>
+        </p:nvCxnSpPr>
+        <p:spPr bwMode="auto">
+          <a:xfrm>
+            <a:off x="2429167" y="3838434"/>
+            <a:ext cx="193821" cy="0"/>
+          </a:xfrm>
+          <a:prstGeom prst="straightConnector1">
+            <a:avLst/>
+          </a:prstGeom>
+          <a:solidFill>
+            <a:schemeClr val="accent1"/>
+          </a:solidFill>
+          <a:ln w="12700" cap="sq" cmpd="sng" algn="ctr">
+            <a:solidFill>
+              <a:schemeClr val="tx1"/>
+            </a:solidFill>
+            <a:prstDash val="solid"/>
+            <a:round/>
+            <a:headEnd type="none" w="sm" len="sm"/>
+            <a:tailEnd type="triangle"/>
+          </a:ln>
+          <a:effectLst/>
+        </p:spPr>
+      </p:cxnSp>
+      <p:cxnSp>
+        <p:nvCxnSpPr>
+          <p:cNvPr id="21" name="Straight Arrow Connector 20">
+            <a:extLst>
+              <a:ext uri="{FF2B5EF4-FFF2-40B4-BE49-F238E27FC236}">
+                <a16:creationId xmlns:a16="http://schemas.microsoft.com/office/drawing/2014/main" id="{BFA379B5-0C73-4FDD-AABE-0D32717966FE}"/>
+              </a:ext>
+            </a:extLst>
+          </p:cNvPr>
+          <p:cNvCxnSpPr>
+            <a:cxnSpLocks/>
+            <a:stCxn id="13" idx="3"/>
+            <a:endCxn id="14" idx="1"/>
+          </p:cNvCxnSpPr>
+          <p:nvPr/>
+        </p:nvCxnSpPr>
+        <p:spPr bwMode="auto">
+          <a:xfrm>
+            <a:off x="6176490" y="3772106"/>
+            <a:ext cx="193821" cy="0"/>
+          </a:xfrm>
+          <a:prstGeom prst="straightConnector1">
+            <a:avLst/>
+          </a:prstGeom>
+          <a:solidFill>
+            <a:schemeClr val="accent1"/>
+          </a:solidFill>
+          <a:ln w="12700" cap="sq" cmpd="sng" algn="ctr">
+            <a:solidFill>
+              <a:schemeClr val="tx1"/>
+            </a:solidFill>
+            <a:prstDash val="solid"/>
+            <a:round/>
+            <a:headEnd type="none" w="sm" len="sm"/>
+            <a:tailEnd type="triangle"/>
+          </a:ln>
+          <a:effectLst/>
+        </p:spPr>
+      </p:cxnSp>
+      <p:cxnSp>
+        <p:nvCxnSpPr>
+          <p:cNvPr id="22" name="Straight Arrow Connector 21">
+            <a:extLst>
+              <a:ext uri="{FF2B5EF4-FFF2-40B4-BE49-F238E27FC236}">
+                <a16:creationId xmlns:a16="http://schemas.microsoft.com/office/drawing/2014/main" id="{509E087E-447D-400A-957F-F213182CF8FB}"/>
+              </a:ext>
+            </a:extLst>
+          </p:cNvPr>
+          <p:cNvCxnSpPr>
+            <a:cxnSpLocks/>
+            <a:stCxn id="12" idx="3"/>
+            <a:endCxn id="16" idx="1"/>
+          </p:cNvCxnSpPr>
+          <p:nvPr/>
+        </p:nvCxnSpPr>
+        <p:spPr bwMode="auto">
+          <a:xfrm flipV="1">
+            <a:off x="6176489" y="4403759"/>
+            <a:ext cx="2237846" cy="452962"/>
+          </a:xfrm>
+          <a:prstGeom prst="straightConnector1">
+            <a:avLst/>
+          </a:prstGeom>
+          <a:solidFill>
+            <a:schemeClr val="accent1"/>
+          </a:solidFill>
+          <a:ln w="12700" cap="sq" cmpd="sng" algn="ctr">
+            <a:solidFill>
+              <a:schemeClr val="tx1"/>
+            </a:solidFill>
+            <a:prstDash val="solid"/>
+            <a:round/>
+            <a:headEnd type="none" w="sm" len="sm"/>
+            <a:tailEnd type="triangle"/>
+          </a:ln>
+          <a:effectLst/>
+        </p:spPr>
+      </p:cxnSp>
+      <p:cxnSp>
+        <p:nvCxnSpPr>
+          <p:cNvPr id="24" name="Straight Arrow Connector 23">
+            <a:extLst>
+              <a:ext uri="{FF2B5EF4-FFF2-40B4-BE49-F238E27FC236}">
+                <a16:creationId xmlns:a16="http://schemas.microsoft.com/office/drawing/2014/main" id="{C6A129E3-3BB8-49B8-97A8-01EBA1B1F27E}"/>
+              </a:ext>
+            </a:extLst>
+          </p:cNvPr>
+          <p:cNvCxnSpPr>
+            <a:cxnSpLocks/>
+            <a:stCxn id="16" idx="3"/>
+            <a:endCxn id="17" idx="1"/>
+          </p:cNvCxnSpPr>
+          <p:nvPr/>
+        </p:nvCxnSpPr>
+        <p:spPr bwMode="auto">
+          <a:xfrm>
+            <a:off x="10392899" y="4403759"/>
+            <a:ext cx="193821" cy="4621"/>
+          </a:xfrm>
+          <a:prstGeom prst="straightConnector1">
+            <a:avLst/>
+          </a:prstGeom>
+          <a:solidFill>
+            <a:schemeClr val="accent1"/>
+          </a:solidFill>
+          <a:ln w="12700" cap="sq" cmpd="sng" algn="ctr">
+            <a:solidFill>
+              <a:schemeClr val="tx1"/>
+            </a:solidFill>
+            <a:prstDash val="solid"/>
+            <a:round/>
+            <a:headEnd type="none" w="sm" len="sm"/>
+            <a:tailEnd type="triangle"/>
+          </a:ln>
+          <a:effectLst/>
+        </p:spPr>
+      </p:cxnSp>
+      <p:cxnSp>
+        <p:nvCxnSpPr>
+          <p:cNvPr id="25" name="Straight Arrow Connector 24">
+            <a:extLst>
+              <a:ext uri="{FF2B5EF4-FFF2-40B4-BE49-F238E27FC236}">
+                <a16:creationId xmlns:a16="http://schemas.microsoft.com/office/drawing/2014/main" id="{E5739142-5511-49B8-B9EB-35DDD989F59E}"/>
+              </a:ext>
+            </a:extLst>
+          </p:cNvPr>
+          <p:cNvCxnSpPr>
+            <a:cxnSpLocks/>
+            <a:stCxn id="14" idx="3"/>
+            <a:endCxn id="16" idx="1"/>
+          </p:cNvCxnSpPr>
+          <p:nvPr/>
+        </p:nvCxnSpPr>
+        <p:spPr bwMode="auto">
+          <a:xfrm>
+            <a:off x="8002163" y="3772106"/>
+            <a:ext cx="412172" cy="631653"/>
+          </a:xfrm>
+          <a:prstGeom prst="straightConnector1">
+            <a:avLst/>
+          </a:prstGeom>
+          <a:solidFill>
+            <a:schemeClr val="accent1"/>
+          </a:solidFill>
+          <a:ln w="12700" cap="sq" cmpd="sng" algn="ctr">
+            <a:solidFill>
+              <a:schemeClr val="tx1"/>
+            </a:solidFill>
+            <a:prstDash val="solid"/>
+            <a:round/>
+            <a:headEnd type="none" w="sm" len="sm"/>
+            <a:tailEnd type="triangle"/>
+          </a:ln>
+          <a:effectLst/>
+        </p:spPr>
+      </p:cxnSp>
+      <p:cxnSp>
+        <p:nvCxnSpPr>
+          <p:cNvPr id="26" name="Straight Arrow Connector 25">
+            <a:extLst>
+              <a:ext uri="{FF2B5EF4-FFF2-40B4-BE49-F238E27FC236}">
+                <a16:creationId xmlns:a16="http://schemas.microsoft.com/office/drawing/2014/main" id="{EF03DA8D-F10B-4502-9366-F2C0DDEEFC6D}"/>
+              </a:ext>
+            </a:extLst>
+          </p:cNvPr>
+          <p:cNvCxnSpPr>
+            <a:cxnSpLocks/>
+            <a:stCxn id="11" idx="3"/>
+            <a:endCxn id="13" idx="1"/>
+          </p:cNvCxnSpPr>
+          <p:nvPr/>
+        </p:nvCxnSpPr>
+        <p:spPr bwMode="auto">
+          <a:xfrm flipV="1">
+            <a:off x="4254840" y="3772106"/>
+            <a:ext cx="289798" cy="66328"/>
+          </a:xfrm>
+          <a:prstGeom prst="straightConnector1">
+            <a:avLst/>
+          </a:prstGeom>
+          <a:solidFill>
+            <a:schemeClr val="accent1"/>
+          </a:solidFill>
+          <a:ln w="12700" cap="sq" cmpd="sng" algn="ctr">
+            <a:solidFill>
+              <a:schemeClr val="tx1"/>
+            </a:solidFill>
+            <a:prstDash val="solid"/>
+            <a:round/>
+            <a:headEnd type="none" w="sm" len="sm"/>
+            <a:tailEnd type="triangle"/>
+          </a:ln>
+          <a:effectLst/>
+        </p:spPr>
+      </p:cxnSp>
+      <p:pic>
+        <p:nvPicPr>
+          <p:cNvPr id="76" name="Picture 75">
+            <a:extLst>
+              <a:ext uri="{FF2B5EF4-FFF2-40B4-BE49-F238E27FC236}">
+                <a16:creationId xmlns:a16="http://schemas.microsoft.com/office/drawing/2014/main" id="{532E7914-DCDC-4C33-9C25-93DE380F3E95}"/>
+              </a:ext>
+            </a:extLst>
+          </p:cNvPr>
+          <p:cNvPicPr>
+            <a:picLocks noChangeAspect="1"/>
+          </p:cNvPicPr>
+          <p:nvPr/>
+        </p:nvPicPr>
+        <p:blipFill rotWithShape="1">
+          <a:blip r:embed="rId4" cstate="print">
+            <a:extLst>
+              <a:ext uri="{28A0092B-C50C-407E-A947-70E740481C1C}">
+                <a14:useLocalDpi xmlns:a14="http://schemas.microsoft.com/office/drawing/2010/main" val="0"/>
+              </a:ext>
+            </a:extLst>
+          </a:blip>
+          <a:srcRect r="61468"/>
+          <a:stretch/>
+        </p:blipFill>
+        <p:spPr>
+          <a:xfrm>
+            <a:off x="4752905" y="1940731"/>
+            <a:ext cx="1228795" cy="1227394"/>
+          </a:xfrm>
+          <a:prstGeom prst="rect">
+            <a:avLst/>
+          </a:prstGeom>
+        </p:spPr>
+      </p:pic>
+      <p:pic>
+        <p:nvPicPr>
+          <p:cNvPr id="78" name="Picture 77">
+            <a:extLst>
+              <a:ext uri="{FF2B5EF4-FFF2-40B4-BE49-F238E27FC236}">
+                <a16:creationId xmlns:a16="http://schemas.microsoft.com/office/drawing/2014/main" id="{4087D187-6CB4-42AD-82E8-4B7C86A1ACC1}"/>
+              </a:ext>
+            </a:extLst>
+          </p:cNvPr>
+          <p:cNvPicPr>
+            <a:picLocks noChangeAspect="1"/>
+          </p:cNvPicPr>
+          <p:nvPr/>
+        </p:nvPicPr>
+        <p:blipFill>
+          <a:blip r:embed="rId5" cstate="print">
+            <a:extLst>
+              <a:ext uri="{28A0092B-C50C-407E-A947-70E740481C1C}">
+                <a14:useLocalDpi xmlns:a14="http://schemas.microsoft.com/office/drawing/2010/main" val="0"/>
+              </a:ext>
+            </a:extLst>
+          </a:blip>
+          <a:stretch>
+            <a:fillRect/>
+          </a:stretch>
+        </p:blipFill>
+        <p:spPr>
+          <a:xfrm>
+            <a:off x="6391714" y="2019581"/>
+            <a:ext cx="1816535" cy="1069693"/>
+          </a:xfrm>
+          <a:prstGeom prst="rect">
+            <a:avLst/>
+          </a:prstGeom>
+        </p:spPr>
+      </p:pic>
+      <p:grpSp>
+        <p:nvGrpSpPr>
+          <p:cNvPr id="1039" name="Group 1038">
+            <a:extLst>
+              <a:ext uri="{FF2B5EF4-FFF2-40B4-BE49-F238E27FC236}">
+                <a16:creationId xmlns:a16="http://schemas.microsoft.com/office/drawing/2014/main" id="{888D0303-C7EB-461A-9132-8C999BD207C2}"/>
+              </a:ext>
+            </a:extLst>
+          </p:cNvPr>
+          <p:cNvGrpSpPr/>
+          <p:nvPr/>
+        </p:nvGrpSpPr>
+        <p:grpSpPr>
+          <a:xfrm>
+            <a:off x="4374862" y="5507288"/>
+            <a:ext cx="1801627" cy="454995"/>
+            <a:chOff x="4180073" y="5166789"/>
+            <a:chExt cx="2219146" cy="526338"/>
+          </a:xfrm>
+        </p:grpSpPr>
+        <p:pic>
+          <p:nvPicPr>
+            <p:cNvPr id="79" name="Picture 78">
+              <a:extLst>
+                <a:ext uri="{FF2B5EF4-FFF2-40B4-BE49-F238E27FC236}">
+                  <a16:creationId xmlns:a16="http://schemas.microsoft.com/office/drawing/2014/main" id="{0DC43B9E-960B-4B60-B9F8-D10C600C8CD5}"/>
+                </a:ext>
+              </a:extLst>
+            </p:cNvPr>
+            <p:cNvPicPr/>
+            <p:nvPr/>
+          </p:nvPicPr>
+          <p:blipFill rotWithShape="1">
+            <a:blip r:embed="rId6"/>
+            <a:srcRect l="32494" t="46249" r="65162" b="50357"/>
+            <a:stretch/>
+          </p:blipFill>
+          <p:spPr bwMode="auto">
+            <a:xfrm>
+              <a:off x="5922969" y="5182029"/>
+              <a:ext cx="476250" cy="388395"/>
+            </a:xfrm>
+            <a:prstGeom prst="rect">
+              <a:avLst/>
+            </a:prstGeom>
+          </p:spPr>
+        </p:pic>
+        <p:pic>
+          <p:nvPicPr>
+            <p:cNvPr id="83" name="Picture 82">
+              <a:extLst>
+                <a:ext uri="{FF2B5EF4-FFF2-40B4-BE49-F238E27FC236}">
+                  <a16:creationId xmlns:a16="http://schemas.microsoft.com/office/drawing/2014/main" id="{A6AE2AE3-06A8-45CD-ADB4-7AE2EE6F30E2}"/>
+                </a:ext>
+              </a:extLst>
+            </p:cNvPr>
+            <p:cNvPicPr>
+              <a:picLocks noChangeAspect="1"/>
+            </p:cNvPicPr>
+            <p:nvPr/>
+          </p:nvPicPr>
+          <p:blipFill rotWithShape="1">
+            <a:blip r:embed="rId7">
+              <a:extLst>
+                <a:ext uri="{28A0092B-C50C-407E-A947-70E740481C1C}">
+                  <a14:useLocalDpi xmlns:a14="http://schemas.microsoft.com/office/drawing/2010/main" val="0"/>
+                </a:ext>
+              </a:extLst>
+            </a:blip>
+            <a:srcRect l="27943" t="80954" r="69615" b="17556"/>
+            <a:stretch/>
+          </p:blipFill>
+          <p:spPr>
+            <a:xfrm>
+              <a:off x="5308170" y="5217923"/>
+              <a:ext cx="485203" cy="418932"/>
+            </a:xfrm>
+            <a:prstGeom prst="rect">
+              <a:avLst/>
+            </a:prstGeom>
+          </p:spPr>
+        </p:pic>
+        <p:pic>
+          <p:nvPicPr>
+            <p:cNvPr id="84" name="Picture 83">
+              <a:extLst>
+                <a:ext uri="{FF2B5EF4-FFF2-40B4-BE49-F238E27FC236}">
+                  <a16:creationId xmlns:a16="http://schemas.microsoft.com/office/drawing/2014/main" id="{D2788DFF-5D6B-4AB5-AA00-69F99191078E}"/>
+                </a:ext>
+              </a:extLst>
+            </p:cNvPr>
+            <p:cNvPicPr/>
+            <p:nvPr/>
+          </p:nvPicPr>
+          <p:blipFill rotWithShape="1">
+            <a:blip r:embed="rId6"/>
+            <a:srcRect l="29391" t="46088" r="68218" b="50143"/>
+            <a:stretch/>
+          </p:blipFill>
+          <p:spPr bwMode="auto">
+            <a:xfrm>
+              <a:off x="4180073" y="5182029"/>
+              <a:ext cx="485641" cy="417034"/>
+            </a:xfrm>
+            <a:prstGeom prst="rect">
+              <a:avLst/>
+            </a:prstGeom>
+          </p:spPr>
+        </p:pic>
+        <p:pic>
+          <p:nvPicPr>
+            <p:cNvPr id="85" name="Picture 84">
+              <a:extLst>
+                <a:ext uri="{FF2B5EF4-FFF2-40B4-BE49-F238E27FC236}">
+                  <a16:creationId xmlns:a16="http://schemas.microsoft.com/office/drawing/2014/main" id="{CC94ED25-75C3-4C77-BD86-2592BA2B8AC6}"/>
+                </a:ext>
+              </a:extLst>
+            </p:cNvPr>
+            <p:cNvPicPr/>
+            <p:nvPr/>
+          </p:nvPicPr>
+          <p:blipFill rotWithShape="1">
+            <a:blip r:embed="rId6"/>
+            <a:srcRect l="35064" t="46088" r="61747" b="49155"/>
+            <a:stretch/>
+          </p:blipFill>
+          <p:spPr bwMode="auto">
+            <a:xfrm>
+              <a:off x="4716348" y="5166789"/>
+              <a:ext cx="647848" cy="526338"/>
+            </a:xfrm>
+            <a:prstGeom prst="rect">
+              <a:avLst/>
+            </a:prstGeom>
+          </p:spPr>
+        </p:pic>
+      </p:grpSp>
+      <p:pic>
+        <p:nvPicPr>
+          <p:cNvPr id="86" name="Picture 85">
+            <a:extLst>
+              <a:ext uri="{FF2B5EF4-FFF2-40B4-BE49-F238E27FC236}">
+                <a16:creationId xmlns:a16="http://schemas.microsoft.com/office/drawing/2014/main" id="{39FAD006-F467-483F-B96D-81A972490A86}"/>
+              </a:ext>
+            </a:extLst>
+          </p:cNvPr>
+          <p:cNvPicPr>
+            <a:picLocks noChangeAspect="1"/>
+          </p:cNvPicPr>
+          <p:nvPr/>
+        </p:nvPicPr>
+        <p:blipFill rotWithShape="1">
+          <a:blip r:embed="rId8">
+            <a:extLst>
+              <a:ext uri="{28A0092B-C50C-407E-A947-70E740481C1C}">
+                <a14:useLocalDpi xmlns:a14="http://schemas.microsoft.com/office/drawing/2010/main" val="0"/>
+              </a:ext>
+            </a:extLst>
+          </a:blip>
+          <a:srcRect l="59260" t="3129" r="3423" b="69401"/>
+          <a:stretch/>
+        </p:blipFill>
+        <p:spPr>
+          <a:xfrm>
+            <a:off x="2742958" y="1433032"/>
+            <a:ext cx="1499219" cy="1735093"/>
+          </a:xfrm>
+          <a:prstGeom prst="rect">
+            <a:avLst/>
+          </a:prstGeom>
+        </p:spPr>
+      </p:pic>
+      <p:pic>
+        <p:nvPicPr>
+          <p:cNvPr id="1026" name="Picture 2" descr="https://qph.ec.quoracdn.net/main-qimg-f5b43e499fe2ae72249bbb9469d4661e">
+            <a:extLst>
+              <a:ext uri="{FF2B5EF4-FFF2-40B4-BE49-F238E27FC236}">
+                <a16:creationId xmlns:a16="http://schemas.microsoft.com/office/drawing/2014/main" id="{458B1E13-273D-4ACD-AF1C-32ED84BD0F92}"/>
+              </a:ext>
+            </a:extLst>
+          </p:cNvPr>
+          <p:cNvPicPr>
+            <a:picLocks noChangeAspect="1" noChangeArrowheads="1"/>
+          </p:cNvPicPr>
+          <p:nvPr/>
+        </p:nvPicPr>
+        <p:blipFill rotWithShape="1">
+          <a:blip r:embed="rId9">
+            <a:extLst>
+              <a:ext uri="{28A0092B-C50C-407E-A947-70E740481C1C}">
+                <a14:useLocalDpi xmlns:a14="http://schemas.microsoft.com/office/drawing/2010/main" val="0"/>
+              </a:ext>
+            </a:extLst>
+          </a:blip>
+          <a:srcRect l="4526"/>
+          <a:stretch/>
+        </p:blipFill>
+        <p:spPr bwMode="auto">
+          <a:xfrm>
+            <a:off x="8208249" y="1774579"/>
+            <a:ext cx="2547628" cy="1462791"/>
+          </a:xfrm>
+          <a:prstGeom prst="rect">
+            <a:avLst/>
+          </a:prstGeom>
+          <a:noFill/>
+          <a:extLst>
+            <a:ext uri="{909E8E84-426E-40DD-AFC4-6F175D3DCCD1}">
+              <a14:hiddenFill xmlns:a14="http://schemas.microsoft.com/office/drawing/2010/main">
+                <a:solidFill>
+                  <a:srgbClr val="FFFFFF"/>
+                </a:solidFill>
+              </a14:hiddenFill>
+            </a:ext>
+          </a:extLst>
+        </p:spPr>
+      </p:pic>
+    </p:spTree>
+    <p:extLst>
+      <p:ext uri="{BB962C8B-B14F-4D97-AF65-F5344CB8AC3E}">
+        <p14:creationId xmlns:p14="http://schemas.microsoft.com/office/powerpoint/2010/main" val="1579031624"/>
+      </p:ext>
+    </p:extLst>
+  </p:cSld>
+  <p:clrMapOvr>
+    <a:masterClrMapping/>
+  </p:clrMapOvr>
+</p:sld>
+</file>
+
+<file path=ppt/slides/slide7.xml><?xml version="1.0" encoding="utf-8"?>
+<p:sld xmlns:a="http://schemas.openxmlformats.org/drawingml/2006/main" xmlns:r="http://schemas.openxmlformats.org/officeDocument/2006/relationships" xmlns:p="http://schemas.openxmlformats.org/presentationml/2006/main">
+  <p:cSld>
+    <p:spTree>
+      <p:nvGrpSpPr>
+        <p:cNvPr id="1" name=""/>
+        <p:cNvGrpSpPr/>
+        <p:nvPr/>
+      </p:nvGrpSpPr>
+      <p:grpSpPr>
+        <a:xfrm>
+          <a:off x="0" y="0"/>
+          <a:ext cx="0" cy="0"/>
+          <a:chOff x="0" y="0"/>
+          <a:chExt cx="0" cy="0"/>
+        </a:xfrm>
+      </p:grpSpPr>
       <p:pic>
         <p:nvPicPr>
           <p:cNvPr id="37" name="Picture 36">
@@ -6884,7 +8334,7 @@
             <a:fld id="{E1C8B3A6-3C3C-4C3A-840C-7024069E8318}" type="slidenum">
               <a:rPr lang="en-ZA" smtClean="0"/>
               <a:pPr/>
-              <a:t>6</a:t>
+              <a:t>7</a:t>
             </a:fld>
             <a:endParaRPr lang="en-ZA"/>
           </a:p>
@@ -7846,7 +9296,7 @@
 </p:sld>
 </file>
 
-<file path=ppt/slides/slide7.xml><?xml version="1.0" encoding="utf-8"?>
+<file path=ppt/slides/slide8.xml><?xml version="1.0" encoding="utf-8"?>
 <p:sld xmlns:a="http://schemas.openxmlformats.org/drawingml/2006/main" xmlns:r="http://schemas.openxmlformats.org/officeDocument/2006/relationships" xmlns:p="http://schemas.openxmlformats.org/presentationml/2006/main">
   <p:cSld>
     <p:spTree>
@@ -7917,7 +9367,7 @@
               <a:pPr>
                 <a:defRPr/>
               </a:pPr>
-              <a:t>7</a:t>
+              <a:t>8</a:t>
             </a:fld>
             <a:endParaRPr lang="en-US" dirty="0"/>
           </a:p>
@@ -8206,6 +9656,127 @@
       </p:par>
     </p:tnLst>
   </p:timing>
+</p:sld>
+</file>
+
+<file path=ppt/slides/slide9.xml><?xml version="1.0" encoding="utf-8"?>
+<p:sld xmlns:a="http://schemas.openxmlformats.org/drawingml/2006/main" xmlns:r="http://schemas.openxmlformats.org/officeDocument/2006/relationships" xmlns:p="http://schemas.openxmlformats.org/presentationml/2006/main">
+  <p:cSld>
+    <p:spTree>
+      <p:nvGrpSpPr>
+        <p:cNvPr id="1" name=""/>
+        <p:cNvGrpSpPr/>
+        <p:nvPr/>
+      </p:nvGrpSpPr>
+      <p:grpSpPr>
+        <a:xfrm>
+          <a:off x="0" y="0"/>
+          <a:ext cx="0" cy="0"/>
+          <a:chOff x="0" y="0"/>
+          <a:chExt cx="0" cy="0"/>
+        </a:xfrm>
+      </p:grpSpPr>
+      <p:sp>
+        <p:nvSpPr>
+          <p:cNvPr id="2" name="Title 1">
+            <a:extLst>
+              <a:ext uri="{FF2B5EF4-FFF2-40B4-BE49-F238E27FC236}">
+                <a16:creationId xmlns:a16="http://schemas.microsoft.com/office/drawing/2014/main" id="{68CE8CD5-3104-4140-BDE4-0AD8BBC1131C}"/>
+              </a:ext>
+            </a:extLst>
+          </p:cNvPr>
+          <p:cNvSpPr>
+            <a:spLocks noGrp="1"/>
+          </p:cNvSpPr>
+          <p:nvPr>
+            <p:ph type="title"/>
+          </p:nvPr>
+        </p:nvSpPr>
+        <p:spPr/>
+        <p:txBody>
+          <a:bodyPr/>
+          <a:lstStyle/>
+          <a:p>
+            <a:r>
+              <a:rPr lang="en-ZA" dirty="0"/>
+              <a:t>Machine learning techniques</a:t>
+            </a:r>
+          </a:p>
+        </p:txBody>
+      </p:sp>
+      <p:sp>
+        <p:nvSpPr>
+          <p:cNvPr id="3" name="Content Placeholder 2">
+            <a:extLst>
+              <a:ext uri="{FF2B5EF4-FFF2-40B4-BE49-F238E27FC236}">
+                <a16:creationId xmlns:a16="http://schemas.microsoft.com/office/drawing/2014/main" id="{586C560F-3192-4796-82BA-5067BC050453}"/>
+              </a:ext>
+            </a:extLst>
+          </p:cNvPr>
+          <p:cNvSpPr>
+            <a:spLocks noGrp="1"/>
+          </p:cNvSpPr>
+          <p:nvPr>
+            <p:ph idx="1"/>
+          </p:nvPr>
+        </p:nvSpPr>
+        <p:spPr/>
+        <p:txBody>
+          <a:bodyPr/>
+          <a:lstStyle/>
+          <a:p>
+            <a:pPr marL="0" indent="0">
+              <a:buNone/>
+            </a:pPr>
+            <a:endParaRPr lang="en-ZA" dirty="0"/>
+          </a:p>
+        </p:txBody>
+      </p:sp>
+      <p:sp>
+        <p:nvSpPr>
+          <p:cNvPr id="4" name="Slide Number Placeholder 3">
+            <a:extLst>
+              <a:ext uri="{FF2B5EF4-FFF2-40B4-BE49-F238E27FC236}">
+                <a16:creationId xmlns:a16="http://schemas.microsoft.com/office/drawing/2014/main" id="{8D1A2C6C-7DF9-4371-B912-DA251FADB684}"/>
+              </a:ext>
+            </a:extLst>
+          </p:cNvPr>
+          <p:cNvSpPr>
+            <a:spLocks noGrp="1"/>
+          </p:cNvSpPr>
+          <p:nvPr>
+            <p:ph type="sldNum" sz="quarter" idx="10"/>
+          </p:nvPr>
+        </p:nvSpPr>
+        <p:spPr/>
+        <p:txBody>
+          <a:bodyPr/>
+          <a:lstStyle/>
+          <a:p>
+            <a:pPr>
+              <a:defRPr/>
+            </a:pPr>
+            <a:fld id="{A27591B5-593E-49C1-8C2D-4B5CC8495990}" type="slidenum">
+              <a:rPr lang="en-US" smtClean="0"/>
+              <a:pPr>
+                <a:defRPr/>
+              </a:pPr>
+              <a:t>9</a:t>
+            </a:fld>
+            <a:endParaRPr lang="en-US" dirty="0"/>
+          </a:p>
+        </p:txBody>
+      </p:sp>
+    </p:spTree>
+    <p:extLst>
+      <p:ext uri="{BB962C8B-B14F-4D97-AF65-F5344CB8AC3E}">
+        <p14:creationId xmlns:p14="http://schemas.microsoft.com/office/powerpoint/2010/main" val="2373446901"/>
+      </p:ext>
+    </p:extLst>
+  </p:cSld>
+  <p:clrMapOvr>
+    <a:masterClrMapping/>
+  </p:clrMapOvr>
 </p:sld>
 </file>
 

--- a/OralExamination/SkripsieOral_APSmit.pptx
+++ b/OralExamination/SkripsieOral_APSmit.pptx
@@ -5,10 +5,10 @@
     <p:sldMasterId id="2147483648" r:id="rId1"/>
   </p:sldMasterIdLst>
   <p:notesMasterIdLst>
-    <p:notesMasterId r:id="rId13"/>
+    <p:notesMasterId r:id="rId14"/>
   </p:notesMasterIdLst>
   <p:handoutMasterIdLst>
-    <p:handoutMasterId r:id="rId14"/>
+    <p:handoutMasterId r:id="rId15"/>
   </p:handoutMasterIdLst>
   <p:sldIdLst>
     <p:sldId id="655" r:id="rId2"/>
@@ -16,17 +16,18 @@
     <p:sldId id="682" r:id="rId4"/>
     <p:sldId id="683" r:id="rId5"/>
     <p:sldId id="684" r:id="rId6"/>
-    <p:sldId id="689" r:id="rId7"/>
-    <p:sldId id="608" r:id="rId8"/>
-    <p:sldId id="685" r:id="rId9"/>
-    <p:sldId id="688" r:id="rId10"/>
+    <p:sldId id="691" r:id="rId7"/>
+    <p:sldId id="689" r:id="rId8"/>
+    <p:sldId id="608" r:id="rId9"/>
+    <p:sldId id="685" r:id="rId10"/>
     <p:sldId id="686" r:id="rId11"/>
     <p:sldId id="687" r:id="rId12"/>
+    <p:sldId id="690" r:id="rId13"/>
   </p:sldIdLst>
   <p:sldSz cx="12192000" cy="6858000"/>
   <p:notesSz cx="7315200" cy="9601200"/>
   <p:custDataLst>
-    <p:tags r:id="rId15"/>
+    <p:tags r:id="rId16"/>
   </p:custDataLst>
   <p:defaultTextStyle>
     <a:defPPr>
@@ -1017,18 +1018,24 @@
           <a:bodyPr/>
           <a:lstStyle/>
           <a:p>
-            <a:fld id="{982E9B84-8511-4C65-8C4E-AEEF8A329A74}" type="slidenum">
-              <a:rPr lang="en-ZA" smtClean="0"/>
-              <a:t>3</a:t>
+            <a:pPr>
+              <a:defRPr/>
+            </a:pPr>
+            <a:fld id="{2AABE78A-E99E-4C1C-B170-1B5F1DA6AE54}" type="slidenum">
+              <a:rPr lang="en-US" smtClean="0"/>
+              <a:pPr>
+                <a:defRPr/>
+              </a:pPr>
+              <a:t>1</a:t>
             </a:fld>
-            <a:endParaRPr lang="en-ZA"/>
+            <a:endParaRPr lang="en-US" dirty="0"/>
           </a:p>
         </p:txBody>
       </p:sp>
     </p:spTree>
     <p:extLst>
       <p:ext uri="{BB962C8B-B14F-4D97-AF65-F5344CB8AC3E}">
-        <p14:creationId xmlns:p14="http://schemas.microsoft.com/office/powerpoint/2010/main" val="1052930347"/>
+        <p14:creationId xmlns:p14="http://schemas.microsoft.com/office/powerpoint/2010/main" val="2831184704"/>
       </p:ext>
     </p:extLst>
   </p:cSld>
@@ -1103,7 +1110,7 @@
           <a:p>
             <a:fld id="{982E9B84-8511-4C65-8C4E-AEEF8A329A74}" type="slidenum">
               <a:rPr lang="en-ZA" smtClean="0"/>
-              <a:t>4</a:t>
+              <a:t>3</a:t>
             </a:fld>
             <a:endParaRPr lang="en-ZA"/>
           </a:p>
@@ -1112,7 +1119,7 @@
     </p:spTree>
     <p:extLst>
       <p:ext uri="{BB962C8B-B14F-4D97-AF65-F5344CB8AC3E}">
-        <p14:creationId xmlns:p14="http://schemas.microsoft.com/office/powerpoint/2010/main" val="3740740472"/>
+        <p14:creationId xmlns:p14="http://schemas.microsoft.com/office/powerpoint/2010/main" val="1052930347"/>
       </p:ext>
     </p:extLst>
   </p:cSld>
@@ -1187,7 +1194,7 @@
           <a:p>
             <a:fld id="{982E9B84-8511-4C65-8C4E-AEEF8A329A74}" type="slidenum">
               <a:rPr lang="en-ZA" smtClean="0"/>
-              <a:t>5</a:t>
+              <a:t>4</a:t>
             </a:fld>
             <a:endParaRPr lang="en-ZA"/>
           </a:p>
@@ -1196,7 +1203,7 @@
     </p:spTree>
     <p:extLst>
       <p:ext uri="{BB962C8B-B14F-4D97-AF65-F5344CB8AC3E}">
-        <p14:creationId xmlns:p14="http://schemas.microsoft.com/office/powerpoint/2010/main" val="3325893607"/>
+        <p14:creationId xmlns:p14="http://schemas.microsoft.com/office/powerpoint/2010/main" val="3740740472"/>
       </p:ext>
     </p:extLst>
   </p:cSld>
@@ -1269,6 +1276,90 @@
           <a:bodyPr/>
           <a:lstStyle/>
           <a:p>
+            <a:fld id="{982E9B84-8511-4C65-8C4E-AEEF8A329A74}" type="slidenum">
+              <a:rPr lang="en-ZA" smtClean="0"/>
+              <a:t>5</a:t>
+            </a:fld>
+            <a:endParaRPr lang="en-ZA"/>
+          </a:p>
+        </p:txBody>
+      </p:sp>
+    </p:spTree>
+    <p:extLst>
+      <p:ext uri="{BB962C8B-B14F-4D97-AF65-F5344CB8AC3E}">
+        <p14:creationId xmlns:p14="http://schemas.microsoft.com/office/powerpoint/2010/main" val="3325893607"/>
+      </p:ext>
+    </p:extLst>
+  </p:cSld>
+  <p:clrMapOvr>
+    <a:masterClrMapping/>
+  </p:clrMapOvr>
+</p:notes>
+</file>
+
+<file path=ppt/notesSlides/notesSlide5.xml><?xml version="1.0" encoding="utf-8"?>
+<p:notes xmlns:a="http://schemas.openxmlformats.org/drawingml/2006/main" xmlns:r="http://schemas.openxmlformats.org/officeDocument/2006/relationships" xmlns:p="http://schemas.openxmlformats.org/presentationml/2006/main">
+  <p:cSld>
+    <p:spTree>
+      <p:nvGrpSpPr>
+        <p:cNvPr id="1" name=""/>
+        <p:cNvGrpSpPr/>
+        <p:nvPr/>
+      </p:nvGrpSpPr>
+      <p:grpSpPr>
+        <a:xfrm>
+          <a:off x="0" y="0"/>
+          <a:ext cx="0" cy="0"/>
+          <a:chOff x="0" y="0"/>
+          <a:chExt cx="0" cy="0"/>
+        </a:xfrm>
+      </p:grpSpPr>
+      <p:sp>
+        <p:nvSpPr>
+          <p:cNvPr id="2" name="Slide Image Placeholder 1"/>
+          <p:cNvSpPr>
+            <a:spLocks noGrp="1" noRot="1" noChangeAspect="1"/>
+          </p:cNvSpPr>
+          <p:nvPr>
+            <p:ph type="sldImg"/>
+          </p:nvPr>
+        </p:nvSpPr>
+        <p:spPr/>
+      </p:sp>
+      <p:sp>
+        <p:nvSpPr>
+          <p:cNvPr id="3" name="Notes Placeholder 2"/>
+          <p:cNvSpPr>
+            <a:spLocks noGrp="1"/>
+          </p:cNvSpPr>
+          <p:nvPr>
+            <p:ph type="body" idx="1"/>
+          </p:nvPr>
+        </p:nvSpPr>
+        <p:spPr/>
+        <p:txBody>
+          <a:bodyPr/>
+          <a:lstStyle/>
+          <a:p>
+            <a:endParaRPr lang="en-ZA" dirty="0"/>
+          </a:p>
+        </p:txBody>
+      </p:sp>
+      <p:sp>
+        <p:nvSpPr>
+          <p:cNvPr id="4" name="Slide Number Placeholder 3"/>
+          <p:cNvSpPr>
+            <a:spLocks noGrp="1"/>
+          </p:cNvSpPr>
+          <p:nvPr>
+            <p:ph type="sldNum" sz="quarter" idx="10"/>
+          </p:nvPr>
+        </p:nvSpPr>
+        <p:spPr/>
+        <p:txBody>
+          <a:bodyPr/>
+          <a:lstStyle/>
+          <a:p>
             <a:pPr>
               <a:defRPr/>
             </a:pPr>
@@ -1277,7 +1368,7 @@
               <a:pPr>
                 <a:defRPr/>
               </a:pPr>
-              <a:t>6</a:t>
+              <a:t>7</a:t>
             </a:fld>
             <a:endParaRPr lang="en-US" dirty="0"/>
           </a:p>
@@ -1296,7 +1387,7 @@
 </p:notes>
 </file>
 
-<file path=ppt/notesSlides/notesSlide5.xml><?xml version="1.0" encoding="utf-8"?>
+<file path=ppt/notesSlides/notesSlide6.xml><?xml version="1.0" encoding="utf-8"?>
 <p:notes xmlns:a="http://schemas.openxmlformats.org/drawingml/2006/main" xmlns:r="http://schemas.openxmlformats.org/officeDocument/2006/relationships" xmlns:p="http://schemas.openxmlformats.org/presentationml/2006/main">
   <p:cSld>
     <p:spTree>
@@ -1369,7 +1460,7 @@
             <a:fld id="{8FB65BEE-96AF-45B2-8292-13A3CB745DD0}" type="slidenum">
               <a:rPr lang="en-ZA" smtClean="0"/>
               <a:pPr/>
-              <a:t>7</a:t>
+              <a:t>8</a:t>
             </a:fld>
             <a:endParaRPr lang="en-ZA"/>
           </a:p>
@@ -1379,6 +1470,96 @@
     <p:extLst>
       <p:ext uri="{BB962C8B-B14F-4D97-AF65-F5344CB8AC3E}">
         <p14:creationId xmlns:p14="http://schemas.microsoft.com/office/powerpoint/2010/main" val="569524390"/>
+      </p:ext>
+    </p:extLst>
+  </p:cSld>
+  <p:clrMapOvr>
+    <a:masterClrMapping/>
+  </p:clrMapOvr>
+</p:notes>
+</file>
+
+<file path=ppt/notesSlides/notesSlide7.xml><?xml version="1.0" encoding="utf-8"?>
+<p:notes xmlns:a="http://schemas.openxmlformats.org/drawingml/2006/main" xmlns:r="http://schemas.openxmlformats.org/officeDocument/2006/relationships" xmlns:p="http://schemas.openxmlformats.org/presentationml/2006/main">
+  <p:cSld>
+    <p:spTree>
+      <p:nvGrpSpPr>
+        <p:cNvPr id="1" name=""/>
+        <p:cNvGrpSpPr/>
+        <p:nvPr/>
+      </p:nvGrpSpPr>
+      <p:grpSpPr>
+        <a:xfrm>
+          <a:off x="0" y="0"/>
+          <a:ext cx="0" cy="0"/>
+          <a:chOff x="0" y="0"/>
+          <a:chExt cx="0" cy="0"/>
+        </a:xfrm>
+      </p:grpSpPr>
+      <p:sp>
+        <p:nvSpPr>
+          <p:cNvPr id="2" name="Slide Image Placeholder 1"/>
+          <p:cNvSpPr>
+            <a:spLocks noGrp="1" noRot="1" noChangeAspect="1"/>
+          </p:cNvSpPr>
+          <p:nvPr>
+            <p:ph type="sldImg"/>
+          </p:nvPr>
+        </p:nvSpPr>
+        <p:spPr/>
+      </p:sp>
+      <p:sp>
+        <p:nvSpPr>
+          <p:cNvPr id="3" name="Notes Placeholder 2"/>
+          <p:cNvSpPr>
+            <a:spLocks noGrp="1"/>
+          </p:cNvSpPr>
+          <p:nvPr>
+            <p:ph type="body" idx="1"/>
+          </p:nvPr>
+        </p:nvSpPr>
+        <p:spPr/>
+        <p:txBody>
+          <a:bodyPr/>
+          <a:lstStyle/>
+          <a:p>
+            <a:endParaRPr lang="en-ZA" dirty="0"/>
+          </a:p>
+        </p:txBody>
+      </p:sp>
+      <p:sp>
+        <p:nvSpPr>
+          <p:cNvPr id="4" name="Slide Number Placeholder 3"/>
+          <p:cNvSpPr>
+            <a:spLocks noGrp="1"/>
+          </p:cNvSpPr>
+          <p:nvPr>
+            <p:ph type="sldNum" sz="quarter" idx="10"/>
+          </p:nvPr>
+        </p:nvSpPr>
+        <p:spPr/>
+        <p:txBody>
+          <a:bodyPr/>
+          <a:lstStyle/>
+          <a:p>
+            <a:pPr>
+              <a:defRPr/>
+            </a:pPr>
+            <a:fld id="{2AABE78A-E99E-4C1C-B170-1B5F1DA6AE54}" type="slidenum">
+              <a:rPr lang="en-US" smtClean="0"/>
+              <a:pPr>
+                <a:defRPr/>
+              </a:pPr>
+              <a:t>10</a:t>
+            </a:fld>
+            <a:endParaRPr lang="en-US" dirty="0"/>
+          </a:p>
+        </p:txBody>
+      </p:sp>
+    </p:spTree>
+    <p:extLst>
+      <p:ext uri="{BB962C8B-B14F-4D97-AF65-F5344CB8AC3E}">
+        <p14:creationId xmlns:p14="http://schemas.microsoft.com/office/powerpoint/2010/main" val="503715633"/>
       </p:ext>
     </p:extLst>
   </p:cSld>
@@ -4856,14 +5037,19 @@
             <p:ph type="title"/>
           </p:nvPr>
         </p:nvSpPr>
-        <p:spPr/>
+        <p:spPr>
+          <a:xfrm>
+            <a:off x="1786597" y="323151"/>
+            <a:ext cx="8940800" cy="654050"/>
+          </a:xfrm>
+        </p:spPr>
         <p:txBody>
           <a:bodyPr/>
           <a:lstStyle/>
           <a:p>
             <a:r>
               <a:rPr lang="en-ZA" dirty="0"/>
-              <a:t>Neural Networks</a:t>
+              <a:t>Character recognition: Neural Networks</a:t>
             </a:r>
           </a:p>
         </p:txBody>
@@ -4884,12 +5070,22 @@
             <p:ph idx="1"/>
           </p:nvPr>
         </p:nvSpPr>
-        <p:spPr/>
+        <p:spPr>
+          <a:xfrm>
+            <a:off x="609600" y="1290181"/>
+            <a:ext cx="5272296" cy="1060116"/>
+          </a:xfrm>
+        </p:spPr>
         <p:txBody>
           <a:bodyPr/>
           <a:lstStyle/>
           <a:p>
-            <a:endParaRPr lang="en-ZA" dirty="0"/>
+            <a:r>
+              <a:rPr lang="en-ZA" kern="1200" dirty="0">
+                <a:latin typeface="Times New Roman" pitchFamily="18" charset="0"/>
+              </a:rPr>
+              <a:t>Initial image processing is done on the digit using segmentation algorithm</a:t>
+            </a:r>
           </a:p>
         </p:txBody>
       </p:sp>
@@ -4928,6 +5124,837 @@
           </a:p>
         </p:txBody>
       </p:sp>
+      <p:pic>
+        <p:nvPicPr>
+          <p:cNvPr id="6" name="Picture 5">
+            <a:extLst>
+              <a:ext uri="{FF2B5EF4-FFF2-40B4-BE49-F238E27FC236}">
+                <a16:creationId xmlns:a16="http://schemas.microsoft.com/office/drawing/2014/main" id="{0B3DC6D6-0B78-4932-9295-C260FC3E0295}"/>
+              </a:ext>
+            </a:extLst>
+          </p:cNvPr>
+          <p:cNvPicPr>
+            <a:picLocks noChangeAspect="1"/>
+          </p:cNvPicPr>
+          <p:nvPr/>
+        </p:nvPicPr>
+        <p:blipFill>
+          <a:blip r:embed="rId3">
+            <a:extLst>
+              <a:ext uri="{28A0092B-C50C-407E-A947-70E740481C1C}">
+                <a14:useLocalDpi xmlns:a14="http://schemas.microsoft.com/office/drawing/2010/main" val="0"/>
+              </a:ext>
+            </a:extLst>
+          </a:blip>
+          <a:stretch>
+            <a:fillRect/>
+          </a:stretch>
+        </p:blipFill>
+        <p:spPr>
+          <a:xfrm>
+            <a:off x="6375400" y="2843397"/>
+            <a:ext cx="5130799" cy="1966686"/>
+          </a:xfrm>
+          <a:prstGeom prst="rect">
+            <a:avLst/>
+          </a:prstGeom>
+        </p:spPr>
+      </p:pic>
+      <p:sp>
+        <p:nvSpPr>
+          <p:cNvPr id="7" name="Content Placeholder 2">
+            <a:extLst>
+              <a:ext uri="{FF2B5EF4-FFF2-40B4-BE49-F238E27FC236}">
+                <a16:creationId xmlns:a16="http://schemas.microsoft.com/office/drawing/2014/main" id="{0FF0A31B-004D-46BF-B8E9-285590AA74ED}"/>
+              </a:ext>
+            </a:extLst>
+          </p:cNvPr>
+          <p:cNvSpPr txBox="1">
+            <a:spLocks/>
+          </p:cNvSpPr>
+          <p:nvPr/>
+        </p:nvSpPr>
+        <p:spPr bwMode="auto">
+          <a:xfrm>
+            <a:off x="529166" y="5085282"/>
+            <a:ext cx="5240867" cy="1772718"/>
+          </a:xfrm>
+          <a:prstGeom prst="rect">
+            <a:avLst/>
+          </a:prstGeom>
+          <a:noFill/>
+          <a:ln>
+            <a:noFill/>
+          </a:ln>
+          <a:extLst>
+            <a:ext uri="{909E8E84-426E-40DD-AFC4-6F175D3DCCD1}">
+              <a14:hiddenFill xmlns:a14="http://schemas.microsoft.com/office/drawing/2010/main">
+                <a:solidFill>
+                  <a:srgbClr val="FFFFFF"/>
+                </a:solidFill>
+              </a14:hiddenFill>
+            </a:ext>
+            <a:ext uri="{91240B29-F687-4F45-9708-019B960494DF}">
+              <a14:hiddenLine xmlns:a14="http://schemas.microsoft.com/office/drawing/2010/main" w="9525">
+                <a:solidFill>
+                  <a:srgbClr val="000000"/>
+                </a:solidFill>
+                <a:miter lim="800000"/>
+                <a:headEnd/>
+                <a:tailEnd/>
+              </a14:hiddenLine>
+            </a:ext>
+          </a:extLst>
+        </p:spPr>
+        <p:txBody>
+          <a:bodyPr vert="horz" wrap="square" lIns="92075" tIns="46038" rIns="92075" bIns="46038" numCol="1" anchor="t" anchorCtr="0" compatLnSpc="1">
+            <a:prstTxWarp prst="textNoShape">
+              <a:avLst/>
+            </a:prstTxWarp>
+          </a:bodyPr>
+          <a:lstStyle>
+            <a:lvl1pPr marL="342900" indent="-342900" algn="l" rtl="0" eaLnBrk="1" fontAlgn="base" hangingPunct="1">
+              <a:spcBef>
+                <a:spcPct val="20000"/>
+              </a:spcBef>
+              <a:spcAft>
+                <a:spcPct val="0"/>
+              </a:spcAft>
+              <a:buClr>
+                <a:schemeClr val="bg2"/>
+              </a:buClr>
+              <a:buChar char="•"/>
+              <a:defRPr sz="2400">
+                <a:solidFill>
+                  <a:schemeClr val="tx1"/>
+                </a:solidFill>
+                <a:latin typeface="+mn-lt"/>
+                <a:ea typeface="+mn-ea"/>
+                <a:cs typeface="+mn-cs"/>
+              </a:defRPr>
+            </a:lvl1pPr>
+            <a:lvl2pPr marL="742950" indent="-285750" algn="l" rtl="0" eaLnBrk="1" fontAlgn="base" hangingPunct="1">
+              <a:spcBef>
+                <a:spcPct val="20000"/>
+              </a:spcBef>
+              <a:spcAft>
+                <a:spcPct val="0"/>
+              </a:spcAft>
+              <a:buClr>
+                <a:schemeClr val="bg2"/>
+              </a:buClr>
+              <a:buChar char="•"/>
+              <a:defRPr sz="2000">
+                <a:solidFill>
+                  <a:schemeClr val="tx1"/>
+                </a:solidFill>
+                <a:latin typeface="+mn-lt"/>
+              </a:defRPr>
+            </a:lvl2pPr>
+            <a:lvl3pPr marL="1143000" indent="-228600" algn="l" rtl="0" eaLnBrk="1" fontAlgn="base" hangingPunct="1">
+              <a:spcBef>
+                <a:spcPct val="20000"/>
+              </a:spcBef>
+              <a:spcAft>
+                <a:spcPct val="0"/>
+              </a:spcAft>
+              <a:buClr>
+                <a:schemeClr val="bg2"/>
+              </a:buClr>
+              <a:buChar char="•"/>
+              <a:defRPr sz="1800">
+                <a:solidFill>
+                  <a:schemeClr val="tx1"/>
+                </a:solidFill>
+                <a:latin typeface="+mn-lt"/>
+              </a:defRPr>
+            </a:lvl3pPr>
+            <a:lvl4pPr marL="1600200" indent="-228600" algn="l" rtl="0" eaLnBrk="1" fontAlgn="base" hangingPunct="1">
+              <a:spcBef>
+                <a:spcPct val="20000"/>
+              </a:spcBef>
+              <a:spcAft>
+                <a:spcPct val="0"/>
+              </a:spcAft>
+              <a:buClr>
+                <a:schemeClr val="bg2"/>
+              </a:buClr>
+              <a:buChar char="•"/>
+              <a:defRPr sz="2000">
+                <a:solidFill>
+                  <a:schemeClr val="tx1"/>
+                </a:solidFill>
+                <a:latin typeface="+mn-lt"/>
+              </a:defRPr>
+            </a:lvl4pPr>
+            <a:lvl5pPr marL="2057400" indent="-228600" algn="l" rtl="0" eaLnBrk="1" fontAlgn="base" hangingPunct="1">
+              <a:spcBef>
+                <a:spcPct val="20000"/>
+              </a:spcBef>
+              <a:spcAft>
+                <a:spcPct val="0"/>
+              </a:spcAft>
+              <a:buClr>
+                <a:schemeClr val="bg2"/>
+              </a:buClr>
+              <a:buChar char="•"/>
+              <a:defRPr>
+                <a:solidFill>
+                  <a:schemeClr val="tx1"/>
+                </a:solidFill>
+                <a:latin typeface="+mn-lt"/>
+              </a:defRPr>
+            </a:lvl5pPr>
+            <a:lvl6pPr marL="2514600" indent="-228600" algn="l" rtl="0" eaLnBrk="1" fontAlgn="base" hangingPunct="1">
+              <a:spcBef>
+                <a:spcPct val="20000"/>
+              </a:spcBef>
+              <a:spcAft>
+                <a:spcPct val="0"/>
+              </a:spcAft>
+              <a:buClr>
+                <a:schemeClr val="bg2"/>
+              </a:buClr>
+              <a:buChar char="•"/>
+              <a:defRPr>
+                <a:solidFill>
+                  <a:schemeClr val="tx1"/>
+                </a:solidFill>
+                <a:latin typeface="+mn-lt"/>
+              </a:defRPr>
+            </a:lvl6pPr>
+            <a:lvl7pPr marL="2971800" indent="-228600" algn="l" rtl="0" eaLnBrk="1" fontAlgn="base" hangingPunct="1">
+              <a:spcBef>
+                <a:spcPct val="20000"/>
+              </a:spcBef>
+              <a:spcAft>
+                <a:spcPct val="0"/>
+              </a:spcAft>
+              <a:buClr>
+                <a:schemeClr val="bg2"/>
+              </a:buClr>
+              <a:buChar char="•"/>
+              <a:defRPr>
+                <a:solidFill>
+                  <a:schemeClr val="tx1"/>
+                </a:solidFill>
+                <a:latin typeface="+mn-lt"/>
+              </a:defRPr>
+            </a:lvl7pPr>
+            <a:lvl8pPr marL="3429000" indent="-228600" algn="l" rtl="0" eaLnBrk="1" fontAlgn="base" hangingPunct="1">
+              <a:spcBef>
+                <a:spcPct val="20000"/>
+              </a:spcBef>
+              <a:spcAft>
+                <a:spcPct val="0"/>
+              </a:spcAft>
+              <a:buClr>
+                <a:schemeClr val="bg2"/>
+              </a:buClr>
+              <a:buChar char="•"/>
+              <a:defRPr>
+                <a:solidFill>
+                  <a:schemeClr val="tx1"/>
+                </a:solidFill>
+                <a:latin typeface="+mn-lt"/>
+              </a:defRPr>
+            </a:lvl8pPr>
+            <a:lvl9pPr marL="3886200" indent="-228600" algn="l" rtl="0" eaLnBrk="1" fontAlgn="base" hangingPunct="1">
+              <a:spcBef>
+                <a:spcPct val="20000"/>
+              </a:spcBef>
+              <a:spcAft>
+                <a:spcPct val="0"/>
+              </a:spcAft>
+              <a:buClr>
+                <a:schemeClr val="bg2"/>
+              </a:buClr>
+              <a:buChar char="•"/>
+              <a:defRPr>
+                <a:solidFill>
+                  <a:schemeClr val="tx1"/>
+                </a:solidFill>
+                <a:latin typeface="+mn-lt"/>
+              </a:defRPr>
+            </a:lvl9pPr>
+          </a:lstStyle>
+          <a:p>
+            <a:r>
+              <a:rPr lang="en-ZA" kern="1200" dirty="0">
+                <a:effectLst/>
+                <a:latin typeface="Times New Roman" pitchFamily="18" charset="0"/>
+              </a:rPr>
+              <a:t>Convolutional neural network classifies digits implemented in </a:t>
+            </a:r>
+            <a:r>
+              <a:rPr lang="en-ZA" kern="1200" dirty="0" err="1">
+                <a:effectLst/>
+                <a:latin typeface="Times New Roman" pitchFamily="18" charset="0"/>
+              </a:rPr>
+              <a:t>TensorFlow</a:t>
+            </a:r>
+            <a:endParaRPr lang="en-ZA" kern="1200" dirty="0">
+              <a:effectLst/>
+              <a:latin typeface="Times New Roman" pitchFamily="18" charset="0"/>
+            </a:endParaRPr>
+          </a:p>
+        </p:txBody>
+      </p:sp>
+      <p:grpSp>
+        <p:nvGrpSpPr>
+          <p:cNvPr id="26" name="Group 25">
+            <a:extLst>
+              <a:ext uri="{FF2B5EF4-FFF2-40B4-BE49-F238E27FC236}">
+                <a16:creationId xmlns:a16="http://schemas.microsoft.com/office/drawing/2014/main" id="{8DE6EF7D-2893-46B6-A12A-873587810F6B}"/>
+              </a:ext>
+            </a:extLst>
+          </p:cNvPr>
+          <p:cNvGrpSpPr/>
+          <p:nvPr/>
+        </p:nvGrpSpPr>
+        <p:grpSpPr>
+          <a:xfrm>
+            <a:off x="6481932" y="1387196"/>
+            <a:ext cx="4990401" cy="1108354"/>
+            <a:chOff x="6391274" y="1603194"/>
+            <a:chExt cx="4990401" cy="1108354"/>
+          </a:xfrm>
+        </p:grpSpPr>
+        <p:pic>
+          <p:nvPicPr>
+            <p:cNvPr id="9" name="Picture 8">
+              <a:extLst>
+                <a:ext uri="{FF2B5EF4-FFF2-40B4-BE49-F238E27FC236}">
+                  <a16:creationId xmlns:a16="http://schemas.microsoft.com/office/drawing/2014/main" id="{156A43A1-CF21-402F-8A40-33BE964FD7A4}"/>
+                </a:ext>
+              </a:extLst>
+            </p:cNvPr>
+            <p:cNvPicPr>
+              <a:picLocks noChangeAspect="1"/>
+            </p:cNvPicPr>
+            <p:nvPr/>
+          </p:nvPicPr>
+          <p:blipFill>
+            <a:blip r:embed="rId4" cstate="print">
+              <a:extLst>
+                <a:ext uri="{28A0092B-C50C-407E-A947-70E740481C1C}">
+                  <a14:useLocalDpi xmlns:a14="http://schemas.microsoft.com/office/drawing/2010/main" val="0"/>
+                </a:ext>
+              </a:extLst>
+            </a:blip>
+            <a:stretch>
+              <a:fillRect/>
+            </a:stretch>
+          </p:blipFill>
+          <p:spPr>
+            <a:xfrm>
+              <a:off x="8941253" y="1603194"/>
+              <a:ext cx="1099393" cy="1108354"/>
+            </a:xfrm>
+            <a:prstGeom prst="rect">
+              <a:avLst/>
+            </a:prstGeom>
+          </p:spPr>
+        </p:pic>
+        <p:pic>
+          <p:nvPicPr>
+            <p:cNvPr id="11" name="Picture 10">
+              <a:extLst>
+                <a:ext uri="{FF2B5EF4-FFF2-40B4-BE49-F238E27FC236}">
+                  <a16:creationId xmlns:a16="http://schemas.microsoft.com/office/drawing/2014/main" id="{F739D729-1F34-4A20-B973-33EE0F4A05D2}"/>
+                </a:ext>
+              </a:extLst>
+            </p:cNvPr>
+            <p:cNvPicPr>
+              <a:picLocks noChangeAspect="1"/>
+            </p:cNvPicPr>
+            <p:nvPr/>
+          </p:nvPicPr>
+          <p:blipFill>
+            <a:blip r:embed="rId5" cstate="print">
+              <a:extLst>
+                <a:ext uri="{28A0092B-C50C-407E-A947-70E740481C1C}">
+                  <a14:useLocalDpi xmlns:a14="http://schemas.microsoft.com/office/drawing/2010/main" val="0"/>
+                </a:ext>
+              </a:extLst>
+            </a:blip>
+            <a:stretch>
+              <a:fillRect/>
+            </a:stretch>
+          </p:blipFill>
+          <p:spPr>
+            <a:xfrm>
+              <a:off x="7634900" y="1603194"/>
+              <a:ext cx="1104250" cy="1108354"/>
+            </a:xfrm>
+            <a:prstGeom prst="rect">
+              <a:avLst/>
+            </a:prstGeom>
+          </p:spPr>
+        </p:pic>
+        <p:pic>
+          <p:nvPicPr>
+            <p:cNvPr id="13" name="Picture 12">
+              <a:extLst>
+                <a:ext uri="{FF2B5EF4-FFF2-40B4-BE49-F238E27FC236}">
+                  <a16:creationId xmlns:a16="http://schemas.microsoft.com/office/drawing/2014/main" id="{38C52D9D-F1A5-40B3-AE68-2B7B79D9511C}"/>
+                </a:ext>
+              </a:extLst>
+            </p:cNvPr>
+            <p:cNvPicPr>
+              <a:picLocks noChangeAspect="1"/>
+            </p:cNvPicPr>
+            <p:nvPr/>
+          </p:nvPicPr>
+          <p:blipFill rotWithShape="1">
+            <a:blip r:embed="rId6">
+              <a:extLst>
+                <a:ext uri="{28A0092B-C50C-407E-A947-70E740481C1C}">
+                  <a14:useLocalDpi xmlns:a14="http://schemas.microsoft.com/office/drawing/2010/main" val="0"/>
+                </a:ext>
+              </a:extLst>
+            </a:blip>
+            <a:srcRect l="66266" t="10452" r="1471" b="5413"/>
+            <a:stretch/>
+          </p:blipFill>
+          <p:spPr>
+            <a:xfrm>
+              <a:off x="6391274" y="1603194"/>
+              <a:ext cx="1041523" cy="1108354"/>
+            </a:xfrm>
+            <a:prstGeom prst="rect">
+              <a:avLst/>
+            </a:prstGeom>
+          </p:spPr>
+        </p:pic>
+        <p:pic>
+          <p:nvPicPr>
+            <p:cNvPr id="15" name="Picture 14">
+              <a:extLst>
+                <a:ext uri="{FF2B5EF4-FFF2-40B4-BE49-F238E27FC236}">
+                  <a16:creationId xmlns:a16="http://schemas.microsoft.com/office/drawing/2014/main" id="{4E2551D8-B846-4A42-8A84-3D1C1E0263F6}"/>
+                </a:ext>
+              </a:extLst>
+            </p:cNvPr>
+            <p:cNvPicPr>
+              <a:picLocks noChangeAspect="1"/>
+            </p:cNvPicPr>
+            <p:nvPr/>
+          </p:nvPicPr>
+          <p:blipFill>
+            <a:blip r:embed="rId7" cstate="print">
+              <a:extLst>
+                <a:ext uri="{28A0092B-C50C-407E-A947-70E740481C1C}">
+                  <a14:useLocalDpi xmlns:a14="http://schemas.microsoft.com/office/drawing/2010/main" val="0"/>
+                </a:ext>
+              </a:extLst>
+            </a:blip>
+            <a:stretch>
+              <a:fillRect/>
+            </a:stretch>
+          </p:blipFill>
+          <p:spPr>
+            <a:xfrm>
+              <a:off x="10242749" y="1603194"/>
+              <a:ext cx="1138926" cy="1108354"/>
+            </a:xfrm>
+            <a:prstGeom prst="rect">
+              <a:avLst/>
+            </a:prstGeom>
+          </p:spPr>
+        </p:pic>
+        <p:cxnSp>
+          <p:nvCxnSpPr>
+            <p:cNvPr id="17" name="Straight Arrow Connector 16">
+              <a:extLst>
+                <a:ext uri="{FF2B5EF4-FFF2-40B4-BE49-F238E27FC236}">
+                  <a16:creationId xmlns:a16="http://schemas.microsoft.com/office/drawing/2014/main" id="{8DE5F58A-0E9E-43C0-BFE7-FA8D18BDE74A}"/>
+                </a:ext>
+              </a:extLst>
+            </p:cNvPr>
+            <p:cNvCxnSpPr>
+              <a:cxnSpLocks/>
+              <a:stCxn id="13" idx="3"/>
+              <a:endCxn id="11" idx="1"/>
+            </p:cNvCxnSpPr>
+            <p:nvPr/>
+          </p:nvCxnSpPr>
+          <p:spPr bwMode="auto">
+            <a:xfrm>
+              <a:off x="7432797" y="2157371"/>
+              <a:ext cx="202103" cy="0"/>
+            </a:xfrm>
+            <a:prstGeom prst="straightConnector1">
+              <a:avLst/>
+            </a:prstGeom>
+            <a:solidFill>
+              <a:schemeClr val="accent1"/>
+            </a:solidFill>
+            <a:ln w="12700" cap="sq" cmpd="sng" algn="ctr">
+              <a:solidFill>
+                <a:schemeClr val="tx1"/>
+              </a:solidFill>
+              <a:prstDash val="solid"/>
+              <a:round/>
+              <a:headEnd type="none" w="sm" len="sm"/>
+              <a:tailEnd type="triangle"/>
+            </a:ln>
+            <a:effectLst/>
+          </p:spPr>
+        </p:cxnSp>
+        <p:cxnSp>
+          <p:nvCxnSpPr>
+            <p:cNvPr id="19" name="Straight Arrow Connector 18">
+              <a:extLst>
+                <a:ext uri="{FF2B5EF4-FFF2-40B4-BE49-F238E27FC236}">
+                  <a16:creationId xmlns:a16="http://schemas.microsoft.com/office/drawing/2014/main" id="{BB220300-6944-4E08-BAA3-192082D9CE7E}"/>
+                </a:ext>
+              </a:extLst>
+            </p:cNvPr>
+            <p:cNvCxnSpPr>
+              <a:cxnSpLocks/>
+              <a:stCxn id="11" idx="3"/>
+              <a:endCxn id="9" idx="1"/>
+            </p:cNvCxnSpPr>
+            <p:nvPr/>
+          </p:nvCxnSpPr>
+          <p:spPr bwMode="auto">
+            <a:xfrm>
+              <a:off x="8739150" y="2157371"/>
+              <a:ext cx="202103" cy="0"/>
+            </a:xfrm>
+            <a:prstGeom prst="straightConnector1">
+              <a:avLst/>
+            </a:prstGeom>
+            <a:solidFill>
+              <a:schemeClr val="accent1"/>
+            </a:solidFill>
+            <a:ln w="12700" cap="sq" cmpd="sng" algn="ctr">
+              <a:solidFill>
+                <a:schemeClr val="tx1"/>
+              </a:solidFill>
+              <a:prstDash val="solid"/>
+              <a:round/>
+              <a:headEnd type="none" w="sm" len="sm"/>
+              <a:tailEnd type="triangle"/>
+            </a:ln>
+            <a:effectLst/>
+          </p:spPr>
+        </p:cxnSp>
+        <p:cxnSp>
+          <p:nvCxnSpPr>
+            <p:cNvPr id="20" name="Straight Arrow Connector 19">
+              <a:extLst>
+                <a:ext uri="{FF2B5EF4-FFF2-40B4-BE49-F238E27FC236}">
+                  <a16:creationId xmlns:a16="http://schemas.microsoft.com/office/drawing/2014/main" id="{05F1B6DE-F176-46F2-8640-A558616DE75D}"/>
+                </a:ext>
+              </a:extLst>
+            </p:cNvPr>
+            <p:cNvCxnSpPr>
+              <a:cxnSpLocks/>
+              <a:stCxn id="9" idx="3"/>
+              <a:endCxn id="15" idx="1"/>
+            </p:cNvCxnSpPr>
+            <p:nvPr/>
+          </p:nvCxnSpPr>
+          <p:spPr bwMode="auto">
+            <a:xfrm>
+              <a:off x="10040646" y="2157371"/>
+              <a:ext cx="202103" cy="0"/>
+            </a:xfrm>
+            <a:prstGeom prst="straightConnector1">
+              <a:avLst/>
+            </a:prstGeom>
+            <a:solidFill>
+              <a:schemeClr val="accent1"/>
+            </a:solidFill>
+            <a:ln w="12700" cap="sq" cmpd="sng" algn="ctr">
+              <a:solidFill>
+                <a:schemeClr val="tx1"/>
+              </a:solidFill>
+              <a:prstDash val="solid"/>
+              <a:round/>
+              <a:headEnd type="none" w="sm" len="sm"/>
+              <a:tailEnd type="triangle"/>
+            </a:ln>
+            <a:effectLst/>
+          </p:spPr>
+        </p:cxnSp>
+      </p:grpSp>
+      <p:sp>
+        <p:nvSpPr>
+          <p:cNvPr id="27" name="Content Placeholder 2">
+            <a:extLst>
+              <a:ext uri="{FF2B5EF4-FFF2-40B4-BE49-F238E27FC236}">
+                <a16:creationId xmlns:a16="http://schemas.microsoft.com/office/drawing/2014/main" id="{A7B52CDC-7136-47AD-91C5-715809842572}"/>
+              </a:ext>
+            </a:extLst>
+          </p:cNvPr>
+          <p:cNvSpPr txBox="1">
+            <a:spLocks/>
+          </p:cNvSpPr>
+          <p:nvPr/>
+        </p:nvSpPr>
+        <p:spPr bwMode="auto">
+          <a:xfrm>
+            <a:off x="609600" y="2892342"/>
+            <a:ext cx="3183467" cy="652982"/>
+          </a:xfrm>
+          <a:prstGeom prst="rect">
+            <a:avLst/>
+          </a:prstGeom>
+          <a:noFill/>
+          <a:ln>
+            <a:noFill/>
+          </a:ln>
+          <a:extLst>
+            <a:ext uri="{909E8E84-426E-40DD-AFC4-6F175D3DCCD1}">
+              <a14:hiddenFill xmlns:a14="http://schemas.microsoft.com/office/drawing/2010/main">
+                <a:solidFill>
+                  <a:srgbClr val="FFFFFF"/>
+                </a:solidFill>
+              </a14:hiddenFill>
+            </a:ext>
+            <a:ext uri="{91240B29-F687-4F45-9708-019B960494DF}">
+              <a14:hiddenLine xmlns:a14="http://schemas.microsoft.com/office/drawing/2010/main" w="9525">
+                <a:solidFill>
+                  <a:srgbClr val="000000"/>
+                </a:solidFill>
+                <a:miter lim="800000"/>
+                <a:headEnd/>
+                <a:tailEnd/>
+              </a14:hiddenLine>
+            </a:ext>
+          </a:extLst>
+        </p:spPr>
+        <p:txBody>
+          <a:bodyPr vert="horz" wrap="square" lIns="92075" tIns="46038" rIns="92075" bIns="46038" numCol="1" anchor="t" anchorCtr="0" compatLnSpc="1">
+            <a:prstTxWarp prst="textNoShape">
+              <a:avLst/>
+            </a:prstTxWarp>
+          </a:bodyPr>
+          <a:lstStyle>
+            <a:lvl1pPr marL="342900" indent="-342900" algn="l" rtl="0" eaLnBrk="1" fontAlgn="base" hangingPunct="1">
+              <a:spcBef>
+                <a:spcPct val="20000"/>
+              </a:spcBef>
+              <a:spcAft>
+                <a:spcPct val="0"/>
+              </a:spcAft>
+              <a:buClr>
+                <a:schemeClr val="bg2"/>
+              </a:buClr>
+              <a:buChar char="•"/>
+              <a:defRPr sz="2400">
+                <a:solidFill>
+                  <a:schemeClr val="tx1"/>
+                </a:solidFill>
+                <a:latin typeface="+mn-lt"/>
+                <a:ea typeface="+mn-ea"/>
+                <a:cs typeface="+mn-cs"/>
+              </a:defRPr>
+            </a:lvl1pPr>
+            <a:lvl2pPr marL="742950" indent="-285750" algn="l" rtl="0" eaLnBrk="1" fontAlgn="base" hangingPunct="1">
+              <a:spcBef>
+                <a:spcPct val="20000"/>
+              </a:spcBef>
+              <a:spcAft>
+                <a:spcPct val="0"/>
+              </a:spcAft>
+              <a:buClr>
+                <a:schemeClr val="bg2"/>
+              </a:buClr>
+              <a:buChar char="•"/>
+              <a:defRPr sz="2000">
+                <a:solidFill>
+                  <a:schemeClr val="tx1"/>
+                </a:solidFill>
+                <a:latin typeface="+mn-lt"/>
+              </a:defRPr>
+            </a:lvl2pPr>
+            <a:lvl3pPr marL="1143000" indent="-228600" algn="l" rtl="0" eaLnBrk="1" fontAlgn="base" hangingPunct="1">
+              <a:spcBef>
+                <a:spcPct val="20000"/>
+              </a:spcBef>
+              <a:spcAft>
+                <a:spcPct val="0"/>
+              </a:spcAft>
+              <a:buClr>
+                <a:schemeClr val="bg2"/>
+              </a:buClr>
+              <a:buChar char="•"/>
+              <a:defRPr sz="1800">
+                <a:solidFill>
+                  <a:schemeClr val="tx1"/>
+                </a:solidFill>
+                <a:latin typeface="+mn-lt"/>
+              </a:defRPr>
+            </a:lvl3pPr>
+            <a:lvl4pPr marL="1600200" indent="-228600" algn="l" rtl="0" eaLnBrk="1" fontAlgn="base" hangingPunct="1">
+              <a:spcBef>
+                <a:spcPct val="20000"/>
+              </a:spcBef>
+              <a:spcAft>
+                <a:spcPct val="0"/>
+              </a:spcAft>
+              <a:buClr>
+                <a:schemeClr val="bg2"/>
+              </a:buClr>
+              <a:buChar char="•"/>
+              <a:defRPr sz="2000">
+                <a:solidFill>
+                  <a:schemeClr val="tx1"/>
+                </a:solidFill>
+                <a:latin typeface="+mn-lt"/>
+              </a:defRPr>
+            </a:lvl4pPr>
+            <a:lvl5pPr marL="2057400" indent="-228600" algn="l" rtl="0" eaLnBrk="1" fontAlgn="base" hangingPunct="1">
+              <a:spcBef>
+                <a:spcPct val="20000"/>
+              </a:spcBef>
+              <a:spcAft>
+                <a:spcPct val="0"/>
+              </a:spcAft>
+              <a:buClr>
+                <a:schemeClr val="bg2"/>
+              </a:buClr>
+              <a:buChar char="•"/>
+              <a:defRPr>
+                <a:solidFill>
+                  <a:schemeClr val="tx1"/>
+                </a:solidFill>
+                <a:latin typeface="+mn-lt"/>
+              </a:defRPr>
+            </a:lvl5pPr>
+            <a:lvl6pPr marL="2514600" indent="-228600" algn="l" rtl="0" eaLnBrk="1" fontAlgn="base" hangingPunct="1">
+              <a:spcBef>
+                <a:spcPct val="20000"/>
+              </a:spcBef>
+              <a:spcAft>
+                <a:spcPct val="0"/>
+              </a:spcAft>
+              <a:buClr>
+                <a:schemeClr val="bg2"/>
+              </a:buClr>
+              <a:buChar char="•"/>
+              <a:defRPr>
+                <a:solidFill>
+                  <a:schemeClr val="tx1"/>
+                </a:solidFill>
+                <a:latin typeface="+mn-lt"/>
+              </a:defRPr>
+            </a:lvl6pPr>
+            <a:lvl7pPr marL="2971800" indent="-228600" algn="l" rtl="0" eaLnBrk="1" fontAlgn="base" hangingPunct="1">
+              <a:spcBef>
+                <a:spcPct val="20000"/>
+              </a:spcBef>
+              <a:spcAft>
+                <a:spcPct val="0"/>
+              </a:spcAft>
+              <a:buClr>
+                <a:schemeClr val="bg2"/>
+              </a:buClr>
+              <a:buChar char="•"/>
+              <a:defRPr>
+                <a:solidFill>
+                  <a:schemeClr val="tx1"/>
+                </a:solidFill>
+                <a:latin typeface="+mn-lt"/>
+              </a:defRPr>
+            </a:lvl7pPr>
+            <a:lvl8pPr marL="3429000" indent="-228600" algn="l" rtl="0" eaLnBrk="1" fontAlgn="base" hangingPunct="1">
+              <a:spcBef>
+                <a:spcPct val="20000"/>
+              </a:spcBef>
+              <a:spcAft>
+                <a:spcPct val="0"/>
+              </a:spcAft>
+              <a:buClr>
+                <a:schemeClr val="bg2"/>
+              </a:buClr>
+              <a:buChar char="•"/>
+              <a:defRPr>
+                <a:solidFill>
+                  <a:schemeClr val="tx1"/>
+                </a:solidFill>
+                <a:latin typeface="+mn-lt"/>
+              </a:defRPr>
+            </a:lvl8pPr>
+            <a:lvl9pPr marL="3886200" indent="-228600" algn="l" rtl="0" eaLnBrk="1" fontAlgn="base" hangingPunct="1">
+              <a:spcBef>
+                <a:spcPct val="20000"/>
+              </a:spcBef>
+              <a:spcAft>
+                <a:spcPct val="0"/>
+              </a:spcAft>
+              <a:buClr>
+                <a:schemeClr val="bg2"/>
+              </a:buClr>
+              <a:buChar char="•"/>
+              <a:defRPr>
+                <a:solidFill>
+                  <a:schemeClr val="tx1"/>
+                </a:solidFill>
+                <a:latin typeface="+mn-lt"/>
+              </a:defRPr>
+            </a:lvl9pPr>
+          </a:lstStyle>
+          <a:p>
+            <a:r>
+              <a:rPr lang="en-ZA" kern="1200" dirty="0">
+                <a:effectLst/>
+                <a:latin typeface="Times New Roman" pitchFamily="18" charset="0"/>
+              </a:rPr>
+              <a:t>28 by 28 input vector</a:t>
+            </a:r>
+          </a:p>
+        </p:txBody>
+      </p:sp>
+      <p:pic>
+        <p:nvPicPr>
+          <p:cNvPr id="2050" name="Picture 2" descr="http://parse.ele.tue.nl/cluster/2/CNNArchitecture.jpg">
+            <a:extLst>
+              <a:ext uri="{FF2B5EF4-FFF2-40B4-BE49-F238E27FC236}">
+                <a16:creationId xmlns:a16="http://schemas.microsoft.com/office/drawing/2014/main" id="{FA317DAC-A916-46F6-BB7B-7A26883C9C49}"/>
+              </a:ext>
+            </a:extLst>
+          </p:cNvPr>
+          <p:cNvPicPr>
+            <a:picLocks noChangeAspect="1" noChangeArrowheads="1"/>
+          </p:cNvPicPr>
+          <p:nvPr/>
+        </p:nvPicPr>
+        <p:blipFill rotWithShape="1">
+          <a:blip r:embed="rId8">
+            <a:extLst>
+              <a:ext uri="{28A0092B-C50C-407E-A947-70E740481C1C}">
+                <a14:useLocalDpi xmlns:a14="http://schemas.microsoft.com/office/drawing/2010/main" val="0"/>
+              </a:ext>
+            </a:extLst>
+          </a:blip>
+          <a:srcRect t="9050"/>
+          <a:stretch/>
+        </p:blipFill>
+        <p:spPr bwMode="auto">
+          <a:xfrm>
+            <a:off x="6529011" y="4953407"/>
+            <a:ext cx="5005800" cy="1761676"/>
+          </a:xfrm>
+          <a:prstGeom prst="rect">
+            <a:avLst/>
+          </a:prstGeom>
+          <a:noFill/>
+          <a:extLst>
+            <a:ext uri="{909E8E84-426E-40DD-AFC4-6F175D3DCCD1}">
+              <a14:hiddenFill xmlns:a14="http://schemas.microsoft.com/office/drawing/2010/main">
+                <a:solidFill>
+                  <a:srgbClr val="FFFFFF"/>
+                </a:solidFill>
+              </a14:hiddenFill>
+            </a:ext>
+          </a:extLst>
+        </p:spPr>
+      </p:pic>
     </p:spTree>
     <p:extLst>
       <p:ext uri="{BB962C8B-B14F-4D97-AF65-F5344CB8AC3E}">
@@ -4938,6 +5965,261 @@
   <p:clrMapOvr>
     <a:masterClrMapping/>
   </p:clrMapOvr>
+  <p:timing>
+    <p:tnLst>
+      <p:par>
+        <p:cTn id="1" dur="indefinite" restart="never" nodeType="tmRoot">
+          <p:childTnLst>
+            <p:seq concurrent="1" nextAc="seek">
+              <p:cTn id="2" dur="indefinite" nodeType="mainSeq">
+                <p:childTnLst>
+                  <p:par>
+                    <p:cTn id="3" fill="hold">
+                      <p:stCondLst>
+                        <p:cond delay="indefinite"/>
+                      </p:stCondLst>
+                      <p:childTnLst>
+                        <p:par>
+                          <p:cTn id="4" fill="hold">
+                            <p:stCondLst>
+                              <p:cond delay="0"/>
+                            </p:stCondLst>
+                            <p:childTnLst>
+                              <p:par>
+                                <p:cTn id="5" presetID="1" presetClass="entr" presetSubtype="0" fill="hold" grpId="0" nodeType="clickEffect">
+                                  <p:stCondLst>
+                                    <p:cond delay="0"/>
+                                  </p:stCondLst>
+                                  <p:childTnLst>
+                                    <p:set>
+                                      <p:cBhvr>
+                                        <p:cTn id="6" dur="1" fill="hold">
+                                          <p:stCondLst>
+                                            <p:cond delay="0"/>
+                                          </p:stCondLst>
+                                        </p:cTn>
+                                        <p:tgtEl>
+                                          <p:spTgt spid="3">
+                                            <p:txEl>
+                                              <p:pRg st="0" end="0"/>
+                                            </p:txEl>
+                                          </p:spTgt>
+                                        </p:tgtEl>
+                                        <p:attrNameLst>
+                                          <p:attrName>style.visibility</p:attrName>
+                                        </p:attrNameLst>
+                                      </p:cBhvr>
+                                      <p:to>
+                                        <p:strVal val="visible"/>
+                                      </p:to>
+                                    </p:set>
+                                  </p:childTnLst>
+                                </p:cTn>
+                              </p:par>
+                              <p:par>
+                                <p:cTn id="7" presetID="1" presetClass="entr" presetSubtype="0" fill="hold" nodeType="withEffect">
+                                  <p:stCondLst>
+                                    <p:cond delay="0"/>
+                                  </p:stCondLst>
+                                  <p:childTnLst>
+                                    <p:set>
+                                      <p:cBhvr>
+                                        <p:cTn id="8" dur="1" fill="hold">
+                                          <p:stCondLst>
+                                            <p:cond delay="0"/>
+                                          </p:stCondLst>
+                                        </p:cTn>
+                                        <p:tgtEl>
+                                          <p:spTgt spid="26"/>
+                                        </p:tgtEl>
+                                        <p:attrNameLst>
+                                          <p:attrName>style.visibility</p:attrName>
+                                        </p:attrNameLst>
+                                      </p:cBhvr>
+                                      <p:to>
+                                        <p:strVal val="visible"/>
+                                      </p:to>
+                                    </p:set>
+                                  </p:childTnLst>
+                                </p:cTn>
+                              </p:par>
+                            </p:childTnLst>
+                          </p:cTn>
+                        </p:par>
+                      </p:childTnLst>
+                    </p:cTn>
+                  </p:par>
+                  <p:par>
+                    <p:cTn id="9" fill="hold">
+                      <p:stCondLst>
+                        <p:cond delay="indefinite"/>
+                      </p:stCondLst>
+                      <p:childTnLst>
+                        <p:par>
+                          <p:cTn id="10" fill="hold">
+                            <p:stCondLst>
+                              <p:cond delay="0"/>
+                            </p:stCondLst>
+                            <p:childTnLst>
+                              <p:par>
+                                <p:cTn id="11" presetID="1" presetClass="entr" presetSubtype="0" fill="hold" grpId="0" nodeType="clickEffect">
+                                  <p:stCondLst>
+                                    <p:cond delay="0"/>
+                                  </p:stCondLst>
+                                  <p:childTnLst>
+                                    <p:set>
+                                      <p:cBhvr>
+                                        <p:cTn id="12" dur="1" fill="hold">
+                                          <p:stCondLst>
+                                            <p:cond delay="0"/>
+                                          </p:stCondLst>
+                                        </p:cTn>
+                                        <p:tgtEl>
+                                          <p:spTgt spid="27"/>
+                                        </p:tgtEl>
+                                        <p:attrNameLst>
+                                          <p:attrName>style.visibility</p:attrName>
+                                        </p:attrNameLst>
+                                      </p:cBhvr>
+                                      <p:to>
+                                        <p:strVal val="visible"/>
+                                      </p:to>
+                                    </p:set>
+                                  </p:childTnLst>
+                                </p:cTn>
+                              </p:par>
+                              <p:par>
+                                <p:cTn id="13" presetID="1" presetClass="entr" presetSubtype="0" fill="hold" nodeType="withEffect">
+                                  <p:stCondLst>
+                                    <p:cond delay="0"/>
+                                  </p:stCondLst>
+                                  <p:childTnLst>
+                                    <p:set>
+                                      <p:cBhvr>
+                                        <p:cTn id="14" dur="1" fill="hold">
+                                          <p:stCondLst>
+                                            <p:cond delay="0"/>
+                                          </p:stCondLst>
+                                        </p:cTn>
+                                        <p:tgtEl>
+                                          <p:spTgt spid="6"/>
+                                        </p:tgtEl>
+                                        <p:attrNameLst>
+                                          <p:attrName>style.visibility</p:attrName>
+                                        </p:attrNameLst>
+                                      </p:cBhvr>
+                                      <p:to>
+                                        <p:strVal val="visible"/>
+                                      </p:to>
+                                    </p:set>
+                                  </p:childTnLst>
+                                </p:cTn>
+                              </p:par>
+                            </p:childTnLst>
+                          </p:cTn>
+                        </p:par>
+                      </p:childTnLst>
+                    </p:cTn>
+                  </p:par>
+                  <p:par>
+                    <p:cTn id="15" fill="hold">
+                      <p:stCondLst>
+                        <p:cond delay="indefinite"/>
+                      </p:stCondLst>
+                      <p:childTnLst>
+                        <p:par>
+                          <p:cTn id="16" fill="hold">
+                            <p:stCondLst>
+                              <p:cond delay="0"/>
+                            </p:stCondLst>
+                            <p:childTnLst>
+                              <p:par>
+                                <p:cTn id="17" presetID="1" presetClass="entr" presetSubtype="0" fill="hold" grpId="0" nodeType="clickEffect">
+                                  <p:stCondLst>
+                                    <p:cond delay="0"/>
+                                  </p:stCondLst>
+                                  <p:childTnLst>
+                                    <p:set>
+                                      <p:cBhvr>
+                                        <p:cTn id="18" dur="1" fill="hold">
+                                          <p:stCondLst>
+                                            <p:cond delay="0"/>
+                                          </p:stCondLst>
+                                        </p:cTn>
+                                        <p:tgtEl>
+                                          <p:spTgt spid="7"/>
+                                        </p:tgtEl>
+                                        <p:attrNameLst>
+                                          <p:attrName>style.visibility</p:attrName>
+                                        </p:attrNameLst>
+                                      </p:cBhvr>
+                                      <p:to>
+                                        <p:strVal val="visible"/>
+                                      </p:to>
+                                    </p:set>
+                                  </p:childTnLst>
+                                </p:cTn>
+                              </p:par>
+                              <p:par>
+                                <p:cTn id="19" presetID="1" presetClass="entr" presetSubtype="0" fill="hold" nodeType="withEffect">
+                                  <p:stCondLst>
+                                    <p:cond delay="0"/>
+                                  </p:stCondLst>
+                                  <p:childTnLst>
+                                    <p:set>
+                                      <p:cBhvr>
+                                        <p:cTn id="20" dur="1" fill="hold">
+                                          <p:stCondLst>
+                                            <p:cond delay="0"/>
+                                          </p:stCondLst>
+                                        </p:cTn>
+                                        <p:tgtEl>
+                                          <p:spTgt spid="2050"/>
+                                        </p:tgtEl>
+                                        <p:attrNameLst>
+                                          <p:attrName>style.visibility</p:attrName>
+                                        </p:attrNameLst>
+                                      </p:cBhvr>
+                                      <p:to>
+                                        <p:strVal val="visible"/>
+                                      </p:to>
+                                    </p:set>
+                                  </p:childTnLst>
+                                </p:cTn>
+                              </p:par>
+                            </p:childTnLst>
+                          </p:cTn>
+                        </p:par>
+                      </p:childTnLst>
+                    </p:cTn>
+                  </p:par>
+                </p:childTnLst>
+              </p:cTn>
+              <p:prevCondLst>
+                <p:cond evt="onPrev" delay="0">
+                  <p:tgtEl>
+                    <p:sldTgt/>
+                  </p:tgtEl>
+                </p:cond>
+              </p:prevCondLst>
+              <p:nextCondLst>
+                <p:cond evt="onNext" delay="0">
+                  <p:tgtEl>
+                    <p:sldTgt/>
+                  </p:tgtEl>
+                </p:cond>
+              </p:nextCondLst>
+            </p:seq>
+          </p:childTnLst>
+        </p:cTn>
+      </p:par>
+    </p:tnLst>
+    <p:bldLst>
+      <p:bldP spid="3" grpId="0" build="p"/>
+      <p:bldP spid="7" grpId="0"/>
+      <p:bldP spid="27" grpId="0"/>
+    </p:bldLst>
+  </p:timing>
 </p:sld>
 </file>
 
@@ -5007,7 +6289,10 @@
           <a:bodyPr/>
           <a:lstStyle/>
           <a:p>
-            <a:endParaRPr lang="en-ZA"/>
+            <a:r>
+              <a:rPr lang="en-ZA" dirty="0"/>
+              <a:t>k</a:t>
+            </a:r>
           </a:p>
         </p:txBody>
       </p:sp>
@@ -5050,6 +6335,124 @@
     <p:extLst>
       <p:ext uri="{BB962C8B-B14F-4D97-AF65-F5344CB8AC3E}">
         <p14:creationId xmlns:p14="http://schemas.microsoft.com/office/powerpoint/2010/main" val="847988188"/>
+      </p:ext>
+    </p:extLst>
+  </p:cSld>
+  <p:clrMapOvr>
+    <a:masterClrMapping/>
+  </p:clrMapOvr>
+</p:sld>
+</file>
+
+<file path=ppt/slides/slide12.xml><?xml version="1.0" encoding="utf-8"?>
+<p:sld xmlns:a="http://schemas.openxmlformats.org/drawingml/2006/main" xmlns:r="http://schemas.openxmlformats.org/officeDocument/2006/relationships" xmlns:p="http://schemas.openxmlformats.org/presentationml/2006/main">
+  <p:cSld>
+    <p:spTree>
+      <p:nvGrpSpPr>
+        <p:cNvPr id="1" name=""/>
+        <p:cNvGrpSpPr/>
+        <p:nvPr/>
+      </p:nvGrpSpPr>
+      <p:grpSpPr>
+        <a:xfrm>
+          <a:off x="0" y="0"/>
+          <a:ext cx="0" cy="0"/>
+          <a:chOff x="0" y="0"/>
+          <a:chExt cx="0" cy="0"/>
+        </a:xfrm>
+      </p:grpSpPr>
+      <p:sp>
+        <p:nvSpPr>
+          <p:cNvPr id="2" name="Title 1">
+            <a:extLst>
+              <a:ext uri="{FF2B5EF4-FFF2-40B4-BE49-F238E27FC236}">
+                <a16:creationId xmlns:a16="http://schemas.microsoft.com/office/drawing/2014/main" id="{602ADD70-9300-4D99-BBFC-A1A740D26F93}"/>
+              </a:ext>
+            </a:extLst>
+          </p:cNvPr>
+          <p:cNvSpPr>
+            <a:spLocks noGrp="1"/>
+          </p:cNvSpPr>
+          <p:nvPr>
+            <p:ph type="title"/>
+          </p:nvPr>
+        </p:nvSpPr>
+        <p:spPr/>
+        <p:txBody>
+          <a:bodyPr/>
+          <a:lstStyle/>
+          <a:p>
+            <a:r>
+              <a:rPr lang="en-ZA" dirty="0"/>
+              <a:t>Results and conclusion</a:t>
+            </a:r>
+          </a:p>
+        </p:txBody>
+      </p:sp>
+      <p:sp>
+        <p:nvSpPr>
+          <p:cNvPr id="3" name="Content Placeholder 2">
+            <a:extLst>
+              <a:ext uri="{FF2B5EF4-FFF2-40B4-BE49-F238E27FC236}">
+                <a16:creationId xmlns:a16="http://schemas.microsoft.com/office/drawing/2014/main" id="{C3E65669-9934-41E7-BCCE-3D8002D455A5}"/>
+              </a:ext>
+            </a:extLst>
+          </p:cNvPr>
+          <p:cNvSpPr>
+            <a:spLocks noGrp="1"/>
+          </p:cNvSpPr>
+          <p:nvPr>
+            <p:ph idx="1"/>
+          </p:nvPr>
+        </p:nvSpPr>
+        <p:spPr/>
+        <p:txBody>
+          <a:bodyPr/>
+          <a:lstStyle/>
+          <a:p>
+            <a:endParaRPr lang="en-ZA" dirty="0"/>
+          </a:p>
+        </p:txBody>
+      </p:sp>
+      <p:sp>
+        <p:nvSpPr>
+          <p:cNvPr id="4" name="Slide Number Placeholder 3">
+            <a:extLst>
+              <a:ext uri="{FF2B5EF4-FFF2-40B4-BE49-F238E27FC236}">
+                <a16:creationId xmlns:a16="http://schemas.microsoft.com/office/drawing/2014/main" id="{681609DA-FCE8-4DF1-8772-C8AC4AA4AEDE}"/>
+              </a:ext>
+            </a:extLst>
+          </p:cNvPr>
+          <p:cNvSpPr>
+            <a:spLocks noGrp="1"/>
+          </p:cNvSpPr>
+          <p:nvPr>
+            <p:ph type="sldNum" sz="quarter" idx="10"/>
+          </p:nvPr>
+        </p:nvSpPr>
+        <p:spPr/>
+        <p:txBody>
+          <a:bodyPr/>
+          <a:lstStyle/>
+          <a:p>
+            <a:pPr>
+              <a:defRPr/>
+            </a:pPr>
+            <a:fld id="{A27591B5-593E-49C1-8C2D-4B5CC8495990}" type="slidenum">
+              <a:rPr lang="en-US" smtClean="0"/>
+              <a:pPr>
+                <a:defRPr/>
+              </a:pPr>
+              <a:t>12</a:t>
+            </a:fld>
+            <a:endParaRPr lang="en-US" dirty="0"/>
+          </a:p>
+        </p:txBody>
+      </p:sp>
+    </p:spTree>
+    <p:extLst>
+      <p:ext uri="{BB962C8B-B14F-4D97-AF65-F5344CB8AC3E}">
+        <p14:creationId xmlns:p14="http://schemas.microsoft.com/office/powerpoint/2010/main" val="671033973"/>
       </p:ext>
     </p:extLst>
   </p:cSld>
@@ -5147,7 +6550,7 @@
             <a:pPr lvl="1"/>
             <a:r>
               <a:rPr lang="en-ZA" dirty="0"/>
-              <a:t> Character recognition using Neural Networks</a:t>
+              <a:t>Character recognition using Neural Networks</a:t>
             </a:r>
           </a:p>
           <a:p>
@@ -5373,7 +6776,9 @@
               <a:buChar char="•"/>
             </a:pPr>
             <a:r>
-              <a:rPr lang="en-ZA" dirty="0"/>
+              <a:rPr lang="en-ZA" dirty="0">
+                <a:effectLst/>
+              </a:rPr>
               <a:t>Tutors and teaching assistant grade tests incorrectly</a:t>
             </a:r>
           </a:p>
@@ -5382,7 +6787,9 @@
               <a:buFont typeface="Arial" panose="020B0604020202020204" pitchFamily="34" charset="0"/>
               <a:buChar char="•"/>
             </a:pPr>
-            <a:endParaRPr lang="en-ZA" dirty="0"/>
+            <a:endParaRPr lang="en-ZA" dirty="0">
+              <a:effectLst/>
+            </a:endParaRPr>
           </a:p>
           <a:p>
             <a:pPr marL="285750" indent="-285750">
@@ -5390,12 +6797,16 @@
               <a:buChar char="•"/>
             </a:pPr>
             <a:r>
-              <a:rPr lang="en-ZA" dirty="0"/>
+              <a:rPr lang="en-ZA" dirty="0">
+                <a:effectLst/>
+              </a:rPr>
               <a:t>Online tests impractical due to class size</a:t>
             </a:r>
           </a:p>
           <a:p>
-            <a:endParaRPr lang="en-ZA" dirty="0"/>
+            <a:endParaRPr lang="en-ZA" dirty="0">
+              <a:effectLst/>
+            </a:endParaRPr>
           </a:p>
           <a:p>
             <a:pPr marL="285750" indent="-285750">
@@ -5403,7 +6814,9 @@
               <a:buChar char="•"/>
             </a:pPr>
             <a:r>
-              <a:rPr lang="en-ZA" dirty="0"/>
+              <a:rPr lang="en-ZA" dirty="0">
+                <a:effectLst/>
+              </a:rPr>
               <a:t>Current OMR systems require special scanners</a:t>
             </a:r>
           </a:p>
@@ -5412,7 +6825,9 @@
               <a:buFont typeface="Arial" panose="020B0604020202020204" pitchFamily="34" charset="0"/>
               <a:buChar char="•"/>
             </a:pPr>
-            <a:endParaRPr lang="en-ZA" dirty="0"/>
+            <a:endParaRPr lang="en-ZA" dirty="0">
+              <a:effectLst/>
+            </a:endParaRPr>
           </a:p>
           <a:p>
             <a:pPr marL="285750" indent="-285750">
@@ -5420,7 +6835,9 @@
               <a:buChar char="•"/>
             </a:pPr>
             <a:r>
-              <a:rPr lang="en-ZA" dirty="0"/>
+              <a:rPr lang="en-ZA" dirty="0">
+                <a:effectLst/>
+              </a:rPr>
               <a:t>Current OMR systems are difficult to use</a:t>
             </a:r>
           </a:p>
@@ -5545,165 +6962,6 @@
   <p:clrMapOvr>
     <a:masterClrMapping/>
   </p:clrMapOvr>
-  <p:timing>
-    <p:tnLst>
-      <p:par>
-        <p:cTn id="1" dur="indefinite" restart="never" nodeType="tmRoot">
-          <p:childTnLst>
-            <p:seq concurrent="1" nextAc="seek">
-              <p:cTn id="2" dur="indefinite" nodeType="mainSeq">
-                <p:childTnLst>
-                  <p:par>
-                    <p:cTn id="3" fill="hold">
-                      <p:stCondLst>
-                        <p:cond delay="indefinite"/>
-                      </p:stCondLst>
-                      <p:childTnLst>
-                        <p:par>
-                          <p:cTn id="4" fill="hold">
-                            <p:stCondLst>
-                              <p:cond delay="0"/>
-                            </p:stCondLst>
-                            <p:childTnLst>
-                              <p:par>
-                                <p:cTn id="5" presetID="1" presetClass="entr" presetSubtype="0" fill="hold" grpId="0" nodeType="clickEffect">
-                                  <p:stCondLst>
-                                    <p:cond delay="0"/>
-                                  </p:stCondLst>
-                                  <p:childTnLst>
-                                    <p:set>
-                                      <p:cBhvr>
-                                        <p:cTn id="6" dur="1" fill="hold">
-                                          <p:stCondLst>
-                                            <p:cond delay="0"/>
-                                          </p:stCondLst>
-                                        </p:cTn>
-                                        <p:tgtEl>
-                                          <p:spTgt spid="8"/>
-                                        </p:tgtEl>
-                                        <p:attrNameLst>
-                                          <p:attrName>style.visibility</p:attrName>
-                                        </p:attrNameLst>
-                                      </p:cBhvr>
-                                      <p:to>
-                                        <p:strVal val="visible"/>
-                                      </p:to>
-                                    </p:set>
-                                  </p:childTnLst>
-                                </p:cTn>
-                              </p:par>
-                              <p:par>
-                                <p:cTn id="7" presetID="1" presetClass="entr" presetSubtype="0" fill="hold" nodeType="withEffect">
-                                  <p:stCondLst>
-                                    <p:cond delay="0"/>
-                                  </p:stCondLst>
-                                  <p:childTnLst>
-                                    <p:set>
-                                      <p:cBhvr>
-                                        <p:cTn id="8" dur="1" fill="hold">
-                                          <p:stCondLst>
-                                            <p:cond delay="0"/>
-                                          </p:stCondLst>
-                                        </p:cTn>
-                                        <p:tgtEl>
-                                          <p:spTgt spid="1026"/>
-                                        </p:tgtEl>
-                                        <p:attrNameLst>
-                                          <p:attrName>style.visibility</p:attrName>
-                                        </p:attrNameLst>
-                                      </p:cBhvr>
-                                      <p:to>
-                                        <p:strVal val="visible"/>
-                                      </p:to>
-                                    </p:set>
-                                  </p:childTnLst>
-                                </p:cTn>
-                              </p:par>
-                              <p:par>
-                                <p:cTn id="9" presetID="1" presetClass="entr" presetSubtype="0" fill="hold" nodeType="withEffect">
-                                  <p:stCondLst>
-                                    <p:cond delay="0"/>
-                                  </p:stCondLst>
-                                  <p:childTnLst>
-                                    <p:set>
-                                      <p:cBhvr>
-                                        <p:cTn id="10" dur="1" fill="hold">
-                                          <p:stCondLst>
-                                            <p:cond delay="0"/>
-                                          </p:stCondLst>
-                                        </p:cTn>
-                                        <p:tgtEl>
-                                          <p:spTgt spid="1030"/>
-                                        </p:tgtEl>
-                                        <p:attrNameLst>
-                                          <p:attrName>style.visibility</p:attrName>
-                                        </p:attrNameLst>
-                                      </p:cBhvr>
-                                      <p:to>
-                                        <p:strVal val="visible"/>
-                                      </p:to>
-                                    </p:set>
-                                  </p:childTnLst>
-                                </p:cTn>
-                              </p:par>
-                              <p:par>
-                                <p:cTn id="11" presetID="1" presetClass="entr" presetSubtype="0" fill="hold" nodeType="withEffect">
-                                  <p:stCondLst>
-                                    <p:cond delay="0"/>
-                                  </p:stCondLst>
-                                  <p:childTnLst>
-                                    <p:set>
-                                      <p:cBhvr>
-                                        <p:cTn id="12" dur="1" fill="hold">
-                                          <p:stCondLst>
-                                            <p:cond delay="0"/>
-                                          </p:stCondLst>
-                                        </p:cTn>
-                                        <p:tgtEl>
-                                          <p:spTgt spid="1032"/>
-                                        </p:tgtEl>
-                                        <p:attrNameLst>
-                                          <p:attrName>style.visibility</p:attrName>
-                                        </p:attrNameLst>
-                                      </p:cBhvr>
-                                      <p:to>
-                                        <p:strVal val="visible"/>
-                                      </p:to>
-                                    </p:set>
-                                  </p:childTnLst>
-                                </p:cTn>
-                              </p:par>
-                            </p:childTnLst>
-                          </p:cTn>
-                        </p:par>
-                      </p:childTnLst>
-                    </p:cTn>
-                  </p:par>
-                </p:childTnLst>
-              </p:cTn>
-              <p:prevCondLst>
-                <p:cond evt="onPrev" delay="0">
-                  <p:tgtEl>
-                    <p:sldTgt/>
-                  </p:tgtEl>
-                </p:cond>
-              </p:prevCondLst>
-              <p:nextCondLst>
-                <p:cond evt="onNext" delay="0">
-                  <p:tgtEl>
-                    <p:sldTgt/>
-                  </p:tgtEl>
-                </p:cond>
-              </p:nextCondLst>
-            </p:seq>
-          </p:childTnLst>
-        </p:cTn>
-      </p:par>
-    </p:tnLst>
-    <p:bldLst>
-      <p:bldP spid="8" grpId="0"/>
-    </p:bldLst>
-  </p:timing>
 </p:sld>
 </file>
 
@@ -5726,6 +6984,41 @@
       </p:grpSpPr>
       <p:pic>
         <p:nvPicPr>
+          <p:cNvPr id="6" name="Content Placeholder 5">
+            <a:extLst>
+              <a:ext uri="{FF2B5EF4-FFF2-40B4-BE49-F238E27FC236}">
+                <a16:creationId xmlns:a16="http://schemas.microsoft.com/office/drawing/2014/main" id="{B4FF57C7-4C6B-4123-850B-346637AAB3C2}"/>
+              </a:ext>
+            </a:extLst>
+          </p:cNvPr>
+          <p:cNvPicPr>
+            <a:picLocks noGrp="1" noChangeAspect="1"/>
+          </p:cNvPicPr>
+          <p:nvPr>
+            <p:ph idx="1"/>
+          </p:nvPr>
+        </p:nvPicPr>
+        <p:blipFill>
+          <a:blip r:embed="rId3" cstate="print">
+            <a:extLst>
+              <a:ext uri="{28A0092B-C50C-407E-A947-70E740481C1C}">
+                <a14:useLocalDpi xmlns:a14="http://schemas.microsoft.com/office/drawing/2010/main" val="0"/>
+              </a:ext>
+            </a:extLst>
+          </a:blip>
+          <a:stretch>
+            <a:fillRect/>
+          </a:stretch>
+        </p:blipFill>
+        <p:spPr>
+          <a:xfrm>
+            <a:off x="1828800" y="1379054"/>
+            <a:ext cx="3672530" cy="5196950"/>
+          </a:xfrm>
+        </p:spPr>
+      </p:pic>
+      <p:pic>
+        <p:nvPicPr>
           <p:cNvPr id="8" name="Picture 7">
             <a:extLst>
               <a:ext uri="{FF2B5EF4-FFF2-40B4-BE49-F238E27FC236}">
@@ -5739,20 +7032,20 @@
           <p:nvPr/>
         </p:nvPicPr>
         <p:blipFill rotWithShape="1">
-          <a:blip r:embed="rId3" cstate="print">
+          <a:blip r:embed="rId4" cstate="print">
             <a:extLst>
               <a:ext uri="{28A0092B-C50C-407E-A947-70E740481C1C}">
                 <a14:useLocalDpi xmlns:a14="http://schemas.microsoft.com/office/drawing/2010/main" val="0"/>
               </a:ext>
             </a:extLst>
           </a:blip>
-          <a:srcRect l="54982" t="9483" r="11231" b="66366"/>
+          <a:srcRect l="56212" t="9483" r="11231" b="66366"/>
           <a:stretch/>
         </p:blipFill>
         <p:spPr>
           <a:xfrm>
-            <a:off x="6536185" y="2377860"/>
-            <a:ext cx="3201994" cy="3237567"/>
+            <a:off x="6652795" y="2377860"/>
+            <a:ext cx="3085383" cy="3237567"/>
           </a:xfrm>
           <a:prstGeom prst="rect">
             <a:avLst/>
@@ -5774,7 +7067,7 @@
           <p:nvPr/>
         </p:nvPicPr>
         <p:blipFill rotWithShape="1">
-          <a:blip r:embed="rId3" cstate="print">
+          <a:blip r:embed="rId4" cstate="print">
             <a:extLst>
               <a:ext uri="{28A0092B-C50C-407E-A947-70E740481C1C}">
                 <a14:useLocalDpi xmlns:a14="http://schemas.microsoft.com/office/drawing/2010/main" val="0"/>
@@ -5786,8 +7079,8 @@
         </p:blipFill>
         <p:spPr>
           <a:xfrm>
-            <a:off x="6299200" y="1379054"/>
-            <a:ext cx="3675964" cy="5232230"/>
+            <a:off x="1929991" y="1270000"/>
+            <a:ext cx="3832022" cy="5454357"/>
           </a:xfrm>
           <a:prstGeom prst="rect">
             <a:avLst/>
@@ -5827,41 +7120,6 @@
           </a:p>
         </p:txBody>
       </p:sp>
-      <p:pic>
-        <p:nvPicPr>
-          <p:cNvPr id="6" name="Content Placeholder 5">
-            <a:extLst>
-              <a:ext uri="{FF2B5EF4-FFF2-40B4-BE49-F238E27FC236}">
-                <a16:creationId xmlns:a16="http://schemas.microsoft.com/office/drawing/2014/main" id="{B4FF57C7-4C6B-4123-850B-346637AAB3C2}"/>
-              </a:ext>
-            </a:extLst>
-          </p:cNvPr>
-          <p:cNvPicPr>
-            <a:picLocks noGrp="1" noChangeAspect="1"/>
-          </p:cNvPicPr>
-          <p:nvPr>
-            <p:ph idx="1"/>
-          </p:nvPr>
-        </p:nvPicPr>
-        <p:blipFill>
-          <a:blip r:embed="rId4" cstate="print">
-            <a:extLst>
-              <a:ext uri="{28A0092B-C50C-407E-A947-70E740481C1C}">
-                <a14:useLocalDpi xmlns:a14="http://schemas.microsoft.com/office/drawing/2010/main" val="0"/>
-              </a:ext>
-            </a:extLst>
-          </a:blip>
-          <a:stretch>
-            <a:fillRect/>
-          </a:stretch>
-        </p:blipFill>
-        <p:spPr>
-          <a:xfrm>
-            <a:off x="1828800" y="1379054"/>
-            <a:ext cx="3672530" cy="5196950"/>
-          </a:xfrm>
-        </p:spPr>
-      </p:pic>
       <p:sp>
         <p:nvSpPr>
           <p:cNvPr id="13" name="Content Placeholder 2">
@@ -6121,7 +7379,9 @@
               <a:buFont typeface="Wingdings 3" charset="2"/>
               <a:buNone/>
             </a:pPr>
-            <a:endParaRPr lang="en-ZA" u="sng" dirty="0"/>
+            <a:endParaRPr lang="en-ZA" u="sng" dirty="0">
+              <a:effectLst/>
+            </a:endParaRPr>
           </a:p>
           <a:p>
             <a:pPr marL="285750" indent="-285750">
@@ -6133,6 +7393,7 @@
                 <a:solidFill>
                   <a:schemeClr val="tx1"/>
                 </a:solidFill>
+                <a:effectLst/>
                 <a:latin typeface="Times New Roman" pitchFamily="18" charset="0"/>
               </a:rPr>
               <a:t>Template that allows for decimal valued answers</a:t>
@@ -6147,6 +7408,7 @@
               <a:solidFill>
                 <a:schemeClr val="tx1"/>
               </a:solidFill>
+              <a:effectLst/>
               <a:latin typeface="Times New Roman" pitchFamily="18" charset="0"/>
             </a:endParaRPr>
           </a:p>
@@ -6160,6 +7422,7 @@
                 <a:solidFill>
                   <a:schemeClr val="tx1"/>
                 </a:solidFill>
+                <a:effectLst/>
                 <a:latin typeface="Times New Roman" pitchFamily="18" charset="0"/>
               </a:rPr>
               <a:t>Software that can handle crossed-out answers</a:t>
@@ -6174,6 +7437,7 @@
               <a:solidFill>
                 <a:schemeClr val="tx1"/>
               </a:solidFill>
+              <a:effectLst/>
               <a:latin typeface="Times New Roman" pitchFamily="18" charset="0"/>
             </a:endParaRPr>
           </a:p>
@@ -6187,6 +7451,7 @@
                 <a:solidFill>
                   <a:schemeClr val="tx1"/>
                 </a:solidFill>
+                <a:effectLst/>
                 <a:latin typeface="Times New Roman" pitchFamily="18" charset="0"/>
               </a:rPr>
               <a:t>Software also identifies characters through character recognition to increase reliability</a:t>
@@ -6368,33 +7633,15 @@
                                   </p:childTnLst>
                                 </p:cTn>
                               </p:par>
-                            </p:childTnLst>
-                          </p:cTn>
-                        </p:par>
-                      </p:childTnLst>
-                    </p:cTn>
-                  </p:par>
-                  <p:par>
-                    <p:cTn id="15" fill="hold">
-                      <p:stCondLst>
-                        <p:cond delay="indefinite"/>
-                      </p:stCondLst>
-                      <p:childTnLst>
-                        <p:par>
-                          <p:cTn id="16" fill="hold">
-                            <p:stCondLst>
-                              <p:cond delay="0"/>
-                            </p:stCondLst>
-                            <p:childTnLst>
                               <p:par>
-                                <p:cTn id="17" presetID="1" presetClass="entr" presetSubtype="0" fill="hold" nodeType="clickEffect">
+                                <p:cTn id="15" presetID="1" presetClass="entr" presetSubtype="0" fill="hold" nodeType="withEffect">
                                   <p:stCondLst>
                                     <p:cond delay="0"/>
                                   </p:stCondLst>
                                   <p:childTnLst>
                                     <p:set>
                                       <p:cBhvr>
-                                        <p:cTn id="18" dur="1" fill="hold">
+                                        <p:cTn id="16" dur="1" fill="hold">
                                           <p:stCondLst>
                                             <p:cond delay="0"/>
                                           </p:stCondLst>
@@ -7090,6 +8337,249 @@
           <a:chExt cx="0" cy="0"/>
         </a:xfrm>
       </p:grpSpPr>
+      <p:sp>
+        <p:nvSpPr>
+          <p:cNvPr id="2" name="Title 1">
+            <a:extLst>
+              <a:ext uri="{FF2B5EF4-FFF2-40B4-BE49-F238E27FC236}">
+                <a16:creationId xmlns:a16="http://schemas.microsoft.com/office/drawing/2014/main" id="{5A083132-E163-41B0-AC0E-287E8E98EFB5}"/>
+              </a:ext>
+            </a:extLst>
+          </p:cNvPr>
+          <p:cNvSpPr>
+            <a:spLocks noGrp="1"/>
+          </p:cNvSpPr>
+          <p:nvPr>
+            <p:ph type="title"/>
+          </p:nvPr>
+        </p:nvSpPr>
+        <p:spPr/>
+        <p:txBody>
+          <a:bodyPr/>
+          <a:lstStyle/>
+          <a:p>
+            <a:r>
+              <a:rPr lang="en-ZA" dirty="0"/>
+              <a:t>Solutions</a:t>
+            </a:r>
+          </a:p>
+        </p:txBody>
+      </p:sp>
+      <p:sp>
+        <p:nvSpPr>
+          <p:cNvPr id="4" name="Slide Number Placeholder 3">
+            <a:extLst>
+              <a:ext uri="{FF2B5EF4-FFF2-40B4-BE49-F238E27FC236}">
+                <a16:creationId xmlns:a16="http://schemas.microsoft.com/office/drawing/2014/main" id="{0A515DBC-7912-436D-BC84-E5A0CE67D0E8}"/>
+              </a:ext>
+            </a:extLst>
+          </p:cNvPr>
+          <p:cNvSpPr>
+            <a:spLocks noGrp="1"/>
+          </p:cNvSpPr>
+          <p:nvPr>
+            <p:ph type="sldNum" sz="quarter" idx="10"/>
+          </p:nvPr>
+        </p:nvSpPr>
+        <p:spPr/>
+        <p:txBody>
+          <a:bodyPr/>
+          <a:lstStyle/>
+          <a:p>
+            <a:pPr>
+              <a:defRPr/>
+            </a:pPr>
+            <a:fld id="{A27591B5-593E-49C1-8C2D-4B5CC8495990}" type="slidenum">
+              <a:rPr lang="en-US" smtClean="0"/>
+              <a:pPr>
+                <a:defRPr/>
+              </a:pPr>
+              <a:t>6</a:t>
+            </a:fld>
+            <a:endParaRPr lang="en-US" dirty="0"/>
+          </a:p>
+        </p:txBody>
+      </p:sp>
+      <p:pic>
+        <p:nvPicPr>
+          <p:cNvPr id="5" name="Content Placeholder 4">
+            <a:extLst>
+              <a:ext uri="{FF2B5EF4-FFF2-40B4-BE49-F238E27FC236}">
+                <a16:creationId xmlns:a16="http://schemas.microsoft.com/office/drawing/2014/main" id="{87E1CB31-91D2-4FFE-B37C-878024F3ABCA}"/>
+              </a:ext>
+            </a:extLst>
+          </p:cNvPr>
+          <p:cNvPicPr>
+            <a:picLocks noGrp="1" noChangeAspect="1"/>
+          </p:cNvPicPr>
+          <p:nvPr>
+            <p:ph idx="1"/>
+          </p:nvPr>
+        </p:nvPicPr>
+        <p:blipFill rotWithShape="1">
+          <a:blip r:embed="rId2" cstate="print">
+            <a:extLst>
+              <a:ext uri="{28A0092B-C50C-407E-A947-70E740481C1C}">
+                <a14:useLocalDpi xmlns:a14="http://schemas.microsoft.com/office/drawing/2010/main" val="0"/>
+              </a:ext>
+            </a:extLst>
+          </a:blip>
+          <a:srcRect l="56263" t="8181" r="9746" b="67790"/>
+          <a:stretch/>
+        </p:blipFill>
+        <p:spPr>
+          <a:xfrm>
+            <a:off x="1631847" y="2166425"/>
+            <a:ext cx="3742012" cy="3742006"/>
+          </a:xfrm>
+          <a:prstGeom prst="rect">
+            <a:avLst/>
+          </a:prstGeom>
+        </p:spPr>
+      </p:pic>
+      <p:pic>
+        <p:nvPicPr>
+          <p:cNvPr id="6" name="Picture 5">
+            <a:extLst>
+              <a:ext uri="{FF2B5EF4-FFF2-40B4-BE49-F238E27FC236}">
+                <a16:creationId xmlns:a16="http://schemas.microsoft.com/office/drawing/2014/main" id="{62AA2AC0-9152-420B-831D-0A659B4731B4}"/>
+              </a:ext>
+            </a:extLst>
+          </p:cNvPr>
+          <p:cNvPicPr>
+            <a:picLocks noChangeAspect="1"/>
+          </p:cNvPicPr>
+          <p:nvPr/>
+        </p:nvPicPr>
+        <p:blipFill rotWithShape="1">
+          <a:blip r:embed="rId3" cstate="print">
+            <a:extLst>
+              <a:ext uri="{28A0092B-C50C-407E-A947-70E740481C1C}">
+                <a14:useLocalDpi xmlns:a14="http://schemas.microsoft.com/office/drawing/2010/main" val="0"/>
+              </a:ext>
+            </a:extLst>
+          </a:blip>
+          <a:srcRect l="10194" t="33436" r="48842" b="36718"/>
+          <a:stretch/>
+        </p:blipFill>
+        <p:spPr>
+          <a:xfrm>
+            <a:off x="6907238" y="2130922"/>
+            <a:ext cx="3665415" cy="3777509"/>
+          </a:xfrm>
+          <a:prstGeom prst="rect">
+            <a:avLst/>
+          </a:prstGeom>
+        </p:spPr>
+      </p:pic>
+    </p:spTree>
+    <p:extLst>
+      <p:ext uri="{BB962C8B-B14F-4D97-AF65-F5344CB8AC3E}">
+        <p14:creationId xmlns:p14="http://schemas.microsoft.com/office/powerpoint/2010/main" val="1552940049"/>
+      </p:ext>
+    </p:extLst>
+  </p:cSld>
+  <p:clrMapOvr>
+    <a:masterClrMapping/>
+  </p:clrMapOvr>
+  <p:timing>
+    <p:tnLst>
+      <p:par>
+        <p:cTn id="1" dur="indefinite" restart="never" nodeType="tmRoot">
+          <p:childTnLst>
+            <p:seq concurrent="1" nextAc="seek">
+              <p:cTn id="2" dur="indefinite" nodeType="mainSeq">
+                <p:childTnLst>
+                  <p:par>
+                    <p:cTn id="3" fill="hold">
+                      <p:stCondLst>
+                        <p:cond delay="indefinite"/>
+                        <p:cond evt="onBegin" delay="0">
+                          <p:tn val="2"/>
+                        </p:cond>
+                      </p:stCondLst>
+                      <p:childTnLst>
+                        <p:par>
+                          <p:cTn id="4" fill="hold">
+                            <p:stCondLst>
+                              <p:cond delay="0"/>
+                            </p:stCondLst>
+                            <p:childTnLst>
+                              <p:par>
+                                <p:cTn id="5" presetID="1" presetClass="entr" presetSubtype="0" fill="hold" nodeType="withEffect">
+                                  <p:stCondLst>
+                                    <p:cond delay="0"/>
+                                  </p:stCondLst>
+                                  <p:childTnLst>
+                                    <p:set>
+                                      <p:cBhvr>
+                                        <p:cTn id="6" dur="1" fill="hold">
+                                          <p:stCondLst>
+                                            <p:cond delay="0"/>
+                                          </p:stCondLst>
+                                        </p:cTn>
+                                        <p:tgtEl>
+                                          <p:spTgt spid="6"/>
+                                        </p:tgtEl>
+                                        <p:attrNameLst>
+                                          <p:attrName>style.visibility</p:attrName>
+                                        </p:attrNameLst>
+                                      </p:cBhvr>
+                                      <p:to>
+                                        <p:strVal val="visible"/>
+                                      </p:to>
+                                    </p:set>
+                                  </p:childTnLst>
+                                </p:cTn>
+                              </p:par>
+                            </p:childTnLst>
+                          </p:cTn>
+                        </p:par>
+                      </p:childTnLst>
+                    </p:cTn>
+                  </p:par>
+                </p:childTnLst>
+              </p:cTn>
+              <p:prevCondLst>
+                <p:cond evt="onPrev" delay="0">
+                  <p:tgtEl>
+                    <p:sldTgt/>
+                  </p:tgtEl>
+                </p:cond>
+              </p:prevCondLst>
+              <p:nextCondLst>
+                <p:cond evt="onNext" delay="0">
+                  <p:tgtEl>
+                    <p:sldTgt/>
+                  </p:tgtEl>
+                </p:cond>
+              </p:nextCondLst>
+            </p:seq>
+          </p:childTnLst>
+        </p:cTn>
+      </p:par>
+    </p:tnLst>
+  </p:timing>
+</p:sld>
+</file>
+
+<file path=ppt/slides/slide7.xml><?xml version="1.0" encoding="utf-8"?>
+<p:sld xmlns:a="http://schemas.openxmlformats.org/drawingml/2006/main" xmlns:r="http://schemas.openxmlformats.org/officeDocument/2006/relationships" xmlns:p="http://schemas.openxmlformats.org/presentationml/2006/main">
+  <p:cSld>
+    <p:spTree>
+      <p:nvGrpSpPr>
+        <p:cNvPr id="1" name=""/>
+        <p:cNvGrpSpPr/>
+        <p:nvPr/>
+      </p:nvGrpSpPr>
+      <p:grpSpPr>
+        <a:xfrm>
+          <a:off x="0" y="0"/>
+          <a:ext cx="0" cy="0"/>
+          <a:chOff x="0" y="0"/>
+          <a:chExt cx="0" cy="0"/>
+        </a:xfrm>
+      </p:grpSpPr>
       <p:cxnSp>
         <p:nvCxnSpPr>
           <p:cNvPr id="27" name="Straight Arrow Connector 26">
@@ -7186,7 +8676,7 @@
               <a:pPr>
                 <a:defRPr/>
               </a:pPr>
-              <a:t>6</a:t>
+              <a:t>7</a:t>
             </a:fld>
             <a:endParaRPr lang="en-US" dirty="0"/>
           </a:p>
@@ -7653,7 +9143,9 @@
           <a:lstStyle/>
           <a:p>
             <a:r>
-              <a:rPr lang="en-ZA" dirty="0"/>
+              <a:rPr lang="en-ZA" dirty="0">
+                <a:effectLst/>
+              </a:rPr>
               <a:t>Answers</a:t>
             </a:r>
           </a:p>
@@ -8193,7 +9685,7 @@
 </p:sld>
 </file>
 
-<file path=ppt/slides/slide7.xml><?xml version="1.0" encoding="utf-8"?>
+<file path=ppt/slides/slide8.xml><?xml version="1.0" encoding="utf-8"?>
 <p:sld xmlns:a="http://schemas.openxmlformats.org/drawingml/2006/main" xmlns:r="http://schemas.openxmlformats.org/officeDocument/2006/relationships" xmlns:p="http://schemas.openxmlformats.org/presentationml/2006/main">
   <p:cSld>
     <p:spTree>
@@ -8212,6 +9704,53 @@
       </p:grpSpPr>
       <p:pic>
         <p:nvPicPr>
+          <p:cNvPr id="1028" name="Picture 4" descr="https://www.mindef.gov.sg/content/imindef/publications/pointer/journals/2008/v34n1/tech_edge/_jcr_content/imindefPars/0012/image.img.png">
+            <a:extLst>
+              <a:ext uri="{FF2B5EF4-FFF2-40B4-BE49-F238E27FC236}">
+                <a16:creationId xmlns:a16="http://schemas.microsoft.com/office/drawing/2014/main" id="{CD278694-F2BF-487F-A406-3695C77FD00C}"/>
+              </a:ext>
+            </a:extLst>
+          </p:cNvPr>
+          <p:cNvPicPr>
+            <a:picLocks noChangeAspect="1" noChangeArrowheads="1"/>
+          </p:cNvPicPr>
+          <p:nvPr/>
+        </p:nvPicPr>
+        <p:blipFill>
+          <a:blip r:embed="rId3">
+            <a:extLst>
+              <a:ext uri="{28A0092B-C50C-407E-A947-70E740481C1C}">
+                <a14:useLocalDpi xmlns:a14="http://schemas.microsoft.com/office/drawing/2010/main" val="0"/>
+              </a:ext>
+            </a:extLst>
+          </a:blip>
+          <a:srcRect/>
+          <a:stretch>
+            <a:fillRect/>
+          </a:stretch>
+        </p:blipFill>
+        <p:spPr bwMode="auto">
+          <a:xfrm>
+            <a:off x="7843553" y="2881836"/>
+            <a:ext cx="3219555" cy="2325655"/>
+          </a:xfrm>
+          <a:prstGeom prst="rect">
+            <a:avLst/>
+          </a:prstGeom>
+          <a:noFill/>
+          <a:extLst>
+            <a:ext uri="{909E8E84-426E-40DD-AFC4-6F175D3DCCD1}">
+              <a14:hiddenFill xmlns:a14="http://schemas.microsoft.com/office/drawing/2010/main">
+                <a:solidFill>
+                  <a:srgbClr val="FFFFFF"/>
+                </a:solidFill>
+              </a14:hiddenFill>
+            </a:ext>
+          </a:extLst>
+        </p:spPr>
+      </p:pic>
+      <p:pic>
+        <p:nvPicPr>
           <p:cNvPr id="37" name="Picture 36">
             <a:extLst>
               <a:ext uri="{FF2B5EF4-FFF2-40B4-BE49-F238E27FC236}">
@@ -8225,7 +9764,7 @@
           <p:nvPr/>
         </p:nvPicPr>
         <p:blipFill rotWithShape="1">
-          <a:blip r:embed="rId3" cstate="print">
+          <a:blip r:embed="rId4" cstate="print">
             <a:extLst>
               <a:ext uri="{28A0092B-C50C-407E-A947-70E740481C1C}">
                 <a14:useLocalDpi xmlns:a14="http://schemas.microsoft.com/office/drawing/2010/main" val="0"/>
@@ -8294,7 +9833,13 @@
                 </a:effectLst>
                 <a:latin typeface="Times New Roman" pitchFamily="18" charset="0"/>
               </a:rPr>
-              <a:t> First step is to find the orientation of the template</a:t>
+              <a:t> </a:t>
+            </a:r>
+            <a:r>
+              <a:rPr lang="en-ZA" kern="1200" dirty="0">
+                <a:latin typeface="Times New Roman" pitchFamily="18" charset="0"/>
+              </a:rPr>
+              <a:t>First step is to find the orientation of the template</a:t>
             </a:r>
           </a:p>
           <a:p>
@@ -8334,7 +9879,7 @@
             <a:fld id="{E1C8B3A6-3C3C-4C3A-840C-7024069E8318}" type="slidenum">
               <a:rPr lang="en-ZA" smtClean="0"/>
               <a:pPr/>
-              <a:t>7</a:t>
+              <a:t>8</a:t>
             </a:fld>
             <a:endParaRPr lang="en-ZA"/>
           </a:p>
@@ -8355,7 +9900,7 @@
           <p:nvPr/>
         </p:nvPicPr>
         <p:blipFill rotWithShape="1">
-          <a:blip r:embed="rId4">
+          <a:blip r:embed="rId5">
             <a:extLst>
               <a:ext uri="{28A0092B-C50C-407E-A947-70E740481C1C}">
                 <a14:useLocalDpi xmlns:a14="http://schemas.microsoft.com/office/drawing/2010/main" val="0"/>
@@ -8822,7 +10367,7 @@
           <p:nvPr/>
         </p:nvPicPr>
         <p:blipFill rotWithShape="1">
-          <a:blip r:embed="rId5" cstate="print">
+          <a:blip r:embed="rId6" cstate="print">
             <a:extLst>
               <a:ext uri="{28A0092B-C50C-407E-A947-70E740481C1C}">
                 <a14:useLocalDpi xmlns:a14="http://schemas.microsoft.com/office/drawing/2010/main" val="0"/>
@@ -8931,7 +10476,7 @@
                                           </p:stCondLst>
                                         </p:cTn>
                                         <p:tgtEl>
-                                          <p:spTgt spid="45"/>
+                                          <p:spTgt spid="1028"/>
                                         </p:tgtEl>
                                         <p:attrNameLst>
                                           <p:attrName>style.visibility</p:attrName>
@@ -8976,6 +10521,51 @@
                                           </p:stCondLst>
                                         </p:cTn>
                                         <p:tgtEl>
+                                          <p:spTgt spid="45"/>
+                                        </p:tgtEl>
+                                        <p:attrNameLst>
+                                          <p:attrName>style.visibility</p:attrName>
+                                        </p:attrNameLst>
+                                      </p:cBhvr>
+                                      <p:to>
+                                        <p:strVal val="visible"/>
+                                      </p:to>
+                                    </p:set>
+                                  </p:childTnLst>
+                                </p:cTn>
+                              </p:par>
+                            </p:childTnLst>
+                          </p:cTn>
+                        </p:par>
+                      </p:childTnLst>
+                    </p:cTn>
+                  </p:par>
+                  <p:par>
+                    <p:cTn id="15" fill="hold">
+                      <p:stCondLst>
+                        <p:cond delay="indefinite"/>
+                      </p:stCondLst>
+                      <p:childTnLst>
+                        <p:par>
+                          <p:cTn id="16" fill="hold">
+                            <p:stCondLst>
+                              <p:cond delay="0"/>
+                            </p:stCondLst>
+                            <p:childTnLst>
+                              <p:par>
+                                <p:cTn id="17" presetID="1" presetClass="entr" presetSubtype="0" fill="hold" nodeType="clickEffect">
+                                  <p:stCondLst>
+                                    <p:cond delay="0"/>
+                                  </p:stCondLst>
+                                  <p:childTnLst>
+                                    <p:set>
+                                      <p:cBhvr>
+                                        <p:cTn id="18" dur="1" fill="hold">
+                                          <p:stCondLst>
+                                            <p:cond delay="0"/>
+                                          </p:stCondLst>
+                                        </p:cTn>
+                                        <p:tgtEl>
                                           <p:spTgt spid="12"/>
                                         </p:tgtEl>
                                         <p:attrNameLst>
@@ -8990,14 +10580,14 @@
                                 </p:cTn>
                               </p:par>
                               <p:par>
-                                <p:cTn id="15" presetID="1" presetClass="entr" presetSubtype="0" fill="hold" nodeType="withEffect">
+                                <p:cTn id="19" presetID="1" presetClass="entr" presetSubtype="0" fill="hold" nodeType="withEffect">
                                   <p:stCondLst>
                                     <p:cond delay="0"/>
                                   </p:stCondLst>
                                   <p:childTnLst>
                                     <p:set>
                                       <p:cBhvr>
-                                        <p:cTn id="16" dur="1" fill="hold">
+                                        <p:cTn id="20" dur="1" fill="hold">
                                           <p:stCondLst>
                                             <p:cond delay="0"/>
                                           </p:stCondLst>
@@ -9023,26 +10613,26 @@
                     </p:cTn>
                   </p:par>
                   <p:par>
-                    <p:cTn id="17" fill="hold">
+                    <p:cTn id="21" fill="hold">
                       <p:stCondLst>
                         <p:cond delay="indefinite"/>
                       </p:stCondLst>
                       <p:childTnLst>
                         <p:par>
-                          <p:cTn id="18" fill="hold">
+                          <p:cTn id="22" fill="hold">
                             <p:stCondLst>
                               <p:cond delay="0"/>
                             </p:stCondLst>
                             <p:childTnLst>
                               <p:par>
-                                <p:cTn id="19" presetID="1" presetClass="entr" presetSubtype="0" fill="hold" nodeType="clickEffect">
+                                <p:cTn id="23" presetID="1" presetClass="entr" presetSubtype="0" fill="hold" nodeType="clickEffect">
                                   <p:stCondLst>
                                     <p:cond delay="0"/>
                                   </p:stCondLst>
                                   <p:childTnLst>
                                     <p:set>
                                       <p:cBhvr>
-                                        <p:cTn id="20" dur="1" fill="hold">
+                                        <p:cTn id="24" dur="1" fill="hold">
                                           <p:stCondLst>
                                             <p:cond delay="0"/>
                                           </p:stCondLst>
@@ -9062,14 +10652,14 @@
                                 </p:cTn>
                               </p:par>
                               <p:par>
-                                <p:cTn id="21" presetID="1" presetClass="entr" presetSubtype="0" fill="hold" nodeType="withEffect">
+                                <p:cTn id="25" presetID="1" presetClass="entr" presetSubtype="0" fill="hold" nodeType="withEffect">
                                   <p:stCondLst>
                                     <p:cond delay="0"/>
                                   </p:stCondLst>
                                   <p:childTnLst>
                                     <p:set>
                                       <p:cBhvr>
-                                        <p:cTn id="22" dur="1" fill="hold">
+                                        <p:cTn id="26" dur="1" fill="hold">
                                           <p:stCondLst>
                                             <p:cond delay="0"/>
                                           </p:stCondLst>
@@ -9095,73 +10685,19 @@
                     </p:cTn>
                   </p:par>
                   <p:par>
-                    <p:cTn id="23" fill="hold">
+                    <p:cTn id="27" fill="hold">
                       <p:stCondLst>
                         <p:cond delay="indefinite"/>
                       </p:stCondLst>
                       <p:childTnLst>
                         <p:par>
-                          <p:cTn id="24" fill="hold">
+                          <p:cTn id="28" fill="hold">
                             <p:stCondLst>
                               <p:cond delay="0"/>
                             </p:stCondLst>
                             <p:childTnLst>
                               <p:par>
-                                <p:cTn id="25" presetID="1" presetClass="entr" presetSubtype="0" fill="hold" grpId="0" nodeType="clickEffect">
-                                  <p:stCondLst>
-                                    <p:cond delay="0"/>
-                                  </p:stCondLst>
-                                  <p:childTnLst>
-                                    <p:set>
-                                      <p:cBhvr>
-                                        <p:cTn id="26" dur="1" fill="hold">
-                                          <p:stCondLst>
-                                            <p:cond delay="0"/>
-                                          </p:stCondLst>
-                                        </p:cTn>
-                                        <p:tgtEl>
-                                          <p:spTgt spid="21"/>
-                                        </p:tgtEl>
-                                        <p:attrNameLst>
-                                          <p:attrName>style.visibility</p:attrName>
-                                        </p:attrNameLst>
-                                      </p:cBhvr>
-                                      <p:to>
-                                        <p:strVal val="visible"/>
-                                      </p:to>
-                                    </p:set>
-                                  </p:childTnLst>
-                                </p:cTn>
-                              </p:par>
-                              <p:par>
-                                <p:cTn id="27" presetID="1" presetClass="entr" presetSubtype="0" fill="hold" grpId="0" nodeType="withEffect">
-                                  <p:stCondLst>
-                                    <p:cond delay="0"/>
-                                  </p:stCondLst>
-                                  <p:childTnLst>
-                                    <p:set>
-                                      <p:cBhvr>
-                                        <p:cTn id="28" dur="1" fill="hold">
-                                          <p:stCondLst>
-                                            <p:cond delay="0"/>
-                                          </p:stCondLst>
-                                        </p:cTn>
-                                        <p:tgtEl>
-                                          <p:spTgt spid="22"/>
-                                        </p:tgtEl>
-                                        <p:attrNameLst>
-                                          <p:attrName>style.visibility</p:attrName>
-                                        </p:attrNameLst>
-                                      </p:cBhvr>
-                                      <p:to>
-                                        <p:strVal val="visible"/>
-                                      </p:to>
-                                    </p:set>
-                                  </p:childTnLst>
-                                </p:cTn>
-                              </p:par>
-                              <p:par>
-                                <p:cTn id="29" presetID="1" presetClass="entr" presetSubtype="0" fill="hold" grpId="0" nodeType="withEffect">
+                                <p:cTn id="29" presetID="1" presetClass="entr" presetSubtype="0" fill="hold" grpId="0" nodeType="clickEffect">
                                   <p:stCondLst>
                                     <p:cond delay="0"/>
                                   </p:stCondLst>
@@ -9174,7 +10710,7 @@
                                           </p:stCondLst>
                                         </p:cTn>
                                         <p:tgtEl>
-                                          <p:spTgt spid="31"/>
+                                          <p:spTgt spid="21"/>
                                         </p:tgtEl>
                                         <p:attrNameLst>
                                           <p:attrName>style.visibility</p:attrName>
@@ -9201,6 +10737,60 @@
                                           </p:stCondLst>
                                         </p:cTn>
                                         <p:tgtEl>
+                                          <p:spTgt spid="22"/>
+                                        </p:tgtEl>
+                                        <p:attrNameLst>
+                                          <p:attrName>style.visibility</p:attrName>
+                                        </p:attrNameLst>
+                                      </p:cBhvr>
+                                      <p:to>
+                                        <p:strVal val="visible"/>
+                                      </p:to>
+                                    </p:set>
+                                  </p:childTnLst>
+                                </p:cTn>
+                              </p:par>
+                              <p:par>
+                                <p:cTn id="33" presetID="1" presetClass="entr" presetSubtype="0" fill="hold" grpId="0" nodeType="withEffect">
+                                  <p:stCondLst>
+                                    <p:cond delay="0"/>
+                                  </p:stCondLst>
+                                  <p:childTnLst>
+                                    <p:set>
+                                      <p:cBhvr>
+                                        <p:cTn id="34" dur="1" fill="hold">
+                                          <p:stCondLst>
+                                            <p:cond delay="0"/>
+                                          </p:stCondLst>
+                                        </p:cTn>
+                                        <p:tgtEl>
+                                          <p:spTgt spid="31"/>
+                                        </p:tgtEl>
+                                        <p:attrNameLst>
+                                          <p:attrName>style.visibility</p:attrName>
+                                        </p:attrNameLst>
+                                      </p:cBhvr>
+                                      <p:to>
+                                        <p:strVal val="visible"/>
+                                      </p:to>
+                                    </p:set>
+                                  </p:childTnLst>
+                                </p:cTn>
+                              </p:par>
+                              <p:par>
+                                <p:cTn id="35" presetID="1" presetClass="entr" presetSubtype="0" fill="hold" grpId="0" nodeType="withEffect">
+                                  <p:stCondLst>
+                                    <p:cond delay="0"/>
+                                  </p:stCondLst>
+                                  <p:childTnLst>
+                                    <p:set>
+                                      <p:cBhvr>
+                                        <p:cTn id="36" dur="1" fill="hold">
+                                          <p:stCondLst>
+                                            <p:cond delay="0"/>
+                                          </p:stCondLst>
+                                        </p:cTn>
+                                        <p:tgtEl>
                                           <p:spTgt spid="18"/>
                                         </p:tgtEl>
                                         <p:attrNameLst>
@@ -9221,26 +10811,26 @@
                     </p:cTn>
                   </p:par>
                   <p:par>
-                    <p:cTn id="33" fill="hold">
+                    <p:cTn id="37" fill="hold">
                       <p:stCondLst>
                         <p:cond delay="indefinite"/>
                       </p:stCondLst>
                       <p:childTnLst>
                         <p:par>
-                          <p:cTn id="34" fill="hold">
+                          <p:cTn id="38" fill="hold">
                             <p:stCondLst>
                               <p:cond delay="0"/>
                             </p:stCondLst>
                             <p:childTnLst>
                               <p:par>
-                                <p:cTn id="35" presetID="1" presetClass="entr" presetSubtype="0" fill="hold" nodeType="clickEffect">
+                                <p:cTn id="39" presetID="1" presetClass="entr" presetSubtype="0" fill="hold" nodeType="clickEffect">
                                   <p:stCondLst>
                                     <p:cond delay="0"/>
                                   </p:stCondLst>
                                   <p:childTnLst>
                                     <p:set>
                                       <p:cBhvr>
-                                        <p:cTn id="36" dur="1" fill="hold">
+                                        <p:cTn id="40" dur="1" fill="hold">
                                           <p:stCondLst>
                                             <p:cond delay="0"/>
                                           </p:stCondLst>
@@ -9296,7 +10886,7 @@
 </p:sld>
 </file>
 
-<file path=ppt/slides/slide8.xml><?xml version="1.0" encoding="utf-8"?>
+<file path=ppt/slides/slide9.xml><?xml version="1.0" encoding="utf-8"?>
 <p:sld xmlns:a="http://schemas.openxmlformats.org/drawingml/2006/main" xmlns:r="http://schemas.openxmlformats.org/officeDocument/2006/relationships" xmlns:p="http://schemas.openxmlformats.org/presentationml/2006/main">
   <p:cSld>
     <p:spTree>
@@ -9334,7 +10924,10 @@
           <a:bodyPr/>
           <a:lstStyle/>
           <a:p>
-            <a:endParaRPr lang="en-ZA"/>
+            <a:r>
+              <a:rPr lang="en-ZA" dirty="0"/>
+              <a:t>Basic Image Processing</a:t>
+            </a:r>
           </a:p>
         </p:txBody>
       </p:sp>
@@ -9367,7 +10960,7 @@
               <a:pPr>
                 <a:defRPr/>
               </a:pPr>
-              <a:t>8</a:t>
+              <a:t>9</a:t>
             </a:fld>
             <a:endParaRPr lang="en-US" dirty="0"/>
           </a:p>
@@ -9401,8 +10994,8 @@
         </p:blipFill>
         <p:spPr>
           <a:xfrm>
-            <a:off x="1828800" y="2034748"/>
-            <a:ext cx="2825488" cy="4442252"/>
+            <a:off x="1896758" y="2263348"/>
+            <a:ext cx="2534565" cy="3984861"/>
           </a:xfrm>
           <a:prstGeom prst="rect">
             <a:avLst/>
@@ -9437,7 +11030,9 @@
           <a:lstStyle/>
           <a:p>
             <a:r>
-              <a:rPr lang="en-ZA" dirty="0"/>
+              <a:rPr lang="en-ZA" dirty="0">
+                <a:effectLst/>
+              </a:rPr>
               <a:t>Once this is done the bubble locations can be found and processed.</a:t>
             </a:r>
           </a:p>
@@ -9501,31 +11096,6 @@
           </a:extLst>
         </p:spPr>
       </p:pic>
-      <p:sp>
-        <p:nvSpPr>
-          <p:cNvPr id="11" name="Content Placeholder 10">
-            <a:extLst>
-              <a:ext uri="{FF2B5EF4-FFF2-40B4-BE49-F238E27FC236}">
-                <a16:creationId xmlns:a16="http://schemas.microsoft.com/office/drawing/2014/main" id="{82A21995-C246-430F-A665-07BCDEB35DFC}"/>
-              </a:ext>
-            </a:extLst>
-          </p:cNvPr>
-          <p:cNvSpPr>
-            <a:spLocks noGrp="1"/>
-          </p:cNvSpPr>
-          <p:nvPr>
-            <p:ph idx="1"/>
-          </p:nvPr>
-        </p:nvSpPr>
-        <p:spPr/>
-        <p:txBody>
-          <a:bodyPr/>
-          <a:lstStyle/>
-          <a:p>
-            <a:endParaRPr lang="en-ZA" dirty="0"/>
-          </a:p>
-        </p:txBody>
-      </p:sp>
     </p:spTree>
     <p:extLst>
       <p:ext uri="{BB962C8B-B14F-4D97-AF65-F5344CB8AC3E}">
@@ -9656,127 +11226,6 @@
       </p:par>
     </p:tnLst>
   </p:timing>
-</p:sld>
-</file>
-
-<file path=ppt/slides/slide9.xml><?xml version="1.0" encoding="utf-8"?>
-<p:sld xmlns:a="http://schemas.openxmlformats.org/drawingml/2006/main" xmlns:r="http://schemas.openxmlformats.org/officeDocument/2006/relationships" xmlns:p="http://schemas.openxmlformats.org/presentationml/2006/main">
-  <p:cSld>
-    <p:spTree>
-      <p:nvGrpSpPr>
-        <p:cNvPr id="1" name=""/>
-        <p:cNvGrpSpPr/>
-        <p:nvPr/>
-      </p:nvGrpSpPr>
-      <p:grpSpPr>
-        <a:xfrm>
-          <a:off x="0" y="0"/>
-          <a:ext cx="0" cy="0"/>
-          <a:chOff x="0" y="0"/>
-          <a:chExt cx="0" cy="0"/>
-        </a:xfrm>
-      </p:grpSpPr>
-      <p:sp>
-        <p:nvSpPr>
-          <p:cNvPr id="2" name="Title 1">
-            <a:extLst>
-              <a:ext uri="{FF2B5EF4-FFF2-40B4-BE49-F238E27FC236}">
-                <a16:creationId xmlns:a16="http://schemas.microsoft.com/office/drawing/2014/main" id="{68CE8CD5-3104-4140-BDE4-0AD8BBC1131C}"/>
-              </a:ext>
-            </a:extLst>
-          </p:cNvPr>
-          <p:cNvSpPr>
-            <a:spLocks noGrp="1"/>
-          </p:cNvSpPr>
-          <p:nvPr>
-            <p:ph type="title"/>
-          </p:nvPr>
-        </p:nvSpPr>
-        <p:spPr/>
-        <p:txBody>
-          <a:bodyPr/>
-          <a:lstStyle/>
-          <a:p>
-            <a:r>
-              <a:rPr lang="en-ZA" dirty="0"/>
-              <a:t>Machine learning techniques</a:t>
-            </a:r>
-          </a:p>
-        </p:txBody>
-      </p:sp>
-      <p:sp>
-        <p:nvSpPr>
-          <p:cNvPr id="3" name="Content Placeholder 2">
-            <a:extLst>
-              <a:ext uri="{FF2B5EF4-FFF2-40B4-BE49-F238E27FC236}">
-                <a16:creationId xmlns:a16="http://schemas.microsoft.com/office/drawing/2014/main" id="{586C560F-3192-4796-82BA-5067BC050453}"/>
-              </a:ext>
-            </a:extLst>
-          </p:cNvPr>
-          <p:cNvSpPr>
-            <a:spLocks noGrp="1"/>
-          </p:cNvSpPr>
-          <p:nvPr>
-            <p:ph idx="1"/>
-          </p:nvPr>
-        </p:nvSpPr>
-        <p:spPr/>
-        <p:txBody>
-          <a:bodyPr/>
-          <a:lstStyle/>
-          <a:p>
-            <a:pPr marL="0" indent="0">
-              <a:buNone/>
-            </a:pPr>
-            <a:endParaRPr lang="en-ZA" dirty="0"/>
-          </a:p>
-        </p:txBody>
-      </p:sp>
-      <p:sp>
-        <p:nvSpPr>
-          <p:cNvPr id="4" name="Slide Number Placeholder 3">
-            <a:extLst>
-              <a:ext uri="{FF2B5EF4-FFF2-40B4-BE49-F238E27FC236}">
-                <a16:creationId xmlns:a16="http://schemas.microsoft.com/office/drawing/2014/main" id="{8D1A2C6C-7DF9-4371-B912-DA251FADB684}"/>
-              </a:ext>
-            </a:extLst>
-          </p:cNvPr>
-          <p:cNvSpPr>
-            <a:spLocks noGrp="1"/>
-          </p:cNvSpPr>
-          <p:nvPr>
-            <p:ph type="sldNum" sz="quarter" idx="10"/>
-          </p:nvPr>
-        </p:nvSpPr>
-        <p:spPr/>
-        <p:txBody>
-          <a:bodyPr/>
-          <a:lstStyle/>
-          <a:p>
-            <a:pPr>
-              <a:defRPr/>
-            </a:pPr>
-            <a:fld id="{A27591B5-593E-49C1-8C2D-4B5CC8495990}" type="slidenum">
-              <a:rPr lang="en-US" smtClean="0"/>
-              <a:pPr>
-                <a:defRPr/>
-              </a:pPr>
-              <a:t>9</a:t>
-            </a:fld>
-            <a:endParaRPr lang="en-US" dirty="0"/>
-          </a:p>
-        </p:txBody>
-      </p:sp>
-    </p:spTree>
-    <p:extLst>
-      <p:ext uri="{BB962C8B-B14F-4D97-AF65-F5344CB8AC3E}">
-        <p14:creationId xmlns:p14="http://schemas.microsoft.com/office/powerpoint/2010/main" val="2373446901"/>
-      </p:ext>
-    </p:extLst>
-  </p:cSld>
-  <p:clrMapOvr>
-    <a:masterClrMapping/>
-  </p:clrMapOvr>
 </p:sld>
 </file>
 

--- a/OralExamination/SkripsieOral_APSmit.pptx
+++ b/OralExamination/SkripsieOral_APSmit.pptx
@@ -5,10 +5,10 @@
     <p:sldMasterId id="2147483648" r:id="rId1"/>
   </p:sldMasterIdLst>
   <p:notesMasterIdLst>
-    <p:notesMasterId r:id="rId14"/>
+    <p:notesMasterId r:id="rId15"/>
   </p:notesMasterIdLst>
   <p:handoutMasterIdLst>
-    <p:handoutMasterId r:id="rId15"/>
+    <p:handoutMasterId r:id="rId16"/>
   </p:handoutMasterIdLst>
   <p:sldIdLst>
     <p:sldId id="655" r:id="rId2"/>
@@ -22,12 +22,13 @@
     <p:sldId id="685" r:id="rId10"/>
     <p:sldId id="686" r:id="rId11"/>
     <p:sldId id="687" r:id="rId12"/>
-    <p:sldId id="690" r:id="rId13"/>
+    <p:sldId id="692" r:id="rId13"/>
+    <p:sldId id="690" r:id="rId14"/>
   </p:sldIdLst>
   <p:sldSz cx="12192000" cy="6858000"/>
   <p:notesSz cx="7315200" cy="9601200"/>
   <p:custDataLst>
-    <p:tags r:id="rId16"/>
+    <p:tags r:id="rId17"/>
   </p:custDataLst>
   <p:defaultTextStyle>
     <a:defPPr>
@@ -1560,6 +1561,96 @@
     <p:extLst>
       <p:ext uri="{BB962C8B-B14F-4D97-AF65-F5344CB8AC3E}">
         <p14:creationId xmlns:p14="http://schemas.microsoft.com/office/powerpoint/2010/main" val="503715633"/>
+      </p:ext>
+    </p:extLst>
+  </p:cSld>
+  <p:clrMapOvr>
+    <a:masterClrMapping/>
+  </p:clrMapOvr>
+</p:notes>
+</file>
+
+<file path=ppt/notesSlides/notesSlide8.xml><?xml version="1.0" encoding="utf-8"?>
+<p:notes xmlns:a="http://schemas.openxmlformats.org/drawingml/2006/main" xmlns:r="http://schemas.openxmlformats.org/officeDocument/2006/relationships" xmlns:p="http://schemas.openxmlformats.org/presentationml/2006/main">
+  <p:cSld>
+    <p:spTree>
+      <p:nvGrpSpPr>
+        <p:cNvPr id="1" name=""/>
+        <p:cNvGrpSpPr/>
+        <p:nvPr/>
+      </p:nvGrpSpPr>
+      <p:grpSpPr>
+        <a:xfrm>
+          <a:off x="0" y="0"/>
+          <a:ext cx="0" cy="0"/>
+          <a:chOff x="0" y="0"/>
+          <a:chExt cx="0" cy="0"/>
+        </a:xfrm>
+      </p:grpSpPr>
+      <p:sp>
+        <p:nvSpPr>
+          <p:cNvPr id="2" name="Slide Image Placeholder 1"/>
+          <p:cNvSpPr>
+            <a:spLocks noGrp="1" noRot="1" noChangeAspect="1"/>
+          </p:cNvSpPr>
+          <p:nvPr>
+            <p:ph type="sldImg"/>
+          </p:nvPr>
+        </p:nvSpPr>
+        <p:spPr/>
+      </p:sp>
+      <p:sp>
+        <p:nvSpPr>
+          <p:cNvPr id="3" name="Notes Placeholder 2"/>
+          <p:cNvSpPr>
+            <a:spLocks noGrp="1"/>
+          </p:cNvSpPr>
+          <p:nvPr>
+            <p:ph type="body" idx="1"/>
+          </p:nvPr>
+        </p:nvSpPr>
+        <p:spPr/>
+        <p:txBody>
+          <a:bodyPr/>
+          <a:lstStyle/>
+          <a:p>
+            <a:endParaRPr lang="en-ZA" dirty="0"/>
+          </a:p>
+        </p:txBody>
+      </p:sp>
+      <p:sp>
+        <p:nvSpPr>
+          <p:cNvPr id="4" name="Slide Number Placeholder 3"/>
+          <p:cNvSpPr>
+            <a:spLocks noGrp="1"/>
+          </p:cNvSpPr>
+          <p:nvPr>
+            <p:ph type="sldNum" sz="quarter" idx="10"/>
+          </p:nvPr>
+        </p:nvSpPr>
+        <p:spPr/>
+        <p:txBody>
+          <a:bodyPr/>
+          <a:lstStyle/>
+          <a:p>
+            <a:pPr>
+              <a:defRPr/>
+            </a:pPr>
+            <a:fld id="{2AABE78A-E99E-4C1C-B170-1B5F1DA6AE54}" type="slidenum">
+              <a:rPr lang="en-US" smtClean="0"/>
+              <a:pPr>
+                <a:defRPr/>
+              </a:pPr>
+              <a:t>11</a:t>
+            </a:fld>
+            <a:endParaRPr lang="en-US" dirty="0"/>
+          </a:p>
+        </p:txBody>
+      </p:sp>
+    </p:spTree>
+    <p:extLst>
+      <p:ext uri="{BB962C8B-B14F-4D97-AF65-F5344CB8AC3E}">
+        <p14:creationId xmlns:p14="http://schemas.microsoft.com/office/powerpoint/2010/main" val="3683827040"/>
       </p:ext>
     </p:extLst>
   </p:cSld>
@@ -6270,34 +6361,6 @@
       </p:sp>
       <p:sp>
         <p:nvSpPr>
-          <p:cNvPr id="3" name="Content Placeholder 2">
-            <a:extLst>
-              <a:ext uri="{FF2B5EF4-FFF2-40B4-BE49-F238E27FC236}">
-                <a16:creationId xmlns:a16="http://schemas.microsoft.com/office/drawing/2014/main" id="{0E056701-1D03-4C14-93F1-2C7D4F26D210}"/>
-              </a:ext>
-            </a:extLst>
-          </p:cNvPr>
-          <p:cNvSpPr>
-            <a:spLocks noGrp="1"/>
-          </p:cNvSpPr>
-          <p:nvPr>
-            <p:ph idx="1"/>
-          </p:nvPr>
-        </p:nvSpPr>
-        <p:spPr/>
-        <p:txBody>
-          <a:bodyPr/>
-          <a:lstStyle/>
-          <a:p>
-            <a:r>
-              <a:rPr lang="en-ZA" dirty="0"/>
-              <a:t>k</a:t>
-            </a:r>
-          </a:p>
-        </p:txBody>
-      </p:sp>
-      <p:sp>
-        <p:nvSpPr>
           <p:cNvPr id="4" name="Slide Number Placeholder 3">
             <a:extLst>
               <a:ext uri="{FF2B5EF4-FFF2-40B4-BE49-F238E27FC236}">
@@ -6331,6 +6394,76 @@
           </a:p>
         </p:txBody>
       </p:sp>
+      <p:pic>
+        <p:nvPicPr>
+          <p:cNvPr id="14" name="Content Placeholder 13">
+            <a:extLst>
+              <a:ext uri="{FF2B5EF4-FFF2-40B4-BE49-F238E27FC236}">
+                <a16:creationId xmlns:a16="http://schemas.microsoft.com/office/drawing/2014/main" id="{01959AA6-403D-4F83-AE3A-0CDB9297E10C}"/>
+              </a:ext>
+            </a:extLst>
+          </p:cNvPr>
+          <p:cNvPicPr>
+            <a:picLocks noGrp="1" noChangeAspect="1"/>
+          </p:cNvPicPr>
+          <p:nvPr>
+            <p:ph idx="1"/>
+          </p:nvPr>
+        </p:nvPicPr>
+        <p:blipFill>
+          <a:blip r:embed="rId3">
+            <a:extLst>
+              <a:ext uri="{28A0092B-C50C-407E-A947-70E740481C1C}">
+                <a14:useLocalDpi xmlns:a14="http://schemas.microsoft.com/office/drawing/2010/main" val="0"/>
+              </a:ext>
+            </a:extLst>
+          </a:blip>
+          <a:stretch>
+            <a:fillRect/>
+          </a:stretch>
+        </p:blipFill>
+        <p:spPr>
+          <a:xfrm>
+            <a:off x="4996016" y="2365098"/>
+            <a:ext cx="5963107" cy="2753002"/>
+          </a:xfrm>
+        </p:spPr>
+      </p:pic>
+      <p:pic>
+        <p:nvPicPr>
+          <p:cNvPr id="15" name="Picture 14">
+            <a:extLst>
+              <a:ext uri="{FF2B5EF4-FFF2-40B4-BE49-F238E27FC236}">
+                <a16:creationId xmlns:a16="http://schemas.microsoft.com/office/drawing/2014/main" id="{8AC5C5D7-DBF4-4537-BC6A-8555EA8702D8}"/>
+              </a:ext>
+            </a:extLst>
+          </p:cNvPr>
+          <p:cNvPicPr>
+            <a:picLocks noChangeAspect="1"/>
+          </p:cNvPicPr>
+          <p:nvPr/>
+        </p:nvPicPr>
+        <p:blipFill rotWithShape="1">
+          <a:blip r:embed="rId4" cstate="print">
+            <a:extLst>
+              <a:ext uri="{28A0092B-C50C-407E-A947-70E740481C1C}">
+                <a14:useLocalDpi xmlns:a14="http://schemas.microsoft.com/office/drawing/2010/main" val="0"/>
+              </a:ext>
+            </a:extLst>
+          </a:blip>
+          <a:srcRect l="47229" t="67435" r="11364" b="2492"/>
+          <a:stretch/>
+        </p:blipFill>
+        <p:spPr>
+          <a:xfrm>
+            <a:off x="965200" y="2002745"/>
+            <a:ext cx="3060700" cy="3115355"/>
+          </a:xfrm>
+          <a:prstGeom prst="rect">
+            <a:avLst/>
+          </a:prstGeom>
+        </p:spPr>
+      </p:pic>
     </p:spTree>
     <p:extLst>
       <p:ext uri="{BB962C8B-B14F-4D97-AF65-F5344CB8AC3E}">
@@ -6366,7 +6499,7 @@
           <p:cNvPr id="2" name="Title 1">
             <a:extLst>
               <a:ext uri="{FF2B5EF4-FFF2-40B4-BE49-F238E27FC236}">
-                <a16:creationId xmlns:a16="http://schemas.microsoft.com/office/drawing/2014/main" id="{602ADD70-9300-4D99-BBFC-A1A740D26F93}"/>
+                <a16:creationId xmlns:a16="http://schemas.microsoft.com/office/drawing/2014/main" id="{DED86292-FCD6-4404-B7F8-E67201ED2370}"/>
               </a:ext>
             </a:extLst>
           </p:cNvPr>
@@ -6384,33 +6517,8 @@
           <a:p>
             <a:r>
               <a:rPr lang="en-ZA" dirty="0"/>
-              <a:t>Results and conclusion</a:t>
+              <a:t>Probabilistic Graphical Models</a:t>
             </a:r>
-          </a:p>
-        </p:txBody>
-      </p:sp>
-      <p:sp>
-        <p:nvSpPr>
-          <p:cNvPr id="3" name="Content Placeholder 2">
-            <a:extLst>
-              <a:ext uri="{FF2B5EF4-FFF2-40B4-BE49-F238E27FC236}">
-                <a16:creationId xmlns:a16="http://schemas.microsoft.com/office/drawing/2014/main" id="{C3E65669-9934-41E7-BCCE-3D8002D455A5}"/>
-              </a:ext>
-            </a:extLst>
-          </p:cNvPr>
-          <p:cNvSpPr>
-            <a:spLocks noGrp="1"/>
-          </p:cNvSpPr>
-          <p:nvPr>
-            <p:ph idx="1"/>
-          </p:nvPr>
-        </p:nvSpPr>
-        <p:spPr/>
-        <p:txBody>
-          <a:bodyPr/>
-          <a:lstStyle/>
-          <a:p>
-            <a:endParaRPr lang="en-ZA" dirty="0"/>
           </a:p>
         </p:txBody>
       </p:sp>
@@ -6419,7 +6527,7 @@
           <p:cNvPr id="4" name="Slide Number Placeholder 3">
             <a:extLst>
               <a:ext uri="{FF2B5EF4-FFF2-40B4-BE49-F238E27FC236}">
-                <a16:creationId xmlns:a16="http://schemas.microsoft.com/office/drawing/2014/main" id="{681609DA-FCE8-4DF1-8772-C8AC4AA4AEDE}"/>
+                <a16:creationId xmlns:a16="http://schemas.microsoft.com/office/drawing/2014/main" id="{4FF84512-2B16-4650-BDAA-340B294503BA}"/>
               </a:ext>
             </a:extLst>
           </p:cNvPr>
@@ -6444,6 +6552,950 @@
                 <a:defRPr/>
               </a:pPr>
               <a:t>12</a:t>
+            </a:fld>
+            <a:endParaRPr lang="en-US" dirty="0"/>
+          </a:p>
+        </p:txBody>
+      </p:sp>
+      <p:pic>
+        <p:nvPicPr>
+          <p:cNvPr id="5" name="Content Placeholder 4">
+            <a:extLst>
+              <a:ext uri="{FF2B5EF4-FFF2-40B4-BE49-F238E27FC236}">
+                <a16:creationId xmlns:a16="http://schemas.microsoft.com/office/drawing/2014/main" id="{719A6DEB-1745-44CD-B9DB-5ABD71BEA31A}"/>
+              </a:ext>
+            </a:extLst>
+          </p:cNvPr>
+          <p:cNvPicPr>
+            <a:picLocks noGrp="1" noChangeAspect="1"/>
+          </p:cNvPicPr>
+          <p:nvPr>
+            <p:ph idx="1"/>
+          </p:nvPr>
+        </p:nvPicPr>
+        <p:blipFill>
+          <a:blip r:embed="rId2">
+            <a:extLst>
+              <a:ext uri="{28A0092B-C50C-407E-A947-70E740481C1C}">
+                <a14:useLocalDpi xmlns:a14="http://schemas.microsoft.com/office/drawing/2010/main" val="0"/>
+              </a:ext>
+            </a:extLst>
+          </a:blip>
+          <a:stretch>
+            <a:fillRect/>
+          </a:stretch>
+        </p:blipFill>
+        <p:spPr>
+          <a:xfrm>
+            <a:off x="928624" y="2461260"/>
+            <a:ext cx="585216" cy="2468880"/>
+          </a:xfrm>
+          <a:prstGeom prst="rect">
+            <a:avLst/>
+          </a:prstGeom>
+        </p:spPr>
+      </p:pic>
+      <p:sp>
+        <p:nvSpPr>
+          <p:cNvPr id="6" name="Right Brace 5">
+            <a:extLst>
+              <a:ext uri="{FF2B5EF4-FFF2-40B4-BE49-F238E27FC236}">
+                <a16:creationId xmlns:a16="http://schemas.microsoft.com/office/drawing/2014/main" id="{1C8D9503-0DC5-4404-B22F-8A2D8BC86259}"/>
+              </a:ext>
+            </a:extLst>
+          </p:cNvPr>
+          <p:cNvSpPr/>
+          <p:nvPr/>
+        </p:nvSpPr>
+        <p:spPr bwMode="auto">
+          <a:xfrm>
+            <a:off x="1513840" y="2841674"/>
+            <a:ext cx="329028" cy="2088466"/>
+          </a:xfrm>
+          <a:prstGeom prst="rightBrace">
+            <a:avLst/>
+          </a:prstGeom>
+          <a:solidFill>
+            <a:schemeClr val="bg1"/>
+          </a:solidFill>
+          <a:ln w="12700" cap="sq" cmpd="sng" algn="ctr">
+            <a:solidFill>
+              <a:schemeClr val="tx1"/>
+            </a:solidFill>
+            <a:prstDash val="solid"/>
+            <a:round/>
+            <a:headEnd type="none" w="sm" len="sm"/>
+            <a:tailEnd type="none" w="sm" len="sm"/>
+          </a:ln>
+          <a:effectLst/>
+        </p:spPr>
+        <p:txBody>
+          <a:bodyPr vert="horz" wrap="square" lIns="91440" tIns="45720" rIns="91440" bIns="45720" numCol="1" rtlCol="0" anchor="t" anchorCtr="0" compatLnSpc="1">
+            <a:prstTxWarp prst="textNoShape">
+              <a:avLst/>
+            </a:prstTxWarp>
+          </a:bodyPr>
+          <a:lstStyle/>
+          <a:p>
+            <a:pPr marL="0" marR="0" indent="0" algn="l" defTabSz="914400" rtl="0" eaLnBrk="1" fontAlgn="base" latinLnBrk="0" hangingPunct="1">
+              <a:lnSpc>
+                <a:spcPct val="100000"/>
+              </a:lnSpc>
+              <a:spcBef>
+                <a:spcPct val="0"/>
+              </a:spcBef>
+              <a:spcAft>
+                <a:spcPct val="0"/>
+              </a:spcAft>
+              <a:buClrTx/>
+              <a:buSzTx/>
+              <a:buFontTx/>
+              <a:buNone/>
+              <a:tabLst/>
+            </a:pPr>
+            <a:endParaRPr kumimoji="0" lang="en-ZA" sz="2400" b="0" i="0" u="none" strike="noStrike" cap="none" normalizeH="0" baseline="0">
+              <a:ln>
+                <a:noFill/>
+              </a:ln>
+              <a:solidFill>
+                <a:schemeClr val="tx1"/>
+              </a:solidFill>
+              <a:effectLst/>
+              <a:latin typeface="Times New Roman" pitchFamily="18" charset="0"/>
+            </a:endParaRPr>
+          </a:p>
+        </p:txBody>
+      </p:sp>
+      <p:sp>
+        <p:nvSpPr>
+          <p:cNvPr id="7" name="Right Brace 6">
+            <a:extLst>
+              <a:ext uri="{FF2B5EF4-FFF2-40B4-BE49-F238E27FC236}">
+                <a16:creationId xmlns:a16="http://schemas.microsoft.com/office/drawing/2014/main" id="{D2628566-755A-402B-8A8A-24811486DC76}"/>
+              </a:ext>
+            </a:extLst>
+          </p:cNvPr>
+          <p:cNvSpPr/>
+          <p:nvPr/>
+        </p:nvSpPr>
+        <p:spPr bwMode="auto">
+          <a:xfrm>
+            <a:off x="1513840" y="2461260"/>
+            <a:ext cx="329028" cy="354037"/>
+          </a:xfrm>
+          <a:prstGeom prst="rightBrace">
+            <a:avLst/>
+          </a:prstGeom>
+          <a:solidFill>
+            <a:schemeClr val="bg1"/>
+          </a:solidFill>
+          <a:ln w="12700" cap="sq" cmpd="sng" algn="ctr">
+            <a:solidFill>
+              <a:schemeClr val="tx1"/>
+            </a:solidFill>
+            <a:prstDash val="solid"/>
+            <a:round/>
+            <a:headEnd type="none" w="sm" len="sm"/>
+            <a:tailEnd type="none" w="sm" len="sm"/>
+          </a:ln>
+          <a:effectLst/>
+        </p:spPr>
+        <p:txBody>
+          <a:bodyPr vert="horz" wrap="square" lIns="91440" tIns="45720" rIns="91440" bIns="45720" numCol="1" rtlCol="0" anchor="t" anchorCtr="0" compatLnSpc="1">
+            <a:prstTxWarp prst="textNoShape">
+              <a:avLst/>
+            </a:prstTxWarp>
+          </a:bodyPr>
+          <a:lstStyle/>
+          <a:p>
+            <a:pPr marL="0" marR="0" indent="0" algn="l" defTabSz="914400" rtl="0" eaLnBrk="1" fontAlgn="base" latinLnBrk="0" hangingPunct="1">
+              <a:lnSpc>
+                <a:spcPct val="100000"/>
+              </a:lnSpc>
+              <a:spcBef>
+                <a:spcPct val="0"/>
+              </a:spcBef>
+              <a:spcAft>
+                <a:spcPct val="0"/>
+              </a:spcAft>
+              <a:buClrTx/>
+              <a:buSzTx/>
+              <a:buFontTx/>
+              <a:buNone/>
+              <a:tabLst/>
+            </a:pPr>
+            <a:endParaRPr kumimoji="0" lang="en-ZA" sz="2400" b="0" i="0" u="none" strike="noStrike" cap="none" normalizeH="0" baseline="0">
+              <a:ln>
+                <a:noFill/>
+              </a:ln>
+              <a:solidFill>
+                <a:schemeClr val="tx1"/>
+              </a:solidFill>
+              <a:effectLst/>
+              <a:latin typeface="Times New Roman" pitchFamily="18" charset="0"/>
+            </a:endParaRPr>
+          </a:p>
+        </p:txBody>
+      </p:sp>
+      <p:sp>
+        <p:nvSpPr>
+          <p:cNvPr id="8" name="TextBox 7">
+            <a:extLst>
+              <a:ext uri="{FF2B5EF4-FFF2-40B4-BE49-F238E27FC236}">
+                <a16:creationId xmlns:a16="http://schemas.microsoft.com/office/drawing/2014/main" id="{F8BAC105-D8EF-4741-9D9F-68116298165A}"/>
+              </a:ext>
+            </a:extLst>
+          </p:cNvPr>
+          <p:cNvSpPr txBox="1"/>
+          <p:nvPr/>
+        </p:nvSpPr>
+        <p:spPr>
+          <a:xfrm>
+            <a:off x="1997611" y="2461260"/>
+            <a:ext cx="1997613" cy="461665"/>
+          </a:xfrm>
+          <a:prstGeom prst="rect">
+            <a:avLst/>
+          </a:prstGeom>
+          <a:noFill/>
+        </p:spPr>
+        <p:txBody>
+          <a:bodyPr wrap="square" rtlCol="0">
+            <a:spAutoFit/>
+          </a:bodyPr>
+          <a:lstStyle/>
+          <a:p>
+            <a:r>
+              <a:rPr lang="en-ZA" dirty="0"/>
+              <a:t>Probably a 2</a:t>
+            </a:r>
+          </a:p>
+        </p:txBody>
+      </p:sp>
+      <p:sp>
+        <p:nvSpPr>
+          <p:cNvPr id="10" name="TextBox 9">
+            <a:extLst>
+              <a:ext uri="{FF2B5EF4-FFF2-40B4-BE49-F238E27FC236}">
+                <a16:creationId xmlns:a16="http://schemas.microsoft.com/office/drawing/2014/main" id="{681CACC0-D96A-48CF-8690-2FCA5726E9FC}"/>
+              </a:ext>
+            </a:extLst>
+          </p:cNvPr>
+          <p:cNvSpPr txBox="1"/>
+          <p:nvPr/>
+        </p:nvSpPr>
+        <p:spPr>
+          <a:xfrm>
+            <a:off x="1997611" y="3655074"/>
+            <a:ext cx="1997613" cy="461665"/>
+          </a:xfrm>
+          <a:prstGeom prst="rect">
+            <a:avLst/>
+          </a:prstGeom>
+          <a:noFill/>
+        </p:spPr>
+        <p:txBody>
+          <a:bodyPr wrap="square" rtlCol="0">
+            <a:spAutoFit/>
+          </a:bodyPr>
+          <a:lstStyle/>
+          <a:p>
+            <a:r>
+              <a:rPr lang="en-ZA" dirty="0"/>
+              <a:t>Probably a 2</a:t>
+            </a:r>
+          </a:p>
+        </p:txBody>
+      </p:sp>
+      <p:sp>
+        <p:nvSpPr>
+          <p:cNvPr id="11" name="Right Brace 10">
+            <a:extLst>
+              <a:ext uri="{FF2B5EF4-FFF2-40B4-BE49-F238E27FC236}">
+                <a16:creationId xmlns:a16="http://schemas.microsoft.com/office/drawing/2014/main" id="{C80FFEEC-AA0F-4C73-BB36-84C594DD7416}"/>
+              </a:ext>
+            </a:extLst>
+          </p:cNvPr>
+          <p:cNvSpPr/>
+          <p:nvPr/>
+        </p:nvSpPr>
+        <p:spPr bwMode="auto">
+          <a:xfrm>
+            <a:off x="3820939" y="2568888"/>
+            <a:ext cx="174285" cy="1547851"/>
+          </a:xfrm>
+          <a:prstGeom prst="rightBrace">
+            <a:avLst/>
+          </a:prstGeom>
+          <a:solidFill>
+            <a:schemeClr val="bg1"/>
+          </a:solidFill>
+          <a:ln w="12700" cap="sq" cmpd="sng" algn="ctr">
+            <a:solidFill>
+              <a:schemeClr val="tx1"/>
+            </a:solidFill>
+            <a:prstDash val="solid"/>
+            <a:round/>
+            <a:headEnd type="none" w="sm" len="sm"/>
+            <a:tailEnd type="none" w="sm" len="sm"/>
+          </a:ln>
+          <a:effectLst/>
+        </p:spPr>
+        <p:txBody>
+          <a:bodyPr vert="horz" wrap="square" lIns="91440" tIns="45720" rIns="91440" bIns="45720" numCol="1" rtlCol="0" anchor="t" anchorCtr="0" compatLnSpc="1">
+            <a:prstTxWarp prst="textNoShape">
+              <a:avLst/>
+            </a:prstTxWarp>
+          </a:bodyPr>
+          <a:lstStyle/>
+          <a:p>
+            <a:pPr marL="0" marR="0" indent="0" algn="l" defTabSz="914400" rtl="0" eaLnBrk="1" fontAlgn="base" latinLnBrk="0" hangingPunct="1">
+              <a:lnSpc>
+                <a:spcPct val="100000"/>
+              </a:lnSpc>
+              <a:spcBef>
+                <a:spcPct val="0"/>
+              </a:spcBef>
+              <a:spcAft>
+                <a:spcPct val="0"/>
+              </a:spcAft>
+              <a:buClrTx/>
+              <a:buSzTx/>
+              <a:buFontTx/>
+              <a:buNone/>
+              <a:tabLst/>
+            </a:pPr>
+            <a:endParaRPr kumimoji="0" lang="en-ZA" sz="2400" b="0" i="0" u="none" strike="noStrike" cap="none" normalizeH="0" baseline="0">
+              <a:ln>
+                <a:noFill/>
+              </a:ln>
+              <a:solidFill>
+                <a:schemeClr val="tx1"/>
+              </a:solidFill>
+              <a:effectLst/>
+              <a:latin typeface="Times New Roman" pitchFamily="18" charset="0"/>
+            </a:endParaRPr>
+          </a:p>
+        </p:txBody>
+      </p:sp>
+      <p:sp>
+        <p:nvSpPr>
+          <p:cNvPr id="13" name="TextBox 12">
+            <a:extLst>
+              <a:ext uri="{FF2B5EF4-FFF2-40B4-BE49-F238E27FC236}">
+                <a16:creationId xmlns:a16="http://schemas.microsoft.com/office/drawing/2014/main" id="{C8F00508-22D0-430F-A8BE-D2F6CFAD97D9}"/>
+              </a:ext>
+            </a:extLst>
+          </p:cNvPr>
+          <p:cNvSpPr txBox="1"/>
+          <p:nvPr/>
+        </p:nvSpPr>
+        <p:spPr>
+          <a:xfrm>
+            <a:off x="4119488" y="3111980"/>
+            <a:ext cx="1997613" cy="461665"/>
+          </a:xfrm>
+          <a:prstGeom prst="rect">
+            <a:avLst/>
+          </a:prstGeom>
+          <a:noFill/>
+        </p:spPr>
+        <p:txBody>
+          <a:bodyPr wrap="square" rtlCol="0">
+            <a:spAutoFit/>
+          </a:bodyPr>
+          <a:lstStyle/>
+          <a:p>
+            <a:r>
+              <a:rPr lang="en-ZA" dirty="0"/>
+              <a:t>Final guess: 2</a:t>
+            </a:r>
+          </a:p>
+        </p:txBody>
+      </p:sp>
+      <p:pic>
+        <p:nvPicPr>
+          <p:cNvPr id="14" name="Content Placeholder 4">
+            <a:extLst>
+              <a:ext uri="{FF2B5EF4-FFF2-40B4-BE49-F238E27FC236}">
+                <a16:creationId xmlns:a16="http://schemas.microsoft.com/office/drawing/2014/main" id="{FB96CE26-1622-4D76-B8AE-8E43B779C190}"/>
+              </a:ext>
+            </a:extLst>
+          </p:cNvPr>
+          <p:cNvPicPr>
+            <a:picLocks noChangeAspect="1"/>
+          </p:cNvPicPr>
+          <p:nvPr/>
+        </p:nvPicPr>
+        <p:blipFill rotWithShape="1">
+          <a:blip r:embed="rId2">
+            <a:extLst>
+              <a:ext uri="{28A0092B-C50C-407E-A947-70E740481C1C}">
+                <a14:useLocalDpi xmlns:a14="http://schemas.microsoft.com/office/drawing/2010/main" val="0"/>
+              </a:ext>
+            </a:extLst>
+          </a:blip>
+          <a:srcRect r="69478"/>
+          <a:stretch/>
+        </p:blipFill>
+        <p:spPr bwMode="auto">
+          <a:xfrm>
+            <a:off x="6412680" y="2545623"/>
+            <a:ext cx="178620" cy="2468880"/>
+          </a:xfrm>
+          <a:prstGeom prst="rect">
+            <a:avLst/>
+          </a:prstGeom>
+          <a:noFill/>
+          <a:ln>
+            <a:noFill/>
+          </a:ln>
+          <a:extLst>
+            <a:ext uri="{909E8E84-426E-40DD-AFC4-6F175D3DCCD1}">
+              <a14:hiddenFill xmlns:a14="http://schemas.microsoft.com/office/drawing/2010/main">
+                <a:solidFill>
+                  <a:srgbClr val="FFFFFF"/>
+                </a:solidFill>
+              </a14:hiddenFill>
+            </a:ext>
+            <a:ext uri="{91240B29-F687-4F45-9708-019B960494DF}">
+              <a14:hiddenLine xmlns:a14="http://schemas.microsoft.com/office/drawing/2010/main" w="9525">
+                <a:solidFill>
+                  <a:srgbClr val="000000"/>
+                </a:solidFill>
+                <a:miter lim="800000"/>
+                <a:headEnd/>
+                <a:tailEnd/>
+              </a14:hiddenLine>
+            </a:ext>
+          </a:extLst>
+        </p:spPr>
+      </p:pic>
+      <p:sp>
+        <p:nvSpPr>
+          <p:cNvPr id="15" name="Right Brace 14">
+            <a:extLst>
+              <a:ext uri="{FF2B5EF4-FFF2-40B4-BE49-F238E27FC236}">
+                <a16:creationId xmlns:a16="http://schemas.microsoft.com/office/drawing/2014/main" id="{3059CC2C-3C83-4048-8404-C13DAD38143F}"/>
+              </a:ext>
+            </a:extLst>
+          </p:cNvPr>
+          <p:cNvSpPr/>
+          <p:nvPr/>
+        </p:nvSpPr>
+        <p:spPr bwMode="auto">
+          <a:xfrm>
+            <a:off x="6997896" y="2926037"/>
+            <a:ext cx="329028" cy="2088466"/>
+          </a:xfrm>
+          <a:prstGeom prst="rightBrace">
+            <a:avLst/>
+          </a:prstGeom>
+          <a:solidFill>
+            <a:schemeClr val="bg1"/>
+          </a:solidFill>
+          <a:ln w="12700" cap="sq" cmpd="sng" algn="ctr">
+            <a:solidFill>
+              <a:schemeClr val="tx1"/>
+            </a:solidFill>
+            <a:prstDash val="solid"/>
+            <a:round/>
+            <a:headEnd type="none" w="sm" len="sm"/>
+            <a:tailEnd type="none" w="sm" len="sm"/>
+          </a:ln>
+          <a:effectLst/>
+        </p:spPr>
+        <p:txBody>
+          <a:bodyPr vert="horz" wrap="square" lIns="91440" tIns="45720" rIns="91440" bIns="45720" numCol="1" rtlCol="0" anchor="t" anchorCtr="0" compatLnSpc="1">
+            <a:prstTxWarp prst="textNoShape">
+              <a:avLst/>
+            </a:prstTxWarp>
+          </a:bodyPr>
+          <a:lstStyle/>
+          <a:p>
+            <a:pPr marL="0" marR="0" indent="0" algn="l" defTabSz="914400" rtl="0" eaLnBrk="1" fontAlgn="base" latinLnBrk="0" hangingPunct="1">
+              <a:lnSpc>
+                <a:spcPct val="100000"/>
+              </a:lnSpc>
+              <a:spcBef>
+                <a:spcPct val="0"/>
+              </a:spcBef>
+              <a:spcAft>
+                <a:spcPct val="0"/>
+              </a:spcAft>
+              <a:buClrTx/>
+              <a:buSzTx/>
+              <a:buFontTx/>
+              <a:buNone/>
+              <a:tabLst/>
+            </a:pPr>
+            <a:endParaRPr kumimoji="0" lang="en-ZA" sz="2400" b="0" i="0" u="none" strike="noStrike" cap="none" normalizeH="0" baseline="0">
+              <a:ln>
+                <a:noFill/>
+              </a:ln>
+              <a:solidFill>
+                <a:schemeClr val="tx1"/>
+              </a:solidFill>
+              <a:effectLst/>
+              <a:latin typeface="Times New Roman" pitchFamily="18" charset="0"/>
+            </a:endParaRPr>
+          </a:p>
+        </p:txBody>
+      </p:sp>
+      <p:sp>
+        <p:nvSpPr>
+          <p:cNvPr id="16" name="Right Brace 15">
+            <a:extLst>
+              <a:ext uri="{FF2B5EF4-FFF2-40B4-BE49-F238E27FC236}">
+                <a16:creationId xmlns:a16="http://schemas.microsoft.com/office/drawing/2014/main" id="{8A977A1D-0F19-47EF-856E-17EE3EA2ABB6}"/>
+              </a:ext>
+            </a:extLst>
+          </p:cNvPr>
+          <p:cNvSpPr/>
+          <p:nvPr/>
+        </p:nvSpPr>
+        <p:spPr bwMode="auto">
+          <a:xfrm>
+            <a:off x="6997896" y="2545623"/>
+            <a:ext cx="329028" cy="354037"/>
+          </a:xfrm>
+          <a:prstGeom prst="rightBrace">
+            <a:avLst/>
+          </a:prstGeom>
+          <a:solidFill>
+            <a:schemeClr val="bg1"/>
+          </a:solidFill>
+          <a:ln w="12700" cap="sq" cmpd="sng" algn="ctr">
+            <a:solidFill>
+              <a:schemeClr val="tx1"/>
+            </a:solidFill>
+            <a:prstDash val="solid"/>
+            <a:round/>
+            <a:headEnd type="none" w="sm" len="sm"/>
+            <a:tailEnd type="none" w="sm" len="sm"/>
+          </a:ln>
+          <a:effectLst/>
+        </p:spPr>
+        <p:txBody>
+          <a:bodyPr vert="horz" wrap="square" lIns="91440" tIns="45720" rIns="91440" bIns="45720" numCol="1" rtlCol="0" anchor="t" anchorCtr="0" compatLnSpc="1">
+            <a:prstTxWarp prst="textNoShape">
+              <a:avLst/>
+            </a:prstTxWarp>
+          </a:bodyPr>
+          <a:lstStyle/>
+          <a:p>
+            <a:pPr marL="0" marR="0" indent="0" algn="l" defTabSz="914400" rtl="0" eaLnBrk="1" fontAlgn="base" latinLnBrk="0" hangingPunct="1">
+              <a:lnSpc>
+                <a:spcPct val="100000"/>
+              </a:lnSpc>
+              <a:spcBef>
+                <a:spcPct val="0"/>
+              </a:spcBef>
+              <a:spcAft>
+                <a:spcPct val="0"/>
+              </a:spcAft>
+              <a:buClrTx/>
+              <a:buSzTx/>
+              <a:buFontTx/>
+              <a:buNone/>
+              <a:tabLst/>
+            </a:pPr>
+            <a:endParaRPr kumimoji="0" lang="en-ZA" sz="2400" b="0" i="0" u="none" strike="noStrike" cap="none" normalizeH="0" baseline="0">
+              <a:ln>
+                <a:noFill/>
+              </a:ln>
+              <a:solidFill>
+                <a:schemeClr val="tx1"/>
+              </a:solidFill>
+              <a:effectLst/>
+              <a:latin typeface="Times New Roman" pitchFamily="18" charset="0"/>
+            </a:endParaRPr>
+          </a:p>
+        </p:txBody>
+      </p:sp>
+      <p:sp>
+        <p:nvSpPr>
+          <p:cNvPr id="17" name="TextBox 16">
+            <a:extLst>
+              <a:ext uri="{FF2B5EF4-FFF2-40B4-BE49-F238E27FC236}">
+                <a16:creationId xmlns:a16="http://schemas.microsoft.com/office/drawing/2014/main" id="{EF5D292E-E20C-4B8F-8E83-4B3936AD2B63}"/>
+              </a:ext>
+            </a:extLst>
+          </p:cNvPr>
+          <p:cNvSpPr txBox="1"/>
+          <p:nvPr/>
+        </p:nvSpPr>
+        <p:spPr>
+          <a:xfrm>
+            <a:off x="7481667" y="2545623"/>
+            <a:ext cx="1997613" cy="461665"/>
+          </a:xfrm>
+          <a:prstGeom prst="rect">
+            <a:avLst/>
+          </a:prstGeom>
+          <a:noFill/>
+        </p:spPr>
+        <p:txBody>
+          <a:bodyPr wrap="square" rtlCol="0">
+            <a:spAutoFit/>
+          </a:bodyPr>
+          <a:lstStyle/>
+          <a:p>
+            <a:r>
+              <a:rPr lang="en-ZA" dirty="0"/>
+              <a:t>Probably a 6</a:t>
+            </a:r>
+          </a:p>
+        </p:txBody>
+      </p:sp>
+      <p:sp>
+        <p:nvSpPr>
+          <p:cNvPr id="18" name="TextBox 17">
+            <a:extLst>
+              <a:ext uri="{FF2B5EF4-FFF2-40B4-BE49-F238E27FC236}">
+                <a16:creationId xmlns:a16="http://schemas.microsoft.com/office/drawing/2014/main" id="{0D3E4B30-C308-4AAE-A7FA-F64CCA1D8209}"/>
+              </a:ext>
+            </a:extLst>
+          </p:cNvPr>
+          <p:cNvSpPr txBox="1"/>
+          <p:nvPr/>
+        </p:nvSpPr>
+        <p:spPr>
+          <a:xfrm>
+            <a:off x="7481667" y="3739437"/>
+            <a:ext cx="1997613" cy="830997"/>
+          </a:xfrm>
+          <a:prstGeom prst="rect">
+            <a:avLst/>
+          </a:prstGeom>
+          <a:noFill/>
+        </p:spPr>
+        <p:txBody>
+          <a:bodyPr wrap="square" rtlCol="0">
+            <a:spAutoFit/>
+          </a:bodyPr>
+          <a:lstStyle/>
+          <a:p>
+            <a:r>
+              <a:rPr lang="en-ZA" dirty="0"/>
+              <a:t>Probably a 3 or 6</a:t>
+            </a:r>
+          </a:p>
+        </p:txBody>
+      </p:sp>
+      <p:sp>
+        <p:nvSpPr>
+          <p:cNvPr id="19" name="Right Brace 18">
+            <a:extLst>
+              <a:ext uri="{FF2B5EF4-FFF2-40B4-BE49-F238E27FC236}">
+                <a16:creationId xmlns:a16="http://schemas.microsoft.com/office/drawing/2014/main" id="{9111452D-61D6-480D-8066-6BAFF6E2BDC8}"/>
+              </a:ext>
+            </a:extLst>
+          </p:cNvPr>
+          <p:cNvSpPr/>
+          <p:nvPr/>
+        </p:nvSpPr>
+        <p:spPr bwMode="auto">
+          <a:xfrm>
+            <a:off x="9304995" y="2653251"/>
+            <a:ext cx="174285" cy="1547851"/>
+          </a:xfrm>
+          <a:prstGeom prst="rightBrace">
+            <a:avLst/>
+          </a:prstGeom>
+          <a:solidFill>
+            <a:schemeClr val="bg1"/>
+          </a:solidFill>
+          <a:ln w="12700" cap="sq" cmpd="sng" algn="ctr">
+            <a:solidFill>
+              <a:schemeClr val="tx1"/>
+            </a:solidFill>
+            <a:prstDash val="solid"/>
+            <a:round/>
+            <a:headEnd type="none" w="sm" len="sm"/>
+            <a:tailEnd type="none" w="sm" len="sm"/>
+          </a:ln>
+          <a:effectLst/>
+        </p:spPr>
+        <p:txBody>
+          <a:bodyPr vert="horz" wrap="square" lIns="91440" tIns="45720" rIns="91440" bIns="45720" numCol="1" rtlCol="0" anchor="t" anchorCtr="0" compatLnSpc="1">
+            <a:prstTxWarp prst="textNoShape">
+              <a:avLst/>
+            </a:prstTxWarp>
+          </a:bodyPr>
+          <a:lstStyle/>
+          <a:p>
+            <a:pPr marL="0" marR="0" indent="0" algn="l" defTabSz="914400" rtl="0" eaLnBrk="1" fontAlgn="base" latinLnBrk="0" hangingPunct="1">
+              <a:lnSpc>
+                <a:spcPct val="100000"/>
+              </a:lnSpc>
+              <a:spcBef>
+                <a:spcPct val="0"/>
+              </a:spcBef>
+              <a:spcAft>
+                <a:spcPct val="0"/>
+              </a:spcAft>
+              <a:buClrTx/>
+              <a:buSzTx/>
+              <a:buFontTx/>
+              <a:buNone/>
+              <a:tabLst/>
+            </a:pPr>
+            <a:endParaRPr kumimoji="0" lang="en-ZA" sz="2400" b="0" i="0" u="none" strike="noStrike" cap="none" normalizeH="0" baseline="0">
+              <a:ln>
+                <a:noFill/>
+              </a:ln>
+              <a:solidFill>
+                <a:schemeClr val="tx1"/>
+              </a:solidFill>
+              <a:effectLst/>
+              <a:latin typeface="Times New Roman" pitchFamily="18" charset="0"/>
+            </a:endParaRPr>
+          </a:p>
+        </p:txBody>
+      </p:sp>
+      <p:sp>
+        <p:nvSpPr>
+          <p:cNvPr id="20" name="TextBox 19">
+            <a:extLst>
+              <a:ext uri="{FF2B5EF4-FFF2-40B4-BE49-F238E27FC236}">
+                <a16:creationId xmlns:a16="http://schemas.microsoft.com/office/drawing/2014/main" id="{0A3EE3A6-7DEE-4648-84AF-764358E2B7FE}"/>
+              </a:ext>
+            </a:extLst>
+          </p:cNvPr>
+          <p:cNvSpPr txBox="1"/>
+          <p:nvPr/>
+        </p:nvSpPr>
+        <p:spPr>
+          <a:xfrm>
+            <a:off x="9603544" y="3196343"/>
+            <a:ext cx="1997613" cy="461665"/>
+          </a:xfrm>
+          <a:prstGeom prst="rect">
+            <a:avLst/>
+          </a:prstGeom>
+          <a:noFill/>
+        </p:spPr>
+        <p:txBody>
+          <a:bodyPr wrap="square" rtlCol="0">
+            <a:spAutoFit/>
+          </a:bodyPr>
+          <a:lstStyle/>
+          <a:p>
+            <a:r>
+              <a:rPr lang="en-ZA" dirty="0"/>
+              <a:t>Final guess: 6</a:t>
+            </a:r>
+          </a:p>
+        </p:txBody>
+      </p:sp>
+      <p:pic>
+        <p:nvPicPr>
+          <p:cNvPr id="24" name="Picture 23">
+            <a:extLst>
+              <a:ext uri="{FF2B5EF4-FFF2-40B4-BE49-F238E27FC236}">
+                <a16:creationId xmlns:a16="http://schemas.microsoft.com/office/drawing/2014/main" id="{FA26EC47-9D24-46DB-B9AB-6ED50D77166C}"/>
+              </a:ext>
+            </a:extLst>
+          </p:cNvPr>
+          <p:cNvPicPr>
+            <a:picLocks noChangeAspect="1"/>
+          </p:cNvPicPr>
+          <p:nvPr/>
+        </p:nvPicPr>
+        <p:blipFill rotWithShape="1">
+          <a:blip r:embed="rId3">
+            <a:extLst>
+              <a:ext uri="{28A0092B-C50C-407E-A947-70E740481C1C}">
+                <a14:useLocalDpi xmlns:a14="http://schemas.microsoft.com/office/drawing/2010/main" val="0"/>
+              </a:ext>
+            </a:extLst>
+          </a:blip>
+          <a:srcRect l="26046" t="72796" r="71051" b="7361"/>
+          <a:stretch/>
+        </p:blipFill>
+        <p:spPr>
+          <a:xfrm>
+            <a:off x="6654799" y="2922925"/>
+            <a:ext cx="218833" cy="2115909"/>
+          </a:xfrm>
+          <a:prstGeom prst="rect">
+            <a:avLst/>
+          </a:prstGeom>
+        </p:spPr>
+      </p:pic>
+      <p:pic>
+        <p:nvPicPr>
+          <p:cNvPr id="25" name="Picture 24">
+            <a:extLst>
+              <a:ext uri="{FF2B5EF4-FFF2-40B4-BE49-F238E27FC236}">
+                <a16:creationId xmlns:a16="http://schemas.microsoft.com/office/drawing/2014/main" id="{01300C48-742F-4C47-B454-A45E4A1C78B3}"/>
+              </a:ext>
+            </a:extLst>
+          </p:cNvPr>
+          <p:cNvPicPr>
+            <a:picLocks noChangeAspect="1"/>
+          </p:cNvPicPr>
+          <p:nvPr/>
+        </p:nvPicPr>
+        <p:blipFill rotWithShape="1">
+          <a:blip r:embed="rId3">
+            <a:extLst>
+              <a:ext uri="{28A0092B-C50C-407E-A947-70E740481C1C}">
+                <a14:useLocalDpi xmlns:a14="http://schemas.microsoft.com/office/drawing/2010/main" val="0"/>
+              </a:ext>
+            </a:extLst>
+          </a:blip>
+          <a:srcRect l="25602" t="67379" r="71113" b="30365"/>
+          <a:stretch/>
+        </p:blipFill>
+        <p:spPr>
+          <a:xfrm>
+            <a:off x="6621780" y="2590031"/>
+            <a:ext cx="247650" cy="240506"/>
+          </a:xfrm>
+          <a:prstGeom prst="rect">
+            <a:avLst/>
+          </a:prstGeom>
+        </p:spPr>
+      </p:pic>
+    </p:spTree>
+    <p:extLst>
+      <p:ext uri="{BB962C8B-B14F-4D97-AF65-F5344CB8AC3E}">
+        <p14:creationId xmlns:p14="http://schemas.microsoft.com/office/powerpoint/2010/main" val="24009324"/>
+      </p:ext>
+    </p:extLst>
+  </p:cSld>
+  <p:clrMapOvr>
+    <a:masterClrMapping/>
+  </p:clrMapOvr>
+</p:sld>
+</file>
+
+<file path=ppt/slides/slide13.xml><?xml version="1.0" encoding="utf-8"?>
+<p:sld xmlns:a="http://schemas.openxmlformats.org/drawingml/2006/main" xmlns:r="http://schemas.openxmlformats.org/officeDocument/2006/relationships" xmlns:p="http://schemas.openxmlformats.org/presentationml/2006/main">
+  <p:cSld>
+    <p:spTree>
+      <p:nvGrpSpPr>
+        <p:cNvPr id="1" name=""/>
+        <p:cNvGrpSpPr/>
+        <p:nvPr/>
+      </p:nvGrpSpPr>
+      <p:grpSpPr>
+        <a:xfrm>
+          <a:off x="0" y="0"/>
+          <a:ext cx="0" cy="0"/>
+          <a:chOff x="0" y="0"/>
+          <a:chExt cx="0" cy="0"/>
+        </a:xfrm>
+      </p:grpSpPr>
+      <p:sp>
+        <p:nvSpPr>
+          <p:cNvPr id="2" name="Title 1">
+            <a:extLst>
+              <a:ext uri="{FF2B5EF4-FFF2-40B4-BE49-F238E27FC236}">
+                <a16:creationId xmlns:a16="http://schemas.microsoft.com/office/drawing/2014/main" id="{602ADD70-9300-4D99-BBFC-A1A740D26F93}"/>
+              </a:ext>
+            </a:extLst>
+          </p:cNvPr>
+          <p:cNvSpPr>
+            <a:spLocks noGrp="1"/>
+          </p:cNvSpPr>
+          <p:nvPr>
+            <p:ph type="title"/>
+          </p:nvPr>
+        </p:nvSpPr>
+        <p:spPr/>
+        <p:txBody>
+          <a:bodyPr/>
+          <a:lstStyle/>
+          <a:p>
+            <a:r>
+              <a:rPr lang="en-ZA" dirty="0"/>
+              <a:t>Results and conclusion</a:t>
+            </a:r>
+          </a:p>
+        </p:txBody>
+      </p:sp>
+      <p:sp>
+        <p:nvSpPr>
+          <p:cNvPr id="3" name="Content Placeholder 2">
+            <a:extLst>
+              <a:ext uri="{FF2B5EF4-FFF2-40B4-BE49-F238E27FC236}">
+                <a16:creationId xmlns:a16="http://schemas.microsoft.com/office/drawing/2014/main" id="{C3E65669-9934-41E7-BCCE-3D8002D455A5}"/>
+              </a:ext>
+            </a:extLst>
+          </p:cNvPr>
+          <p:cNvSpPr>
+            <a:spLocks noGrp="1"/>
+          </p:cNvSpPr>
+          <p:nvPr>
+            <p:ph idx="1"/>
+          </p:nvPr>
+        </p:nvSpPr>
+        <p:spPr/>
+        <p:txBody>
+          <a:bodyPr/>
+          <a:lstStyle/>
+          <a:p>
+            <a:r>
+              <a:rPr lang="en-ZA" dirty="0"/>
+              <a:t>Grades 1000 test in 30 minutes</a:t>
+            </a:r>
+          </a:p>
+          <a:p>
+            <a:r>
+              <a:rPr lang="en-ZA" dirty="0"/>
+              <a:t>Automatic grading accuracy 97.1%</a:t>
+            </a:r>
+          </a:p>
+          <a:p>
+            <a:r>
+              <a:rPr lang="en-ZA" dirty="0"/>
+              <a:t>Sends 2.8% of tests for manual grading</a:t>
+            </a:r>
+          </a:p>
+          <a:p>
+            <a:r>
+              <a:rPr lang="en-ZA" dirty="0"/>
+              <a:t>In a tutorial session on average only 0.1% or 1 test or less gets graded incorrectly</a:t>
+            </a:r>
+          </a:p>
+          <a:p>
+            <a:endParaRPr lang="en-ZA" dirty="0"/>
+          </a:p>
+        </p:txBody>
+      </p:sp>
+      <p:sp>
+        <p:nvSpPr>
+          <p:cNvPr id="4" name="Slide Number Placeholder 3">
+            <a:extLst>
+              <a:ext uri="{FF2B5EF4-FFF2-40B4-BE49-F238E27FC236}">
+                <a16:creationId xmlns:a16="http://schemas.microsoft.com/office/drawing/2014/main" id="{681609DA-FCE8-4DF1-8772-C8AC4AA4AEDE}"/>
+              </a:ext>
+            </a:extLst>
+          </p:cNvPr>
+          <p:cNvSpPr>
+            <a:spLocks noGrp="1"/>
+          </p:cNvSpPr>
+          <p:nvPr>
+            <p:ph type="sldNum" sz="quarter" idx="10"/>
+          </p:nvPr>
+        </p:nvSpPr>
+        <p:spPr/>
+        <p:txBody>
+          <a:bodyPr/>
+          <a:lstStyle/>
+          <a:p>
+            <a:pPr>
+              <a:defRPr/>
+            </a:pPr>
+            <a:fld id="{A27591B5-593E-49C1-8C2D-4B5CC8495990}" type="slidenum">
+              <a:rPr lang="en-US" smtClean="0"/>
+              <a:pPr>
+                <a:defRPr/>
+              </a:pPr>
+              <a:t>13</a:t>
             </a:fld>
             <a:endParaRPr lang="en-US" dirty="0"/>
           </a:p>
@@ -6518,54 +7570,76 @@
           <a:lstStyle/>
           <a:p>
             <a:r>
-              <a:rPr lang="en-US" dirty="0"/>
+              <a:rPr lang="en-US" kern="1200" dirty="0">
+                <a:latin typeface="Times New Roman" pitchFamily="18" charset="0"/>
+              </a:rPr>
               <a:t>Introduction</a:t>
             </a:r>
           </a:p>
           <a:p>
             <a:r>
-              <a:rPr lang="en-US" dirty="0"/>
+              <a:rPr lang="en-US" kern="1200" dirty="0">
+                <a:latin typeface="Times New Roman" pitchFamily="18" charset="0"/>
+              </a:rPr>
               <a:t>Solution</a:t>
             </a:r>
           </a:p>
           <a:p>
             <a:r>
-              <a:rPr lang="en-US" dirty="0"/>
+              <a:rPr lang="en-US" kern="1200" dirty="0">
+                <a:latin typeface="Times New Roman" pitchFamily="18" charset="0"/>
+              </a:rPr>
               <a:t>System overview</a:t>
             </a:r>
           </a:p>
           <a:p>
             <a:r>
-              <a:rPr lang="en-US" dirty="0"/>
+              <a:rPr lang="en-US" kern="1200" dirty="0">
+                <a:latin typeface="Times New Roman" pitchFamily="18" charset="0"/>
+              </a:rPr>
               <a:t>Image processing</a:t>
             </a:r>
           </a:p>
           <a:p>
             <a:r>
-              <a:rPr lang="en-ZA" dirty="0"/>
+              <a:rPr lang="en-ZA" kern="1200" dirty="0">
+                <a:latin typeface="Times New Roman" pitchFamily="18" charset="0"/>
+              </a:rPr>
               <a:t>Machine learning</a:t>
             </a:r>
           </a:p>
           <a:p>
             <a:pPr lvl="1"/>
             <a:r>
-              <a:rPr lang="en-ZA" dirty="0"/>
+              <a:rPr lang="en-ZA" sz="2400" kern="1200" dirty="0">
+                <a:latin typeface="Times New Roman" pitchFamily="18" charset="0"/>
+                <a:ea typeface="+mn-ea"/>
+                <a:cs typeface="+mn-cs"/>
+              </a:rPr>
               <a:t>Character recognition using Neural Networks</a:t>
             </a:r>
           </a:p>
           <a:p>
             <a:pPr lvl="1"/>
             <a:r>
-              <a:rPr lang="en-ZA" dirty="0"/>
+              <a:rPr lang="en-ZA" sz="2400" kern="1200" dirty="0">
+                <a:latin typeface="Times New Roman" pitchFamily="18" charset="0"/>
+                <a:ea typeface="+mn-ea"/>
+                <a:cs typeface="+mn-cs"/>
+              </a:rPr>
               <a:t>Final decision making using Probabilistic Graphical Models</a:t>
             </a:r>
           </a:p>
           <a:p>
             <a:r>
-              <a:rPr lang="en-ZA" dirty="0"/>
+              <a:rPr lang="en-ZA" kern="1200" dirty="0">
+                <a:latin typeface="Times New Roman" pitchFamily="18" charset="0"/>
+              </a:rPr>
               <a:t>Results and conclusions</a:t>
             </a:r>
-            <a:endParaRPr lang="en-GB" dirty="0"/>
+            <a:endParaRPr lang="en-GB" kern="1200" dirty="0">
+              <a:latin typeface="Times New Roman" pitchFamily="18" charset="0"/>
+            </a:endParaRPr>
           </a:p>
         </p:txBody>
       </p:sp>
@@ -6952,6 +8026,46 @@
           </a:extLst>
         </p:spPr>
       </p:pic>
+      <p:sp>
+        <p:nvSpPr>
+          <p:cNvPr id="9" name="Slide Number Placeholder 3">
+            <a:extLst>
+              <a:ext uri="{FF2B5EF4-FFF2-40B4-BE49-F238E27FC236}">
+                <a16:creationId xmlns:a16="http://schemas.microsoft.com/office/drawing/2014/main" id="{22AF55DE-8BAE-4A54-991E-FEBD38AD0506}"/>
+              </a:ext>
+            </a:extLst>
+          </p:cNvPr>
+          <p:cNvSpPr>
+            <a:spLocks noGrp="1"/>
+          </p:cNvSpPr>
+          <p:nvPr>
+            <p:ph type="sldNum" sz="quarter" idx="10"/>
+          </p:nvPr>
+        </p:nvSpPr>
+        <p:spPr>
+          <a:xfrm>
+            <a:off x="609600" y="6477000"/>
+            <a:ext cx="2540000" cy="457200"/>
+          </a:xfrm>
+        </p:spPr>
+        <p:txBody>
+          <a:bodyPr/>
+          <a:lstStyle/>
+          <a:p>
+            <a:pPr>
+              <a:defRPr/>
+            </a:pPr>
+            <a:fld id="{A27591B5-593E-49C1-8C2D-4B5CC8495990}" type="slidenum">
+              <a:rPr lang="en-US" smtClean="0"/>
+              <a:pPr>
+                <a:defRPr/>
+              </a:pPr>
+              <a:t>3</a:t>
+            </a:fld>
+            <a:endParaRPr lang="en-US" dirty="0"/>
+          </a:p>
+        </p:txBody>
+      </p:sp>
     </p:spTree>
     <p:extLst>
       <p:ext uri="{BB962C8B-B14F-4D97-AF65-F5344CB8AC3E}">
@@ -7459,6 +8573,46 @@
           </a:p>
           <a:p>
             <a:endParaRPr lang="en-ZA" dirty="0"/>
+          </a:p>
+        </p:txBody>
+      </p:sp>
+      <p:sp>
+        <p:nvSpPr>
+          <p:cNvPr id="7" name="Slide Number Placeholder 3">
+            <a:extLst>
+              <a:ext uri="{FF2B5EF4-FFF2-40B4-BE49-F238E27FC236}">
+                <a16:creationId xmlns:a16="http://schemas.microsoft.com/office/drawing/2014/main" id="{D6FA926E-2FF6-4884-82CE-A00332B7ACB5}"/>
+              </a:ext>
+            </a:extLst>
+          </p:cNvPr>
+          <p:cNvSpPr>
+            <a:spLocks noGrp="1"/>
+          </p:cNvSpPr>
+          <p:nvPr>
+            <p:ph type="sldNum" sz="quarter" idx="10"/>
+          </p:nvPr>
+        </p:nvSpPr>
+        <p:spPr>
+          <a:xfrm>
+            <a:off x="609600" y="6477000"/>
+            <a:ext cx="2540000" cy="457200"/>
+          </a:xfrm>
+        </p:spPr>
+        <p:txBody>
+          <a:bodyPr/>
+          <a:lstStyle/>
+          <a:p>
+            <a:pPr>
+              <a:defRPr/>
+            </a:pPr>
+            <a:fld id="{A27591B5-593E-49C1-8C2D-4B5CC8495990}" type="slidenum">
+              <a:rPr lang="en-US" smtClean="0"/>
+              <a:pPr>
+                <a:defRPr/>
+              </a:pPr>
+              <a:t>4</a:t>
+            </a:fld>
+            <a:endParaRPr lang="en-US" dirty="0"/>
           </a:p>
         </p:txBody>
       </p:sp>
@@ -7925,8 +9079,8 @@
         </p:nvSpPr>
         <p:spPr>
           <a:xfrm>
-            <a:off x="7721460" y="4414520"/>
-            <a:ext cx="1770033" cy="1536700"/>
+            <a:off x="7821638" y="4414520"/>
+            <a:ext cx="1669855" cy="1536700"/>
           </a:xfrm>
           <a:prstGeom prst="ellipse">
             <a:avLst/>
@@ -7975,8 +9129,8 @@
         </p:nvSpPr>
         <p:spPr>
           <a:xfrm>
-            <a:off x="6201411" y="4490720"/>
-            <a:ext cx="1686765" cy="1384300"/>
+            <a:off x="6201412" y="4490720"/>
+            <a:ext cx="1620226" cy="1384300"/>
           </a:xfrm>
           <a:prstGeom prst="ellipse">
             <a:avLst/>
@@ -8058,6 +9212,46 @@
           <a:p>
             <a:pPr algn="ctr"/>
             <a:endParaRPr lang="en-ZA"/>
+          </a:p>
+        </p:txBody>
+      </p:sp>
+      <p:sp>
+        <p:nvSpPr>
+          <p:cNvPr id="11" name="Slide Number Placeholder 3">
+            <a:extLst>
+              <a:ext uri="{FF2B5EF4-FFF2-40B4-BE49-F238E27FC236}">
+                <a16:creationId xmlns:a16="http://schemas.microsoft.com/office/drawing/2014/main" id="{C1A090DB-1BA1-4445-A291-0392C30C54C2}"/>
+              </a:ext>
+            </a:extLst>
+          </p:cNvPr>
+          <p:cNvSpPr>
+            <a:spLocks noGrp="1"/>
+          </p:cNvSpPr>
+          <p:nvPr>
+            <p:ph type="sldNum" sz="quarter" idx="10"/>
+          </p:nvPr>
+        </p:nvSpPr>
+        <p:spPr>
+          <a:xfrm>
+            <a:off x="609600" y="6477000"/>
+            <a:ext cx="2540000" cy="457200"/>
+          </a:xfrm>
+        </p:spPr>
+        <p:txBody>
+          <a:bodyPr/>
+          <a:lstStyle/>
+          <a:p>
+            <a:pPr>
+              <a:defRPr/>
+            </a:pPr>
+            <a:fld id="{A27591B5-593E-49C1-8C2D-4B5CC8495990}" type="slidenum">
+              <a:rPr lang="en-US" smtClean="0"/>
+              <a:pPr>
+                <a:defRPr/>
+              </a:pPr>
+              <a:t>5</a:t>
+            </a:fld>
+            <a:endParaRPr lang="en-US" dirty="0"/>
           </a:p>
         </p:txBody>
       </p:sp>
@@ -8360,7 +9554,7 @@
           <a:p>
             <a:r>
               <a:rPr lang="en-ZA" dirty="0"/>
-              <a:t>Solutions</a:t>
+              <a:t>Solution</a:t>
             </a:r>
           </a:p>
         </p:txBody>
@@ -8472,6 +9666,106 @@
           </a:prstGeom>
         </p:spPr>
       </p:pic>
+      <p:sp>
+        <p:nvSpPr>
+          <p:cNvPr id="7" name="Oval 6">
+            <a:extLst>
+              <a:ext uri="{FF2B5EF4-FFF2-40B4-BE49-F238E27FC236}">
+                <a16:creationId xmlns:a16="http://schemas.microsoft.com/office/drawing/2014/main" id="{19764D35-264E-4647-9F4B-F1FEB33D4792}"/>
+              </a:ext>
+            </a:extLst>
+          </p:cNvPr>
+          <p:cNvSpPr/>
+          <p:nvPr/>
+        </p:nvSpPr>
+        <p:spPr>
+          <a:xfrm>
+            <a:off x="1448496" y="1640236"/>
+            <a:ext cx="4248919" cy="4552479"/>
+          </a:xfrm>
+          <a:prstGeom prst="ellipse">
+            <a:avLst/>
+          </a:prstGeom>
+          <a:noFill/>
+          <a:ln>
+            <a:solidFill>
+              <a:srgbClr val="FF0000"/>
+            </a:solidFill>
+          </a:ln>
+        </p:spPr>
+        <p:style>
+          <a:lnRef idx="2">
+            <a:schemeClr val="accent6"/>
+          </a:lnRef>
+          <a:fillRef idx="1">
+            <a:schemeClr val="lt1"/>
+          </a:fillRef>
+          <a:effectRef idx="0">
+            <a:schemeClr val="accent6"/>
+          </a:effectRef>
+          <a:fontRef idx="minor">
+            <a:schemeClr val="dk1"/>
+          </a:fontRef>
+        </p:style>
+        <p:txBody>
+          <a:bodyPr rtlCol="0" anchor="ctr"/>
+          <a:lstStyle/>
+          <a:p>
+            <a:pPr algn="ctr"/>
+            <a:endParaRPr lang="en-ZA"/>
+          </a:p>
+        </p:txBody>
+      </p:sp>
+      <p:sp>
+        <p:nvSpPr>
+          <p:cNvPr id="8" name="Oval 7">
+            <a:extLst>
+              <a:ext uri="{FF2B5EF4-FFF2-40B4-BE49-F238E27FC236}">
+                <a16:creationId xmlns:a16="http://schemas.microsoft.com/office/drawing/2014/main" id="{6A18253D-78F8-46D2-98D6-22694A8CDA71}"/>
+              </a:ext>
+            </a:extLst>
+          </p:cNvPr>
+          <p:cNvSpPr/>
+          <p:nvPr/>
+        </p:nvSpPr>
+        <p:spPr>
+          <a:xfrm>
+            <a:off x="8739945" y="1924521"/>
+            <a:ext cx="1519311" cy="4552479"/>
+          </a:xfrm>
+          <a:prstGeom prst="ellipse">
+            <a:avLst/>
+          </a:prstGeom>
+          <a:noFill/>
+          <a:ln>
+            <a:solidFill>
+              <a:srgbClr val="FF0000"/>
+            </a:solidFill>
+          </a:ln>
+        </p:spPr>
+        <p:style>
+          <a:lnRef idx="2">
+            <a:schemeClr val="accent6"/>
+          </a:lnRef>
+          <a:fillRef idx="1">
+            <a:schemeClr val="lt1"/>
+          </a:fillRef>
+          <a:effectRef idx="0">
+            <a:schemeClr val="accent6"/>
+          </a:effectRef>
+          <a:fontRef idx="minor">
+            <a:schemeClr val="dk1"/>
+          </a:fontRef>
+        </p:style>
+        <p:txBody>
+          <a:bodyPr rtlCol="0" anchor="ctr"/>
+          <a:lstStyle/>
+          <a:p>
+            <a:pPr algn="ctr"/>
+            <a:endParaRPr lang="en-ZA"/>
+          </a:p>
+        </p:txBody>
+      </p:sp>
     </p:spTree>
     <p:extLst>
       <p:ext uri="{BB962C8B-B14F-4D97-AF65-F5344CB8AC3E}">
@@ -8482,84 +9776,6 @@
   <p:clrMapOvr>
     <a:masterClrMapping/>
   </p:clrMapOvr>
-  <p:timing>
-    <p:tnLst>
-      <p:par>
-        <p:cTn id="1" dur="indefinite" restart="never" nodeType="tmRoot">
-          <p:childTnLst>
-            <p:seq concurrent="1" nextAc="seek">
-              <p:cTn id="2" dur="indefinite" nodeType="mainSeq">
-                <p:childTnLst>
-                  <p:par>
-                    <p:cTn id="3" fill="hold">
-                      <p:stCondLst>
-                        <p:cond delay="indefinite"/>
-                        <p:cond evt="onBegin" delay="0">
-                          <p:tn val="2"/>
-                        </p:cond>
-                      </p:stCondLst>
-                      <p:childTnLst>
-                        <p:par>
-                          <p:cTn id="4" fill="hold">
-                            <p:stCondLst>
-                              <p:cond delay="0"/>
-                            </p:stCondLst>
-                            <p:childTnLst>
-                              <p:par>
-                                <p:cTn id="5" presetID="1" presetClass="entr" presetSubtype="0" fill="hold" nodeType="withEffect">
-                                  <p:stCondLst>
-                                    <p:cond delay="0"/>
-                                  </p:stCondLst>
-                                  <p:childTnLst>
-                                    <p:set>
-                                      <p:cBhvr>
-                                        <p:cTn id="6" dur="1" fill="hold">
-                                          <p:stCondLst>
-                                            <p:cond delay="0"/>
-                                          </p:stCondLst>
-                                        </p:cTn>
-                                        <p:tgtEl>
-                                          <p:spTgt spid="6"/>
-                                        </p:tgtEl>
-                                        <p:attrNameLst>
-                                          <p:attrName>style.visibility</p:attrName>
-                                        </p:attrNameLst>
-                                      </p:cBhvr>
-                                      <p:to>
-                                        <p:strVal val="visible"/>
-                                      </p:to>
-                                    </p:set>
-                                  </p:childTnLst>
-                                </p:cTn>
-                              </p:par>
-                            </p:childTnLst>
-                          </p:cTn>
-                        </p:par>
-                      </p:childTnLst>
-                    </p:cTn>
-                  </p:par>
-                </p:childTnLst>
-              </p:cTn>
-              <p:prevCondLst>
-                <p:cond evt="onPrev" delay="0">
-                  <p:tgtEl>
-                    <p:sldTgt/>
-                  </p:tgtEl>
-                </p:cond>
-              </p:prevCondLst>
-              <p:nextCondLst>
-                <p:cond evt="onNext" delay="0">
-                  <p:tgtEl>
-                    <p:sldTgt/>
-                  </p:tgtEl>
-                </p:cond>
-              </p:nextCondLst>
-            </p:seq>
-          </p:childTnLst>
-        </p:cTn>
-      </p:par>
-    </p:tnLst>
-  </p:timing>
 </p:sld>
 </file>
 
@@ -9049,8 +10265,8 @@
         </p:nvSpPr>
         <p:spPr bwMode="auto">
           <a:xfrm>
-            <a:off x="8414335" y="3471189"/>
-            <a:ext cx="1978564" cy="1865140"/>
+            <a:off x="8414335" y="3766534"/>
+            <a:ext cx="1978564" cy="1283691"/>
           </a:xfrm>
           <a:prstGeom prst="roundRect">
             <a:avLst/>
@@ -9246,8 +10462,8 @@
         </p:nvCxnSpPr>
         <p:spPr bwMode="auto">
           <a:xfrm flipV="1">
-            <a:off x="6176489" y="4403759"/>
-            <a:ext cx="2237846" cy="452962"/>
+            <a:off x="6176489" y="4408380"/>
+            <a:ext cx="2237846" cy="448341"/>
           </a:xfrm>
           <a:prstGeom prst="straightConnector1">
             <a:avLst/>
@@ -9285,8 +10501,8 @@
         </p:nvCxnSpPr>
         <p:spPr bwMode="auto">
           <a:xfrm>
-            <a:off x="10392899" y="4403759"/>
-            <a:ext cx="193821" cy="4621"/>
+            <a:off x="10392899" y="4408380"/>
+            <a:ext cx="193821" cy="0"/>
           </a:xfrm>
           <a:prstGeom prst="straightConnector1">
             <a:avLst/>
@@ -9325,7 +10541,7 @@
         <p:spPr bwMode="auto">
           <a:xfrm>
             <a:off x="8002163" y="3772106"/>
-            <a:ext cx="412172" cy="631653"/>
+            <a:ext cx="412172" cy="636274"/>
           </a:xfrm>
           <a:prstGeom prst="straightConnector1">
             <a:avLst/>

--- a/OralExamination/SkripsieOral_APSmit.pptx
+++ b/OralExamination/SkripsieOral_APSmit.pptx
@@ -5175,7 +5175,7 @@
               <a:rPr lang="en-ZA" kern="1200" dirty="0">
                 <a:latin typeface="Times New Roman" pitchFamily="18" charset="0"/>
               </a:rPr>
-              <a:t>Initial image processing is done on the digit using segmentation algorithm</a:t>
+              <a:t>Initial image processing is done on the digit using a custom segmentation algorithm</a:t>
             </a:r>
           </a:p>
         </p:txBody>
@@ -5789,7 +5789,7 @@
         <p:spPr bwMode="auto">
           <a:xfrm>
             <a:off x="609600" y="2892342"/>
-            <a:ext cx="3183467" cy="652982"/>
+            <a:ext cx="4637649" cy="652982"/>
           </a:xfrm>
           <a:prstGeom prst="rect">
             <a:avLst/>
@@ -5996,7 +5996,7 @@
                 <a:effectLst/>
                 <a:latin typeface="Times New Roman" pitchFamily="18" charset="0"/>
               </a:rPr>
-              <a:t>28 by 28 input vector</a:t>
+              <a:t>28 by 28 input vector is created</a:t>
             </a:r>
           </a:p>
         </p:txBody>
@@ -6557,808 +6557,865 @@
           </a:p>
         </p:txBody>
       </p:sp>
-      <p:pic>
-        <p:nvPicPr>
-          <p:cNvPr id="5" name="Content Placeholder 4">
+      <p:grpSp>
+        <p:nvGrpSpPr>
+          <p:cNvPr id="21" name="Group 20">
             <a:extLst>
               <a:ext uri="{FF2B5EF4-FFF2-40B4-BE49-F238E27FC236}">
-                <a16:creationId xmlns:a16="http://schemas.microsoft.com/office/drawing/2014/main" id="{719A6DEB-1745-44CD-B9DB-5ABD71BEA31A}"/>
+                <a16:creationId xmlns:a16="http://schemas.microsoft.com/office/drawing/2014/main" id="{52D820EF-7BCA-4950-BFBA-D112FAB4700E}"/>
               </a:ext>
             </a:extLst>
           </p:cNvPr>
-          <p:cNvPicPr>
-            <a:picLocks noGrp="1" noChangeAspect="1"/>
-          </p:cNvPicPr>
-          <p:nvPr>
-            <p:ph idx="1"/>
-          </p:nvPr>
-        </p:nvPicPr>
-        <p:blipFill>
-          <a:blip r:embed="rId2">
+          <p:cNvGrpSpPr/>
+          <p:nvPr/>
+        </p:nvGrpSpPr>
+        <p:grpSpPr>
+          <a:xfrm>
+            <a:off x="1087460" y="2603335"/>
+            <a:ext cx="3946884" cy="2493211"/>
+            <a:chOff x="912213" y="2629981"/>
+            <a:chExt cx="3946884" cy="2493211"/>
+          </a:xfrm>
+        </p:grpSpPr>
+        <p:pic>
+          <p:nvPicPr>
+            <p:cNvPr id="14" name="Content Placeholder 4">
+              <a:extLst>
+                <a:ext uri="{FF2B5EF4-FFF2-40B4-BE49-F238E27FC236}">
+                  <a16:creationId xmlns:a16="http://schemas.microsoft.com/office/drawing/2014/main" id="{FB96CE26-1622-4D76-B8AE-8E43B779C190}"/>
+                </a:ext>
+              </a:extLst>
+            </p:cNvPr>
+            <p:cNvPicPr>
+              <a:picLocks noChangeAspect="1"/>
+            </p:cNvPicPr>
+            <p:nvPr/>
+          </p:nvPicPr>
+          <p:blipFill rotWithShape="1">
+            <a:blip r:embed="rId2">
+              <a:extLst>
+                <a:ext uri="{28A0092B-C50C-407E-A947-70E740481C1C}">
+                  <a14:useLocalDpi xmlns:a14="http://schemas.microsoft.com/office/drawing/2010/main" val="0"/>
+                </a:ext>
+              </a:extLst>
+            </a:blip>
+            <a:srcRect r="69478"/>
+            <a:stretch/>
+          </p:blipFill>
+          <p:spPr bwMode="auto">
+            <a:xfrm>
+              <a:off x="912213" y="2629981"/>
+              <a:ext cx="178620" cy="2468880"/>
+            </a:xfrm>
+            <a:prstGeom prst="rect">
+              <a:avLst/>
+            </a:prstGeom>
+            <a:noFill/>
+            <a:ln>
+              <a:noFill/>
+            </a:ln>
             <a:extLst>
-              <a:ext uri="{28A0092B-C50C-407E-A947-70E740481C1C}">
-                <a14:useLocalDpi xmlns:a14="http://schemas.microsoft.com/office/drawing/2010/main" val="0"/>
+              <a:ext uri="{909E8E84-426E-40DD-AFC4-6F175D3DCCD1}">
+                <a14:hiddenFill xmlns:a14="http://schemas.microsoft.com/office/drawing/2010/main">
+                  <a:solidFill>
+                    <a:srgbClr val="FFFFFF"/>
+                  </a:solidFill>
+                </a14:hiddenFill>
+              </a:ext>
+              <a:ext uri="{91240B29-F687-4F45-9708-019B960494DF}">
+                <a14:hiddenLine xmlns:a14="http://schemas.microsoft.com/office/drawing/2010/main" w="9525">
+                  <a:solidFill>
+                    <a:srgbClr val="000000"/>
+                  </a:solidFill>
+                  <a:miter lim="800000"/>
+                  <a:headEnd/>
+                  <a:tailEnd/>
+                </a14:hiddenLine>
               </a:ext>
             </a:extLst>
-          </a:blip>
-          <a:stretch>
-            <a:fillRect/>
-          </a:stretch>
-        </p:blipFill>
-        <p:spPr>
-          <a:xfrm>
-            <a:off x="928624" y="2461260"/>
-            <a:ext cx="585216" cy="2468880"/>
-          </a:xfrm>
-          <a:prstGeom prst="rect">
-            <a:avLst/>
-          </a:prstGeom>
-        </p:spPr>
-      </p:pic>
-      <p:sp>
-        <p:nvSpPr>
-          <p:cNvPr id="6" name="Right Brace 5">
+          </p:spPr>
+        </p:pic>
+        <p:sp>
+          <p:nvSpPr>
+            <p:cNvPr id="15" name="Right Brace 14">
+              <a:extLst>
+                <a:ext uri="{FF2B5EF4-FFF2-40B4-BE49-F238E27FC236}">
+                  <a16:creationId xmlns:a16="http://schemas.microsoft.com/office/drawing/2014/main" id="{3059CC2C-3C83-4048-8404-C13DAD38143F}"/>
+                </a:ext>
+              </a:extLst>
+            </p:cNvPr>
+            <p:cNvSpPr/>
+            <p:nvPr/>
+          </p:nvSpPr>
+          <p:spPr bwMode="auto">
+            <a:xfrm>
+              <a:off x="1497429" y="3010395"/>
+              <a:ext cx="329028" cy="2088466"/>
+            </a:xfrm>
+            <a:prstGeom prst="rightBrace">
+              <a:avLst/>
+            </a:prstGeom>
+            <a:solidFill>
+              <a:schemeClr val="bg1"/>
+            </a:solidFill>
+            <a:ln w="12700" cap="sq" cmpd="sng" algn="ctr">
+              <a:solidFill>
+                <a:schemeClr val="tx1"/>
+              </a:solidFill>
+              <a:prstDash val="solid"/>
+              <a:round/>
+              <a:headEnd type="none" w="sm" len="sm"/>
+              <a:tailEnd type="none" w="sm" len="sm"/>
+            </a:ln>
+            <a:effectLst/>
+          </p:spPr>
+          <p:txBody>
+            <a:bodyPr vert="horz" wrap="square" lIns="91440" tIns="45720" rIns="91440" bIns="45720" numCol="1" rtlCol="0" anchor="t" anchorCtr="0" compatLnSpc="1">
+              <a:prstTxWarp prst="textNoShape">
+                <a:avLst/>
+              </a:prstTxWarp>
+            </a:bodyPr>
+            <a:lstStyle/>
+            <a:p>
+              <a:pPr marL="0" marR="0" indent="0" algn="l" defTabSz="914400" rtl="0" eaLnBrk="1" fontAlgn="base" latinLnBrk="0" hangingPunct="1">
+                <a:lnSpc>
+                  <a:spcPct val="100000"/>
+                </a:lnSpc>
+                <a:spcBef>
+                  <a:spcPct val="0"/>
+                </a:spcBef>
+                <a:spcAft>
+                  <a:spcPct val="0"/>
+                </a:spcAft>
+                <a:buClrTx/>
+                <a:buSzTx/>
+                <a:buFontTx/>
+                <a:buNone/>
+                <a:tabLst/>
+              </a:pPr>
+              <a:endParaRPr kumimoji="0" lang="en-ZA" sz="2400" b="0" i="0" u="none" strike="noStrike" cap="none" normalizeH="0" baseline="0">
+                <a:ln>
+                  <a:noFill/>
+                </a:ln>
+                <a:solidFill>
+                  <a:schemeClr val="tx1"/>
+                </a:solidFill>
+                <a:effectLst/>
+                <a:latin typeface="Times New Roman" pitchFamily="18" charset="0"/>
+              </a:endParaRPr>
+            </a:p>
+          </p:txBody>
+        </p:sp>
+        <p:sp>
+          <p:nvSpPr>
+            <p:cNvPr id="16" name="Right Brace 15">
+              <a:extLst>
+                <a:ext uri="{FF2B5EF4-FFF2-40B4-BE49-F238E27FC236}">
+                  <a16:creationId xmlns:a16="http://schemas.microsoft.com/office/drawing/2014/main" id="{8A977A1D-0F19-47EF-856E-17EE3EA2ABB6}"/>
+                </a:ext>
+              </a:extLst>
+            </p:cNvPr>
+            <p:cNvSpPr/>
+            <p:nvPr/>
+          </p:nvSpPr>
+          <p:spPr bwMode="auto">
+            <a:xfrm>
+              <a:off x="1497429" y="2629981"/>
+              <a:ext cx="329028" cy="354037"/>
+            </a:xfrm>
+            <a:prstGeom prst="rightBrace">
+              <a:avLst/>
+            </a:prstGeom>
+            <a:solidFill>
+              <a:schemeClr val="bg1"/>
+            </a:solidFill>
+            <a:ln w="12700" cap="sq" cmpd="sng" algn="ctr">
+              <a:solidFill>
+                <a:schemeClr val="tx1"/>
+              </a:solidFill>
+              <a:prstDash val="solid"/>
+              <a:round/>
+              <a:headEnd type="none" w="sm" len="sm"/>
+              <a:tailEnd type="none" w="sm" len="sm"/>
+            </a:ln>
+            <a:effectLst/>
+          </p:spPr>
+          <p:txBody>
+            <a:bodyPr vert="horz" wrap="square" lIns="91440" tIns="45720" rIns="91440" bIns="45720" numCol="1" rtlCol="0" anchor="t" anchorCtr="0" compatLnSpc="1">
+              <a:prstTxWarp prst="textNoShape">
+                <a:avLst/>
+              </a:prstTxWarp>
+            </a:bodyPr>
+            <a:lstStyle/>
+            <a:p>
+              <a:pPr marL="0" marR="0" indent="0" algn="l" defTabSz="914400" rtl="0" eaLnBrk="1" fontAlgn="base" latinLnBrk="0" hangingPunct="1">
+                <a:lnSpc>
+                  <a:spcPct val="100000"/>
+                </a:lnSpc>
+                <a:spcBef>
+                  <a:spcPct val="0"/>
+                </a:spcBef>
+                <a:spcAft>
+                  <a:spcPct val="0"/>
+                </a:spcAft>
+                <a:buClrTx/>
+                <a:buSzTx/>
+                <a:buFontTx/>
+                <a:buNone/>
+                <a:tabLst/>
+              </a:pPr>
+              <a:endParaRPr kumimoji="0" lang="en-ZA" sz="2400" b="0" i="0" u="none" strike="noStrike" cap="none" normalizeH="0" baseline="0">
+                <a:ln>
+                  <a:noFill/>
+                </a:ln>
+                <a:solidFill>
+                  <a:schemeClr val="tx1"/>
+                </a:solidFill>
+                <a:effectLst/>
+                <a:latin typeface="Times New Roman" pitchFamily="18" charset="0"/>
+              </a:endParaRPr>
+            </a:p>
+          </p:txBody>
+        </p:sp>
+        <p:sp>
+          <p:nvSpPr>
+            <p:cNvPr id="17" name="TextBox 16">
+              <a:extLst>
+                <a:ext uri="{FF2B5EF4-FFF2-40B4-BE49-F238E27FC236}">
+                  <a16:creationId xmlns:a16="http://schemas.microsoft.com/office/drawing/2014/main" id="{EF5D292E-E20C-4B8F-8E83-4B3936AD2B63}"/>
+                </a:ext>
+              </a:extLst>
+            </p:cNvPr>
+            <p:cNvSpPr txBox="1"/>
+            <p:nvPr/>
+          </p:nvSpPr>
+          <p:spPr>
+            <a:xfrm>
+              <a:off x="1981200" y="2629981"/>
+              <a:ext cx="1997613" cy="830997"/>
+            </a:xfrm>
+            <a:prstGeom prst="rect">
+              <a:avLst/>
+            </a:prstGeom>
+            <a:noFill/>
+          </p:spPr>
+          <p:txBody>
+            <a:bodyPr wrap="square" rtlCol="0">
+              <a:spAutoFit/>
+            </a:bodyPr>
+            <a:lstStyle/>
+            <a:p>
+              <a:r>
+                <a:rPr lang="en-ZA" dirty="0"/>
+                <a:t>Probably</a:t>
+              </a:r>
+            </a:p>
+            <a:p>
+              <a:r>
+                <a:rPr lang="en-ZA" dirty="0"/>
+                <a:t> a 6</a:t>
+              </a:r>
+            </a:p>
+          </p:txBody>
+        </p:sp>
+        <p:sp>
+          <p:nvSpPr>
+            <p:cNvPr id="18" name="TextBox 17">
+              <a:extLst>
+                <a:ext uri="{FF2B5EF4-FFF2-40B4-BE49-F238E27FC236}">
+                  <a16:creationId xmlns:a16="http://schemas.microsoft.com/office/drawing/2014/main" id="{0D3E4B30-C308-4AAE-A7FA-F64CCA1D8209}"/>
+                </a:ext>
+              </a:extLst>
+            </p:cNvPr>
+            <p:cNvSpPr txBox="1"/>
+            <p:nvPr/>
+          </p:nvSpPr>
+          <p:spPr>
+            <a:xfrm>
+              <a:off x="1981200" y="3823795"/>
+              <a:ext cx="1997613" cy="830997"/>
+            </a:xfrm>
+            <a:prstGeom prst="rect">
+              <a:avLst/>
+            </a:prstGeom>
+            <a:noFill/>
+          </p:spPr>
+          <p:txBody>
+            <a:bodyPr wrap="square" rtlCol="0">
+              <a:spAutoFit/>
+            </a:bodyPr>
+            <a:lstStyle/>
+            <a:p>
+              <a:r>
+                <a:rPr lang="en-ZA" dirty="0"/>
+                <a:t>Probably</a:t>
+              </a:r>
+            </a:p>
+            <a:p>
+              <a:r>
+                <a:rPr lang="en-ZA" dirty="0"/>
+                <a:t> a 3 or 6</a:t>
+              </a:r>
+            </a:p>
+          </p:txBody>
+        </p:sp>
+        <p:sp>
+          <p:nvSpPr>
+            <p:cNvPr id="19" name="Right Brace 18">
+              <a:extLst>
+                <a:ext uri="{FF2B5EF4-FFF2-40B4-BE49-F238E27FC236}">
+                  <a16:creationId xmlns:a16="http://schemas.microsoft.com/office/drawing/2014/main" id="{9111452D-61D6-480D-8066-6BAFF6E2BDC8}"/>
+                </a:ext>
+              </a:extLst>
+            </p:cNvPr>
+            <p:cNvSpPr/>
+            <p:nvPr/>
+          </p:nvSpPr>
+          <p:spPr bwMode="auto">
+            <a:xfrm>
+              <a:off x="3368391" y="2737607"/>
+              <a:ext cx="126652" cy="1762945"/>
+            </a:xfrm>
+            <a:prstGeom prst="rightBrace">
+              <a:avLst/>
+            </a:prstGeom>
+            <a:solidFill>
+              <a:schemeClr val="bg1"/>
+            </a:solidFill>
+            <a:ln w="12700" cap="sq" cmpd="sng" algn="ctr">
+              <a:solidFill>
+                <a:schemeClr val="tx1"/>
+              </a:solidFill>
+              <a:prstDash val="solid"/>
+              <a:round/>
+              <a:headEnd type="none" w="sm" len="sm"/>
+              <a:tailEnd type="none" w="sm" len="sm"/>
+            </a:ln>
+            <a:effectLst/>
+          </p:spPr>
+          <p:txBody>
+            <a:bodyPr vert="horz" wrap="square" lIns="91440" tIns="45720" rIns="91440" bIns="45720" numCol="1" rtlCol="0" anchor="t" anchorCtr="0" compatLnSpc="1">
+              <a:prstTxWarp prst="textNoShape">
+                <a:avLst/>
+              </a:prstTxWarp>
+            </a:bodyPr>
+            <a:lstStyle/>
+            <a:p>
+              <a:pPr marL="0" marR="0" indent="0" algn="l" defTabSz="914400" rtl="0" eaLnBrk="1" fontAlgn="base" latinLnBrk="0" hangingPunct="1">
+                <a:lnSpc>
+                  <a:spcPct val="100000"/>
+                </a:lnSpc>
+                <a:spcBef>
+                  <a:spcPct val="0"/>
+                </a:spcBef>
+                <a:spcAft>
+                  <a:spcPct val="0"/>
+                </a:spcAft>
+                <a:buClrTx/>
+                <a:buSzTx/>
+                <a:buFontTx/>
+                <a:buNone/>
+                <a:tabLst/>
+              </a:pPr>
+              <a:endParaRPr kumimoji="0" lang="en-ZA" sz="2400" b="0" i="0" u="none" strike="noStrike" cap="none" normalizeH="0" baseline="0">
+                <a:ln>
+                  <a:noFill/>
+                </a:ln>
+                <a:solidFill>
+                  <a:schemeClr val="tx1"/>
+                </a:solidFill>
+                <a:effectLst/>
+                <a:latin typeface="Times New Roman" pitchFamily="18" charset="0"/>
+              </a:endParaRPr>
+            </a:p>
+          </p:txBody>
+        </p:sp>
+        <p:sp>
+          <p:nvSpPr>
+            <p:cNvPr id="20" name="TextBox 19">
+              <a:extLst>
+                <a:ext uri="{FF2B5EF4-FFF2-40B4-BE49-F238E27FC236}">
+                  <a16:creationId xmlns:a16="http://schemas.microsoft.com/office/drawing/2014/main" id="{0A3EE3A6-7DEE-4648-84AF-764358E2B7FE}"/>
+                </a:ext>
+              </a:extLst>
+            </p:cNvPr>
+            <p:cNvSpPr txBox="1"/>
+            <p:nvPr/>
+          </p:nvSpPr>
+          <p:spPr>
+            <a:xfrm>
+              <a:off x="3582300" y="3247432"/>
+              <a:ext cx="1276797" cy="830997"/>
+            </a:xfrm>
+            <a:prstGeom prst="rect">
+              <a:avLst/>
+            </a:prstGeom>
+            <a:noFill/>
+          </p:spPr>
+          <p:txBody>
+            <a:bodyPr wrap="square" rtlCol="0">
+              <a:spAutoFit/>
+            </a:bodyPr>
+            <a:lstStyle/>
+            <a:p>
+              <a:r>
+                <a:rPr lang="en-ZA" dirty="0"/>
+                <a:t>Final </a:t>
+              </a:r>
+            </a:p>
+            <a:p>
+              <a:r>
+                <a:rPr lang="en-ZA" dirty="0"/>
+                <a:t>guess: 6</a:t>
+              </a:r>
+            </a:p>
+          </p:txBody>
+        </p:sp>
+        <p:pic>
+          <p:nvPicPr>
+            <p:cNvPr id="24" name="Picture 23">
+              <a:extLst>
+                <a:ext uri="{FF2B5EF4-FFF2-40B4-BE49-F238E27FC236}">
+                  <a16:creationId xmlns:a16="http://schemas.microsoft.com/office/drawing/2014/main" id="{FA26EC47-9D24-46DB-B9AB-6ED50D77166C}"/>
+                </a:ext>
+              </a:extLst>
+            </p:cNvPr>
+            <p:cNvPicPr>
+              <a:picLocks noChangeAspect="1"/>
+            </p:cNvPicPr>
+            <p:nvPr/>
+          </p:nvPicPr>
+          <p:blipFill rotWithShape="1">
+            <a:blip r:embed="rId3">
+              <a:extLst>
+                <a:ext uri="{28A0092B-C50C-407E-A947-70E740481C1C}">
+                  <a14:useLocalDpi xmlns:a14="http://schemas.microsoft.com/office/drawing/2010/main" val="0"/>
+                </a:ext>
+              </a:extLst>
+            </a:blip>
+            <a:srcRect l="26046" t="72796" r="71051" b="7361"/>
+            <a:stretch/>
+          </p:blipFill>
+          <p:spPr>
+            <a:xfrm>
+              <a:off x="1154332" y="3007283"/>
+              <a:ext cx="218833" cy="2115909"/>
+            </a:xfrm>
+            <a:prstGeom prst="rect">
+              <a:avLst/>
+            </a:prstGeom>
+          </p:spPr>
+        </p:pic>
+        <p:pic>
+          <p:nvPicPr>
+            <p:cNvPr id="25" name="Picture 24">
+              <a:extLst>
+                <a:ext uri="{FF2B5EF4-FFF2-40B4-BE49-F238E27FC236}">
+                  <a16:creationId xmlns:a16="http://schemas.microsoft.com/office/drawing/2014/main" id="{01300C48-742F-4C47-B454-A45E4A1C78B3}"/>
+                </a:ext>
+              </a:extLst>
+            </p:cNvPr>
+            <p:cNvPicPr>
+              <a:picLocks noChangeAspect="1"/>
+            </p:cNvPicPr>
+            <p:nvPr/>
+          </p:nvPicPr>
+          <p:blipFill rotWithShape="1">
+            <a:blip r:embed="rId3">
+              <a:extLst>
+                <a:ext uri="{28A0092B-C50C-407E-A947-70E740481C1C}">
+                  <a14:useLocalDpi xmlns:a14="http://schemas.microsoft.com/office/drawing/2010/main" val="0"/>
+                </a:ext>
+              </a:extLst>
+            </a:blip>
+            <a:srcRect l="25602" t="67379" r="71113" b="30365"/>
+            <a:stretch/>
+          </p:blipFill>
+          <p:spPr>
+            <a:xfrm>
+              <a:off x="1121313" y="2674389"/>
+              <a:ext cx="247650" cy="240506"/>
+            </a:xfrm>
+            <a:prstGeom prst="rect">
+              <a:avLst/>
+            </a:prstGeom>
+          </p:spPr>
+        </p:pic>
+      </p:grpSp>
+      <p:grpSp>
+        <p:nvGrpSpPr>
+          <p:cNvPr id="12" name="Group 11">
             <a:extLst>
               <a:ext uri="{FF2B5EF4-FFF2-40B4-BE49-F238E27FC236}">
-                <a16:creationId xmlns:a16="http://schemas.microsoft.com/office/drawing/2014/main" id="{1C8D9503-0DC5-4404-B22F-8A2D8BC86259}"/>
+                <a16:creationId xmlns:a16="http://schemas.microsoft.com/office/drawing/2014/main" id="{64AFD11E-29CA-4752-9E9B-B89322EC5901}"/>
               </a:ext>
             </a:extLst>
           </p:cNvPr>
-          <p:cNvSpPr/>
+          <p:cNvGrpSpPr/>
           <p:nvPr/>
-        </p:nvSpPr>
-        <p:spPr bwMode="auto">
+        </p:nvGrpSpPr>
+        <p:grpSpPr>
           <a:xfrm>
-            <a:off x="1513840" y="2841674"/>
-            <a:ext cx="329028" cy="2088466"/>
+            <a:off x="5541251" y="2647743"/>
+            <a:ext cx="6736823" cy="2592936"/>
+            <a:chOff x="5455177" y="2656127"/>
+            <a:chExt cx="6736823" cy="2592936"/>
           </a:xfrm>
-          <a:prstGeom prst="rightBrace">
-            <a:avLst/>
-          </a:prstGeom>
-          <a:solidFill>
-            <a:schemeClr val="bg1"/>
-          </a:solidFill>
-          <a:ln w="12700" cap="sq" cmpd="sng" algn="ctr">
+        </p:grpSpPr>
+        <p:sp>
+          <p:nvSpPr>
+            <p:cNvPr id="23" name="Right Brace 22">
+              <a:extLst>
+                <a:ext uri="{FF2B5EF4-FFF2-40B4-BE49-F238E27FC236}">
+                  <a16:creationId xmlns:a16="http://schemas.microsoft.com/office/drawing/2014/main" id="{5738787F-D792-4EAE-B366-327337E6D36A}"/>
+                </a:ext>
+              </a:extLst>
+            </p:cNvPr>
+            <p:cNvSpPr/>
+            <p:nvPr/>
+          </p:nvSpPr>
+          <p:spPr bwMode="auto">
+            <a:xfrm>
+              <a:off x="7902215" y="3036541"/>
+              <a:ext cx="329028" cy="2088466"/>
+            </a:xfrm>
+            <a:prstGeom prst="rightBrace">
+              <a:avLst/>
+            </a:prstGeom>
             <a:solidFill>
-              <a:schemeClr val="tx1"/>
+              <a:schemeClr val="bg1"/>
             </a:solidFill>
-            <a:prstDash val="solid"/>
-            <a:round/>
-            <a:headEnd type="none" w="sm" len="sm"/>
-            <a:tailEnd type="none" w="sm" len="sm"/>
-          </a:ln>
-          <a:effectLst/>
-        </p:spPr>
-        <p:txBody>
-          <a:bodyPr vert="horz" wrap="square" lIns="91440" tIns="45720" rIns="91440" bIns="45720" numCol="1" rtlCol="0" anchor="t" anchorCtr="0" compatLnSpc="1">
-            <a:prstTxWarp prst="textNoShape">
-              <a:avLst/>
-            </a:prstTxWarp>
-          </a:bodyPr>
-          <a:lstStyle/>
-          <a:p>
-            <a:pPr marL="0" marR="0" indent="0" algn="l" defTabSz="914400" rtl="0" eaLnBrk="1" fontAlgn="base" latinLnBrk="0" hangingPunct="1">
-              <a:lnSpc>
-                <a:spcPct val="100000"/>
-              </a:lnSpc>
-              <a:spcBef>
-                <a:spcPct val="0"/>
-              </a:spcBef>
-              <a:spcAft>
-                <a:spcPct val="0"/>
-              </a:spcAft>
-              <a:buClrTx/>
-              <a:buSzTx/>
-              <a:buFontTx/>
-              <a:buNone/>
-              <a:tabLst/>
-            </a:pPr>
-            <a:endParaRPr kumimoji="0" lang="en-ZA" sz="2400" b="0" i="0" u="none" strike="noStrike" cap="none" normalizeH="0" baseline="0">
-              <a:ln>
-                <a:noFill/>
-              </a:ln>
+            <a:ln w="12700" cap="sq" cmpd="sng" algn="ctr">
               <a:solidFill>
                 <a:schemeClr val="tx1"/>
               </a:solidFill>
-              <a:effectLst/>
-              <a:latin typeface="Times New Roman" pitchFamily="18" charset="0"/>
-            </a:endParaRPr>
-          </a:p>
-        </p:txBody>
-      </p:sp>
-      <p:sp>
-        <p:nvSpPr>
-          <p:cNvPr id="7" name="Right Brace 6">
-            <a:extLst>
-              <a:ext uri="{FF2B5EF4-FFF2-40B4-BE49-F238E27FC236}">
-                <a16:creationId xmlns:a16="http://schemas.microsoft.com/office/drawing/2014/main" id="{D2628566-755A-402B-8A8A-24811486DC76}"/>
-              </a:ext>
-            </a:extLst>
-          </p:cNvPr>
-          <p:cNvSpPr/>
-          <p:nvPr/>
-        </p:nvSpPr>
-        <p:spPr bwMode="auto">
-          <a:xfrm>
-            <a:off x="1513840" y="2461260"/>
-            <a:ext cx="329028" cy="354037"/>
-          </a:xfrm>
-          <a:prstGeom prst="rightBrace">
-            <a:avLst/>
-          </a:prstGeom>
-          <a:solidFill>
-            <a:schemeClr val="bg1"/>
-          </a:solidFill>
-          <a:ln w="12700" cap="sq" cmpd="sng" algn="ctr">
+              <a:prstDash val="solid"/>
+              <a:round/>
+              <a:headEnd type="none" w="sm" len="sm"/>
+              <a:tailEnd type="none" w="sm" len="sm"/>
+            </a:ln>
+            <a:effectLst/>
+          </p:spPr>
+          <p:txBody>
+            <a:bodyPr vert="horz" wrap="square" lIns="91440" tIns="45720" rIns="91440" bIns="45720" numCol="1" rtlCol="0" anchor="t" anchorCtr="0" compatLnSpc="1">
+              <a:prstTxWarp prst="textNoShape">
+                <a:avLst/>
+              </a:prstTxWarp>
+            </a:bodyPr>
+            <a:lstStyle/>
+            <a:p>
+              <a:pPr marL="0" marR="0" indent="0" algn="l" defTabSz="914400" rtl="0" eaLnBrk="1" fontAlgn="base" latinLnBrk="0" hangingPunct="1">
+                <a:lnSpc>
+                  <a:spcPct val="100000"/>
+                </a:lnSpc>
+                <a:spcBef>
+                  <a:spcPct val="0"/>
+                </a:spcBef>
+                <a:spcAft>
+                  <a:spcPct val="0"/>
+                </a:spcAft>
+                <a:buClrTx/>
+                <a:buSzTx/>
+                <a:buFontTx/>
+                <a:buNone/>
+                <a:tabLst/>
+              </a:pPr>
+              <a:endParaRPr kumimoji="0" lang="en-ZA" sz="2400" b="0" i="0" u="none" strike="noStrike" cap="none" normalizeH="0" baseline="0">
+                <a:ln>
+                  <a:noFill/>
+                </a:ln>
+                <a:solidFill>
+                  <a:schemeClr val="tx1"/>
+                </a:solidFill>
+                <a:effectLst/>
+                <a:latin typeface="Times New Roman" pitchFamily="18" charset="0"/>
+              </a:endParaRPr>
+            </a:p>
+          </p:txBody>
+        </p:sp>
+        <p:sp>
+          <p:nvSpPr>
+            <p:cNvPr id="26" name="Right Brace 25">
+              <a:extLst>
+                <a:ext uri="{FF2B5EF4-FFF2-40B4-BE49-F238E27FC236}">
+                  <a16:creationId xmlns:a16="http://schemas.microsoft.com/office/drawing/2014/main" id="{13940BC7-14C7-4757-9E01-EC1A37567B99}"/>
+                </a:ext>
+              </a:extLst>
+            </p:cNvPr>
+            <p:cNvSpPr/>
+            <p:nvPr/>
+          </p:nvSpPr>
+          <p:spPr bwMode="auto">
+            <a:xfrm>
+              <a:off x="7902215" y="2656127"/>
+              <a:ext cx="329028" cy="354037"/>
+            </a:xfrm>
+            <a:prstGeom prst="rightBrace">
+              <a:avLst/>
+            </a:prstGeom>
             <a:solidFill>
-              <a:schemeClr val="tx1"/>
+              <a:schemeClr val="bg1"/>
             </a:solidFill>
-            <a:prstDash val="solid"/>
-            <a:round/>
-            <a:headEnd type="none" w="sm" len="sm"/>
-            <a:tailEnd type="none" w="sm" len="sm"/>
-          </a:ln>
-          <a:effectLst/>
-        </p:spPr>
-        <p:txBody>
-          <a:bodyPr vert="horz" wrap="square" lIns="91440" tIns="45720" rIns="91440" bIns="45720" numCol="1" rtlCol="0" anchor="t" anchorCtr="0" compatLnSpc="1">
-            <a:prstTxWarp prst="textNoShape">
-              <a:avLst/>
-            </a:prstTxWarp>
-          </a:bodyPr>
-          <a:lstStyle/>
-          <a:p>
-            <a:pPr marL="0" marR="0" indent="0" algn="l" defTabSz="914400" rtl="0" eaLnBrk="1" fontAlgn="base" latinLnBrk="0" hangingPunct="1">
-              <a:lnSpc>
-                <a:spcPct val="100000"/>
-              </a:lnSpc>
-              <a:spcBef>
-                <a:spcPct val="0"/>
-              </a:spcBef>
-              <a:spcAft>
-                <a:spcPct val="0"/>
-              </a:spcAft>
-              <a:buClrTx/>
-              <a:buSzTx/>
-              <a:buFontTx/>
-              <a:buNone/>
-              <a:tabLst/>
-            </a:pPr>
-            <a:endParaRPr kumimoji="0" lang="en-ZA" sz="2400" b="0" i="0" u="none" strike="noStrike" cap="none" normalizeH="0" baseline="0">
-              <a:ln>
-                <a:noFill/>
-              </a:ln>
+            <a:ln w="12700" cap="sq" cmpd="sng" algn="ctr">
               <a:solidFill>
                 <a:schemeClr val="tx1"/>
               </a:solidFill>
-              <a:effectLst/>
-              <a:latin typeface="Times New Roman" pitchFamily="18" charset="0"/>
-            </a:endParaRPr>
-          </a:p>
-        </p:txBody>
-      </p:sp>
-      <p:sp>
-        <p:nvSpPr>
-          <p:cNvPr id="8" name="TextBox 7">
-            <a:extLst>
-              <a:ext uri="{FF2B5EF4-FFF2-40B4-BE49-F238E27FC236}">
-                <a16:creationId xmlns:a16="http://schemas.microsoft.com/office/drawing/2014/main" id="{F8BAC105-D8EF-4741-9D9F-68116298165A}"/>
-              </a:ext>
-            </a:extLst>
-          </p:cNvPr>
-          <p:cNvSpPr txBox="1"/>
-          <p:nvPr/>
-        </p:nvSpPr>
-        <p:spPr>
-          <a:xfrm>
-            <a:off x="1997611" y="2461260"/>
-            <a:ext cx="1997613" cy="461665"/>
-          </a:xfrm>
-          <a:prstGeom prst="rect">
-            <a:avLst/>
-          </a:prstGeom>
-          <a:noFill/>
-        </p:spPr>
-        <p:txBody>
-          <a:bodyPr wrap="square" rtlCol="0">
-            <a:spAutoFit/>
-          </a:bodyPr>
-          <a:lstStyle/>
-          <a:p>
-            <a:r>
-              <a:rPr lang="en-ZA" dirty="0"/>
-              <a:t>Probably a 2</a:t>
-            </a:r>
-          </a:p>
-        </p:txBody>
-      </p:sp>
-      <p:sp>
-        <p:nvSpPr>
-          <p:cNvPr id="10" name="TextBox 9">
-            <a:extLst>
-              <a:ext uri="{FF2B5EF4-FFF2-40B4-BE49-F238E27FC236}">
-                <a16:creationId xmlns:a16="http://schemas.microsoft.com/office/drawing/2014/main" id="{681CACC0-D96A-48CF-8690-2FCA5726E9FC}"/>
-              </a:ext>
-            </a:extLst>
-          </p:cNvPr>
-          <p:cNvSpPr txBox="1"/>
-          <p:nvPr/>
-        </p:nvSpPr>
-        <p:spPr>
-          <a:xfrm>
-            <a:off x="1997611" y="3655074"/>
-            <a:ext cx="1997613" cy="461665"/>
-          </a:xfrm>
-          <a:prstGeom prst="rect">
-            <a:avLst/>
-          </a:prstGeom>
-          <a:noFill/>
-        </p:spPr>
-        <p:txBody>
-          <a:bodyPr wrap="square" rtlCol="0">
-            <a:spAutoFit/>
-          </a:bodyPr>
-          <a:lstStyle/>
-          <a:p>
-            <a:r>
-              <a:rPr lang="en-ZA" dirty="0"/>
-              <a:t>Probably a 2</a:t>
-            </a:r>
-          </a:p>
-        </p:txBody>
-      </p:sp>
-      <p:sp>
-        <p:nvSpPr>
-          <p:cNvPr id="11" name="Right Brace 10">
-            <a:extLst>
-              <a:ext uri="{FF2B5EF4-FFF2-40B4-BE49-F238E27FC236}">
-                <a16:creationId xmlns:a16="http://schemas.microsoft.com/office/drawing/2014/main" id="{C80FFEEC-AA0F-4C73-BB36-84C594DD7416}"/>
-              </a:ext>
-            </a:extLst>
-          </p:cNvPr>
-          <p:cNvSpPr/>
-          <p:nvPr/>
-        </p:nvSpPr>
-        <p:spPr bwMode="auto">
-          <a:xfrm>
-            <a:off x="3820939" y="2568888"/>
-            <a:ext cx="174285" cy="1547851"/>
-          </a:xfrm>
-          <a:prstGeom prst="rightBrace">
-            <a:avLst/>
-          </a:prstGeom>
-          <a:solidFill>
-            <a:schemeClr val="bg1"/>
-          </a:solidFill>
-          <a:ln w="12700" cap="sq" cmpd="sng" algn="ctr">
+              <a:prstDash val="solid"/>
+              <a:round/>
+              <a:headEnd type="none" w="sm" len="sm"/>
+              <a:tailEnd type="none" w="sm" len="sm"/>
+            </a:ln>
+            <a:effectLst/>
+          </p:spPr>
+          <p:txBody>
+            <a:bodyPr vert="horz" wrap="square" lIns="91440" tIns="45720" rIns="91440" bIns="45720" numCol="1" rtlCol="0" anchor="t" anchorCtr="0" compatLnSpc="1">
+              <a:prstTxWarp prst="textNoShape">
+                <a:avLst/>
+              </a:prstTxWarp>
+            </a:bodyPr>
+            <a:lstStyle/>
+            <a:p>
+              <a:pPr marL="0" marR="0" indent="0" algn="l" defTabSz="914400" rtl="0" eaLnBrk="1" fontAlgn="base" latinLnBrk="0" hangingPunct="1">
+                <a:lnSpc>
+                  <a:spcPct val="100000"/>
+                </a:lnSpc>
+                <a:spcBef>
+                  <a:spcPct val="0"/>
+                </a:spcBef>
+                <a:spcAft>
+                  <a:spcPct val="0"/>
+                </a:spcAft>
+                <a:buClrTx/>
+                <a:buSzTx/>
+                <a:buFontTx/>
+                <a:buNone/>
+                <a:tabLst/>
+              </a:pPr>
+              <a:endParaRPr kumimoji="0" lang="en-ZA" sz="2400" b="0" i="0" u="none" strike="noStrike" cap="none" normalizeH="0" baseline="0">
+                <a:ln>
+                  <a:noFill/>
+                </a:ln>
+                <a:solidFill>
+                  <a:schemeClr val="tx1"/>
+                </a:solidFill>
+                <a:effectLst/>
+                <a:latin typeface="Times New Roman" pitchFamily="18" charset="0"/>
+              </a:endParaRPr>
+            </a:p>
+          </p:txBody>
+        </p:sp>
+        <p:sp>
+          <p:nvSpPr>
+            <p:cNvPr id="27" name="TextBox 26">
+              <a:extLst>
+                <a:ext uri="{FF2B5EF4-FFF2-40B4-BE49-F238E27FC236}">
+                  <a16:creationId xmlns:a16="http://schemas.microsoft.com/office/drawing/2014/main" id="{3F35AC6B-C1C9-4374-8A8A-1F1CF9B59E60}"/>
+                </a:ext>
+              </a:extLst>
+            </p:cNvPr>
+            <p:cNvSpPr txBox="1"/>
+            <p:nvPr/>
+          </p:nvSpPr>
+          <p:spPr>
+            <a:xfrm>
+              <a:off x="8385986" y="2656127"/>
+              <a:ext cx="1997613" cy="830997"/>
+            </a:xfrm>
+            <a:prstGeom prst="rect">
+              <a:avLst/>
+            </a:prstGeom>
+            <a:noFill/>
+          </p:spPr>
+          <p:txBody>
+            <a:bodyPr wrap="square" rtlCol="0">
+              <a:spAutoFit/>
+            </a:bodyPr>
+            <a:lstStyle/>
+            <a:p>
+              <a:r>
+                <a:rPr lang="en-ZA" dirty="0"/>
+                <a:t>Probably 20002262</a:t>
+              </a:r>
+            </a:p>
+          </p:txBody>
+        </p:sp>
+        <p:sp>
+          <p:nvSpPr>
+            <p:cNvPr id="28" name="TextBox 27">
+              <a:extLst>
+                <a:ext uri="{FF2B5EF4-FFF2-40B4-BE49-F238E27FC236}">
+                  <a16:creationId xmlns:a16="http://schemas.microsoft.com/office/drawing/2014/main" id="{823651AE-3A3B-44D0-8B24-BAF079362736}"/>
+                </a:ext>
+              </a:extLst>
+            </p:cNvPr>
+            <p:cNvSpPr txBox="1"/>
+            <p:nvPr/>
+          </p:nvSpPr>
+          <p:spPr>
+            <a:xfrm>
+              <a:off x="8385986" y="3849941"/>
+              <a:ext cx="1997613" cy="461665"/>
+            </a:xfrm>
+            <a:prstGeom prst="rect">
+              <a:avLst/>
+            </a:prstGeom>
+            <a:noFill/>
+          </p:spPr>
+          <p:txBody>
+            <a:bodyPr wrap="square" rtlCol="0">
+              <a:spAutoFit/>
+            </a:bodyPr>
+            <a:lstStyle/>
+            <a:p>
+              <a:r>
+                <a:rPr lang="en-ZA" dirty="0"/>
+                <a:t>Don’t know</a:t>
+              </a:r>
+            </a:p>
+          </p:txBody>
+        </p:sp>
+        <p:sp>
+          <p:nvSpPr>
+            <p:cNvPr id="29" name="Right Brace 28">
+              <a:extLst>
+                <a:ext uri="{FF2B5EF4-FFF2-40B4-BE49-F238E27FC236}">
+                  <a16:creationId xmlns:a16="http://schemas.microsoft.com/office/drawing/2014/main" id="{2592E490-694A-4143-B05E-08A1FEBD6840}"/>
+                </a:ext>
+              </a:extLst>
+            </p:cNvPr>
+            <p:cNvSpPr/>
+            <p:nvPr/>
+          </p:nvSpPr>
+          <p:spPr bwMode="auto">
+            <a:xfrm>
+              <a:off x="10020102" y="2763755"/>
+              <a:ext cx="174285" cy="1547851"/>
+            </a:xfrm>
+            <a:prstGeom prst="rightBrace">
+              <a:avLst/>
+            </a:prstGeom>
             <a:solidFill>
-              <a:schemeClr val="tx1"/>
+              <a:schemeClr val="bg1"/>
             </a:solidFill>
-            <a:prstDash val="solid"/>
-            <a:round/>
-            <a:headEnd type="none" w="sm" len="sm"/>
-            <a:tailEnd type="none" w="sm" len="sm"/>
-          </a:ln>
-          <a:effectLst/>
-        </p:spPr>
-        <p:txBody>
-          <a:bodyPr vert="horz" wrap="square" lIns="91440" tIns="45720" rIns="91440" bIns="45720" numCol="1" rtlCol="0" anchor="t" anchorCtr="0" compatLnSpc="1">
-            <a:prstTxWarp prst="textNoShape">
-              <a:avLst/>
-            </a:prstTxWarp>
-          </a:bodyPr>
-          <a:lstStyle/>
-          <a:p>
-            <a:pPr marL="0" marR="0" indent="0" algn="l" defTabSz="914400" rtl="0" eaLnBrk="1" fontAlgn="base" latinLnBrk="0" hangingPunct="1">
-              <a:lnSpc>
-                <a:spcPct val="100000"/>
-              </a:lnSpc>
-              <a:spcBef>
-                <a:spcPct val="0"/>
-              </a:spcBef>
-              <a:spcAft>
-                <a:spcPct val="0"/>
-              </a:spcAft>
-              <a:buClrTx/>
-              <a:buSzTx/>
-              <a:buFontTx/>
-              <a:buNone/>
-              <a:tabLst/>
-            </a:pPr>
-            <a:endParaRPr kumimoji="0" lang="en-ZA" sz="2400" b="0" i="0" u="none" strike="noStrike" cap="none" normalizeH="0" baseline="0">
-              <a:ln>
-                <a:noFill/>
-              </a:ln>
+            <a:ln w="12700" cap="sq" cmpd="sng" algn="ctr">
               <a:solidFill>
                 <a:schemeClr val="tx1"/>
               </a:solidFill>
-              <a:effectLst/>
-              <a:latin typeface="Times New Roman" pitchFamily="18" charset="0"/>
-            </a:endParaRPr>
-          </a:p>
-        </p:txBody>
-      </p:sp>
-      <p:sp>
-        <p:nvSpPr>
-          <p:cNvPr id="13" name="TextBox 12">
-            <a:extLst>
-              <a:ext uri="{FF2B5EF4-FFF2-40B4-BE49-F238E27FC236}">
-                <a16:creationId xmlns:a16="http://schemas.microsoft.com/office/drawing/2014/main" id="{C8F00508-22D0-430F-A8BE-D2F6CFAD97D9}"/>
-              </a:ext>
-            </a:extLst>
-          </p:cNvPr>
-          <p:cNvSpPr txBox="1"/>
-          <p:nvPr/>
-        </p:nvSpPr>
-        <p:spPr>
-          <a:xfrm>
-            <a:off x="4119488" y="3111980"/>
-            <a:ext cx="1997613" cy="461665"/>
-          </a:xfrm>
-          <a:prstGeom prst="rect">
-            <a:avLst/>
-          </a:prstGeom>
-          <a:noFill/>
-        </p:spPr>
-        <p:txBody>
-          <a:bodyPr wrap="square" rtlCol="0">
-            <a:spAutoFit/>
-          </a:bodyPr>
-          <a:lstStyle/>
-          <a:p>
-            <a:r>
-              <a:rPr lang="en-ZA" dirty="0"/>
-              <a:t>Final guess: 2</a:t>
-            </a:r>
-          </a:p>
-        </p:txBody>
-      </p:sp>
-      <p:pic>
-        <p:nvPicPr>
-          <p:cNvPr id="14" name="Content Placeholder 4">
-            <a:extLst>
-              <a:ext uri="{FF2B5EF4-FFF2-40B4-BE49-F238E27FC236}">
-                <a16:creationId xmlns:a16="http://schemas.microsoft.com/office/drawing/2014/main" id="{FB96CE26-1622-4D76-B8AE-8E43B779C190}"/>
-              </a:ext>
-            </a:extLst>
-          </p:cNvPr>
-          <p:cNvPicPr>
-            <a:picLocks noChangeAspect="1"/>
-          </p:cNvPicPr>
-          <p:nvPr/>
-        </p:nvPicPr>
-        <p:blipFill rotWithShape="1">
-          <a:blip r:embed="rId2">
-            <a:extLst>
-              <a:ext uri="{28A0092B-C50C-407E-A947-70E740481C1C}">
-                <a14:useLocalDpi xmlns:a14="http://schemas.microsoft.com/office/drawing/2010/main" val="0"/>
-              </a:ext>
-            </a:extLst>
-          </a:blip>
-          <a:srcRect r="69478"/>
-          <a:stretch/>
-        </p:blipFill>
-        <p:spPr bwMode="auto">
-          <a:xfrm>
-            <a:off x="6412680" y="2545623"/>
-            <a:ext cx="178620" cy="2468880"/>
-          </a:xfrm>
-          <a:prstGeom prst="rect">
-            <a:avLst/>
-          </a:prstGeom>
-          <a:noFill/>
-          <a:ln>
+              <a:prstDash val="solid"/>
+              <a:round/>
+              <a:headEnd type="none" w="sm" len="sm"/>
+              <a:tailEnd type="none" w="sm" len="sm"/>
+            </a:ln>
+            <a:effectLst/>
+          </p:spPr>
+          <p:txBody>
+            <a:bodyPr vert="horz" wrap="square" lIns="91440" tIns="45720" rIns="91440" bIns="45720" numCol="1" rtlCol="0" anchor="t" anchorCtr="0" compatLnSpc="1">
+              <a:prstTxWarp prst="textNoShape">
+                <a:avLst/>
+              </a:prstTxWarp>
+            </a:bodyPr>
+            <a:lstStyle/>
+            <a:p>
+              <a:pPr marL="0" marR="0" indent="0" algn="l" defTabSz="914400" rtl="0" eaLnBrk="1" fontAlgn="base" latinLnBrk="0" hangingPunct="1">
+                <a:lnSpc>
+                  <a:spcPct val="100000"/>
+                </a:lnSpc>
+                <a:spcBef>
+                  <a:spcPct val="0"/>
+                </a:spcBef>
+                <a:spcAft>
+                  <a:spcPct val="0"/>
+                </a:spcAft>
+                <a:buClrTx/>
+                <a:buSzTx/>
+                <a:buFontTx/>
+                <a:buNone/>
+                <a:tabLst/>
+              </a:pPr>
+              <a:endParaRPr kumimoji="0" lang="en-ZA" sz="2400" b="0" i="0" u="none" strike="noStrike" cap="none" normalizeH="0" baseline="0">
+                <a:ln>
+                  <a:noFill/>
+                </a:ln>
+                <a:solidFill>
+                  <a:schemeClr val="tx1"/>
+                </a:solidFill>
+                <a:effectLst/>
+                <a:latin typeface="Times New Roman" pitchFamily="18" charset="0"/>
+              </a:endParaRPr>
+            </a:p>
+          </p:txBody>
+        </p:sp>
+        <p:sp>
+          <p:nvSpPr>
+            <p:cNvPr id="30" name="TextBox 29">
+              <a:extLst>
+                <a:ext uri="{FF2B5EF4-FFF2-40B4-BE49-F238E27FC236}">
+                  <a16:creationId xmlns:a16="http://schemas.microsoft.com/office/drawing/2014/main" id="{98BC5D37-39DA-47EF-9D86-2BCD5704C5D4}"/>
+                </a:ext>
+              </a:extLst>
+            </p:cNvPr>
+            <p:cNvSpPr txBox="1"/>
+            <p:nvPr/>
+          </p:nvSpPr>
+          <p:spPr>
+            <a:xfrm>
+              <a:off x="10194387" y="3122181"/>
+              <a:ext cx="1997613" cy="830997"/>
+            </a:xfrm>
+            <a:prstGeom prst="rect">
+              <a:avLst/>
+            </a:prstGeom>
             <a:noFill/>
-          </a:ln>
-          <a:extLst>
-            <a:ext uri="{909E8E84-426E-40DD-AFC4-6F175D3DCCD1}">
-              <a14:hiddenFill xmlns:a14="http://schemas.microsoft.com/office/drawing/2010/main">
-                <a:solidFill>
-                  <a:srgbClr val="FFFFFF"/>
-                </a:solidFill>
-              </a14:hiddenFill>
-            </a:ext>
-            <a:ext uri="{91240B29-F687-4F45-9708-019B960494DF}">
-              <a14:hiddenLine xmlns:a14="http://schemas.microsoft.com/office/drawing/2010/main" w="9525">
-                <a:solidFill>
-                  <a:srgbClr val="000000"/>
-                </a:solidFill>
-                <a:miter lim="800000"/>
-                <a:headEnd/>
-                <a:tailEnd/>
-              </a14:hiddenLine>
-            </a:ext>
-          </a:extLst>
-        </p:spPr>
-      </p:pic>
-      <p:sp>
-        <p:nvSpPr>
-          <p:cNvPr id="15" name="Right Brace 14">
-            <a:extLst>
-              <a:ext uri="{FF2B5EF4-FFF2-40B4-BE49-F238E27FC236}">
-                <a16:creationId xmlns:a16="http://schemas.microsoft.com/office/drawing/2014/main" id="{3059CC2C-3C83-4048-8404-C13DAD38143F}"/>
-              </a:ext>
-            </a:extLst>
-          </p:cNvPr>
-          <p:cNvSpPr/>
-          <p:nvPr/>
-        </p:nvSpPr>
-        <p:spPr bwMode="auto">
-          <a:xfrm>
-            <a:off x="6997896" y="2926037"/>
-            <a:ext cx="329028" cy="2088466"/>
-          </a:xfrm>
-          <a:prstGeom prst="rightBrace">
-            <a:avLst/>
-          </a:prstGeom>
-          <a:solidFill>
-            <a:schemeClr val="bg1"/>
-          </a:solidFill>
-          <a:ln w="12700" cap="sq" cmpd="sng" algn="ctr">
-            <a:solidFill>
-              <a:schemeClr val="tx1"/>
-            </a:solidFill>
-            <a:prstDash val="solid"/>
-            <a:round/>
-            <a:headEnd type="none" w="sm" len="sm"/>
-            <a:tailEnd type="none" w="sm" len="sm"/>
-          </a:ln>
-          <a:effectLst/>
-        </p:spPr>
-        <p:txBody>
-          <a:bodyPr vert="horz" wrap="square" lIns="91440" tIns="45720" rIns="91440" bIns="45720" numCol="1" rtlCol="0" anchor="t" anchorCtr="0" compatLnSpc="1">
-            <a:prstTxWarp prst="textNoShape">
+          </p:spPr>
+          <p:txBody>
+            <a:bodyPr wrap="square" rtlCol="0">
+              <a:spAutoFit/>
+            </a:bodyPr>
+            <a:lstStyle/>
+            <a:p>
+              <a:r>
+                <a:rPr lang="en-ZA" dirty="0"/>
+                <a:t>Final guess: 20002262</a:t>
+              </a:r>
+            </a:p>
+          </p:txBody>
+        </p:sp>
+        <p:pic>
+          <p:nvPicPr>
+            <p:cNvPr id="33" name="Picture 32">
+              <a:extLst>
+                <a:ext uri="{FF2B5EF4-FFF2-40B4-BE49-F238E27FC236}">
+                  <a16:creationId xmlns:a16="http://schemas.microsoft.com/office/drawing/2014/main" id="{7BE7DDC8-BA5B-4EA6-9293-E002C376E910}"/>
+                </a:ext>
+              </a:extLst>
+            </p:cNvPr>
+            <p:cNvPicPr>
+              <a:picLocks noChangeAspect="1"/>
+            </p:cNvPicPr>
+            <p:nvPr/>
+          </p:nvPicPr>
+          <p:blipFill rotWithShape="1">
+            <a:blip r:embed="rId4" cstate="print">
+              <a:extLst>
+                <a:ext uri="{28A0092B-C50C-407E-A947-70E740481C1C}">
+                  <a14:useLocalDpi xmlns:a14="http://schemas.microsoft.com/office/drawing/2010/main" val="0"/>
+                </a:ext>
+              </a:extLst>
+            </a:blip>
+            <a:srcRect l="57731" t="8670" r="9400" b="65142"/>
+            <a:stretch/>
+          </p:blipFill>
+          <p:spPr>
+            <a:xfrm>
+              <a:off x="5455177" y="2730430"/>
+              <a:ext cx="2230865" cy="2518633"/>
+            </a:xfrm>
+            <a:prstGeom prst="rect">
               <a:avLst/>
-            </a:prstTxWarp>
-          </a:bodyPr>
-          <a:lstStyle/>
-          <a:p>
-            <a:pPr marL="0" marR="0" indent="0" algn="l" defTabSz="914400" rtl="0" eaLnBrk="1" fontAlgn="base" latinLnBrk="0" hangingPunct="1">
-              <a:lnSpc>
-                <a:spcPct val="100000"/>
-              </a:lnSpc>
-              <a:spcBef>
-                <a:spcPct val="0"/>
-              </a:spcBef>
-              <a:spcAft>
-                <a:spcPct val="0"/>
-              </a:spcAft>
-              <a:buClrTx/>
-              <a:buSzTx/>
-              <a:buFontTx/>
-              <a:buNone/>
-              <a:tabLst/>
-            </a:pPr>
-            <a:endParaRPr kumimoji="0" lang="en-ZA" sz="2400" b="0" i="0" u="none" strike="noStrike" cap="none" normalizeH="0" baseline="0">
-              <a:ln>
-                <a:noFill/>
-              </a:ln>
-              <a:solidFill>
-                <a:schemeClr val="tx1"/>
-              </a:solidFill>
-              <a:effectLst/>
-              <a:latin typeface="Times New Roman" pitchFamily="18" charset="0"/>
-            </a:endParaRPr>
-          </a:p>
-        </p:txBody>
-      </p:sp>
-      <p:sp>
-        <p:nvSpPr>
-          <p:cNvPr id="16" name="Right Brace 15">
-            <a:extLst>
-              <a:ext uri="{FF2B5EF4-FFF2-40B4-BE49-F238E27FC236}">
-                <a16:creationId xmlns:a16="http://schemas.microsoft.com/office/drawing/2014/main" id="{8A977A1D-0F19-47EF-856E-17EE3EA2ABB6}"/>
-              </a:ext>
-            </a:extLst>
-          </p:cNvPr>
-          <p:cNvSpPr/>
-          <p:nvPr/>
-        </p:nvSpPr>
-        <p:spPr bwMode="auto">
-          <a:xfrm>
-            <a:off x="6997896" y="2545623"/>
-            <a:ext cx="329028" cy="354037"/>
-          </a:xfrm>
-          <a:prstGeom prst="rightBrace">
-            <a:avLst/>
-          </a:prstGeom>
-          <a:solidFill>
-            <a:schemeClr val="bg1"/>
-          </a:solidFill>
-          <a:ln w="12700" cap="sq" cmpd="sng" algn="ctr">
-            <a:solidFill>
-              <a:schemeClr val="tx1"/>
-            </a:solidFill>
-            <a:prstDash val="solid"/>
-            <a:round/>
-            <a:headEnd type="none" w="sm" len="sm"/>
-            <a:tailEnd type="none" w="sm" len="sm"/>
-          </a:ln>
-          <a:effectLst/>
-        </p:spPr>
-        <p:txBody>
-          <a:bodyPr vert="horz" wrap="square" lIns="91440" tIns="45720" rIns="91440" bIns="45720" numCol="1" rtlCol="0" anchor="t" anchorCtr="0" compatLnSpc="1">
-            <a:prstTxWarp prst="textNoShape">
-              <a:avLst/>
-            </a:prstTxWarp>
-          </a:bodyPr>
-          <a:lstStyle/>
-          <a:p>
-            <a:pPr marL="0" marR="0" indent="0" algn="l" defTabSz="914400" rtl="0" eaLnBrk="1" fontAlgn="base" latinLnBrk="0" hangingPunct="1">
-              <a:lnSpc>
-                <a:spcPct val="100000"/>
-              </a:lnSpc>
-              <a:spcBef>
-                <a:spcPct val="0"/>
-              </a:spcBef>
-              <a:spcAft>
-                <a:spcPct val="0"/>
-              </a:spcAft>
-              <a:buClrTx/>
-              <a:buSzTx/>
-              <a:buFontTx/>
-              <a:buNone/>
-              <a:tabLst/>
-            </a:pPr>
-            <a:endParaRPr kumimoji="0" lang="en-ZA" sz="2400" b="0" i="0" u="none" strike="noStrike" cap="none" normalizeH="0" baseline="0">
-              <a:ln>
-                <a:noFill/>
-              </a:ln>
-              <a:solidFill>
-                <a:schemeClr val="tx1"/>
-              </a:solidFill>
-              <a:effectLst/>
-              <a:latin typeface="Times New Roman" pitchFamily="18" charset="0"/>
-            </a:endParaRPr>
-          </a:p>
-        </p:txBody>
-      </p:sp>
-      <p:sp>
-        <p:nvSpPr>
-          <p:cNvPr id="17" name="TextBox 16">
-            <a:extLst>
-              <a:ext uri="{FF2B5EF4-FFF2-40B4-BE49-F238E27FC236}">
-                <a16:creationId xmlns:a16="http://schemas.microsoft.com/office/drawing/2014/main" id="{EF5D292E-E20C-4B8F-8E83-4B3936AD2B63}"/>
-              </a:ext>
-            </a:extLst>
-          </p:cNvPr>
-          <p:cNvSpPr txBox="1"/>
-          <p:nvPr/>
-        </p:nvSpPr>
-        <p:spPr>
-          <a:xfrm>
-            <a:off x="7481667" y="2545623"/>
-            <a:ext cx="1997613" cy="461665"/>
-          </a:xfrm>
-          <a:prstGeom prst="rect">
-            <a:avLst/>
-          </a:prstGeom>
-          <a:noFill/>
-        </p:spPr>
-        <p:txBody>
-          <a:bodyPr wrap="square" rtlCol="0">
-            <a:spAutoFit/>
-          </a:bodyPr>
-          <a:lstStyle/>
-          <a:p>
-            <a:r>
-              <a:rPr lang="en-ZA" dirty="0"/>
-              <a:t>Probably a 6</a:t>
-            </a:r>
-          </a:p>
-        </p:txBody>
-      </p:sp>
-      <p:sp>
-        <p:nvSpPr>
-          <p:cNvPr id="18" name="TextBox 17">
-            <a:extLst>
-              <a:ext uri="{FF2B5EF4-FFF2-40B4-BE49-F238E27FC236}">
-                <a16:creationId xmlns:a16="http://schemas.microsoft.com/office/drawing/2014/main" id="{0D3E4B30-C308-4AAE-A7FA-F64CCA1D8209}"/>
-              </a:ext>
-            </a:extLst>
-          </p:cNvPr>
-          <p:cNvSpPr txBox="1"/>
-          <p:nvPr/>
-        </p:nvSpPr>
-        <p:spPr>
-          <a:xfrm>
-            <a:off x="7481667" y="3739437"/>
-            <a:ext cx="1997613" cy="830997"/>
-          </a:xfrm>
-          <a:prstGeom prst="rect">
-            <a:avLst/>
-          </a:prstGeom>
-          <a:noFill/>
-        </p:spPr>
-        <p:txBody>
-          <a:bodyPr wrap="square" rtlCol="0">
-            <a:spAutoFit/>
-          </a:bodyPr>
-          <a:lstStyle/>
-          <a:p>
-            <a:r>
-              <a:rPr lang="en-ZA" dirty="0"/>
-              <a:t>Probably a 3 or 6</a:t>
-            </a:r>
-          </a:p>
-        </p:txBody>
-      </p:sp>
-      <p:sp>
-        <p:nvSpPr>
-          <p:cNvPr id="19" name="Right Brace 18">
-            <a:extLst>
-              <a:ext uri="{FF2B5EF4-FFF2-40B4-BE49-F238E27FC236}">
-                <a16:creationId xmlns:a16="http://schemas.microsoft.com/office/drawing/2014/main" id="{9111452D-61D6-480D-8066-6BAFF6E2BDC8}"/>
-              </a:ext>
-            </a:extLst>
-          </p:cNvPr>
-          <p:cNvSpPr/>
-          <p:nvPr/>
-        </p:nvSpPr>
-        <p:spPr bwMode="auto">
-          <a:xfrm>
-            <a:off x="9304995" y="2653251"/>
-            <a:ext cx="174285" cy="1547851"/>
-          </a:xfrm>
-          <a:prstGeom prst="rightBrace">
-            <a:avLst/>
-          </a:prstGeom>
-          <a:solidFill>
-            <a:schemeClr val="bg1"/>
-          </a:solidFill>
-          <a:ln w="12700" cap="sq" cmpd="sng" algn="ctr">
-            <a:solidFill>
-              <a:schemeClr val="tx1"/>
-            </a:solidFill>
-            <a:prstDash val="solid"/>
-            <a:round/>
-            <a:headEnd type="none" w="sm" len="sm"/>
-            <a:tailEnd type="none" w="sm" len="sm"/>
-          </a:ln>
-          <a:effectLst/>
-        </p:spPr>
-        <p:txBody>
-          <a:bodyPr vert="horz" wrap="square" lIns="91440" tIns="45720" rIns="91440" bIns="45720" numCol="1" rtlCol="0" anchor="t" anchorCtr="0" compatLnSpc="1">
-            <a:prstTxWarp prst="textNoShape">
-              <a:avLst/>
-            </a:prstTxWarp>
-          </a:bodyPr>
-          <a:lstStyle/>
-          <a:p>
-            <a:pPr marL="0" marR="0" indent="0" algn="l" defTabSz="914400" rtl="0" eaLnBrk="1" fontAlgn="base" latinLnBrk="0" hangingPunct="1">
-              <a:lnSpc>
-                <a:spcPct val="100000"/>
-              </a:lnSpc>
-              <a:spcBef>
-                <a:spcPct val="0"/>
-              </a:spcBef>
-              <a:spcAft>
-                <a:spcPct val="0"/>
-              </a:spcAft>
-              <a:buClrTx/>
-              <a:buSzTx/>
-              <a:buFontTx/>
-              <a:buNone/>
-              <a:tabLst/>
-            </a:pPr>
-            <a:endParaRPr kumimoji="0" lang="en-ZA" sz="2400" b="0" i="0" u="none" strike="noStrike" cap="none" normalizeH="0" baseline="0">
-              <a:ln>
-                <a:noFill/>
-              </a:ln>
-              <a:solidFill>
-                <a:schemeClr val="tx1"/>
-              </a:solidFill>
-              <a:effectLst/>
-              <a:latin typeface="Times New Roman" pitchFamily="18" charset="0"/>
-            </a:endParaRPr>
-          </a:p>
-        </p:txBody>
-      </p:sp>
-      <p:sp>
-        <p:nvSpPr>
-          <p:cNvPr id="20" name="TextBox 19">
-            <a:extLst>
-              <a:ext uri="{FF2B5EF4-FFF2-40B4-BE49-F238E27FC236}">
-                <a16:creationId xmlns:a16="http://schemas.microsoft.com/office/drawing/2014/main" id="{0A3EE3A6-7DEE-4648-84AF-764358E2B7FE}"/>
-              </a:ext>
-            </a:extLst>
-          </p:cNvPr>
-          <p:cNvSpPr txBox="1"/>
-          <p:nvPr/>
-        </p:nvSpPr>
-        <p:spPr>
-          <a:xfrm>
-            <a:off x="9603544" y="3196343"/>
-            <a:ext cx="1997613" cy="461665"/>
-          </a:xfrm>
-          <a:prstGeom prst="rect">
-            <a:avLst/>
-          </a:prstGeom>
-          <a:noFill/>
-        </p:spPr>
-        <p:txBody>
-          <a:bodyPr wrap="square" rtlCol="0">
-            <a:spAutoFit/>
-          </a:bodyPr>
-          <a:lstStyle/>
-          <a:p>
-            <a:r>
-              <a:rPr lang="en-ZA" dirty="0"/>
-              <a:t>Final guess: 6</a:t>
-            </a:r>
-          </a:p>
-        </p:txBody>
-      </p:sp>
-      <p:pic>
-        <p:nvPicPr>
-          <p:cNvPr id="24" name="Picture 23">
-            <a:extLst>
-              <a:ext uri="{FF2B5EF4-FFF2-40B4-BE49-F238E27FC236}">
-                <a16:creationId xmlns:a16="http://schemas.microsoft.com/office/drawing/2014/main" id="{FA26EC47-9D24-46DB-B9AB-6ED50D77166C}"/>
-              </a:ext>
-            </a:extLst>
-          </p:cNvPr>
-          <p:cNvPicPr>
-            <a:picLocks noChangeAspect="1"/>
-          </p:cNvPicPr>
-          <p:nvPr/>
-        </p:nvPicPr>
-        <p:blipFill rotWithShape="1">
-          <a:blip r:embed="rId3">
-            <a:extLst>
-              <a:ext uri="{28A0092B-C50C-407E-A947-70E740481C1C}">
-                <a14:useLocalDpi xmlns:a14="http://schemas.microsoft.com/office/drawing/2010/main" val="0"/>
-              </a:ext>
-            </a:extLst>
-          </a:blip>
-          <a:srcRect l="26046" t="72796" r="71051" b="7361"/>
-          <a:stretch/>
-        </p:blipFill>
-        <p:spPr>
-          <a:xfrm>
-            <a:off x="6654799" y="2922925"/>
-            <a:ext cx="218833" cy="2115909"/>
-          </a:xfrm>
-          <a:prstGeom prst="rect">
-            <a:avLst/>
-          </a:prstGeom>
-        </p:spPr>
-      </p:pic>
-      <p:pic>
-        <p:nvPicPr>
-          <p:cNvPr id="25" name="Picture 24">
-            <a:extLst>
-              <a:ext uri="{FF2B5EF4-FFF2-40B4-BE49-F238E27FC236}">
-                <a16:creationId xmlns:a16="http://schemas.microsoft.com/office/drawing/2014/main" id="{01300C48-742F-4C47-B454-A45E4A1C78B3}"/>
-              </a:ext>
-            </a:extLst>
-          </p:cNvPr>
-          <p:cNvPicPr>
-            <a:picLocks noChangeAspect="1"/>
-          </p:cNvPicPr>
-          <p:nvPr/>
-        </p:nvPicPr>
-        <p:blipFill rotWithShape="1">
-          <a:blip r:embed="rId3">
-            <a:extLst>
-              <a:ext uri="{28A0092B-C50C-407E-A947-70E740481C1C}">
-                <a14:useLocalDpi xmlns:a14="http://schemas.microsoft.com/office/drawing/2010/main" val="0"/>
-              </a:ext>
-            </a:extLst>
-          </a:blip>
-          <a:srcRect l="25602" t="67379" r="71113" b="30365"/>
-          <a:stretch/>
-        </p:blipFill>
-        <p:spPr>
-          <a:xfrm>
-            <a:off x="6621780" y="2590031"/>
-            <a:ext cx="247650" cy="240506"/>
-          </a:xfrm>
-          <a:prstGeom prst="rect">
-            <a:avLst/>
-          </a:prstGeom>
-        </p:spPr>
-      </p:pic>
+            </a:prstGeom>
+          </p:spPr>
+        </p:pic>
+      </p:grpSp>
     </p:spTree>
     <p:extLst>
       <p:ext uri="{BB962C8B-B14F-4D97-AF65-F5344CB8AC3E}">
@@ -7369,6 +7426,126 @@
   <p:clrMapOvr>
     <a:masterClrMapping/>
   </p:clrMapOvr>
+  <p:timing>
+    <p:tnLst>
+      <p:par>
+        <p:cTn id="1" dur="indefinite" restart="never" nodeType="tmRoot">
+          <p:childTnLst>
+            <p:seq concurrent="1" nextAc="seek">
+              <p:cTn id="2" dur="indefinite" nodeType="mainSeq">
+                <p:childTnLst>
+                  <p:par>
+                    <p:cTn id="3" fill="hold">
+                      <p:stCondLst>
+                        <p:cond delay="indefinite"/>
+                      </p:stCondLst>
+                      <p:childTnLst>
+                        <p:par>
+                          <p:cTn id="4" fill="hold">
+                            <p:stCondLst>
+                              <p:cond delay="0"/>
+                            </p:stCondLst>
+                            <p:childTnLst>
+                              <p:par>
+                                <p:cTn id="5" presetID="1" presetClass="entr" presetSubtype="0" fill="hold" nodeType="clickEffect">
+                                  <p:stCondLst>
+                                    <p:cond delay="0"/>
+                                  </p:stCondLst>
+                                  <p:childTnLst>
+                                    <p:set>
+                                      <p:cBhvr>
+                                        <p:cTn id="6" dur="1" fill="hold">
+                                          <p:stCondLst>
+                                            <p:cond delay="0"/>
+                                          </p:stCondLst>
+                                        </p:cTn>
+                                        <p:tgtEl>
+                                          <p:spTgt spid="21"/>
+                                        </p:tgtEl>
+                                        <p:attrNameLst>
+                                          <p:attrName>style.visibility</p:attrName>
+                                        </p:attrNameLst>
+                                      </p:cBhvr>
+                                      <p:to>
+                                        <p:strVal val="visible"/>
+                                      </p:to>
+                                    </p:set>
+                                  </p:childTnLst>
+                                </p:cTn>
+                              </p:par>
+                            </p:childTnLst>
+                          </p:cTn>
+                        </p:par>
+                      </p:childTnLst>
+                    </p:cTn>
+                  </p:par>
+                  <p:par>
+                    <p:cTn id="7" fill="hold">
+                      <p:stCondLst>
+                        <p:cond delay="indefinite"/>
+                      </p:stCondLst>
+                      <p:childTnLst>
+                        <p:par>
+                          <p:cTn id="8" fill="hold">
+                            <p:stCondLst>
+                              <p:cond delay="0"/>
+                            </p:stCondLst>
+                            <p:childTnLst>
+                              <p:par>
+                                <p:cTn id="9" presetID="1" presetClass="entr" presetSubtype="0" fill="hold" nodeType="clickEffect">
+                                  <p:stCondLst>
+                                    <p:cond delay="0"/>
+                                  </p:stCondLst>
+                                  <p:childTnLst>
+                                    <p:set>
+                                      <p:cBhvr>
+                                        <p:cTn id="10" dur="1" fill="hold">
+                                          <p:stCondLst>
+                                            <p:cond delay="0"/>
+                                          </p:stCondLst>
+                                        </p:cTn>
+                                        <p:tgtEl>
+                                          <p:spTgt spid="12"/>
+                                        </p:tgtEl>
+                                        <p:attrNameLst>
+                                          <p:attrName>style.visibility</p:attrName>
+                                        </p:attrNameLst>
+                                      </p:cBhvr>
+                                      <p:to>
+                                        <p:strVal val="visible"/>
+                                      </p:to>
+                                    </p:set>
+                                  </p:childTnLst>
+                                </p:cTn>
+                              </p:par>
+                            </p:childTnLst>
+                          </p:cTn>
+                        </p:par>
+                      </p:childTnLst>
+                    </p:cTn>
+                  </p:par>
+                </p:childTnLst>
+              </p:cTn>
+              <p:prevCondLst>
+                <p:cond evt="onPrev" delay="0">
+                  <p:tgtEl>
+                    <p:sldTgt/>
+                  </p:tgtEl>
+                </p:cond>
+              </p:prevCondLst>
+              <p:nextCondLst>
+                <p:cond evt="onNext" delay="0">
+                  <p:tgtEl>
+                    <p:sldTgt/>
+                  </p:tgtEl>
+                </p:cond>
+              </p:nextCondLst>
+            </p:seq>
+          </p:childTnLst>
+        </p:cTn>
+      </p:par>
+    </p:tnLst>
+  </p:timing>
 </p:sld>
 </file>
 

--- a/OralExamination/SkripsieOral_APSmit.pptx
+++ b/OralExamination/SkripsieOral_APSmit.pptx
@@ -5,30 +5,32 @@
     <p:sldMasterId id="2147483648" r:id="rId1"/>
   </p:sldMasterIdLst>
   <p:notesMasterIdLst>
-    <p:notesMasterId r:id="rId15"/>
+    <p:notesMasterId r:id="rId17"/>
   </p:notesMasterIdLst>
   <p:handoutMasterIdLst>
-    <p:handoutMasterId r:id="rId16"/>
+    <p:handoutMasterId r:id="rId18"/>
   </p:handoutMasterIdLst>
   <p:sldIdLst>
     <p:sldId id="655" r:id="rId2"/>
     <p:sldId id="607" r:id="rId3"/>
     <p:sldId id="682" r:id="rId4"/>
     <p:sldId id="683" r:id="rId5"/>
-    <p:sldId id="684" r:id="rId6"/>
-    <p:sldId id="691" r:id="rId7"/>
-    <p:sldId id="689" r:id="rId8"/>
-    <p:sldId id="608" r:id="rId9"/>
-    <p:sldId id="685" r:id="rId10"/>
-    <p:sldId id="686" r:id="rId11"/>
-    <p:sldId id="687" r:id="rId12"/>
-    <p:sldId id="692" r:id="rId13"/>
-    <p:sldId id="690" r:id="rId14"/>
+    <p:sldId id="693" r:id="rId6"/>
+    <p:sldId id="694" r:id="rId7"/>
+    <p:sldId id="684" r:id="rId8"/>
+    <p:sldId id="691" r:id="rId9"/>
+    <p:sldId id="689" r:id="rId10"/>
+    <p:sldId id="608" r:id="rId11"/>
+    <p:sldId id="685" r:id="rId12"/>
+    <p:sldId id="686" r:id="rId13"/>
+    <p:sldId id="687" r:id="rId14"/>
+    <p:sldId id="692" r:id="rId15"/>
+    <p:sldId id="690" r:id="rId16"/>
   </p:sldIdLst>
   <p:sldSz cx="12192000" cy="6858000"/>
   <p:notesSz cx="7315200" cy="9601200"/>
   <p:custDataLst>
-    <p:tags r:id="rId17"/>
+    <p:tags r:id="rId19"/>
   </p:custDataLst>
   <p:defaultTextStyle>
     <a:defPPr>
@@ -1046,6 +1048,96 @@
 </p:notes>
 </file>
 
+<file path=ppt/notesSlides/notesSlide10.xml><?xml version="1.0" encoding="utf-8"?>
+<p:notes xmlns:a="http://schemas.openxmlformats.org/drawingml/2006/main" xmlns:r="http://schemas.openxmlformats.org/officeDocument/2006/relationships" xmlns:p="http://schemas.openxmlformats.org/presentationml/2006/main">
+  <p:cSld>
+    <p:spTree>
+      <p:nvGrpSpPr>
+        <p:cNvPr id="1" name=""/>
+        <p:cNvGrpSpPr/>
+        <p:nvPr/>
+      </p:nvGrpSpPr>
+      <p:grpSpPr>
+        <a:xfrm>
+          <a:off x="0" y="0"/>
+          <a:ext cx="0" cy="0"/>
+          <a:chOff x="0" y="0"/>
+          <a:chExt cx="0" cy="0"/>
+        </a:xfrm>
+      </p:grpSpPr>
+      <p:sp>
+        <p:nvSpPr>
+          <p:cNvPr id="2" name="Slide Image Placeholder 1"/>
+          <p:cNvSpPr>
+            <a:spLocks noGrp="1" noRot="1" noChangeAspect="1"/>
+          </p:cNvSpPr>
+          <p:nvPr>
+            <p:ph type="sldImg"/>
+          </p:nvPr>
+        </p:nvSpPr>
+        <p:spPr/>
+      </p:sp>
+      <p:sp>
+        <p:nvSpPr>
+          <p:cNvPr id="3" name="Notes Placeholder 2"/>
+          <p:cNvSpPr>
+            <a:spLocks noGrp="1"/>
+          </p:cNvSpPr>
+          <p:nvPr>
+            <p:ph type="body" idx="1"/>
+          </p:nvPr>
+        </p:nvSpPr>
+        <p:spPr/>
+        <p:txBody>
+          <a:bodyPr/>
+          <a:lstStyle/>
+          <a:p>
+            <a:endParaRPr lang="en-ZA" dirty="0"/>
+          </a:p>
+        </p:txBody>
+      </p:sp>
+      <p:sp>
+        <p:nvSpPr>
+          <p:cNvPr id="4" name="Slide Number Placeholder 3"/>
+          <p:cNvSpPr>
+            <a:spLocks noGrp="1"/>
+          </p:cNvSpPr>
+          <p:nvPr>
+            <p:ph type="sldNum" sz="quarter" idx="10"/>
+          </p:nvPr>
+        </p:nvSpPr>
+        <p:spPr/>
+        <p:txBody>
+          <a:bodyPr/>
+          <a:lstStyle/>
+          <a:p>
+            <a:pPr>
+              <a:defRPr/>
+            </a:pPr>
+            <a:fld id="{2AABE78A-E99E-4C1C-B170-1B5F1DA6AE54}" type="slidenum">
+              <a:rPr lang="en-US" smtClean="0"/>
+              <a:pPr>
+                <a:defRPr/>
+              </a:pPr>
+              <a:t>13</a:t>
+            </a:fld>
+            <a:endParaRPr lang="en-US" dirty="0"/>
+          </a:p>
+        </p:txBody>
+      </p:sp>
+    </p:spTree>
+    <p:extLst>
+      <p:ext uri="{BB962C8B-B14F-4D97-AF65-F5344CB8AC3E}">
+        <p14:creationId xmlns:p14="http://schemas.microsoft.com/office/powerpoint/2010/main" val="3683827040"/>
+      </p:ext>
+    </p:extLst>
+  </p:cSld>
+  <p:clrMapOvr>
+    <a:masterClrMapping/>
+  </p:clrMapOvr>
+</p:notes>
+</file>
+
 <file path=ppt/notesSlides/notesSlide2.xml><?xml version="1.0" encoding="utf-8"?>
 <p:notes xmlns:a="http://schemas.openxmlformats.org/drawingml/2006/main" xmlns:r="http://schemas.openxmlformats.org/officeDocument/2006/relationships" xmlns:p="http://schemas.openxmlformats.org/presentationml/2006/main">
   <p:cSld>
@@ -1288,7 +1380,7 @@
     </p:spTree>
     <p:extLst>
       <p:ext uri="{BB962C8B-B14F-4D97-AF65-F5344CB8AC3E}">
-        <p14:creationId xmlns:p14="http://schemas.microsoft.com/office/powerpoint/2010/main" val="3325893607"/>
+        <p14:creationId xmlns:p14="http://schemas.microsoft.com/office/powerpoint/2010/main" val="3775522191"/>
       </p:ext>
     </p:extLst>
   </p:cSld>
@@ -1361,24 +1453,18 @@
           <a:bodyPr/>
           <a:lstStyle/>
           <a:p>
-            <a:pPr>
-              <a:defRPr/>
-            </a:pPr>
-            <a:fld id="{2AABE78A-E99E-4C1C-B170-1B5F1DA6AE54}" type="slidenum">
-              <a:rPr lang="en-US" smtClean="0"/>
-              <a:pPr>
-                <a:defRPr/>
-              </a:pPr>
-              <a:t>7</a:t>
+            <a:fld id="{982E9B84-8511-4C65-8C4E-AEEF8A329A74}" type="slidenum">
+              <a:rPr lang="en-ZA" smtClean="0"/>
+              <a:t>6</a:t>
             </a:fld>
-            <a:endParaRPr lang="en-US" dirty="0"/>
+            <a:endParaRPr lang="en-ZA"/>
           </a:p>
         </p:txBody>
       </p:sp>
     </p:spTree>
     <p:extLst>
       <p:ext uri="{BB962C8B-B14F-4D97-AF65-F5344CB8AC3E}">
-        <p14:creationId xmlns:p14="http://schemas.microsoft.com/office/powerpoint/2010/main" val="4098089469"/>
+        <p14:creationId xmlns:p14="http://schemas.microsoft.com/office/powerpoint/2010/main" val="2334355648"/>
       </p:ext>
     </p:extLst>
   </p:cSld>
@@ -1415,12 +1501,7 @@
             <p:ph type="sldImg"/>
           </p:nvPr>
         </p:nvSpPr>
-        <p:spPr>
-          <a:xfrm>
-            <a:off x="469900" y="717550"/>
-            <a:ext cx="6375400" cy="3586163"/>
-          </a:xfrm>
-        </p:spPr>
+        <p:spPr/>
       </p:sp>
       <p:sp>
         <p:nvSpPr>
@@ -1434,9 +1515,7 @@
         </p:nvSpPr>
         <p:spPr/>
         <p:txBody>
-          <a:bodyPr>
-            <a:normAutofit/>
-          </a:bodyPr>
+          <a:bodyPr/>
           <a:lstStyle/>
           <a:p>
             <a:endParaRPr lang="en-ZA" dirty="0"/>
@@ -1458,10 +1537,9 @@
           <a:bodyPr/>
           <a:lstStyle/>
           <a:p>
-            <a:fld id="{8FB65BEE-96AF-45B2-8292-13A3CB745DD0}" type="slidenum">
+            <a:fld id="{982E9B84-8511-4C65-8C4E-AEEF8A329A74}" type="slidenum">
               <a:rPr lang="en-ZA" smtClean="0"/>
-              <a:pPr/>
-              <a:t>8</a:t>
+              <a:t>7</a:t>
             </a:fld>
             <a:endParaRPr lang="en-ZA"/>
           </a:p>
@@ -1470,7 +1548,7 @@
     </p:spTree>
     <p:extLst>
       <p:ext uri="{BB962C8B-B14F-4D97-AF65-F5344CB8AC3E}">
-        <p14:creationId xmlns:p14="http://schemas.microsoft.com/office/powerpoint/2010/main" val="569524390"/>
+        <p14:creationId xmlns:p14="http://schemas.microsoft.com/office/powerpoint/2010/main" val="3325893607"/>
       </p:ext>
     </p:extLst>
   </p:cSld>
@@ -1551,7 +1629,7 @@
               <a:pPr>
                 <a:defRPr/>
               </a:pPr>
-              <a:t>10</a:t>
+              <a:t>9</a:t>
             </a:fld>
             <a:endParaRPr lang="en-US" dirty="0"/>
           </a:p>
@@ -1560,7 +1638,7 @@
     </p:spTree>
     <p:extLst>
       <p:ext uri="{BB962C8B-B14F-4D97-AF65-F5344CB8AC3E}">
-        <p14:creationId xmlns:p14="http://schemas.microsoft.com/office/powerpoint/2010/main" val="503715633"/>
+        <p14:creationId xmlns:p14="http://schemas.microsoft.com/office/powerpoint/2010/main" val="4098089469"/>
       </p:ext>
     </p:extLst>
   </p:cSld>
@@ -1597,6 +1675,98 @@
             <p:ph type="sldImg"/>
           </p:nvPr>
         </p:nvSpPr>
+        <p:spPr>
+          <a:xfrm>
+            <a:off x="469900" y="717550"/>
+            <a:ext cx="6375400" cy="3586163"/>
+          </a:xfrm>
+        </p:spPr>
+      </p:sp>
+      <p:sp>
+        <p:nvSpPr>
+          <p:cNvPr id="3" name="Notes Placeholder 2"/>
+          <p:cNvSpPr>
+            <a:spLocks noGrp="1"/>
+          </p:cNvSpPr>
+          <p:nvPr>
+            <p:ph type="body" idx="1"/>
+          </p:nvPr>
+        </p:nvSpPr>
+        <p:spPr/>
+        <p:txBody>
+          <a:bodyPr>
+            <a:normAutofit/>
+          </a:bodyPr>
+          <a:lstStyle/>
+          <a:p>
+            <a:endParaRPr lang="en-ZA" dirty="0"/>
+          </a:p>
+        </p:txBody>
+      </p:sp>
+      <p:sp>
+        <p:nvSpPr>
+          <p:cNvPr id="4" name="Slide Number Placeholder 3"/>
+          <p:cNvSpPr>
+            <a:spLocks noGrp="1"/>
+          </p:cNvSpPr>
+          <p:nvPr>
+            <p:ph type="sldNum" sz="quarter" idx="10"/>
+          </p:nvPr>
+        </p:nvSpPr>
+        <p:spPr/>
+        <p:txBody>
+          <a:bodyPr/>
+          <a:lstStyle/>
+          <a:p>
+            <a:fld id="{8FB65BEE-96AF-45B2-8292-13A3CB745DD0}" type="slidenum">
+              <a:rPr lang="en-ZA" smtClean="0"/>
+              <a:pPr/>
+              <a:t>10</a:t>
+            </a:fld>
+            <a:endParaRPr lang="en-ZA"/>
+          </a:p>
+        </p:txBody>
+      </p:sp>
+    </p:spTree>
+    <p:extLst>
+      <p:ext uri="{BB962C8B-B14F-4D97-AF65-F5344CB8AC3E}">
+        <p14:creationId xmlns:p14="http://schemas.microsoft.com/office/powerpoint/2010/main" val="569524390"/>
+      </p:ext>
+    </p:extLst>
+  </p:cSld>
+  <p:clrMapOvr>
+    <a:masterClrMapping/>
+  </p:clrMapOvr>
+</p:notes>
+</file>
+
+<file path=ppt/notesSlides/notesSlide9.xml><?xml version="1.0" encoding="utf-8"?>
+<p:notes xmlns:a="http://schemas.openxmlformats.org/drawingml/2006/main" xmlns:r="http://schemas.openxmlformats.org/officeDocument/2006/relationships" xmlns:p="http://schemas.openxmlformats.org/presentationml/2006/main">
+  <p:cSld>
+    <p:spTree>
+      <p:nvGrpSpPr>
+        <p:cNvPr id="1" name=""/>
+        <p:cNvGrpSpPr/>
+        <p:nvPr/>
+      </p:nvGrpSpPr>
+      <p:grpSpPr>
+        <a:xfrm>
+          <a:off x="0" y="0"/>
+          <a:ext cx="0" cy="0"/>
+          <a:chOff x="0" y="0"/>
+          <a:chExt cx="0" cy="0"/>
+        </a:xfrm>
+      </p:grpSpPr>
+      <p:sp>
+        <p:nvSpPr>
+          <p:cNvPr id="2" name="Slide Image Placeholder 1"/>
+          <p:cNvSpPr>
+            <a:spLocks noGrp="1" noRot="1" noChangeAspect="1"/>
+          </p:cNvSpPr>
+          <p:nvPr>
+            <p:ph type="sldImg"/>
+          </p:nvPr>
+        </p:nvSpPr>
         <p:spPr/>
       </p:sp>
       <p:sp>
@@ -1641,7 +1811,7 @@
               <a:pPr>
                 <a:defRPr/>
               </a:pPr>
-              <a:t>11</a:t>
+              <a:t>12</a:t>
             </a:fld>
             <a:endParaRPr lang="en-US" dirty="0"/>
           </a:p>
@@ -1650,7 +1820,7 @@
     </p:spTree>
     <p:extLst>
       <p:ext uri="{BB962C8B-B14F-4D97-AF65-F5344CB8AC3E}">
-        <p14:creationId xmlns:p14="http://schemas.microsoft.com/office/powerpoint/2010/main" val="3683827040"/>
+        <p14:creationId xmlns:p14="http://schemas.microsoft.com/office/powerpoint/2010/main" val="503715633"/>
       </p:ext>
     </p:extLst>
   </p:cSld>
@@ -5112,6 +5282,1550 @@
           <a:chExt cx="0" cy="0"/>
         </a:xfrm>
       </p:grpSpPr>
+      <p:pic>
+        <p:nvPicPr>
+          <p:cNvPr id="1028" name="Picture 4" descr="https://www.mindef.gov.sg/content/imindef/publications/pointer/journals/2008/v34n1/tech_edge/_jcr_content/imindefPars/0012/image.img.png">
+            <a:extLst>
+              <a:ext uri="{FF2B5EF4-FFF2-40B4-BE49-F238E27FC236}">
+                <a16:creationId xmlns:a16="http://schemas.microsoft.com/office/drawing/2014/main" id="{CD278694-F2BF-487F-A406-3695C77FD00C}"/>
+              </a:ext>
+            </a:extLst>
+          </p:cNvPr>
+          <p:cNvPicPr>
+            <a:picLocks noChangeAspect="1" noChangeArrowheads="1"/>
+          </p:cNvPicPr>
+          <p:nvPr/>
+        </p:nvPicPr>
+        <p:blipFill>
+          <a:blip r:embed="rId3">
+            <a:extLst>
+              <a:ext uri="{28A0092B-C50C-407E-A947-70E740481C1C}">
+                <a14:useLocalDpi xmlns:a14="http://schemas.microsoft.com/office/drawing/2010/main" val="0"/>
+              </a:ext>
+            </a:extLst>
+          </a:blip>
+          <a:srcRect/>
+          <a:stretch>
+            <a:fillRect/>
+          </a:stretch>
+        </p:blipFill>
+        <p:spPr bwMode="auto">
+          <a:xfrm>
+            <a:off x="7843553" y="2881836"/>
+            <a:ext cx="3219555" cy="2325655"/>
+          </a:xfrm>
+          <a:prstGeom prst="rect">
+            <a:avLst/>
+          </a:prstGeom>
+          <a:noFill/>
+          <a:extLst>
+            <a:ext uri="{909E8E84-426E-40DD-AFC4-6F175D3DCCD1}">
+              <a14:hiddenFill xmlns:a14="http://schemas.microsoft.com/office/drawing/2010/main">
+                <a:solidFill>
+                  <a:srgbClr val="FFFFFF"/>
+                </a:solidFill>
+              </a14:hiddenFill>
+            </a:ext>
+          </a:extLst>
+        </p:spPr>
+      </p:pic>
+      <p:pic>
+        <p:nvPicPr>
+          <p:cNvPr id="37" name="Picture 36">
+            <a:extLst>
+              <a:ext uri="{FF2B5EF4-FFF2-40B4-BE49-F238E27FC236}">
+                <a16:creationId xmlns:a16="http://schemas.microsoft.com/office/drawing/2014/main" id="{D45EB7C5-48C4-4711-8A31-AF06944136BA}"/>
+              </a:ext>
+            </a:extLst>
+          </p:cNvPr>
+          <p:cNvPicPr>
+            <a:picLocks noChangeAspect="1"/>
+          </p:cNvPicPr>
+          <p:nvPr/>
+        </p:nvPicPr>
+        <p:blipFill rotWithShape="1">
+          <a:blip r:embed="rId4" cstate="print">
+            <a:extLst>
+              <a:ext uri="{28A0092B-C50C-407E-A947-70E740481C1C}">
+                <a14:useLocalDpi xmlns:a14="http://schemas.microsoft.com/office/drawing/2010/main" val="0"/>
+              </a:ext>
+            </a:extLst>
+          </a:blip>
+          <a:srcRect l="1903" t="2281" b="-991"/>
+          <a:stretch/>
+        </p:blipFill>
+        <p:spPr>
+          <a:xfrm>
+            <a:off x="2951463" y="1892445"/>
+            <a:ext cx="3369816" cy="4752191"/>
+          </a:xfrm>
+          <a:prstGeom prst="rect">
+            <a:avLst/>
+          </a:prstGeom>
+        </p:spPr>
+      </p:pic>
+      <p:sp>
+        <p:nvSpPr>
+          <p:cNvPr id="2" name="Title 1"/>
+          <p:cNvSpPr>
+            <a:spLocks noGrp="1"/>
+          </p:cNvSpPr>
+          <p:nvPr>
+            <p:ph type="title"/>
+          </p:nvPr>
+        </p:nvSpPr>
+        <p:spPr/>
+        <p:txBody>
+          <a:bodyPr/>
+          <a:lstStyle/>
+          <a:p>
+            <a:r>
+              <a:rPr lang="en-US" dirty="0"/>
+              <a:t>Image Processing</a:t>
+            </a:r>
+            <a:endParaRPr lang="en-ZA" dirty="0"/>
+          </a:p>
+        </p:txBody>
+      </p:sp>
+      <p:sp>
+        <p:nvSpPr>
+          <p:cNvPr id="3" name="Content Placeholder 2"/>
+          <p:cNvSpPr>
+            <a:spLocks noGrp="1"/>
+          </p:cNvSpPr>
+          <p:nvPr>
+            <p:ph idx="1"/>
+          </p:nvPr>
+        </p:nvSpPr>
+        <p:spPr/>
+        <p:txBody>
+          <a:bodyPr/>
+          <a:lstStyle/>
+          <a:p>
+            <a:r>
+              <a:rPr lang="en-ZA" kern="1200" dirty="0">
+                <a:effectLst>
+                  <a:outerShdw blurRad="38100" dist="38100" dir="2700000" algn="tl">
+                    <a:srgbClr val="000000">
+                      <a:alpha val="43137"/>
+                    </a:srgbClr>
+                  </a:outerShdw>
+                </a:effectLst>
+                <a:latin typeface="Times New Roman" pitchFamily="18" charset="0"/>
+              </a:rPr>
+              <a:t> </a:t>
+            </a:r>
+            <a:r>
+              <a:rPr lang="en-ZA" kern="1200" dirty="0">
+                <a:latin typeface="Times New Roman" pitchFamily="18" charset="0"/>
+              </a:rPr>
+              <a:t>First step is to find the orientation of the template</a:t>
+            </a:r>
+          </a:p>
+          <a:p>
+            <a:endParaRPr lang="en-ZA" kern="1200" dirty="0">
+              <a:effectLst>
+                <a:outerShdw blurRad="38100" dist="38100" dir="2700000" algn="tl">
+                  <a:srgbClr val="000000">
+                    <a:alpha val="43137"/>
+                  </a:srgbClr>
+                </a:outerShdw>
+              </a:effectLst>
+              <a:latin typeface="Times New Roman" pitchFamily="18" charset="0"/>
+            </a:endParaRPr>
+          </a:p>
+        </p:txBody>
+      </p:sp>
+      <p:sp>
+        <p:nvSpPr>
+          <p:cNvPr id="4" name="Slide Number Placeholder 3"/>
+          <p:cNvSpPr>
+            <a:spLocks noGrp="1"/>
+          </p:cNvSpPr>
+          <p:nvPr>
+            <p:ph type="sldNum" sz="quarter" idx="10"/>
+          </p:nvPr>
+        </p:nvSpPr>
+        <p:spPr>
+          <a:xfrm>
+            <a:off x="609600" y="6405560"/>
+            <a:ext cx="2540000" cy="457200"/>
+          </a:xfrm>
+        </p:spPr>
+        <p:txBody>
+          <a:bodyPr/>
+          <a:lstStyle/>
+          <a:p>
+            <a:fld id="{E1C8B3A6-3C3C-4C3A-840C-7024069E8318}" type="slidenum">
+              <a:rPr lang="en-ZA" smtClean="0"/>
+              <a:pPr/>
+              <a:t>10</a:t>
+            </a:fld>
+            <a:endParaRPr lang="en-ZA"/>
+          </a:p>
+        </p:txBody>
+      </p:sp>
+      <p:pic>
+        <p:nvPicPr>
+          <p:cNvPr id="6" name="Picture 5">
+            <a:extLst>
+              <a:ext uri="{FF2B5EF4-FFF2-40B4-BE49-F238E27FC236}">
+                <a16:creationId xmlns:a16="http://schemas.microsoft.com/office/drawing/2014/main" id="{DFC384C2-16DC-4529-A0A3-CA807AC56920}"/>
+              </a:ext>
+            </a:extLst>
+          </p:cNvPr>
+          <p:cNvPicPr>
+            <a:picLocks noChangeAspect="1"/>
+          </p:cNvPicPr>
+          <p:nvPr/>
+        </p:nvPicPr>
+        <p:blipFill rotWithShape="1">
+          <a:blip r:embed="rId5">
+            <a:extLst>
+              <a:ext uri="{28A0092B-C50C-407E-A947-70E740481C1C}">
+                <a14:useLocalDpi xmlns:a14="http://schemas.microsoft.com/office/drawing/2010/main" val="0"/>
+              </a:ext>
+            </a:extLst>
+          </a:blip>
+          <a:srcRect l="5516" t="3740" r="5341" b="1698"/>
+          <a:stretch/>
+        </p:blipFill>
+        <p:spPr>
+          <a:xfrm>
+            <a:off x="7682148" y="1883502"/>
+            <a:ext cx="3542366" cy="4522058"/>
+          </a:xfrm>
+          <a:prstGeom prst="rect">
+            <a:avLst/>
+          </a:prstGeom>
+        </p:spPr>
+      </p:pic>
+      <p:cxnSp>
+        <p:nvCxnSpPr>
+          <p:cNvPr id="12" name="Straight Connector 11">
+            <a:extLst>
+              <a:ext uri="{FF2B5EF4-FFF2-40B4-BE49-F238E27FC236}">
+                <a16:creationId xmlns:a16="http://schemas.microsoft.com/office/drawing/2014/main" id="{C6FC822A-662A-4084-A947-4E9162C36ED5}"/>
+              </a:ext>
+            </a:extLst>
+          </p:cNvPr>
+          <p:cNvCxnSpPr>
+            <a:cxnSpLocks/>
+          </p:cNvCxnSpPr>
+          <p:nvPr/>
+        </p:nvCxnSpPr>
+        <p:spPr bwMode="auto">
+          <a:xfrm>
+            <a:off x="2889250" y="3378829"/>
+            <a:ext cx="3333325" cy="24767"/>
+          </a:xfrm>
+          <a:prstGeom prst="line">
+            <a:avLst/>
+          </a:prstGeom>
+          <a:solidFill>
+            <a:schemeClr val="accent1"/>
+          </a:solidFill>
+          <a:ln w="12700" cap="sq" cmpd="sng" algn="ctr">
+            <a:solidFill>
+              <a:srgbClr val="0070C0"/>
+            </a:solidFill>
+            <a:prstDash val="solid"/>
+            <a:round/>
+            <a:headEnd type="none" w="sm" len="sm"/>
+            <a:tailEnd type="none" w="sm" len="sm"/>
+          </a:ln>
+          <a:effectLst/>
+        </p:spPr>
+      </p:cxnSp>
+      <p:cxnSp>
+        <p:nvCxnSpPr>
+          <p:cNvPr id="17" name="Straight Connector 16">
+            <a:extLst>
+              <a:ext uri="{FF2B5EF4-FFF2-40B4-BE49-F238E27FC236}">
+                <a16:creationId xmlns:a16="http://schemas.microsoft.com/office/drawing/2014/main" id="{64E4A50E-D785-4CD3-BA37-490A4571AE1A}"/>
+              </a:ext>
+            </a:extLst>
+          </p:cNvPr>
+          <p:cNvCxnSpPr>
+            <a:cxnSpLocks/>
+          </p:cNvCxnSpPr>
+          <p:nvPr/>
+        </p:nvCxnSpPr>
+        <p:spPr bwMode="auto">
+          <a:xfrm flipH="1">
+            <a:off x="4624915" y="2095496"/>
+            <a:ext cx="26460" cy="4381500"/>
+          </a:xfrm>
+          <a:prstGeom prst="line">
+            <a:avLst/>
+          </a:prstGeom>
+          <a:solidFill>
+            <a:schemeClr val="accent1"/>
+          </a:solidFill>
+          <a:ln w="12700" cap="sq" cmpd="sng" algn="ctr">
+            <a:solidFill>
+              <a:srgbClr val="92D050"/>
+            </a:solidFill>
+            <a:prstDash val="solid"/>
+            <a:round/>
+            <a:headEnd type="none" w="sm" len="sm"/>
+            <a:tailEnd type="none" w="sm" len="sm"/>
+          </a:ln>
+          <a:effectLst/>
+        </p:spPr>
+      </p:cxnSp>
+      <p:sp>
+        <p:nvSpPr>
+          <p:cNvPr id="18" name="Oval 17">
+            <a:extLst>
+              <a:ext uri="{FF2B5EF4-FFF2-40B4-BE49-F238E27FC236}">
+                <a16:creationId xmlns:a16="http://schemas.microsoft.com/office/drawing/2014/main" id="{6371A327-D392-41F0-AE8F-822862290DC0}"/>
+              </a:ext>
+            </a:extLst>
+          </p:cNvPr>
+          <p:cNvSpPr/>
+          <p:nvPr/>
+        </p:nvSpPr>
+        <p:spPr bwMode="auto">
+          <a:xfrm>
+            <a:off x="4621740" y="3372479"/>
+            <a:ext cx="45719" cy="45719"/>
+          </a:xfrm>
+          <a:prstGeom prst="ellipse">
+            <a:avLst/>
+          </a:prstGeom>
+          <a:solidFill>
+            <a:srgbClr val="FF0000"/>
+          </a:solidFill>
+          <a:ln w="12700" cap="sq" cmpd="sng" algn="ctr">
+            <a:solidFill>
+              <a:srgbClr val="FF0000"/>
+            </a:solidFill>
+            <a:prstDash val="solid"/>
+            <a:round/>
+            <a:headEnd type="none" w="sm" len="sm"/>
+            <a:tailEnd type="none" w="sm" len="sm"/>
+          </a:ln>
+          <a:effectLst/>
+        </p:spPr>
+        <p:txBody>
+          <a:bodyPr vert="horz" wrap="square" lIns="91440" tIns="45720" rIns="91440" bIns="45720" numCol="1" rtlCol="0" anchor="t" anchorCtr="0" compatLnSpc="1">
+            <a:prstTxWarp prst="textNoShape">
+              <a:avLst/>
+            </a:prstTxWarp>
+          </a:bodyPr>
+          <a:lstStyle/>
+          <a:p>
+            <a:pPr marL="0" marR="0" indent="0" algn="l" defTabSz="914400" rtl="0" eaLnBrk="1" fontAlgn="base" latinLnBrk="0" hangingPunct="1">
+              <a:lnSpc>
+                <a:spcPct val="100000"/>
+              </a:lnSpc>
+              <a:spcBef>
+                <a:spcPct val="0"/>
+              </a:spcBef>
+              <a:spcAft>
+                <a:spcPct val="0"/>
+              </a:spcAft>
+              <a:buClrTx/>
+              <a:buSzTx/>
+              <a:buFontTx/>
+              <a:buNone/>
+              <a:tabLst/>
+            </a:pPr>
+            <a:endParaRPr kumimoji="0" lang="en-ZA" sz="2400" b="0" i="0" u="none" strike="noStrike" cap="none" normalizeH="0" baseline="0">
+              <a:ln>
+                <a:noFill/>
+              </a:ln>
+              <a:solidFill>
+                <a:schemeClr val="tx1"/>
+              </a:solidFill>
+              <a:effectLst/>
+              <a:latin typeface="Times New Roman" pitchFamily="18" charset="0"/>
+            </a:endParaRPr>
+          </a:p>
+        </p:txBody>
+      </p:sp>
+      <p:cxnSp>
+        <p:nvCxnSpPr>
+          <p:cNvPr id="34" name="Straight Connector 33">
+            <a:extLst>
+              <a:ext uri="{FF2B5EF4-FFF2-40B4-BE49-F238E27FC236}">
+                <a16:creationId xmlns:a16="http://schemas.microsoft.com/office/drawing/2014/main" id="{09753472-D731-48D2-8F2E-86B6DD44869A}"/>
+              </a:ext>
+            </a:extLst>
+          </p:cNvPr>
+          <p:cNvCxnSpPr>
+            <a:cxnSpLocks/>
+          </p:cNvCxnSpPr>
+          <p:nvPr/>
+        </p:nvCxnSpPr>
+        <p:spPr bwMode="auto">
+          <a:xfrm flipH="1">
+            <a:off x="3234411" y="2095496"/>
+            <a:ext cx="26460" cy="4381500"/>
+          </a:xfrm>
+          <a:prstGeom prst="line">
+            <a:avLst/>
+          </a:prstGeom>
+          <a:solidFill>
+            <a:schemeClr val="accent1"/>
+          </a:solidFill>
+          <a:ln w="12700" cap="sq" cmpd="sng" algn="ctr">
+            <a:solidFill>
+              <a:srgbClr val="92D050"/>
+            </a:solidFill>
+            <a:prstDash val="solid"/>
+            <a:round/>
+            <a:headEnd type="none" w="sm" len="sm"/>
+            <a:tailEnd type="none" w="sm" len="sm"/>
+          </a:ln>
+          <a:effectLst/>
+        </p:spPr>
+      </p:cxnSp>
+      <p:sp>
+        <p:nvSpPr>
+          <p:cNvPr id="21" name="Oval 20">
+            <a:extLst>
+              <a:ext uri="{FF2B5EF4-FFF2-40B4-BE49-F238E27FC236}">
+                <a16:creationId xmlns:a16="http://schemas.microsoft.com/office/drawing/2014/main" id="{A8A0CF91-A2BD-4B73-BBC7-A37F6D62ED3D}"/>
+              </a:ext>
+            </a:extLst>
+          </p:cNvPr>
+          <p:cNvSpPr/>
+          <p:nvPr/>
+        </p:nvSpPr>
+        <p:spPr bwMode="auto">
+          <a:xfrm>
+            <a:off x="3231090" y="3355969"/>
+            <a:ext cx="45719" cy="45719"/>
+          </a:xfrm>
+          <a:prstGeom prst="ellipse">
+            <a:avLst/>
+          </a:prstGeom>
+          <a:solidFill>
+            <a:srgbClr val="FF0000"/>
+          </a:solidFill>
+          <a:ln w="12700" cap="sq" cmpd="sng" algn="ctr">
+            <a:solidFill>
+              <a:srgbClr val="FF0000"/>
+            </a:solidFill>
+            <a:prstDash val="solid"/>
+            <a:round/>
+            <a:headEnd type="none" w="sm" len="sm"/>
+            <a:tailEnd type="none" w="sm" len="sm"/>
+          </a:ln>
+          <a:effectLst/>
+        </p:spPr>
+        <p:txBody>
+          <a:bodyPr vert="horz" wrap="square" lIns="91440" tIns="45720" rIns="91440" bIns="45720" numCol="1" rtlCol="0" anchor="t" anchorCtr="0" compatLnSpc="1">
+            <a:prstTxWarp prst="textNoShape">
+              <a:avLst/>
+            </a:prstTxWarp>
+          </a:bodyPr>
+          <a:lstStyle/>
+          <a:p>
+            <a:pPr marL="0" marR="0" indent="0" algn="l" defTabSz="914400" rtl="0" eaLnBrk="1" fontAlgn="base" latinLnBrk="0" hangingPunct="1">
+              <a:lnSpc>
+                <a:spcPct val="100000"/>
+              </a:lnSpc>
+              <a:spcBef>
+                <a:spcPct val="0"/>
+              </a:spcBef>
+              <a:spcAft>
+                <a:spcPct val="0"/>
+              </a:spcAft>
+              <a:buClrTx/>
+              <a:buSzTx/>
+              <a:buFontTx/>
+              <a:buNone/>
+              <a:tabLst/>
+            </a:pPr>
+            <a:endParaRPr kumimoji="0" lang="en-ZA" sz="2400" b="0" i="0" u="none" strike="noStrike" cap="none" normalizeH="0" baseline="0">
+              <a:ln>
+                <a:noFill/>
+              </a:ln>
+              <a:solidFill>
+                <a:schemeClr val="tx1"/>
+              </a:solidFill>
+              <a:effectLst/>
+              <a:latin typeface="Times New Roman" pitchFamily="18" charset="0"/>
+            </a:endParaRPr>
+          </a:p>
+        </p:txBody>
+      </p:sp>
+      <p:cxnSp>
+        <p:nvCxnSpPr>
+          <p:cNvPr id="41" name="Straight Connector 40">
+            <a:extLst>
+              <a:ext uri="{FF2B5EF4-FFF2-40B4-BE49-F238E27FC236}">
+                <a16:creationId xmlns:a16="http://schemas.microsoft.com/office/drawing/2014/main" id="{EE7DA128-A2FA-4978-8AAD-C8A19C490643}"/>
+              </a:ext>
+            </a:extLst>
+          </p:cNvPr>
+          <p:cNvCxnSpPr>
+            <a:cxnSpLocks/>
+          </p:cNvCxnSpPr>
+          <p:nvPr/>
+        </p:nvCxnSpPr>
+        <p:spPr bwMode="auto">
+          <a:xfrm>
+            <a:off x="2889249" y="6379261"/>
+            <a:ext cx="3286126" cy="12384"/>
+          </a:xfrm>
+          <a:prstGeom prst="line">
+            <a:avLst/>
+          </a:prstGeom>
+          <a:solidFill>
+            <a:schemeClr val="accent1"/>
+          </a:solidFill>
+          <a:ln w="12700" cap="sq" cmpd="sng" algn="ctr">
+            <a:solidFill>
+              <a:srgbClr val="0070C0"/>
+            </a:solidFill>
+            <a:prstDash val="solid"/>
+            <a:round/>
+            <a:headEnd type="none" w="sm" len="sm"/>
+            <a:tailEnd type="none" w="sm" len="sm"/>
+          </a:ln>
+          <a:effectLst/>
+        </p:spPr>
+      </p:cxnSp>
+      <p:sp>
+        <p:nvSpPr>
+          <p:cNvPr id="31" name="Oval 30">
+            <a:extLst>
+              <a:ext uri="{FF2B5EF4-FFF2-40B4-BE49-F238E27FC236}">
+                <a16:creationId xmlns:a16="http://schemas.microsoft.com/office/drawing/2014/main" id="{1B85BCC7-7CC6-44AC-A223-20EB37983A08}"/>
+              </a:ext>
+            </a:extLst>
+          </p:cNvPr>
+          <p:cNvSpPr/>
+          <p:nvPr/>
+        </p:nvSpPr>
+        <p:spPr bwMode="auto">
+          <a:xfrm>
+            <a:off x="3209818" y="6360055"/>
+            <a:ext cx="45719" cy="45719"/>
+          </a:xfrm>
+          <a:prstGeom prst="ellipse">
+            <a:avLst/>
+          </a:prstGeom>
+          <a:solidFill>
+            <a:srgbClr val="FF0000"/>
+          </a:solidFill>
+          <a:ln w="12700" cap="sq" cmpd="sng" algn="ctr">
+            <a:solidFill>
+              <a:srgbClr val="FF0000"/>
+            </a:solidFill>
+            <a:prstDash val="solid"/>
+            <a:round/>
+            <a:headEnd type="none" w="sm" len="sm"/>
+            <a:tailEnd type="none" w="sm" len="sm"/>
+          </a:ln>
+          <a:effectLst/>
+        </p:spPr>
+        <p:txBody>
+          <a:bodyPr vert="horz" wrap="square" lIns="91440" tIns="45720" rIns="91440" bIns="45720" numCol="1" rtlCol="0" anchor="t" anchorCtr="0" compatLnSpc="1">
+            <a:prstTxWarp prst="textNoShape">
+              <a:avLst/>
+            </a:prstTxWarp>
+          </a:bodyPr>
+          <a:lstStyle/>
+          <a:p>
+            <a:pPr marL="0" marR="0" indent="0" algn="l" defTabSz="914400" rtl="0" eaLnBrk="1" fontAlgn="base" latinLnBrk="0" hangingPunct="1">
+              <a:lnSpc>
+                <a:spcPct val="100000"/>
+              </a:lnSpc>
+              <a:spcBef>
+                <a:spcPct val="0"/>
+              </a:spcBef>
+              <a:spcAft>
+                <a:spcPct val="0"/>
+              </a:spcAft>
+              <a:buClrTx/>
+              <a:buSzTx/>
+              <a:buFontTx/>
+              <a:buNone/>
+              <a:tabLst/>
+            </a:pPr>
+            <a:endParaRPr kumimoji="0" lang="en-ZA" sz="2400" b="0" i="0" u="none" strike="noStrike" cap="none" normalizeH="0" baseline="0">
+              <a:ln>
+                <a:noFill/>
+              </a:ln>
+              <a:solidFill>
+                <a:schemeClr val="tx1"/>
+              </a:solidFill>
+              <a:effectLst/>
+              <a:latin typeface="Times New Roman" pitchFamily="18" charset="0"/>
+            </a:endParaRPr>
+          </a:p>
+        </p:txBody>
+      </p:sp>
+      <p:sp>
+        <p:nvSpPr>
+          <p:cNvPr id="22" name="Oval 21">
+            <a:extLst>
+              <a:ext uri="{FF2B5EF4-FFF2-40B4-BE49-F238E27FC236}">
+                <a16:creationId xmlns:a16="http://schemas.microsoft.com/office/drawing/2014/main" id="{86D4E02C-964A-4BF0-9F6C-71C7E82F1915}"/>
+              </a:ext>
+            </a:extLst>
+          </p:cNvPr>
+          <p:cNvSpPr/>
+          <p:nvPr/>
+        </p:nvSpPr>
+        <p:spPr bwMode="auto">
+          <a:xfrm>
+            <a:off x="4602054" y="6366405"/>
+            <a:ext cx="45719" cy="45719"/>
+          </a:xfrm>
+          <a:prstGeom prst="ellipse">
+            <a:avLst/>
+          </a:prstGeom>
+          <a:solidFill>
+            <a:srgbClr val="FF0000"/>
+          </a:solidFill>
+          <a:ln w="12700" cap="sq" cmpd="sng" algn="ctr">
+            <a:solidFill>
+              <a:srgbClr val="FF0000"/>
+            </a:solidFill>
+            <a:prstDash val="solid"/>
+            <a:round/>
+            <a:headEnd type="none" w="sm" len="sm"/>
+            <a:tailEnd type="none" w="sm" len="sm"/>
+          </a:ln>
+          <a:effectLst/>
+        </p:spPr>
+        <p:txBody>
+          <a:bodyPr vert="horz" wrap="square" lIns="91440" tIns="45720" rIns="91440" bIns="45720" numCol="1" rtlCol="0" anchor="t" anchorCtr="0" compatLnSpc="1">
+            <a:prstTxWarp prst="textNoShape">
+              <a:avLst/>
+            </a:prstTxWarp>
+          </a:bodyPr>
+          <a:lstStyle/>
+          <a:p>
+            <a:pPr marL="0" marR="0" indent="0" algn="l" defTabSz="914400" rtl="0" eaLnBrk="1" fontAlgn="base" latinLnBrk="0" hangingPunct="1">
+              <a:lnSpc>
+                <a:spcPct val="100000"/>
+              </a:lnSpc>
+              <a:spcBef>
+                <a:spcPct val="0"/>
+              </a:spcBef>
+              <a:spcAft>
+                <a:spcPct val="0"/>
+              </a:spcAft>
+              <a:buClrTx/>
+              <a:buSzTx/>
+              <a:buFontTx/>
+              <a:buNone/>
+              <a:tabLst/>
+            </a:pPr>
+            <a:endParaRPr kumimoji="0" lang="en-ZA" sz="2400" b="0" i="0" u="none" strike="noStrike" cap="none" normalizeH="0" baseline="0">
+              <a:ln>
+                <a:noFill/>
+              </a:ln>
+              <a:solidFill>
+                <a:schemeClr val="tx1"/>
+              </a:solidFill>
+              <a:effectLst/>
+              <a:latin typeface="Times New Roman" pitchFamily="18" charset="0"/>
+            </a:endParaRPr>
+          </a:p>
+        </p:txBody>
+      </p:sp>
+      <p:pic>
+        <p:nvPicPr>
+          <p:cNvPr id="45" name="Picture 44">
+            <a:extLst>
+              <a:ext uri="{FF2B5EF4-FFF2-40B4-BE49-F238E27FC236}">
+                <a16:creationId xmlns:a16="http://schemas.microsoft.com/office/drawing/2014/main" id="{617E3869-2308-4766-B30B-87966A45D861}"/>
+              </a:ext>
+            </a:extLst>
+          </p:cNvPr>
+          <p:cNvPicPr>
+            <a:picLocks noChangeAspect="1"/>
+          </p:cNvPicPr>
+          <p:nvPr/>
+        </p:nvPicPr>
+        <p:blipFill rotWithShape="1">
+          <a:blip r:embed="rId6" cstate="print">
+            <a:extLst>
+              <a:ext uri="{28A0092B-C50C-407E-A947-70E740481C1C}">
+                <a14:useLocalDpi xmlns:a14="http://schemas.microsoft.com/office/drawing/2010/main" val="0"/>
+              </a:ext>
+            </a:extLst>
+          </a:blip>
+          <a:srcRect l="12396" t="13102" r="8591" b="10603"/>
+          <a:stretch/>
+        </p:blipFill>
+        <p:spPr>
+          <a:xfrm rot="16200000">
+            <a:off x="-128586" y="3690934"/>
+            <a:ext cx="4057650" cy="1514478"/>
+          </a:xfrm>
+          <a:prstGeom prst="rect">
+            <a:avLst/>
+          </a:prstGeom>
+        </p:spPr>
+      </p:pic>
+    </p:spTree>
+    <p:extLst>
+      <p:ext uri="{BB962C8B-B14F-4D97-AF65-F5344CB8AC3E}">
+        <p14:creationId xmlns:p14="http://schemas.microsoft.com/office/powerpoint/2010/main" val="2967338797"/>
+      </p:ext>
+    </p:extLst>
+  </p:cSld>
+  <p:clrMapOvr>
+    <a:masterClrMapping/>
+  </p:clrMapOvr>
+  <p:timing>
+    <p:tnLst>
+      <p:par>
+        <p:cTn id="1" dur="indefinite" restart="never" nodeType="tmRoot">
+          <p:childTnLst>
+            <p:seq concurrent="1" nextAc="seek">
+              <p:cTn id="2" dur="indefinite" nodeType="mainSeq">
+                <p:childTnLst>
+                  <p:par>
+                    <p:cTn id="3" fill="hold">
+                      <p:stCondLst>
+                        <p:cond delay="indefinite"/>
+                      </p:stCondLst>
+                      <p:childTnLst>
+                        <p:par>
+                          <p:cTn id="4" fill="hold">
+                            <p:stCondLst>
+                              <p:cond delay="0"/>
+                            </p:stCondLst>
+                            <p:childTnLst>
+                              <p:par>
+                                <p:cTn id="5" presetID="1" presetClass="entr" presetSubtype="0" fill="hold" nodeType="clickEffect">
+                                  <p:stCondLst>
+                                    <p:cond delay="0"/>
+                                  </p:stCondLst>
+                                  <p:childTnLst>
+                                    <p:set>
+                                      <p:cBhvr>
+                                        <p:cTn id="6" dur="1" fill="hold">
+                                          <p:stCondLst>
+                                            <p:cond delay="0"/>
+                                          </p:stCondLst>
+                                        </p:cTn>
+                                        <p:tgtEl>
+                                          <p:spTgt spid="37"/>
+                                        </p:tgtEl>
+                                        <p:attrNameLst>
+                                          <p:attrName>style.visibility</p:attrName>
+                                        </p:attrNameLst>
+                                      </p:cBhvr>
+                                      <p:to>
+                                        <p:strVal val="visible"/>
+                                      </p:to>
+                                    </p:set>
+                                  </p:childTnLst>
+                                </p:cTn>
+                              </p:par>
+                            </p:childTnLst>
+                          </p:cTn>
+                        </p:par>
+                      </p:childTnLst>
+                    </p:cTn>
+                  </p:par>
+                  <p:par>
+                    <p:cTn id="7" fill="hold">
+                      <p:stCondLst>
+                        <p:cond delay="indefinite"/>
+                      </p:stCondLst>
+                      <p:childTnLst>
+                        <p:par>
+                          <p:cTn id="8" fill="hold">
+                            <p:stCondLst>
+                              <p:cond delay="0"/>
+                            </p:stCondLst>
+                            <p:childTnLst>
+                              <p:par>
+                                <p:cTn id="9" presetID="1" presetClass="entr" presetSubtype="0" fill="hold" nodeType="clickEffect">
+                                  <p:stCondLst>
+                                    <p:cond delay="0"/>
+                                  </p:stCondLst>
+                                  <p:childTnLst>
+                                    <p:set>
+                                      <p:cBhvr>
+                                        <p:cTn id="10" dur="1" fill="hold">
+                                          <p:stCondLst>
+                                            <p:cond delay="0"/>
+                                          </p:stCondLst>
+                                        </p:cTn>
+                                        <p:tgtEl>
+                                          <p:spTgt spid="1028"/>
+                                        </p:tgtEl>
+                                        <p:attrNameLst>
+                                          <p:attrName>style.visibility</p:attrName>
+                                        </p:attrNameLst>
+                                      </p:cBhvr>
+                                      <p:to>
+                                        <p:strVal val="visible"/>
+                                      </p:to>
+                                    </p:set>
+                                  </p:childTnLst>
+                                </p:cTn>
+                              </p:par>
+                            </p:childTnLst>
+                          </p:cTn>
+                        </p:par>
+                      </p:childTnLst>
+                    </p:cTn>
+                  </p:par>
+                  <p:par>
+                    <p:cTn id="11" fill="hold">
+                      <p:stCondLst>
+                        <p:cond delay="indefinite"/>
+                      </p:stCondLst>
+                      <p:childTnLst>
+                        <p:par>
+                          <p:cTn id="12" fill="hold">
+                            <p:stCondLst>
+                              <p:cond delay="0"/>
+                            </p:stCondLst>
+                            <p:childTnLst>
+                              <p:par>
+                                <p:cTn id="13" presetID="1" presetClass="entr" presetSubtype="0" fill="hold" nodeType="clickEffect">
+                                  <p:stCondLst>
+                                    <p:cond delay="0"/>
+                                  </p:stCondLst>
+                                  <p:childTnLst>
+                                    <p:set>
+                                      <p:cBhvr>
+                                        <p:cTn id="14" dur="1" fill="hold">
+                                          <p:stCondLst>
+                                            <p:cond delay="0"/>
+                                          </p:stCondLst>
+                                        </p:cTn>
+                                        <p:tgtEl>
+                                          <p:spTgt spid="45"/>
+                                        </p:tgtEl>
+                                        <p:attrNameLst>
+                                          <p:attrName>style.visibility</p:attrName>
+                                        </p:attrNameLst>
+                                      </p:cBhvr>
+                                      <p:to>
+                                        <p:strVal val="visible"/>
+                                      </p:to>
+                                    </p:set>
+                                  </p:childTnLst>
+                                </p:cTn>
+                              </p:par>
+                            </p:childTnLst>
+                          </p:cTn>
+                        </p:par>
+                      </p:childTnLst>
+                    </p:cTn>
+                  </p:par>
+                  <p:par>
+                    <p:cTn id="15" fill="hold">
+                      <p:stCondLst>
+                        <p:cond delay="indefinite"/>
+                      </p:stCondLst>
+                      <p:childTnLst>
+                        <p:par>
+                          <p:cTn id="16" fill="hold">
+                            <p:stCondLst>
+                              <p:cond delay="0"/>
+                            </p:stCondLst>
+                            <p:childTnLst>
+                              <p:par>
+                                <p:cTn id="17" presetID="1" presetClass="entr" presetSubtype="0" fill="hold" nodeType="clickEffect">
+                                  <p:stCondLst>
+                                    <p:cond delay="0"/>
+                                  </p:stCondLst>
+                                  <p:childTnLst>
+                                    <p:set>
+                                      <p:cBhvr>
+                                        <p:cTn id="18" dur="1" fill="hold">
+                                          <p:stCondLst>
+                                            <p:cond delay="0"/>
+                                          </p:stCondLst>
+                                        </p:cTn>
+                                        <p:tgtEl>
+                                          <p:spTgt spid="12"/>
+                                        </p:tgtEl>
+                                        <p:attrNameLst>
+                                          <p:attrName>style.visibility</p:attrName>
+                                        </p:attrNameLst>
+                                      </p:cBhvr>
+                                      <p:to>
+                                        <p:strVal val="visible"/>
+                                      </p:to>
+                                    </p:set>
+                                  </p:childTnLst>
+                                </p:cTn>
+                              </p:par>
+                              <p:par>
+                                <p:cTn id="19" presetID="1" presetClass="entr" presetSubtype="0" fill="hold" nodeType="withEffect">
+                                  <p:stCondLst>
+                                    <p:cond delay="0"/>
+                                  </p:stCondLst>
+                                  <p:childTnLst>
+                                    <p:set>
+                                      <p:cBhvr>
+                                        <p:cTn id="20" dur="1" fill="hold">
+                                          <p:stCondLst>
+                                            <p:cond delay="0"/>
+                                          </p:stCondLst>
+                                        </p:cTn>
+                                        <p:tgtEl>
+                                          <p:spTgt spid="41"/>
+                                        </p:tgtEl>
+                                        <p:attrNameLst>
+                                          <p:attrName>style.visibility</p:attrName>
+                                        </p:attrNameLst>
+                                      </p:cBhvr>
+                                      <p:to>
+                                        <p:strVal val="visible"/>
+                                      </p:to>
+                                    </p:set>
+                                  </p:childTnLst>
+                                </p:cTn>
+                              </p:par>
+                            </p:childTnLst>
+                          </p:cTn>
+                        </p:par>
+                      </p:childTnLst>
+                    </p:cTn>
+                  </p:par>
+                  <p:par>
+                    <p:cTn id="21" fill="hold">
+                      <p:stCondLst>
+                        <p:cond delay="indefinite"/>
+                      </p:stCondLst>
+                      <p:childTnLst>
+                        <p:par>
+                          <p:cTn id="22" fill="hold">
+                            <p:stCondLst>
+                              <p:cond delay="0"/>
+                            </p:stCondLst>
+                            <p:childTnLst>
+                              <p:par>
+                                <p:cTn id="23" presetID="1" presetClass="entr" presetSubtype="0" fill="hold" nodeType="clickEffect">
+                                  <p:stCondLst>
+                                    <p:cond delay="0"/>
+                                  </p:stCondLst>
+                                  <p:childTnLst>
+                                    <p:set>
+                                      <p:cBhvr>
+                                        <p:cTn id="24" dur="1" fill="hold">
+                                          <p:stCondLst>
+                                            <p:cond delay="0"/>
+                                          </p:stCondLst>
+                                        </p:cTn>
+                                        <p:tgtEl>
+                                          <p:spTgt spid="34"/>
+                                        </p:tgtEl>
+                                        <p:attrNameLst>
+                                          <p:attrName>style.visibility</p:attrName>
+                                        </p:attrNameLst>
+                                      </p:cBhvr>
+                                      <p:to>
+                                        <p:strVal val="visible"/>
+                                      </p:to>
+                                    </p:set>
+                                  </p:childTnLst>
+                                </p:cTn>
+                              </p:par>
+                              <p:par>
+                                <p:cTn id="25" presetID="1" presetClass="entr" presetSubtype="0" fill="hold" nodeType="withEffect">
+                                  <p:stCondLst>
+                                    <p:cond delay="0"/>
+                                  </p:stCondLst>
+                                  <p:childTnLst>
+                                    <p:set>
+                                      <p:cBhvr>
+                                        <p:cTn id="26" dur="1" fill="hold">
+                                          <p:stCondLst>
+                                            <p:cond delay="0"/>
+                                          </p:stCondLst>
+                                        </p:cTn>
+                                        <p:tgtEl>
+                                          <p:spTgt spid="17"/>
+                                        </p:tgtEl>
+                                        <p:attrNameLst>
+                                          <p:attrName>style.visibility</p:attrName>
+                                        </p:attrNameLst>
+                                      </p:cBhvr>
+                                      <p:to>
+                                        <p:strVal val="visible"/>
+                                      </p:to>
+                                    </p:set>
+                                  </p:childTnLst>
+                                </p:cTn>
+                              </p:par>
+                            </p:childTnLst>
+                          </p:cTn>
+                        </p:par>
+                      </p:childTnLst>
+                    </p:cTn>
+                  </p:par>
+                  <p:par>
+                    <p:cTn id="27" fill="hold">
+                      <p:stCondLst>
+                        <p:cond delay="indefinite"/>
+                      </p:stCondLst>
+                      <p:childTnLst>
+                        <p:par>
+                          <p:cTn id="28" fill="hold">
+                            <p:stCondLst>
+                              <p:cond delay="0"/>
+                            </p:stCondLst>
+                            <p:childTnLst>
+                              <p:par>
+                                <p:cTn id="29" presetID="1" presetClass="entr" presetSubtype="0" fill="hold" grpId="0" nodeType="clickEffect">
+                                  <p:stCondLst>
+                                    <p:cond delay="0"/>
+                                  </p:stCondLst>
+                                  <p:childTnLst>
+                                    <p:set>
+                                      <p:cBhvr>
+                                        <p:cTn id="30" dur="1" fill="hold">
+                                          <p:stCondLst>
+                                            <p:cond delay="0"/>
+                                          </p:stCondLst>
+                                        </p:cTn>
+                                        <p:tgtEl>
+                                          <p:spTgt spid="21"/>
+                                        </p:tgtEl>
+                                        <p:attrNameLst>
+                                          <p:attrName>style.visibility</p:attrName>
+                                        </p:attrNameLst>
+                                      </p:cBhvr>
+                                      <p:to>
+                                        <p:strVal val="visible"/>
+                                      </p:to>
+                                    </p:set>
+                                  </p:childTnLst>
+                                </p:cTn>
+                              </p:par>
+                              <p:par>
+                                <p:cTn id="31" presetID="1" presetClass="entr" presetSubtype="0" fill="hold" grpId="0" nodeType="withEffect">
+                                  <p:stCondLst>
+                                    <p:cond delay="0"/>
+                                  </p:stCondLst>
+                                  <p:childTnLst>
+                                    <p:set>
+                                      <p:cBhvr>
+                                        <p:cTn id="32" dur="1" fill="hold">
+                                          <p:stCondLst>
+                                            <p:cond delay="0"/>
+                                          </p:stCondLst>
+                                        </p:cTn>
+                                        <p:tgtEl>
+                                          <p:spTgt spid="22"/>
+                                        </p:tgtEl>
+                                        <p:attrNameLst>
+                                          <p:attrName>style.visibility</p:attrName>
+                                        </p:attrNameLst>
+                                      </p:cBhvr>
+                                      <p:to>
+                                        <p:strVal val="visible"/>
+                                      </p:to>
+                                    </p:set>
+                                  </p:childTnLst>
+                                </p:cTn>
+                              </p:par>
+                              <p:par>
+                                <p:cTn id="33" presetID="1" presetClass="entr" presetSubtype="0" fill="hold" grpId="0" nodeType="withEffect">
+                                  <p:stCondLst>
+                                    <p:cond delay="0"/>
+                                  </p:stCondLst>
+                                  <p:childTnLst>
+                                    <p:set>
+                                      <p:cBhvr>
+                                        <p:cTn id="34" dur="1" fill="hold">
+                                          <p:stCondLst>
+                                            <p:cond delay="0"/>
+                                          </p:stCondLst>
+                                        </p:cTn>
+                                        <p:tgtEl>
+                                          <p:spTgt spid="31"/>
+                                        </p:tgtEl>
+                                        <p:attrNameLst>
+                                          <p:attrName>style.visibility</p:attrName>
+                                        </p:attrNameLst>
+                                      </p:cBhvr>
+                                      <p:to>
+                                        <p:strVal val="visible"/>
+                                      </p:to>
+                                    </p:set>
+                                  </p:childTnLst>
+                                </p:cTn>
+                              </p:par>
+                              <p:par>
+                                <p:cTn id="35" presetID="1" presetClass="entr" presetSubtype="0" fill="hold" grpId="0" nodeType="withEffect">
+                                  <p:stCondLst>
+                                    <p:cond delay="0"/>
+                                  </p:stCondLst>
+                                  <p:childTnLst>
+                                    <p:set>
+                                      <p:cBhvr>
+                                        <p:cTn id="36" dur="1" fill="hold">
+                                          <p:stCondLst>
+                                            <p:cond delay="0"/>
+                                          </p:stCondLst>
+                                        </p:cTn>
+                                        <p:tgtEl>
+                                          <p:spTgt spid="18"/>
+                                        </p:tgtEl>
+                                        <p:attrNameLst>
+                                          <p:attrName>style.visibility</p:attrName>
+                                        </p:attrNameLst>
+                                      </p:cBhvr>
+                                      <p:to>
+                                        <p:strVal val="visible"/>
+                                      </p:to>
+                                    </p:set>
+                                  </p:childTnLst>
+                                </p:cTn>
+                              </p:par>
+                            </p:childTnLst>
+                          </p:cTn>
+                        </p:par>
+                      </p:childTnLst>
+                    </p:cTn>
+                  </p:par>
+                  <p:par>
+                    <p:cTn id="37" fill="hold">
+                      <p:stCondLst>
+                        <p:cond delay="indefinite"/>
+                      </p:stCondLst>
+                      <p:childTnLst>
+                        <p:par>
+                          <p:cTn id="38" fill="hold">
+                            <p:stCondLst>
+                              <p:cond delay="0"/>
+                            </p:stCondLst>
+                            <p:childTnLst>
+                              <p:par>
+                                <p:cTn id="39" presetID="1" presetClass="entr" presetSubtype="0" fill="hold" nodeType="clickEffect">
+                                  <p:stCondLst>
+                                    <p:cond delay="0"/>
+                                  </p:stCondLst>
+                                  <p:childTnLst>
+                                    <p:set>
+                                      <p:cBhvr>
+                                        <p:cTn id="40" dur="1" fill="hold">
+                                          <p:stCondLst>
+                                            <p:cond delay="0"/>
+                                          </p:stCondLst>
+                                        </p:cTn>
+                                        <p:tgtEl>
+                                          <p:spTgt spid="6"/>
+                                        </p:tgtEl>
+                                        <p:attrNameLst>
+                                          <p:attrName>style.visibility</p:attrName>
+                                        </p:attrNameLst>
+                                      </p:cBhvr>
+                                      <p:to>
+                                        <p:strVal val="visible"/>
+                                      </p:to>
+                                    </p:set>
+                                  </p:childTnLst>
+                                </p:cTn>
+                              </p:par>
+                            </p:childTnLst>
+                          </p:cTn>
+                        </p:par>
+                      </p:childTnLst>
+                    </p:cTn>
+                  </p:par>
+                </p:childTnLst>
+              </p:cTn>
+              <p:prevCondLst>
+                <p:cond evt="onPrev" delay="0">
+                  <p:tgtEl>
+                    <p:sldTgt/>
+                  </p:tgtEl>
+                </p:cond>
+              </p:prevCondLst>
+              <p:nextCondLst>
+                <p:cond evt="onNext" delay="0">
+                  <p:tgtEl>
+                    <p:sldTgt/>
+                  </p:tgtEl>
+                </p:cond>
+              </p:nextCondLst>
+            </p:seq>
+          </p:childTnLst>
+        </p:cTn>
+      </p:par>
+    </p:tnLst>
+    <p:bldLst>
+      <p:bldP spid="18" grpId="0" animBg="1"/>
+      <p:bldP spid="21" grpId="0" animBg="1"/>
+      <p:bldP spid="31" grpId="0" animBg="1"/>
+      <p:bldP spid="22" grpId="0" animBg="1"/>
+    </p:bldLst>
+  </p:timing>
+</p:sld>
+</file>
+
+<file path=ppt/slides/slide11.xml><?xml version="1.0" encoding="utf-8"?>
+<p:sld xmlns:a="http://schemas.openxmlformats.org/drawingml/2006/main" xmlns:r="http://schemas.openxmlformats.org/officeDocument/2006/relationships" xmlns:p="http://schemas.openxmlformats.org/presentationml/2006/main">
+  <p:cSld>
+    <p:spTree>
+      <p:nvGrpSpPr>
+        <p:cNvPr id="1" name=""/>
+        <p:cNvGrpSpPr/>
+        <p:nvPr/>
+      </p:nvGrpSpPr>
+      <p:grpSpPr>
+        <a:xfrm>
+          <a:off x="0" y="0"/>
+          <a:ext cx="0" cy="0"/>
+          <a:chOff x="0" y="0"/>
+          <a:chExt cx="0" cy="0"/>
+        </a:xfrm>
+      </p:grpSpPr>
+      <p:sp>
+        <p:nvSpPr>
+          <p:cNvPr id="2" name="Title 1">
+            <a:extLst>
+              <a:ext uri="{FF2B5EF4-FFF2-40B4-BE49-F238E27FC236}">
+                <a16:creationId xmlns:a16="http://schemas.microsoft.com/office/drawing/2014/main" id="{0900A91B-BAC2-44E1-A791-90B33A4C963B}"/>
+              </a:ext>
+            </a:extLst>
+          </p:cNvPr>
+          <p:cNvSpPr>
+            <a:spLocks noGrp="1"/>
+          </p:cNvSpPr>
+          <p:nvPr>
+            <p:ph type="title"/>
+          </p:nvPr>
+        </p:nvSpPr>
+        <p:spPr/>
+        <p:txBody>
+          <a:bodyPr/>
+          <a:lstStyle/>
+          <a:p>
+            <a:r>
+              <a:rPr lang="en-ZA" dirty="0"/>
+              <a:t>Basic Image Processing</a:t>
+            </a:r>
+          </a:p>
+        </p:txBody>
+      </p:sp>
+      <p:sp>
+        <p:nvSpPr>
+          <p:cNvPr id="4" name="Slide Number Placeholder 3">
+            <a:extLst>
+              <a:ext uri="{FF2B5EF4-FFF2-40B4-BE49-F238E27FC236}">
+                <a16:creationId xmlns:a16="http://schemas.microsoft.com/office/drawing/2014/main" id="{CB887F69-566C-4B98-A607-DA1A1021298F}"/>
+              </a:ext>
+            </a:extLst>
+          </p:cNvPr>
+          <p:cNvSpPr>
+            <a:spLocks noGrp="1"/>
+          </p:cNvSpPr>
+          <p:nvPr>
+            <p:ph type="sldNum" sz="quarter" idx="10"/>
+          </p:nvPr>
+        </p:nvSpPr>
+        <p:spPr/>
+        <p:txBody>
+          <a:bodyPr/>
+          <a:lstStyle/>
+          <a:p>
+            <a:pPr>
+              <a:defRPr/>
+            </a:pPr>
+            <a:fld id="{A27591B5-593E-49C1-8C2D-4B5CC8495990}" type="slidenum">
+              <a:rPr lang="en-US" smtClean="0"/>
+              <a:pPr>
+                <a:defRPr/>
+              </a:pPr>
+              <a:t>11</a:t>
+            </a:fld>
+            <a:endParaRPr lang="en-US" dirty="0"/>
+          </a:p>
+        </p:txBody>
+      </p:sp>
+      <p:pic>
+        <p:nvPicPr>
+          <p:cNvPr id="8" name="Picture 7">
+            <a:extLst>
+              <a:ext uri="{FF2B5EF4-FFF2-40B4-BE49-F238E27FC236}">
+                <a16:creationId xmlns:a16="http://schemas.microsoft.com/office/drawing/2014/main" id="{ED303DAB-881A-4740-A11C-FF58B8C183BD}"/>
+              </a:ext>
+            </a:extLst>
+          </p:cNvPr>
+          <p:cNvPicPr>
+            <a:picLocks noChangeAspect="1"/>
+          </p:cNvPicPr>
+          <p:nvPr/>
+        </p:nvPicPr>
+        <p:blipFill>
+          <a:blip r:embed="rId2">
+            <a:extLst>
+              <a:ext uri="{28A0092B-C50C-407E-A947-70E740481C1C}">
+                <a14:useLocalDpi xmlns:a14="http://schemas.microsoft.com/office/drawing/2010/main" val="0"/>
+              </a:ext>
+            </a:extLst>
+          </a:blip>
+          <a:stretch>
+            <a:fillRect/>
+          </a:stretch>
+        </p:blipFill>
+        <p:spPr>
+          <a:xfrm>
+            <a:off x="1896758" y="2263348"/>
+            <a:ext cx="2534565" cy="3984861"/>
+          </a:xfrm>
+          <a:prstGeom prst="rect">
+            <a:avLst/>
+          </a:prstGeom>
+        </p:spPr>
+      </p:pic>
+      <p:sp>
+        <p:nvSpPr>
+          <p:cNvPr id="6" name="Rectangle 5">
+            <a:extLst>
+              <a:ext uri="{FF2B5EF4-FFF2-40B4-BE49-F238E27FC236}">
+                <a16:creationId xmlns:a16="http://schemas.microsoft.com/office/drawing/2014/main" id="{CDD6BE5B-404A-4062-B371-CF7E32C70DD2}"/>
+              </a:ext>
+            </a:extLst>
+          </p:cNvPr>
+          <p:cNvSpPr/>
+          <p:nvPr/>
+        </p:nvSpPr>
+        <p:spPr>
+          <a:xfrm>
+            <a:off x="847630" y="1203751"/>
+            <a:ext cx="6917735" cy="461665"/>
+          </a:xfrm>
+          <a:prstGeom prst="rect">
+            <a:avLst/>
+          </a:prstGeom>
+        </p:spPr>
+        <p:txBody>
+          <a:bodyPr wrap="square">
+            <a:spAutoFit/>
+          </a:bodyPr>
+          <a:lstStyle/>
+          <a:p>
+            <a:r>
+              <a:rPr lang="en-ZA" dirty="0">
+                <a:effectLst/>
+              </a:rPr>
+              <a:t>The bubble locations can then be found and processed.</a:t>
+            </a:r>
+          </a:p>
+        </p:txBody>
+      </p:sp>
+      <p:pic>
+        <p:nvPicPr>
+          <p:cNvPr id="9" name="Content Placeholder 4">
+            <a:extLst>
+              <a:ext uri="{FF2B5EF4-FFF2-40B4-BE49-F238E27FC236}">
+                <a16:creationId xmlns:a16="http://schemas.microsoft.com/office/drawing/2014/main" id="{F50276F8-DD58-47E8-A125-0A05867F915C}"/>
+              </a:ext>
+            </a:extLst>
+          </p:cNvPr>
+          <p:cNvPicPr>
+            <a:picLocks noChangeAspect="1"/>
+          </p:cNvPicPr>
+          <p:nvPr/>
+        </p:nvPicPr>
+        <p:blipFill rotWithShape="1">
+          <a:blip r:embed="rId3">
+            <a:extLst>
+              <a:ext uri="{28A0092B-C50C-407E-A947-70E740481C1C}">
+                <a14:useLocalDpi xmlns:a14="http://schemas.microsoft.com/office/drawing/2010/main" val="0"/>
+              </a:ext>
+            </a:extLst>
+          </a:blip>
+          <a:srcRect l="79282" t="7597" r="4243" b="66960"/>
+          <a:stretch/>
+        </p:blipFill>
+        <p:spPr bwMode="auto">
+          <a:xfrm>
+            <a:off x="6844713" y="2347354"/>
+            <a:ext cx="3910819" cy="3972951"/>
+          </a:xfrm>
+          <a:prstGeom prst="rect">
+            <a:avLst/>
+          </a:prstGeom>
+          <a:noFill/>
+          <a:ln>
+            <a:noFill/>
+          </a:ln>
+          <a:extLst>
+            <a:ext uri="{909E8E84-426E-40DD-AFC4-6F175D3DCCD1}">
+              <a14:hiddenFill xmlns:a14="http://schemas.microsoft.com/office/drawing/2010/main">
+                <a:solidFill>
+                  <a:srgbClr val="FFFFFF"/>
+                </a:solidFill>
+              </a14:hiddenFill>
+            </a:ext>
+            <a:ext uri="{91240B29-F687-4F45-9708-019B960494DF}">
+              <a14:hiddenLine xmlns:a14="http://schemas.microsoft.com/office/drawing/2010/main" w="9525">
+                <a:solidFill>
+                  <a:srgbClr val="000000"/>
+                </a:solidFill>
+                <a:miter lim="800000"/>
+                <a:headEnd/>
+                <a:tailEnd/>
+              </a14:hiddenLine>
+            </a:ext>
+          </a:extLst>
+        </p:spPr>
+      </p:pic>
+    </p:spTree>
+    <p:extLst>
+      <p:ext uri="{BB962C8B-B14F-4D97-AF65-F5344CB8AC3E}">
+        <p14:creationId xmlns:p14="http://schemas.microsoft.com/office/powerpoint/2010/main" val="339862086"/>
+      </p:ext>
+    </p:extLst>
+  </p:cSld>
+  <p:clrMapOvr>
+    <a:masterClrMapping/>
+  </p:clrMapOvr>
+  <p:timing>
+    <p:tnLst>
+      <p:par>
+        <p:cTn id="1" dur="indefinite" restart="never" nodeType="tmRoot">
+          <p:childTnLst>
+            <p:seq concurrent="1" nextAc="seek">
+              <p:cTn id="2" dur="indefinite" nodeType="mainSeq">
+                <p:childTnLst>
+                  <p:par>
+                    <p:cTn id="3" fill="hold">
+                      <p:stCondLst>
+                        <p:cond delay="indefinite"/>
+                      </p:stCondLst>
+                      <p:childTnLst>
+                        <p:par>
+                          <p:cTn id="4" fill="hold">
+                            <p:stCondLst>
+                              <p:cond delay="0"/>
+                            </p:stCondLst>
+                            <p:childTnLst>
+                              <p:par>
+                                <p:cTn id="5" presetID="1" presetClass="entr" presetSubtype="0" fill="hold" nodeType="clickEffect">
+                                  <p:stCondLst>
+                                    <p:cond delay="0"/>
+                                  </p:stCondLst>
+                                  <p:childTnLst>
+                                    <p:set>
+                                      <p:cBhvr>
+                                        <p:cTn id="6" dur="1" fill="hold">
+                                          <p:stCondLst>
+                                            <p:cond delay="0"/>
+                                          </p:stCondLst>
+                                        </p:cTn>
+                                        <p:tgtEl>
+                                          <p:spTgt spid="8"/>
+                                        </p:tgtEl>
+                                        <p:attrNameLst>
+                                          <p:attrName>style.visibility</p:attrName>
+                                        </p:attrNameLst>
+                                      </p:cBhvr>
+                                      <p:to>
+                                        <p:strVal val="visible"/>
+                                      </p:to>
+                                    </p:set>
+                                  </p:childTnLst>
+                                </p:cTn>
+                              </p:par>
+                            </p:childTnLst>
+                          </p:cTn>
+                        </p:par>
+                      </p:childTnLst>
+                    </p:cTn>
+                  </p:par>
+                  <p:par>
+                    <p:cTn id="7" fill="hold">
+                      <p:stCondLst>
+                        <p:cond delay="indefinite"/>
+                      </p:stCondLst>
+                      <p:childTnLst>
+                        <p:par>
+                          <p:cTn id="8" fill="hold">
+                            <p:stCondLst>
+                              <p:cond delay="0"/>
+                            </p:stCondLst>
+                            <p:childTnLst>
+                              <p:par>
+                                <p:cTn id="9" presetID="1" presetClass="entr" presetSubtype="0" fill="hold" nodeType="clickEffect">
+                                  <p:stCondLst>
+                                    <p:cond delay="0"/>
+                                  </p:stCondLst>
+                                  <p:childTnLst>
+                                    <p:set>
+                                      <p:cBhvr>
+                                        <p:cTn id="10" dur="1" fill="hold">
+                                          <p:stCondLst>
+                                            <p:cond delay="0"/>
+                                          </p:stCondLst>
+                                        </p:cTn>
+                                        <p:tgtEl>
+                                          <p:spTgt spid="9"/>
+                                        </p:tgtEl>
+                                        <p:attrNameLst>
+                                          <p:attrName>style.visibility</p:attrName>
+                                        </p:attrNameLst>
+                                      </p:cBhvr>
+                                      <p:to>
+                                        <p:strVal val="visible"/>
+                                      </p:to>
+                                    </p:set>
+                                  </p:childTnLst>
+                                </p:cTn>
+                              </p:par>
+                            </p:childTnLst>
+                          </p:cTn>
+                        </p:par>
+                      </p:childTnLst>
+                    </p:cTn>
+                  </p:par>
+                </p:childTnLst>
+              </p:cTn>
+              <p:prevCondLst>
+                <p:cond evt="onPrev" delay="0">
+                  <p:tgtEl>
+                    <p:sldTgt/>
+                  </p:tgtEl>
+                </p:cond>
+              </p:prevCondLst>
+              <p:nextCondLst>
+                <p:cond evt="onNext" delay="0">
+                  <p:tgtEl>
+                    <p:sldTgt/>
+                  </p:tgtEl>
+                </p:cond>
+              </p:nextCondLst>
+            </p:seq>
+          </p:childTnLst>
+        </p:cTn>
+      </p:par>
+    </p:tnLst>
+  </p:timing>
+</p:sld>
+</file>
+
+<file path=ppt/slides/slide12.xml><?xml version="1.0" encoding="utf-8"?>
+<p:sld xmlns:a="http://schemas.openxmlformats.org/drawingml/2006/main" xmlns:r="http://schemas.openxmlformats.org/officeDocument/2006/relationships" xmlns:p="http://schemas.openxmlformats.org/presentationml/2006/main">
+  <p:cSld>
+    <p:spTree>
+      <p:nvGrpSpPr>
+        <p:cNvPr id="1" name=""/>
+        <p:cNvGrpSpPr/>
+        <p:nvPr/>
+      </p:nvGrpSpPr>
+      <p:grpSpPr>
+        <a:xfrm>
+          <a:off x="0" y="0"/>
+          <a:ext cx="0" cy="0"/>
+          <a:chOff x="0" y="0"/>
+          <a:chExt cx="0" cy="0"/>
+        </a:xfrm>
+      </p:grpSpPr>
       <p:sp>
         <p:nvSpPr>
           <p:cNvPr id="2" name="Title 1">
@@ -5209,7 +6923,7 @@
               <a:pPr>
                 <a:defRPr/>
               </a:pPr>
-              <a:t>10</a:t>
+              <a:t>12</a:t>
             </a:fld>
             <a:endParaRPr lang="en-US" dirty="0"/>
           </a:p>
@@ -6090,11 +7804,7 @@
                                           </p:stCondLst>
                                         </p:cTn>
                                         <p:tgtEl>
-                                          <p:spTgt spid="3">
-                                            <p:txEl>
-                                              <p:pRg st="0" end="0"/>
-                                            </p:txEl>
-                                          </p:spTgt>
+                                          <p:spTgt spid="27"/>
                                         </p:tgtEl>
                                         <p:attrNameLst>
                                           <p:attrName>style.visibility</p:attrName>
@@ -6121,7 +7831,7 @@
                                           </p:stCondLst>
                                         </p:cTn>
                                         <p:tgtEl>
-                                          <p:spTgt spid="26"/>
+                                          <p:spTgt spid="6"/>
                                         </p:tgtEl>
                                         <p:attrNameLst>
                                           <p:attrName>style.visibility</p:attrName>
@@ -6166,7 +7876,7 @@
                                           </p:stCondLst>
                                         </p:cTn>
                                         <p:tgtEl>
-                                          <p:spTgt spid="27"/>
+                                          <p:spTgt spid="7"/>
                                         </p:tgtEl>
                                         <p:attrNameLst>
                                           <p:attrName>style.visibility</p:attrName>
@@ -6188,78 +7898,6 @@
                                     <p:set>
                                       <p:cBhvr>
                                         <p:cTn id="14" dur="1" fill="hold">
-                                          <p:stCondLst>
-                                            <p:cond delay="0"/>
-                                          </p:stCondLst>
-                                        </p:cTn>
-                                        <p:tgtEl>
-                                          <p:spTgt spid="6"/>
-                                        </p:tgtEl>
-                                        <p:attrNameLst>
-                                          <p:attrName>style.visibility</p:attrName>
-                                        </p:attrNameLst>
-                                      </p:cBhvr>
-                                      <p:to>
-                                        <p:strVal val="visible"/>
-                                      </p:to>
-                                    </p:set>
-                                  </p:childTnLst>
-                                </p:cTn>
-                              </p:par>
-                            </p:childTnLst>
-                          </p:cTn>
-                        </p:par>
-                      </p:childTnLst>
-                    </p:cTn>
-                  </p:par>
-                  <p:par>
-                    <p:cTn id="15" fill="hold">
-                      <p:stCondLst>
-                        <p:cond delay="indefinite"/>
-                      </p:stCondLst>
-                      <p:childTnLst>
-                        <p:par>
-                          <p:cTn id="16" fill="hold">
-                            <p:stCondLst>
-                              <p:cond delay="0"/>
-                            </p:stCondLst>
-                            <p:childTnLst>
-                              <p:par>
-                                <p:cTn id="17" presetID="1" presetClass="entr" presetSubtype="0" fill="hold" grpId="0" nodeType="clickEffect">
-                                  <p:stCondLst>
-                                    <p:cond delay="0"/>
-                                  </p:stCondLst>
-                                  <p:childTnLst>
-                                    <p:set>
-                                      <p:cBhvr>
-                                        <p:cTn id="18" dur="1" fill="hold">
-                                          <p:stCondLst>
-                                            <p:cond delay="0"/>
-                                          </p:stCondLst>
-                                        </p:cTn>
-                                        <p:tgtEl>
-                                          <p:spTgt spid="7"/>
-                                        </p:tgtEl>
-                                        <p:attrNameLst>
-                                          <p:attrName>style.visibility</p:attrName>
-                                        </p:attrNameLst>
-                                      </p:cBhvr>
-                                      <p:to>
-                                        <p:strVal val="visible"/>
-                                      </p:to>
-                                    </p:set>
-                                  </p:childTnLst>
-                                </p:cTn>
-                              </p:par>
-                              <p:par>
-                                <p:cTn id="19" presetID="1" presetClass="entr" presetSubtype="0" fill="hold" nodeType="withEffect">
-                                  <p:stCondLst>
-                                    <p:cond delay="0"/>
-                                  </p:stCondLst>
-                                  <p:childTnLst>
-                                    <p:set>
-                                      <p:cBhvr>
-                                        <p:cTn id="20" dur="1" fill="hold">
                                           <p:stCondLst>
                                             <p:cond delay="0"/>
                                           </p:stCondLst>
@@ -6306,7 +7944,6 @@
       </p:par>
     </p:tnLst>
     <p:bldLst>
-      <p:bldP spid="3" grpId="0" build="p"/>
       <p:bldP spid="7" grpId="0"/>
       <p:bldP spid="27" grpId="0"/>
     </p:bldLst>
@@ -6314,7 +7951,7 @@
 </p:sld>
 </file>
 
-<file path=ppt/slides/slide11.xml><?xml version="1.0" encoding="utf-8"?>
+<file path=ppt/slides/slide13.xml><?xml version="1.0" encoding="utf-8"?>
 <p:sld xmlns:a="http://schemas.openxmlformats.org/drawingml/2006/main" xmlns:r="http://schemas.openxmlformats.org/officeDocument/2006/relationships" xmlns:p="http://schemas.openxmlformats.org/presentationml/2006/main">
   <p:cSld>
     <p:spTree>
@@ -6388,7 +8025,7 @@
               <a:pPr>
                 <a:defRPr/>
               </a:pPr>
-              <a:t>11</a:t>
+              <a:t>13</a:t>
             </a:fld>
             <a:endParaRPr lang="en-US" dirty="0"/>
           </a:p>
@@ -6477,7 +8114,7 @@
 </p:sld>
 </file>
 
-<file path=ppt/slides/slide12.xml><?xml version="1.0" encoding="utf-8"?>
+<file path=ppt/slides/slide14.xml><?xml version="1.0" encoding="utf-8"?>
 <p:sld xmlns:a="http://schemas.openxmlformats.org/drawingml/2006/main" xmlns:r="http://schemas.openxmlformats.org/officeDocument/2006/relationships" xmlns:p="http://schemas.openxmlformats.org/presentationml/2006/main">
   <p:cSld>
     <p:spTree>
@@ -6551,7 +8188,7 @@
               <a:pPr>
                 <a:defRPr/>
               </a:pPr>
-              <a:t>12</a:t>
+              <a:t>14</a:t>
             </a:fld>
             <a:endParaRPr lang="en-US" dirty="0"/>
           </a:p>
@@ -7460,51 +9097,6 @@
                                           </p:stCondLst>
                                         </p:cTn>
                                         <p:tgtEl>
-                                          <p:spTgt spid="21"/>
-                                        </p:tgtEl>
-                                        <p:attrNameLst>
-                                          <p:attrName>style.visibility</p:attrName>
-                                        </p:attrNameLst>
-                                      </p:cBhvr>
-                                      <p:to>
-                                        <p:strVal val="visible"/>
-                                      </p:to>
-                                    </p:set>
-                                  </p:childTnLst>
-                                </p:cTn>
-                              </p:par>
-                            </p:childTnLst>
-                          </p:cTn>
-                        </p:par>
-                      </p:childTnLst>
-                    </p:cTn>
-                  </p:par>
-                  <p:par>
-                    <p:cTn id="7" fill="hold">
-                      <p:stCondLst>
-                        <p:cond delay="indefinite"/>
-                      </p:stCondLst>
-                      <p:childTnLst>
-                        <p:par>
-                          <p:cTn id="8" fill="hold">
-                            <p:stCondLst>
-                              <p:cond delay="0"/>
-                            </p:stCondLst>
-                            <p:childTnLst>
-                              <p:par>
-                                <p:cTn id="9" presetID="1" presetClass="entr" presetSubtype="0" fill="hold" nodeType="clickEffect">
-                                  <p:stCondLst>
-                                    <p:cond delay="0"/>
-                                  </p:stCondLst>
-                                  <p:childTnLst>
-                                    <p:set>
-                                      <p:cBhvr>
-                                        <p:cTn id="10" dur="1" fill="hold">
-                                          <p:stCondLst>
-                                            <p:cond delay="0"/>
-                                          </p:stCondLst>
-                                        </p:cTn>
-                                        <p:tgtEl>
                                           <p:spTgt spid="12"/>
                                         </p:tgtEl>
                                         <p:attrNameLst>
@@ -7549,7 +9141,7 @@
 </p:sld>
 </file>
 
-<file path=ppt/slides/slide13.xml><?xml version="1.0" encoding="utf-8"?>
+<file path=ppt/slides/slide15.xml><?xml version="1.0" encoding="utf-8"?>
 <p:sld xmlns:a="http://schemas.openxmlformats.org/drawingml/2006/main" xmlns:r="http://schemas.openxmlformats.org/officeDocument/2006/relationships" xmlns:p="http://schemas.openxmlformats.org/presentationml/2006/main">
   <p:cSld>
     <p:spTree>
@@ -7617,6 +9209,12 @@
           <a:p>
             <a:r>
               <a:rPr lang="en-ZA" dirty="0"/>
+              <a:t>11 tutorials and 12 300 tests graded</a:t>
+            </a:r>
+          </a:p>
+          <a:p>
+            <a:r>
+              <a:rPr lang="en-ZA" dirty="0"/>
               <a:t>Grades 1000 test in 30 minutes</a:t>
             </a:r>
           </a:p>
@@ -7635,11 +9233,14 @@
           <a:p>
             <a:r>
               <a:rPr lang="en-ZA" dirty="0"/>
-              <a:t>In a tutorial session on average only 0.1% or 1 test or less gets graded incorrectly</a:t>
+              <a:t>In a tutorial session on average only 0.1% or 1 test or less is graded incorrectly</a:t>
             </a:r>
           </a:p>
           <a:p>
-            <a:endParaRPr lang="en-ZA" dirty="0"/>
+            <a:r>
+              <a:rPr lang="en-ZA" dirty="0"/>
+              <a:t>System has now been extended to 2 new templates</a:t>
+            </a:r>
           </a:p>
         </p:txBody>
       </p:sp>
@@ -7672,7 +9273,7 @@
               <a:pPr>
                 <a:defRPr/>
               </a:pPr>
-              <a:t>13</a:t>
+              <a:t>15</a:t>
             </a:fld>
             <a:endParaRPr lang="en-US" dirty="0"/>
           </a:p>
@@ -8273,111 +9874,6 @@
           <a:chExt cx="0" cy="0"/>
         </a:xfrm>
       </p:grpSpPr>
-      <p:pic>
-        <p:nvPicPr>
-          <p:cNvPr id="6" name="Content Placeholder 5">
-            <a:extLst>
-              <a:ext uri="{FF2B5EF4-FFF2-40B4-BE49-F238E27FC236}">
-                <a16:creationId xmlns:a16="http://schemas.microsoft.com/office/drawing/2014/main" id="{B4FF57C7-4C6B-4123-850B-346637AAB3C2}"/>
-              </a:ext>
-            </a:extLst>
-          </p:cNvPr>
-          <p:cNvPicPr>
-            <a:picLocks noGrp="1" noChangeAspect="1"/>
-          </p:cNvPicPr>
-          <p:nvPr>
-            <p:ph idx="1"/>
-          </p:nvPr>
-        </p:nvPicPr>
-        <p:blipFill>
-          <a:blip r:embed="rId3" cstate="print">
-            <a:extLst>
-              <a:ext uri="{28A0092B-C50C-407E-A947-70E740481C1C}">
-                <a14:useLocalDpi xmlns:a14="http://schemas.microsoft.com/office/drawing/2010/main" val="0"/>
-              </a:ext>
-            </a:extLst>
-          </a:blip>
-          <a:stretch>
-            <a:fillRect/>
-          </a:stretch>
-        </p:blipFill>
-        <p:spPr>
-          <a:xfrm>
-            <a:off x="1828800" y="1379054"/>
-            <a:ext cx="3672530" cy="5196950"/>
-          </a:xfrm>
-        </p:spPr>
-      </p:pic>
-      <p:pic>
-        <p:nvPicPr>
-          <p:cNvPr id="8" name="Picture 7">
-            <a:extLst>
-              <a:ext uri="{FF2B5EF4-FFF2-40B4-BE49-F238E27FC236}">
-                <a16:creationId xmlns:a16="http://schemas.microsoft.com/office/drawing/2014/main" id="{4DB42923-2CC9-408C-945B-20D9CC9BA470}"/>
-              </a:ext>
-            </a:extLst>
-          </p:cNvPr>
-          <p:cNvPicPr>
-            <a:picLocks noChangeAspect="1"/>
-          </p:cNvPicPr>
-          <p:nvPr/>
-        </p:nvPicPr>
-        <p:blipFill rotWithShape="1">
-          <a:blip r:embed="rId4" cstate="print">
-            <a:extLst>
-              <a:ext uri="{28A0092B-C50C-407E-A947-70E740481C1C}">
-                <a14:useLocalDpi xmlns:a14="http://schemas.microsoft.com/office/drawing/2010/main" val="0"/>
-              </a:ext>
-            </a:extLst>
-          </a:blip>
-          <a:srcRect l="56212" t="9483" r="11231" b="66366"/>
-          <a:stretch/>
-        </p:blipFill>
-        <p:spPr>
-          <a:xfrm>
-            <a:off x="6652795" y="2377860"/>
-            <a:ext cx="3085383" cy="3237567"/>
-          </a:xfrm>
-          <a:prstGeom prst="rect">
-            <a:avLst/>
-          </a:prstGeom>
-        </p:spPr>
-      </p:pic>
-      <p:pic>
-        <p:nvPicPr>
-          <p:cNvPr id="4" name="Picture 3">
-            <a:extLst>
-              <a:ext uri="{FF2B5EF4-FFF2-40B4-BE49-F238E27FC236}">
-                <a16:creationId xmlns:a16="http://schemas.microsoft.com/office/drawing/2014/main" id="{D343B351-3923-40BF-A1CA-19B2819C47B2}"/>
-              </a:ext>
-            </a:extLst>
-          </p:cNvPr>
-          <p:cNvPicPr>
-            <a:picLocks noChangeAspect="1"/>
-          </p:cNvPicPr>
-          <p:nvPr/>
-        </p:nvPicPr>
-        <p:blipFill rotWithShape="1">
-          <a:blip r:embed="rId4" cstate="print">
-            <a:extLst>
-              <a:ext uri="{28A0092B-C50C-407E-A947-70E740481C1C}">
-                <a14:useLocalDpi xmlns:a14="http://schemas.microsoft.com/office/drawing/2010/main" val="0"/>
-              </a:ext>
-            </a:extLst>
-          </a:blip>
-          <a:srcRect l="1903" t="2281" b="-991"/>
-          <a:stretch/>
-        </p:blipFill>
-        <p:spPr>
-          <a:xfrm>
-            <a:off x="1929991" y="1270000"/>
-            <a:ext cx="3832022" cy="5454357"/>
-          </a:xfrm>
-          <a:prstGeom prst="rect">
-            <a:avLst/>
-          </a:prstGeom>
-        </p:spPr>
-      </p:pic>
       <p:sp>
         <p:nvSpPr>
           <p:cNvPr id="2" name="Title 1">
@@ -8811,221 +10307,337 @@
       <p:transition/>
     </mc:Fallback>
   </mc:AlternateContent>
-  <p:timing>
-    <p:tnLst>
-      <p:par>
-        <p:cTn id="1" dur="indefinite" restart="never" nodeType="tmRoot">
-          <p:childTnLst>
-            <p:seq concurrent="1" nextAc="seek">
-              <p:cTn id="2" dur="indefinite" nodeType="mainSeq">
-                <p:childTnLst>
-                  <p:par>
-                    <p:cTn id="3" fill="hold">
-                      <p:stCondLst>
-                        <p:cond delay="indefinite"/>
-                      </p:stCondLst>
-                      <p:childTnLst>
-                        <p:par>
-                          <p:cTn id="4" fill="hold">
-                            <p:stCondLst>
-                              <p:cond delay="0"/>
-                            </p:stCondLst>
-                            <p:childTnLst>
-                              <p:par>
-                                <p:cTn id="5" presetID="1" presetClass="entr" presetSubtype="0" fill="hold" grpId="0" nodeType="clickEffect">
-                                  <p:stCondLst>
-                                    <p:cond delay="0"/>
-                                  </p:stCondLst>
-                                  <p:childTnLst>
-                                    <p:set>
-                                      <p:cBhvr>
-                                        <p:cTn id="6" dur="1" fill="hold">
-                                          <p:stCondLst>
-                                            <p:cond delay="9"/>
-                                          </p:stCondLst>
-                                        </p:cTn>
-                                        <p:tgtEl>
-                                          <p:spTgt spid="13"/>
-                                        </p:tgtEl>
-                                        <p:attrNameLst>
-                                          <p:attrName>style.visibility</p:attrName>
-                                        </p:attrNameLst>
-                                      </p:cBhvr>
-                                      <p:to>
-                                        <p:strVal val="visible"/>
-                                      </p:to>
-                                    </p:set>
-                                  </p:childTnLst>
-                                  <p:subTnLst>
-                                    <p:set>
-                                      <p:cBhvr override="childStyle">
-                                        <p:cTn dur="1" fill="hold" display="0" masterRel="nextClick" afterEffect="1"/>
-                                        <p:tgtEl>
-                                          <p:spTgt spid="13"/>
-                                        </p:tgtEl>
-                                        <p:attrNameLst>
-                                          <p:attrName>style.visibility</p:attrName>
-                                        </p:attrNameLst>
-                                      </p:cBhvr>
-                                      <p:to>
-                                        <p:strVal val="hidden"/>
-                                      </p:to>
-                                    </p:set>
-                                  </p:subTnLst>
-                                </p:cTn>
-                              </p:par>
-                            </p:childTnLst>
-                          </p:cTn>
-                        </p:par>
-                      </p:childTnLst>
-                    </p:cTn>
-                  </p:par>
-                  <p:par>
-                    <p:cTn id="7" fill="hold">
-                      <p:stCondLst>
-                        <p:cond delay="indefinite"/>
-                      </p:stCondLst>
-                      <p:childTnLst>
-                        <p:par>
-                          <p:cTn id="8" fill="hold">
-                            <p:stCondLst>
-                              <p:cond delay="0"/>
-                            </p:stCondLst>
-                            <p:childTnLst>
-                              <p:par>
-                                <p:cTn id="9" presetID="1" presetClass="entr" presetSubtype="0" fill="hold" nodeType="clickEffect">
-                                  <p:stCondLst>
-                                    <p:cond delay="0"/>
-                                  </p:stCondLst>
-                                  <p:childTnLst>
-                                    <p:set>
-                                      <p:cBhvr>
-                                        <p:cTn id="10" dur="1" fill="hold">
-                                          <p:stCondLst>
-                                            <p:cond delay="0"/>
-                                          </p:stCondLst>
-                                        </p:cTn>
-                                        <p:tgtEl>
-                                          <p:spTgt spid="6"/>
-                                        </p:tgtEl>
-                                        <p:attrNameLst>
-                                          <p:attrName>style.visibility</p:attrName>
-                                        </p:attrNameLst>
-                                      </p:cBhvr>
-                                      <p:to>
-                                        <p:strVal val="visible"/>
-                                      </p:to>
-                                    </p:set>
-                                  </p:childTnLst>
-                                </p:cTn>
-                              </p:par>
-                            </p:childTnLst>
-                          </p:cTn>
-                        </p:par>
-                      </p:childTnLst>
-                    </p:cTn>
-                  </p:par>
-                  <p:par>
-                    <p:cTn id="11" fill="hold">
-                      <p:stCondLst>
-                        <p:cond delay="indefinite"/>
-                      </p:stCondLst>
-                      <p:childTnLst>
-                        <p:par>
-                          <p:cTn id="12" fill="hold">
-                            <p:stCondLst>
-                              <p:cond delay="0"/>
-                            </p:stCondLst>
-                            <p:childTnLst>
-                              <p:par>
-                                <p:cTn id="13" presetID="1" presetClass="entr" presetSubtype="0" fill="hold" nodeType="clickEffect">
-                                  <p:stCondLst>
-                                    <p:cond delay="0"/>
-                                  </p:stCondLst>
-                                  <p:childTnLst>
-                                    <p:set>
-                                      <p:cBhvr>
-                                        <p:cTn id="14" dur="1" fill="hold">
-                                          <p:stCondLst>
-                                            <p:cond delay="0"/>
-                                          </p:stCondLst>
-                                        </p:cTn>
-                                        <p:tgtEl>
-                                          <p:spTgt spid="8"/>
-                                        </p:tgtEl>
-                                        <p:attrNameLst>
-                                          <p:attrName>style.visibility</p:attrName>
-                                        </p:attrNameLst>
-                                      </p:cBhvr>
-                                      <p:to>
-                                        <p:strVal val="visible"/>
-                                      </p:to>
-                                    </p:set>
-                                  </p:childTnLst>
-                                </p:cTn>
-                              </p:par>
-                              <p:par>
-                                <p:cTn id="15" presetID="1" presetClass="entr" presetSubtype="0" fill="hold" nodeType="withEffect">
-                                  <p:stCondLst>
-                                    <p:cond delay="0"/>
-                                  </p:stCondLst>
-                                  <p:childTnLst>
-                                    <p:set>
-                                      <p:cBhvr>
-                                        <p:cTn id="16" dur="1" fill="hold">
-                                          <p:stCondLst>
-                                            <p:cond delay="0"/>
-                                          </p:stCondLst>
-                                        </p:cTn>
-                                        <p:tgtEl>
-                                          <p:spTgt spid="4"/>
-                                        </p:tgtEl>
-                                        <p:attrNameLst>
-                                          <p:attrName>style.visibility</p:attrName>
-                                        </p:attrNameLst>
-                                      </p:cBhvr>
-                                      <p:to>
-                                        <p:strVal val="visible"/>
-                                      </p:to>
-                                    </p:set>
-                                  </p:childTnLst>
-                                </p:cTn>
-                              </p:par>
-                            </p:childTnLst>
-                          </p:cTn>
-                        </p:par>
-                      </p:childTnLst>
-                    </p:cTn>
-                  </p:par>
-                </p:childTnLst>
-              </p:cTn>
-              <p:prevCondLst>
-                <p:cond evt="onPrev" delay="0">
-                  <p:tgtEl>
-                    <p:sldTgt/>
-                  </p:tgtEl>
-                </p:cond>
-              </p:prevCondLst>
-              <p:nextCondLst>
-                <p:cond evt="onNext" delay="0">
-                  <p:tgtEl>
-                    <p:sldTgt/>
-                  </p:tgtEl>
-                </p:cond>
-              </p:nextCondLst>
-            </p:seq>
-          </p:childTnLst>
-        </p:cTn>
-      </p:par>
-    </p:tnLst>
-    <p:bldLst>
-      <p:bldP spid="13" grpId="0"/>
-    </p:bldLst>
-  </p:timing>
 </p:sld>
 </file>
 
 <file path=ppt/slides/slide5.xml><?xml version="1.0" encoding="utf-8"?>
+<p:sld xmlns:a="http://schemas.openxmlformats.org/drawingml/2006/main" xmlns:r="http://schemas.openxmlformats.org/officeDocument/2006/relationships" xmlns:p="http://schemas.openxmlformats.org/presentationml/2006/main">
+  <p:cSld>
+    <p:spTree>
+      <p:nvGrpSpPr>
+        <p:cNvPr id="1" name=""/>
+        <p:cNvGrpSpPr/>
+        <p:nvPr/>
+      </p:nvGrpSpPr>
+      <p:grpSpPr>
+        <a:xfrm>
+          <a:off x="0" y="0"/>
+          <a:ext cx="0" cy="0"/>
+          <a:chOff x="0" y="0"/>
+          <a:chExt cx="0" cy="0"/>
+        </a:xfrm>
+      </p:grpSpPr>
+      <p:pic>
+        <p:nvPicPr>
+          <p:cNvPr id="6" name="Content Placeholder 5">
+            <a:extLst>
+              <a:ext uri="{FF2B5EF4-FFF2-40B4-BE49-F238E27FC236}">
+                <a16:creationId xmlns:a16="http://schemas.microsoft.com/office/drawing/2014/main" id="{B4FF57C7-4C6B-4123-850B-346637AAB3C2}"/>
+              </a:ext>
+            </a:extLst>
+          </p:cNvPr>
+          <p:cNvPicPr>
+            <a:picLocks noGrp="1" noChangeAspect="1"/>
+          </p:cNvPicPr>
+          <p:nvPr>
+            <p:ph idx="1"/>
+          </p:nvPr>
+        </p:nvPicPr>
+        <p:blipFill>
+          <a:blip r:embed="rId3" cstate="print">
+            <a:extLst>
+              <a:ext uri="{28A0092B-C50C-407E-A947-70E740481C1C}">
+                <a14:useLocalDpi xmlns:a14="http://schemas.microsoft.com/office/drawing/2010/main" val="0"/>
+              </a:ext>
+            </a:extLst>
+          </a:blip>
+          <a:stretch>
+            <a:fillRect/>
+          </a:stretch>
+        </p:blipFill>
+        <p:spPr>
+          <a:xfrm>
+            <a:off x="1313335" y="1280050"/>
+            <a:ext cx="3672530" cy="5196950"/>
+          </a:xfrm>
+        </p:spPr>
+      </p:pic>
+      <p:sp>
+        <p:nvSpPr>
+          <p:cNvPr id="2" name="Title 1">
+            <a:extLst>
+              <a:ext uri="{FF2B5EF4-FFF2-40B4-BE49-F238E27FC236}">
+                <a16:creationId xmlns:a16="http://schemas.microsoft.com/office/drawing/2014/main" id="{9F7C2EBD-FE26-49C2-BF53-3094415BA70E}"/>
+              </a:ext>
+            </a:extLst>
+          </p:cNvPr>
+          <p:cNvSpPr>
+            <a:spLocks noGrp="1"/>
+          </p:cNvSpPr>
+          <p:nvPr>
+            <p:ph type="title"/>
+          </p:nvPr>
+        </p:nvSpPr>
+        <p:spPr>
+          <a:xfrm>
+            <a:off x="1828800" y="260350"/>
+            <a:ext cx="8940800" cy="654050"/>
+          </a:xfrm>
+        </p:spPr>
+        <p:txBody>
+          <a:bodyPr/>
+          <a:lstStyle/>
+          <a:p>
+            <a:r>
+              <a:rPr lang="en-ZA" dirty="0"/>
+              <a:t>Solution</a:t>
+            </a:r>
+          </a:p>
+        </p:txBody>
+      </p:sp>
+      <p:sp>
+        <p:nvSpPr>
+          <p:cNvPr id="7" name="Slide Number Placeholder 3">
+            <a:extLst>
+              <a:ext uri="{FF2B5EF4-FFF2-40B4-BE49-F238E27FC236}">
+                <a16:creationId xmlns:a16="http://schemas.microsoft.com/office/drawing/2014/main" id="{D6FA926E-2FF6-4884-82CE-A00332B7ACB5}"/>
+              </a:ext>
+            </a:extLst>
+          </p:cNvPr>
+          <p:cNvSpPr>
+            <a:spLocks noGrp="1"/>
+          </p:cNvSpPr>
+          <p:nvPr>
+            <p:ph type="sldNum" sz="quarter" idx="10"/>
+          </p:nvPr>
+        </p:nvSpPr>
+        <p:spPr>
+          <a:xfrm>
+            <a:off x="609600" y="6477000"/>
+            <a:ext cx="2540000" cy="457200"/>
+          </a:xfrm>
+        </p:spPr>
+        <p:txBody>
+          <a:bodyPr/>
+          <a:lstStyle/>
+          <a:p>
+            <a:pPr>
+              <a:defRPr/>
+            </a:pPr>
+            <a:fld id="{A27591B5-593E-49C1-8C2D-4B5CC8495990}" type="slidenum">
+              <a:rPr lang="en-US" smtClean="0"/>
+              <a:pPr>
+                <a:defRPr/>
+              </a:pPr>
+              <a:t>5</a:t>
+            </a:fld>
+            <a:endParaRPr lang="en-US" dirty="0"/>
+          </a:p>
+        </p:txBody>
+      </p:sp>
+    </p:spTree>
+    <p:extLst>
+      <p:ext uri="{BB962C8B-B14F-4D97-AF65-F5344CB8AC3E}">
+        <p14:creationId xmlns:p14="http://schemas.microsoft.com/office/powerpoint/2010/main" val="1287687363"/>
+      </p:ext>
+    </p:extLst>
+  </p:cSld>
+  <p:clrMapOvr>
+    <a:masterClrMapping/>
+  </p:clrMapOvr>
+  <mc:AlternateContent xmlns:mc="http://schemas.openxmlformats.org/markup-compatibility/2006" xmlns:p14="http://schemas.microsoft.com/office/powerpoint/2010/main">
+    <mc:Choice Requires="p14">
+      <p:transition p14:dur="10"/>
+    </mc:Choice>
+    <mc:Fallback xmlns="">
+      <p:transition/>
+    </mc:Fallback>
+  </mc:AlternateContent>
+</p:sld>
+</file>
+
+<file path=ppt/slides/slide6.xml><?xml version="1.0" encoding="utf-8"?>
+<p:sld xmlns:a="http://schemas.openxmlformats.org/drawingml/2006/main" xmlns:r="http://schemas.openxmlformats.org/officeDocument/2006/relationships" xmlns:p="http://schemas.openxmlformats.org/presentationml/2006/main">
+  <p:cSld>
+    <p:spTree>
+      <p:nvGrpSpPr>
+        <p:cNvPr id="1" name=""/>
+        <p:cNvGrpSpPr/>
+        <p:nvPr/>
+      </p:nvGrpSpPr>
+      <p:grpSpPr>
+        <a:xfrm>
+          <a:off x="0" y="0"/>
+          <a:ext cx="0" cy="0"/>
+          <a:chOff x="0" y="0"/>
+          <a:chExt cx="0" cy="0"/>
+        </a:xfrm>
+      </p:grpSpPr>
+      <p:pic>
+        <p:nvPicPr>
+          <p:cNvPr id="8" name="Picture 7">
+            <a:extLst>
+              <a:ext uri="{FF2B5EF4-FFF2-40B4-BE49-F238E27FC236}">
+                <a16:creationId xmlns:a16="http://schemas.microsoft.com/office/drawing/2014/main" id="{4DB42923-2CC9-408C-945B-20D9CC9BA470}"/>
+              </a:ext>
+            </a:extLst>
+          </p:cNvPr>
+          <p:cNvPicPr>
+            <a:picLocks noChangeAspect="1"/>
+          </p:cNvPicPr>
+          <p:nvPr/>
+        </p:nvPicPr>
+        <p:blipFill rotWithShape="1">
+          <a:blip r:embed="rId3" cstate="print">
+            <a:extLst>
+              <a:ext uri="{28A0092B-C50C-407E-A947-70E740481C1C}">
+                <a14:useLocalDpi xmlns:a14="http://schemas.microsoft.com/office/drawing/2010/main" val="0"/>
+              </a:ext>
+            </a:extLst>
+          </a:blip>
+          <a:srcRect l="56212" t="9483" r="11231" b="66366"/>
+          <a:stretch/>
+        </p:blipFill>
+        <p:spPr>
+          <a:xfrm>
+            <a:off x="6652795" y="2377860"/>
+            <a:ext cx="3085383" cy="3237567"/>
+          </a:xfrm>
+          <a:prstGeom prst="rect">
+            <a:avLst/>
+          </a:prstGeom>
+        </p:spPr>
+      </p:pic>
+      <p:pic>
+        <p:nvPicPr>
+          <p:cNvPr id="4" name="Picture 3">
+            <a:extLst>
+              <a:ext uri="{FF2B5EF4-FFF2-40B4-BE49-F238E27FC236}">
+                <a16:creationId xmlns:a16="http://schemas.microsoft.com/office/drawing/2014/main" id="{D343B351-3923-40BF-A1CA-19B2819C47B2}"/>
+              </a:ext>
+            </a:extLst>
+          </p:cNvPr>
+          <p:cNvPicPr>
+            <a:picLocks noChangeAspect="1"/>
+          </p:cNvPicPr>
+          <p:nvPr/>
+        </p:nvPicPr>
+        <p:blipFill rotWithShape="1">
+          <a:blip r:embed="rId3" cstate="print">
+            <a:extLst>
+              <a:ext uri="{28A0092B-C50C-407E-A947-70E740481C1C}">
+                <a14:useLocalDpi xmlns:a14="http://schemas.microsoft.com/office/drawing/2010/main" val="0"/>
+              </a:ext>
+            </a:extLst>
+          </a:blip>
+          <a:srcRect l="1903" t="2281" b="-991"/>
+          <a:stretch/>
+        </p:blipFill>
+        <p:spPr>
+          <a:xfrm>
+            <a:off x="1383581" y="1158316"/>
+            <a:ext cx="3832022" cy="5454357"/>
+          </a:xfrm>
+          <a:prstGeom prst="rect">
+            <a:avLst/>
+          </a:prstGeom>
+        </p:spPr>
+      </p:pic>
+      <p:sp>
+        <p:nvSpPr>
+          <p:cNvPr id="2" name="Title 1">
+            <a:extLst>
+              <a:ext uri="{FF2B5EF4-FFF2-40B4-BE49-F238E27FC236}">
+                <a16:creationId xmlns:a16="http://schemas.microsoft.com/office/drawing/2014/main" id="{9F7C2EBD-FE26-49C2-BF53-3094415BA70E}"/>
+              </a:ext>
+            </a:extLst>
+          </p:cNvPr>
+          <p:cNvSpPr>
+            <a:spLocks noGrp="1"/>
+          </p:cNvSpPr>
+          <p:nvPr>
+            <p:ph type="title"/>
+          </p:nvPr>
+        </p:nvSpPr>
+        <p:spPr>
+          <a:xfrm>
+            <a:off x="1828800" y="260350"/>
+            <a:ext cx="8940800" cy="654050"/>
+          </a:xfrm>
+        </p:spPr>
+        <p:txBody>
+          <a:bodyPr/>
+          <a:lstStyle/>
+          <a:p>
+            <a:r>
+              <a:rPr lang="en-ZA" dirty="0"/>
+              <a:t>Solution</a:t>
+            </a:r>
+          </a:p>
+        </p:txBody>
+      </p:sp>
+      <p:sp>
+        <p:nvSpPr>
+          <p:cNvPr id="7" name="Slide Number Placeholder 3">
+            <a:extLst>
+              <a:ext uri="{FF2B5EF4-FFF2-40B4-BE49-F238E27FC236}">
+                <a16:creationId xmlns:a16="http://schemas.microsoft.com/office/drawing/2014/main" id="{D6FA926E-2FF6-4884-82CE-A00332B7ACB5}"/>
+              </a:ext>
+            </a:extLst>
+          </p:cNvPr>
+          <p:cNvSpPr>
+            <a:spLocks noGrp="1"/>
+          </p:cNvSpPr>
+          <p:nvPr>
+            <p:ph type="sldNum" sz="quarter" idx="10"/>
+          </p:nvPr>
+        </p:nvSpPr>
+        <p:spPr>
+          <a:xfrm>
+            <a:off x="609600" y="6477000"/>
+            <a:ext cx="2540000" cy="457200"/>
+          </a:xfrm>
+        </p:spPr>
+        <p:txBody>
+          <a:bodyPr/>
+          <a:lstStyle/>
+          <a:p>
+            <a:pPr>
+              <a:defRPr/>
+            </a:pPr>
+            <a:fld id="{A27591B5-593E-49C1-8C2D-4B5CC8495990}" type="slidenum">
+              <a:rPr lang="en-US" smtClean="0"/>
+              <a:pPr>
+                <a:defRPr/>
+              </a:pPr>
+              <a:t>6</a:t>
+            </a:fld>
+            <a:endParaRPr lang="en-US" dirty="0"/>
+          </a:p>
+        </p:txBody>
+      </p:sp>
+    </p:spTree>
+    <p:extLst>
+      <p:ext uri="{BB962C8B-B14F-4D97-AF65-F5344CB8AC3E}">
+        <p14:creationId xmlns:p14="http://schemas.microsoft.com/office/powerpoint/2010/main" val="625464787"/>
+      </p:ext>
+    </p:extLst>
+  </p:cSld>
+  <p:clrMapOvr>
+    <a:masterClrMapping/>
+  </p:clrMapOvr>
+  <mc:AlternateContent xmlns:mc="http://schemas.openxmlformats.org/markup-compatibility/2006" xmlns:p14="http://schemas.microsoft.com/office/powerpoint/2010/main">
+    <mc:Choice Requires="p14">
+      <p:transition p14:dur="10"/>
+    </mc:Choice>
+    <mc:Fallback xmlns="">
+      <p:transition/>
+    </mc:Fallback>
+  </mc:AlternateContent>
+</p:sld>
+</file>
+
+<file path=ppt/slides/slide7.xml><?xml version="1.0" encoding="utf-8"?>
 <p:sld xmlns:a="http://schemas.openxmlformats.org/drawingml/2006/main" xmlns:r="http://schemas.openxmlformats.org/officeDocument/2006/relationships" xmlns:p="http://schemas.openxmlformats.org/presentationml/2006/main">
   <p:cSld>
     <p:spTree>
@@ -9426,7 +11038,7 @@
               <a:pPr>
                 <a:defRPr/>
               </a:pPr>
-              <a:t>5</a:t>
+              <a:t>7</a:t>
             </a:fld>
             <a:endParaRPr lang="en-US" dirty="0"/>
           </a:p>
@@ -9691,7 +11303,7 @@
 </p:sld>
 </file>
 
-<file path=ppt/slides/slide6.xml><?xml version="1.0" encoding="utf-8"?>
+<file path=ppt/slides/slide8.xml><?xml version="1.0" encoding="utf-8"?>
 <p:sld xmlns:a="http://schemas.openxmlformats.org/drawingml/2006/main" xmlns:r="http://schemas.openxmlformats.org/officeDocument/2006/relationships" xmlns:p="http://schemas.openxmlformats.org/presentationml/2006/main">
   <p:cSld>
     <p:spTree>
@@ -9765,7 +11377,7 @@
               <a:pPr>
                 <a:defRPr/>
               </a:pPr>
-              <a:t>6</a:t>
+              <a:t>8</a:t>
             </a:fld>
             <a:endParaRPr lang="en-US" dirty="0"/>
           </a:p>
@@ -9956,7 +11568,7 @@
 </p:sld>
 </file>
 
-<file path=ppt/slides/slide7.xml><?xml version="1.0" encoding="utf-8"?>
+<file path=ppt/slides/slide9.xml><?xml version="1.0" encoding="utf-8"?>
 <p:sld xmlns:a="http://schemas.openxmlformats.org/drawingml/2006/main" xmlns:r="http://schemas.openxmlformats.org/officeDocument/2006/relationships" xmlns:p="http://schemas.openxmlformats.org/presentationml/2006/main">
   <p:cSld>
     <p:spTree>
@@ -10069,7 +11681,7 @@
               <a:pPr>
                 <a:defRPr/>
               </a:pPr>
-              <a:t>7</a:t>
+              <a:t>9</a:t>
             </a:fld>
             <a:endParaRPr lang="en-US" dirty="0"/>
           </a:p>
@@ -11075,1550 +12687,6 @@
   <p:clrMapOvr>
     <a:masterClrMapping/>
   </p:clrMapOvr>
-</p:sld>
-</file>
-
-<file path=ppt/slides/slide8.xml><?xml version="1.0" encoding="utf-8"?>
-<p:sld xmlns:a="http://schemas.openxmlformats.org/drawingml/2006/main" xmlns:r="http://schemas.openxmlformats.org/officeDocument/2006/relationships" xmlns:p="http://schemas.openxmlformats.org/presentationml/2006/main">
-  <p:cSld>
-    <p:spTree>
-      <p:nvGrpSpPr>
-        <p:cNvPr id="1" name=""/>
-        <p:cNvGrpSpPr/>
-        <p:nvPr/>
-      </p:nvGrpSpPr>
-      <p:grpSpPr>
-        <a:xfrm>
-          <a:off x="0" y="0"/>
-          <a:ext cx="0" cy="0"/>
-          <a:chOff x="0" y="0"/>
-          <a:chExt cx="0" cy="0"/>
-        </a:xfrm>
-      </p:grpSpPr>
-      <p:pic>
-        <p:nvPicPr>
-          <p:cNvPr id="1028" name="Picture 4" descr="https://www.mindef.gov.sg/content/imindef/publications/pointer/journals/2008/v34n1/tech_edge/_jcr_content/imindefPars/0012/image.img.png">
-            <a:extLst>
-              <a:ext uri="{FF2B5EF4-FFF2-40B4-BE49-F238E27FC236}">
-                <a16:creationId xmlns:a16="http://schemas.microsoft.com/office/drawing/2014/main" id="{CD278694-F2BF-487F-A406-3695C77FD00C}"/>
-              </a:ext>
-            </a:extLst>
-          </p:cNvPr>
-          <p:cNvPicPr>
-            <a:picLocks noChangeAspect="1" noChangeArrowheads="1"/>
-          </p:cNvPicPr>
-          <p:nvPr/>
-        </p:nvPicPr>
-        <p:blipFill>
-          <a:blip r:embed="rId3">
-            <a:extLst>
-              <a:ext uri="{28A0092B-C50C-407E-A947-70E740481C1C}">
-                <a14:useLocalDpi xmlns:a14="http://schemas.microsoft.com/office/drawing/2010/main" val="0"/>
-              </a:ext>
-            </a:extLst>
-          </a:blip>
-          <a:srcRect/>
-          <a:stretch>
-            <a:fillRect/>
-          </a:stretch>
-        </p:blipFill>
-        <p:spPr bwMode="auto">
-          <a:xfrm>
-            <a:off x="7843553" y="2881836"/>
-            <a:ext cx="3219555" cy="2325655"/>
-          </a:xfrm>
-          <a:prstGeom prst="rect">
-            <a:avLst/>
-          </a:prstGeom>
-          <a:noFill/>
-          <a:extLst>
-            <a:ext uri="{909E8E84-426E-40DD-AFC4-6F175D3DCCD1}">
-              <a14:hiddenFill xmlns:a14="http://schemas.microsoft.com/office/drawing/2010/main">
-                <a:solidFill>
-                  <a:srgbClr val="FFFFFF"/>
-                </a:solidFill>
-              </a14:hiddenFill>
-            </a:ext>
-          </a:extLst>
-        </p:spPr>
-      </p:pic>
-      <p:pic>
-        <p:nvPicPr>
-          <p:cNvPr id="37" name="Picture 36">
-            <a:extLst>
-              <a:ext uri="{FF2B5EF4-FFF2-40B4-BE49-F238E27FC236}">
-                <a16:creationId xmlns:a16="http://schemas.microsoft.com/office/drawing/2014/main" id="{D45EB7C5-48C4-4711-8A31-AF06944136BA}"/>
-              </a:ext>
-            </a:extLst>
-          </p:cNvPr>
-          <p:cNvPicPr>
-            <a:picLocks noChangeAspect="1"/>
-          </p:cNvPicPr>
-          <p:nvPr/>
-        </p:nvPicPr>
-        <p:blipFill rotWithShape="1">
-          <a:blip r:embed="rId4" cstate="print">
-            <a:extLst>
-              <a:ext uri="{28A0092B-C50C-407E-A947-70E740481C1C}">
-                <a14:useLocalDpi xmlns:a14="http://schemas.microsoft.com/office/drawing/2010/main" val="0"/>
-              </a:ext>
-            </a:extLst>
-          </a:blip>
-          <a:srcRect l="1903" t="2281" b="-991"/>
-          <a:stretch/>
-        </p:blipFill>
-        <p:spPr>
-          <a:xfrm>
-            <a:off x="2951463" y="1892445"/>
-            <a:ext cx="3369816" cy="4752191"/>
-          </a:xfrm>
-          <a:prstGeom prst="rect">
-            <a:avLst/>
-          </a:prstGeom>
-        </p:spPr>
-      </p:pic>
-      <p:sp>
-        <p:nvSpPr>
-          <p:cNvPr id="2" name="Title 1"/>
-          <p:cNvSpPr>
-            <a:spLocks noGrp="1"/>
-          </p:cNvSpPr>
-          <p:nvPr>
-            <p:ph type="title"/>
-          </p:nvPr>
-        </p:nvSpPr>
-        <p:spPr/>
-        <p:txBody>
-          <a:bodyPr/>
-          <a:lstStyle/>
-          <a:p>
-            <a:r>
-              <a:rPr lang="en-US" dirty="0"/>
-              <a:t>Image Processing</a:t>
-            </a:r>
-            <a:endParaRPr lang="en-ZA" dirty="0"/>
-          </a:p>
-        </p:txBody>
-      </p:sp>
-      <p:sp>
-        <p:nvSpPr>
-          <p:cNvPr id="3" name="Content Placeholder 2"/>
-          <p:cNvSpPr>
-            <a:spLocks noGrp="1"/>
-          </p:cNvSpPr>
-          <p:nvPr>
-            <p:ph idx="1"/>
-          </p:nvPr>
-        </p:nvSpPr>
-        <p:spPr/>
-        <p:txBody>
-          <a:bodyPr/>
-          <a:lstStyle/>
-          <a:p>
-            <a:r>
-              <a:rPr lang="en-ZA" kern="1200" dirty="0">
-                <a:effectLst>
-                  <a:outerShdw blurRad="38100" dist="38100" dir="2700000" algn="tl">
-                    <a:srgbClr val="000000">
-                      <a:alpha val="43137"/>
-                    </a:srgbClr>
-                  </a:outerShdw>
-                </a:effectLst>
-                <a:latin typeface="Times New Roman" pitchFamily="18" charset="0"/>
-              </a:rPr>
-              <a:t> </a:t>
-            </a:r>
-            <a:r>
-              <a:rPr lang="en-ZA" kern="1200" dirty="0">
-                <a:latin typeface="Times New Roman" pitchFamily="18" charset="0"/>
-              </a:rPr>
-              <a:t>First step is to find the orientation of the template</a:t>
-            </a:r>
-          </a:p>
-          <a:p>
-            <a:endParaRPr lang="en-ZA" kern="1200" dirty="0">
-              <a:effectLst>
-                <a:outerShdw blurRad="38100" dist="38100" dir="2700000" algn="tl">
-                  <a:srgbClr val="000000">
-                    <a:alpha val="43137"/>
-                  </a:srgbClr>
-                </a:outerShdw>
-              </a:effectLst>
-              <a:latin typeface="Times New Roman" pitchFamily="18" charset="0"/>
-            </a:endParaRPr>
-          </a:p>
-        </p:txBody>
-      </p:sp>
-      <p:sp>
-        <p:nvSpPr>
-          <p:cNvPr id="4" name="Slide Number Placeholder 3"/>
-          <p:cNvSpPr>
-            <a:spLocks noGrp="1"/>
-          </p:cNvSpPr>
-          <p:nvPr>
-            <p:ph type="sldNum" sz="quarter" idx="10"/>
-          </p:nvPr>
-        </p:nvSpPr>
-        <p:spPr>
-          <a:xfrm>
-            <a:off x="609600" y="6405560"/>
-            <a:ext cx="2540000" cy="457200"/>
-          </a:xfrm>
-        </p:spPr>
-        <p:txBody>
-          <a:bodyPr/>
-          <a:lstStyle/>
-          <a:p>
-            <a:fld id="{E1C8B3A6-3C3C-4C3A-840C-7024069E8318}" type="slidenum">
-              <a:rPr lang="en-ZA" smtClean="0"/>
-              <a:pPr/>
-              <a:t>8</a:t>
-            </a:fld>
-            <a:endParaRPr lang="en-ZA"/>
-          </a:p>
-        </p:txBody>
-      </p:sp>
-      <p:pic>
-        <p:nvPicPr>
-          <p:cNvPr id="6" name="Picture 5">
-            <a:extLst>
-              <a:ext uri="{FF2B5EF4-FFF2-40B4-BE49-F238E27FC236}">
-                <a16:creationId xmlns:a16="http://schemas.microsoft.com/office/drawing/2014/main" id="{DFC384C2-16DC-4529-A0A3-CA807AC56920}"/>
-              </a:ext>
-            </a:extLst>
-          </p:cNvPr>
-          <p:cNvPicPr>
-            <a:picLocks noChangeAspect="1"/>
-          </p:cNvPicPr>
-          <p:nvPr/>
-        </p:nvPicPr>
-        <p:blipFill rotWithShape="1">
-          <a:blip r:embed="rId5">
-            <a:extLst>
-              <a:ext uri="{28A0092B-C50C-407E-A947-70E740481C1C}">
-                <a14:useLocalDpi xmlns:a14="http://schemas.microsoft.com/office/drawing/2010/main" val="0"/>
-              </a:ext>
-            </a:extLst>
-          </a:blip>
-          <a:srcRect l="5516" t="3740" r="5341" b="1698"/>
-          <a:stretch/>
-        </p:blipFill>
-        <p:spPr>
-          <a:xfrm>
-            <a:off x="7682148" y="1883502"/>
-            <a:ext cx="3542366" cy="4522058"/>
-          </a:xfrm>
-          <a:prstGeom prst="rect">
-            <a:avLst/>
-          </a:prstGeom>
-        </p:spPr>
-      </p:pic>
-      <p:cxnSp>
-        <p:nvCxnSpPr>
-          <p:cNvPr id="12" name="Straight Connector 11">
-            <a:extLst>
-              <a:ext uri="{FF2B5EF4-FFF2-40B4-BE49-F238E27FC236}">
-                <a16:creationId xmlns:a16="http://schemas.microsoft.com/office/drawing/2014/main" id="{C6FC822A-662A-4084-A947-4E9162C36ED5}"/>
-              </a:ext>
-            </a:extLst>
-          </p:cNvPr>
-          <p:cNvCxnSpPr>
-            <a:cxnSpLocks/>
-          </p:cNvCxnSpPr>
-          <p:nvPr/>
-        </p:nvCxnSpPr>
-        <p:spPr bwMode="auto">
-          <a:xfrm>
-            <a:off x="2889250" y="3378829"/>
-            <a:ext cx="3333325" cy="24767"/>
-          </a:xfrm>
-          <a:prstGeom prst="line">
-            <a:avLst/>
-          </a:prstGeom>
-          <a:solidFill>
-            <a:schemeClr val="accent1"/>
-          </a:solidFill>
-          <a:ln w="12700" cap="sq" cmpd="sng" algn="ctr">
-            <a:solidFill>
-              <a:srgbClr val="0070C0"/>
-            </a:solidFill>
-            <a:prstDash val="solid"/>
-            <a:round/>
-            <a:headEnd type="none" w="sm" len="sm"/>
-            <a:tailEnd type="none" w="sm" len="sm"/>
-          </a:ln>
-          <a:effectLst/>
-        </p:spPr>
-      </p:cxnSp>
-      <p:cxnSp>
-        <p:nvCxnSpPr>
-          <p:cNvPr id="17" name="Straight Connector 16">
-            <a:extLst>
-              <a:ext uri="{FF2B5EF4-FFF2-40B4-BE49-F238E27FC236}">
-                <a16:creationId xmlns:a16="http://schemas.microsoft.com/office/drawing/2014/main" id="{64E4A50E-D785-4CD3-BA37-490A4571AE1A}"/>
-              </a:ext>
-            </a:extLst>
-          </p:cNvPr>
-          <p:cNvCxnSpPr>
-            <a:cxnSpLocks/>
-          </p:cNvCxnSpPr>
-          <p:nvPr/>
-        </p:nvCxnSpPr>
-        <p:spPr bwMode="auto">
-          <a:xfrm flipH="1">
-            <a:off x="4624915" y="2095496"/>
-            <a:ext cx="26460" cy="4381500"/>
-          </a:xfrm>
-          <a:prstGeom prst="line">
-            <a:avLst/>
-          </a:prstGeom>
-          <a:solidFill>
-            <a:schemeClr val="accent1"/>
-          </a:solidFill>
-          <a:ln w="12700" cap="sq" cmpd="sng" algn="ctr">
-            <a:solidFill>
-              <a:srgbClr val="92D050"/>
-            </a:solidFill>
-            <a:prstDash val="solid"/>
-            <a:round/>
-            <a:headEnd type="none" w="sm" len="sm"/>
-            <a:tailEnd type="none" w="sm" len="sm"/>
-          </a:ln>
-          <a:effectLst/>
-        </p:spPr>
-      </p:cxnSp>
-      <p:sp>
-        <p:nvSpPr>
-          <p:cNvPr id="18" name="Oval 17">
-            <a:extLst>
-              <a:ext uri="{FF2B5EF4-FFF2-40B4-BE49-F238E27FC236}">
-                <a16:creationId xmlns:a16="http://schemas.microsoft.com/office/drawing/2014/main" id="{6371A327-D392-41F0-AE8F-822862290DC0}"/>
-              </a:ext>
-            </a:extLst>
-          </p:cNvPr>
-          <p:cNvSpPr/>
-          <p:nvPr/>
-        </p:nvSpPr>
-        <p:spPr bwMode="auto">
-          <a:xfrm>
-            <a:off x="4621740" y="3372479"/>
-            <a:ext cx="45719" cy="45719"/>
-          </a:xfrm>
-          <a:prstGeom prst="ellipse">
-            <a:avLst/>
-          </a:prstGeom>
-          <a:solidFill>
-            <a:srgbClr val="FF0000"/>
-          </a:solidFill>
-          <a:ln w="12700" cap="sq" cmpd="sng" algn="ctr">
-            <a:solidFill>
-              <a:srgbClr val="FF0000"/>
-            </a:solidFill>
-            <a:prstDash val="solid"/>
-            <a:round/>
-            <a:headEnd type="none" w="sm" len="sm"/>
-            <a:tailEnd type="none" w="sm" len="sm"/>
-          </a:ln>
-          <a:effectLst/>
-        </p:spPr>
-        <p:txBody>
-          <a:bodyPr vert="horz" wrap="square" lIns="91440" tIns="45720" rIns="91440" bIns="45720" numCol="1" rtlCol="0" anchor="t" anchorCtr="0" compatLnSpc="1">
-            <a:prstTxWarp prst="textNoShape">
-              <a:avLst/>
-            </a:prstTxWarp>
-          </a:bodyPr>
-          <a:lstStyle/>
-          <a:p>
-            <a:pPr marL="0" marR="0" indent="0" algn="l" defTabSz="914400" rtl="0" eaLnBrk="1" fontAlgn="base" latinLnBrk="0" hangingPunct="1">
-              <a:lnSpc>
-                <a:spcPct val="100000"/>
-              </a:lnSpc>
-              <a:spcBef>
-                <a:spcPct val="0"/>
-              </a:spcBef>
-              <a:spcAft>
-                <a:spcPct val="0"/>
-              </a:spcAft>
-              <a:buClrTx/>
-              <a:buSzTx/>
-              <a:buFontTx/>
-              <a:buNone/>
-              <a:tabLst/>
-            </a:pPr>
-            <a:endParaRPr kumimoji="0" lang="en-ZA" sz="2400" b="0" i="0" u="none" strike="noStrike" cap="none" normalizeH="0" baseline="0">
-              <a:ln>
-                <a:noFill/>
-              </a:ln>
-              <a:solidFill>
-                <a:schemeClr val="tx1"/>
-              </a:solidFill>
-              <a:effectLst/>
-              <a:latin typeface="Times New Roman" pitchFamily="18" charset="0"/>
-            </a:endParaRPr>
-          </a:p>
-        </p:txBody>
-      </p:sp>
-      <p:cxnSp>
-        <p:nvCxnSpPr>
-          <p:cNvPr id="34" name="Straight Connector 33">
-            <a:extLst>
-              <a:ext uri="{FF2B5EF4-FFF2-40B4-BE49-F238E27FC236}">
-                <a16:creationId xmlns:a16="http://schemas.microsoft.com/office/drawing/2014/main" id="{09753472-D731-48D2-8F2E-86B6DD44869A}"/>
-              </a:ext>
-            </a:extLst>
-          </p:cNvPr>
-          <p:cNvCxnSpPr>
-            <a:cxnSpLocks/>
-          </p:cNvCxnSpPr>
-          <p:nvPr/>
-        </p:nvCxnSpPr>
-        <p:spPr bwMode="auto">
-          <a:xfrm flipH="1">
-            <a:off x="3234411" y="2095496"/>
-            <a:ext cx="26460" cy="4381500"/>
-          </a:xfrm>
-          <a:prstGeom prst="line">
-            <a:avLst/>
-          </a:prstGeom>
-          <a:solidFill>
-            <a:schemeClr val="accent1"/>
-          </a:solidFill>
-          <a:ln w="12700" cap="sq" cmpd="sng" algn="ctr">
-            <a:solidFill>
-              <a:srgbClr val="92D050"/>
-            </a:solidFill>
-            <a:prstDash val="solid"/>
-            <a:round/>
-            <a:headEnd type="none" w="sm" len="sm"/>
-            <a:tailEnd type="none" w="sm" len="sm"/>
-          </a:ln>
-          <a:effectLst/>
-        </p:spPr>
-      </p:cxnSp>
-      <p:sp>
-        <p:nvSpPr>
-          <p:cNvPr id="21" name="Oval 20">
-            <a:extLst>
-              <a:ext uri="{FF2B5EF4-FFF2-40B4-BE49-F238E27FC236}">
-                <a16:creationId xmlns:a16="http://schemas.microsoft.com/office/drawing/2014/main" id="{A8A0CF91-A2BD-4B73-BBC7-A37F6D62ED3D}"/>
-              </a:ext>
-            </a:extLst>
-          </p:cNvPr>
-          <p:cNvSpPr/>
-          <p:nvPr/>
-        </p:nvSpPr>
-        <p:spPr bwMode="auto">
-          <a:xfrm>
-            <a:off x="3231090" y="3355969"/>
-            <a:ext cx="45719" cy="45719"/>
-          </a:xfrm>
-          <a:prstGeom prst="ellipse">
-            <a:avLst/>
-          </a:prstGeom>
-          <a:solidFill>
-            <a:srgbClr val="FF0000"/>
-          </a:solidFill>
-          <a:ln w="12700" cap="sq" cmpd="sng" algn="ctr">
-            <a:solidFill>
-              <a:srgbClr val="FF0000"/>
-            </a:solidFill>
-            <a:prstDash val="solid"/>
-            <a:round/>
-            <a:headEnd type="none" w="sm" len="sm"/>
-            <a:tailEnd type="none" w="sm" len="sm"/>
-          </a:ln>
-          <a:effectLst/>
-        </p:spPr>
-        <p:txBody>
-          <a:bodyPr vert="horz" wrap="square" lIns="91440" tIns="45720" rIns="91440" bIns="45720" numCol="1" rtlCol="0" anchor="t" anchorCtr="0" compatLnSpc="1">
-            <a:prstTxWarp prst="textNoShape">
-              <a:avLst/>
-            </a:prstTxWarp>
-          </a:bodyPr>
-          <a:lstStyle/>
-          <a:p>
-            <a:pPr marL="0" marR="0" indent="0" algn="l" defTabSz="914400" rtl="0" eaLnBrk="1" fontAlgn="base" latinLnBrk="0" hangingPunct="1">
-              <a:lnSpc>
-                <a:spcPct val="100000"/>
-              </a:lnSpc>
-              <a:spcBef>
-                <a:spcPct val="0"/>
-              </a:spcBef>
-              <a:spcAft>
-                <a:spcPct val="0"/>
-              </a:spcAft>
-              <a:buClrTx/>
-              <a:buSzTx/>
-              <a:buFontTx/>
-              <a:buNone/>
-              <a:tabLst/>
-            </a:pPr>
-            <a:endParaRPr kumimoji="0" lang="en-ZA" sz="2400" b="0" i="0" u="none" strike="noStrike" cap="none" normalizeH="0" baseline="0">
-              <a:ln>
-                <a:noFill/>
-              </a:ln>
-              <a:solidFill>
-                <a:schemeClr val="tx1"/>
-              </a:solidFill>
-              <a:effectLst/>
-              <a:latin typeface="Times New Roman" pitchFamily="18" charset="0"/>
-            </a:endParaRPr>
-          </a:p>
-        </p:txBody>
-      </p:sp>
-      <p:cxnSp>
-        <p:nvCxnSpPr>
-          <p:cNvPr id="41" name="Straight Connector 40">
-            <a:extLst>
-              <a:ext uri="{FF2B5EF4-FFF2-40B4-BE49-F238E27FC236}">
-                <a16:creationId xmlns:a16="http://schemas.microsoft.com/office/drawing/2014/main" id="{EE7DA128-A2FA-4978-8AAD-C8A19C490643}"/>
-              </a:ext>
-            </a:extLst>
-          </p:cNvPr>
-          <p:cNvCxnSpPr>
-            <a:cxnSpLocks/>
-          </p:cNvCxnSpPr>
-          <p:nvPr/>
-        </p:nvCxnSpPr>
-        <p:spPr bwMode="auto">
-          <a:xfrm>
-            <a:off x="2889249" y="6379261"/>
-            <a:ext cx="3286126" cy="12384"/>
-          </a:xfrm>
-          <a:prstGeom prst="line">
-            <a:avLst/>
-          </a:prstGeom>
-          <a:solidFill>
-            <a:schemeClr val="accent1"/>
-          </a:solidFill>
-          <a:ln w="12700" cap="sq" cmpd="sng" algn="ctr">
-            <a:solidFill>
-              <a:srgbClr val="0070C0"/>
-            </a:solidFill>
-            <a:prstDash val="solid"/>
-            <a:round/>
-            <a:headEnd type="none" w="sm" len="sm"/>
-            <a:tailEnd type="none" w="sm" len="sm"/>
-          </a:ln>
-          <a:effectLst/>
-        </p:spPr>
-      </p:cxnSp>
-      <p:sp>
-        <p:nvSpPr>
-          <p:cNvPr id="31" name="Oval 30">
-            <a:extLst>
-              <a:ext uri="{FF2B5EF4-FFF2-40B4-BE49-F238E27FC236}">
-                <a16:creationId xmlns:a16="http://schemas.microsoft.com/office/drawing/2014/main" id="{1B85BCC7-7CC6-44AC-A223-20EB37983A08}"/>
-              </a:ext>
-            </a:extLst>
-          </p:cNvPr>
-          <p:cNvSpPr/>
-          <p:nvPr/>
-        </p:nvSpPr>
-        <p:spPr bwMode="auto">
-          <a:xfrm>
-            <a:off x="3209818" y="6360055"/>
-            <a:ext cx="45719" cy="45719"/>
-          </a:xfrm>
-          <a:prstGeom prst="ellipse">
-            <a:avLst/>
-          </a:prstGeom>
-          <a:solidFill>
-            <a:srgbClr val="FF0000"/>
-          </a:solidFill>
-          <a:ln w="12700" cap="sq" cmpd="sng" algn="ctr">
-            <a:solidFill>
-              <a:srgbClr val="FF0000"/>
-            </a:solidFill>
-            <a:prstDash val="solid"/>
-            <a:round/>
-            <a:headEnd type="none" w="sm" len="sm"/>
-            <a:tailEnd type="none" w="sm" len="sm"/>
-          </a:ln>
-          <a:effectLst/>
-        </p:spPr>
-        <p:txBody>
-          <a:bodyPr vert="horz" wrap="square" lIns="91440" tIns="45720" rIns="91440" bIns="45720" numCol="1" rtlCol="0" anchor="t" anchorCtr="0" compatLnSpc="1">
-            <a:prstTxWarp prst="textNoShape">
-              <a:avLst/>
-            </a:prstTxWarp>
-          </a:bodyPr>
-          <a:lstStyle/>
-          <a:p>
-            <a:pPr marL="0" marR="0" indent="0" algn="l" defTabSz="914400" rtl="0" eaLnBrk="1" fontAlgn="base" latinLnBrk="0" hangingPunct="1">
-              <a:lnSpc>
-                <a:spcPct val="100000"/>
-              </a:lnSpc>
-              <a:spcBef>
-                <a:spcPct val="0"/>
-              </a:spcBef>
-              <a:spcAft>
-                <a:spcPct val="0"/>
-              </a:spcAft>
-              <a:buClrTx/>
-              <a:buSzTx/>
-              <a:buFontTx/>
-              <a:buNone/>
-              <a:tabLst/>
-            </a:pPr>
-            <a:endParaRPr kumimoji="0" lang="en-ZA" sz="2400" b="0" i="0" u="none" strike="noStrike" cap="none" normalizeH="0" baseline="0">
-              <a:ln>
-                <a:noFill/>
-              </a:ln>
-              <a:solidFill>
-                <a:schemeClr val="tx1"/>
-              </a:solidFill>
-              <a:effectLst/>
-              <a:latin typeface="Times New Roman" pitchFamily="18" charset="0"/>
-            </a:endParaRPr>
-          </a:p>
-        </p:txBody>
-      </p:sp>
-      <p:sp>
-        <p:nvSpPr>
-          <p:cNvPr id="22" name="Oval 21">
-            <a:extLst>
-              <a:ext uri="{FF2B5EF4-FFF2-40B4-BE49-F238E27FC236}">
-                <a16:creationId xmlns:a16="http://schemas.microsoft.com/office/drawing/2014/main" id="{86D4E02C-964A-4BF0-9F6C-71C7E82F1915}"/>
-              </a:ext>
-            </a:extLst>
-          </p:cNvPr>
-          <p:cNvSpPr/>
-          <p:nvPr/>
-        </p:nvSpPr>
-        <p:spPr bwMode="auto">
-          <a:xfrm>
-            <a:off x="4602054" y="6366405"/>
-            <a:ext cx="45719" cy="45719"/>
-          </a:xfrm>
-          <a:prstGeom prst="ellipse">
-            <a:avLst/>
-          </a:prstGeom>
-          <a:solidFill>
-            <a:srgbClr val="FF0000"/>
-          </a:solidFill>
-          <a:ln w="12700" cap="sq" cmpd="sng" algn="ctr">
-            <a:solidFill>
-              <a:srgbClr val="FF0000"/>
-            </a:solidFill>
-            <a:prstDash val="solid"/>
-            <a:round/>
-            <a:headEnd type="none" w="sm" len="sm"/>
-            <a:tailEnd type="none" w="sm" len="sm"/>
-          </a:ln>
-          <a:effectLst/>
-        </p:spPr>
-        <p:txBody>
-          <a:bodyPr vert="horz" wrap="square" lIns="91440" tIns="45720" rIns="91440" bIns="45720" numCol="1" rtlCol="0" anchor="t" anchorCtr="0" compatLnSpc="1">
-            <a:prstTxWarp prst="textNoShape">
-              <a:avLst/>
-            </a:prstTxWarp>
-          </a:bodyPr>
-          <a:lstStyle/>
-          <a:p>
-            <a:pPr marL="0" marR="0" indent="0" algn="l" defTabSz="914400" rtl="0" eaLnBrk="1" fontAlgn="base" latinLnBrk="0" hangingPunct="1">
-              <a:lnSpc>
-                <a:spcPct val="100000"/>
-              </a:lnSpc>
-              <a:spcBef>
-                <a:spcPct val="0"/>
-              </a:spcBef>
-              <a:spcAft>
-                <a:spcPct val="0"/>
-              </a:spcAft>
-              <a:buClrTx/>
-              <a:buSzTx/>
-              <a:buFontTx/>
-              <a:buNone/>
-              <a:tabLst/>
-            </a:pPr>
-            <a:endParaRPr kumimoji="0" lang="en-ZA" sz="2400" b="0" i="0" u="none" strike="noStrike" cap="none" normalizeH="0" baseline="0">
-              <a:ln>
-                <a:noFill/>
-              </a:ln>
-              <a:solidFill>
-                <a:schemeClr val="tx1"/>
-              </a:solidFill>
-              <a:effectLst/>
-              <a:latin typeface="Times New Roman" pitchFamily="18" charset="0"/>
-            </a:endParaRPr>
-          </a:p>
-        </p:txBody>
-      </p:sp>
-      <p:pic>
-        <p:nvPicPr>
-          <p:cNvPr id="45" name="Picture 44">
-            <a:extLst>
-              <a:ext uri="{FF2B5EF4-FFF2-40B4-BE49-F238E27FC236}">
-                <a16:creationId xmlns:a16="http://schemas.microsoft.com/office/drawing/2014/main" id="{617E3869-2308-4766-B30B-87966A45D861}"/>
-              </a:ext>
-            </a:extLst>
-          </p:cNvPr>
-          <p:cNvPicPr>
-            <a:picLocks noChangeAspect="1"/>
-          </p:cNvPicPr>
-          <p:nvPr/>
-        </p:nvPicPr>
-        <p:blipFill rotWithShape="1">
-          <a:blip r:embed="rId6" cstate="print">
-            <a:extLst>
-              <a:ext uri="{28A0092B-C50C-407E-A947-70E740481C1C}">
-                <a14:useLocalDpi xmlns:a14="http://schemas.microsoft.com/office/drawing/2010/main" val="0"/>
-              </a:ext>
-            </a:extLst>
-          </a:blip>
-          <a:srcRect l="12396" t="13102" r="8591" b="10603"/>
-          <a:stretch/>
-        </p:blipFill>
-        <p:spPr>
-          <a:xfrm rot="16200000">
-            <a:off x="-128586" y="3690934"/>
-            <a:ext cx="4057650" cy="1514478"/>
-          </a:xfrm>
-          <a:prstGeom prst="rect">
-            <a:avLst/>
-          </a:prstGeom>
-        </p:spPr>
-      </p:pic>
-    </p:spTree>
-    <p:extLst>
-      <p:ext uri="{BB962C8B-B14F-4D97-AF65-F5344CB8AC3E}">
-        <p14:creationId xmlns:p14="http://schemas.microsoft.com/office/powerpoint/2010/main" val="2967338797"/>
-      </p:ext>
-    </p:extLst>
-  </p:cSld>
-  <p:clrMapOvr>
-    <a:masterClrMapping/>
-  </p:clrMapOvr>
-  <p:timing>
-    <p:tnLst>
-      <p:par>
-        <p:cTn id="1" dur="indefinite" restart="never" nodeType="tmRoot">
-          <p:childTnLst>
-            <p:seq concurrent="1" nextAc="seek">
-              <p:cTn id="2" dur="indefinite" nodeType="mainSeq">
-                <p:childTnLst>
-                  <p:par>
-                    <p:cTn id="3" fill="hold">
-                      <p:stCondLst>
-                        <p:cond delay="indefinite"/>
-                      </p:stCondLst>
-                      <p:childTnLst>
-                        <p:par>
-                          <p:cTn id="4" fill="hold">
-                            <p:stCondLst>
-                              <p:cond delay="0"/>
-                            </p:stCondLst>
-                            <p:childTnLst>
-                              <p:par>
-                                <p:cTn id="5" presetID="1" presetClass="entr" presetSubtype="0" fill="hold" nodeType="clickEffect">
-                                  <p:stCondLst>
-                                    <p:cond delay="0"/>
-                                  </p:stCondLst>
-                                  <p:childTnLst>
-                                    <p:set>
-                                      <p:cBhvr>
-                                        <p:cTn id="6" dur="1" fill="hold">
-                                          <p:stCondLst>
-                                            <p:cond delay="0"/>
-                                          </p:stCondLst>
-                                        </p:cTn>
-                                        <p:tgtEl>
-                                          <p:spTgt spid="37"/>
-                                        </p:tgtEl>
-                                        <p:attrNameLst>
-                                          <p:attrName>style.visibility</p:attrName>
-                                        </p:attrNameLst>
-                                      </p:cBhvr>
-                                      <p:to>
-                                        <p:strVal val="visible"/>
-                                      </p:to>
-                                    </p:set>
-                                  </p:childTnLst>
-                                </p:cTn>
-                              </p:par>
-                            </p:childTnLst>
-                          </p:cTn>
-                        </p:par>
-                      </p:childTnLst>
-                    </p:cTn>
-                  </p:par>
-                  <p:par>
-                    <p:cTn id="7" fill="hold">
-                      <p:stCondLst>
-                        <p:cond delay="indefinite"/>
-                      </p:stCondLst>
-                      <p:childTnLst>
-                        <p:par>
-                          <p:cTn id="8" fill="hold">
-                            <p:stCondLst>
-                              <p:cond delay="0"/>
-                            </p:stCondLst>
-                            <p:childTnLst>
-                              <p:par>
-                                <p:cTn id="9" presetID="1" presetClass="entr" presetSubtype="0" fill="hold" nodeType="clickEffect">
-                                  <p:stCondLst>
-                                    <p:cond delay="0"/>
-                                  </p:stCondLst>
-                                  <p:childTnLst>
-                                    <p:set>
-                                      <p:cBhvr>
-                                        <p:cTn id="10" dur="1" fill="hold">
-                                          <p:stCondLst>
-                                            <p:cond delay="0"/>
-                                          </p:stCondLst>
-                                        </p:cTn>
-                                        <p:tgtEl>
-                                          <p:spTgt spid="1028"/>
-                                        </p:tgtEl>
-                                        <p:attrNameLst>
-                                          <p:attrName>style.visibility</p:attrName>
-                                        </p:attrNameLst>
-                                      </p:cBhvr>
-                                      <p:to>
-                                        <p:strVal val="visible"/>
-                                      </p:to>
-                                    </p:set>
-                                  </p:childTnLst>
-                                </p:cTn>
-                              </p:par>
-                            </p:childTnLst>
-                          </p:cTn>
-                        </p:par>
-                      </p:childTnLst>
-                    </p:cTn>
-                  </p:par>
-                  <p:par>
-                    <p:cTn id="11" fill="hold">
-                      <p:stCondLst>
-                        <p:cond delay="indefinite"/>
-                      </p:stCondLst>
-                      <p:childTnLst>
-                        <p:par>
-                          <p:cTn id="12" fill="hold">
-                            <p:stCondLst>
-                              <p:cond delay="0"/>
-                            </p:stCondLst>
-                            <p:childTnLst>
-                              <p:par>
-                                <p:cTn id="13" presetID="1" presetClass="entr" presetSubtype="0" fill="hold" nodeType="clickEffect">
-                                  <p:stCondLst>
-                                    <p:cond delay="0"/>
-                                  </p:stCondLst>
-                                  <p:childTnLst>
-                                    <p:set>
-                                      <p:cBhvr>
-                                        <p:cTn id="14" dur="1" fill="hold">
-                                          <p:stCondLst>
-                                            <p:cond delay="0"/>
-                                          </p:stCondLst>
-                                        </p:cTn>
-                                        <p:tgtEl>
-                                          <p:spTgt spid="45"/>
-                                        </p:tgtEl>
-                                        <p:attrNameLst>
-                                          <p:attrName>style.visibility</p:attrName>
-                                        </p:attrNameLst>
-                                      </p:cBhvr>
-                                      <p:to>
-                                        <p:strVal val="visible"/>
-                                      </p:to>
-                                    </p:set>
-                                  </p:childTnLst>
-                                </p:cTn>
-                              </p:par>
-                            </p:childTnLst>
-                          </p:cTn>
-                        </p:par>
-                      </p:childTnLst>
-                    </p:cTn>
-                  </p:par>
-                  <p:par>
-                    <p:cTn id="15" fill="hold">
-                      <p:stCondLst>
-                        <p:cond delay="indefinite"/>
-                      </p:stCondLst>
-                      <p:childTnLst>
-                        <p:par>
-                          <p:cTn id="16" fill="hold">
-                            <p:stCondLst>
-                              <p:cond delay="0"/>
-                            </p:stCondLst>
-                            <p:childTnLst>
-                              <p:par>
-                                <p:cTn id="17" presetID="1" presetClass="entr" presetSubtype="0" fill="hold" nodeType="clickEffect">
-                                  <p:stCondLst>
-                                    <p:cond delay="0"/>
-                                  </p:stCondLst>
-                                  <p:childTnLst>
-                                    <p:set>
-                                      <p:cBhvr>
-                                        <p:cTn id="18" dur="1" fill="hold">
-                                          <p:stCondLst>
-                                            <p:cond delay="0"/>
-                                          </p:stCondLst>
-                                        </p:cTn>
-                                        <p:tgtEl>
-                                          <p:spTgt spid="12"/>
-                                        </p:tgtEl>
-                                        <p:attrNameLst>
-                                          <p:attrName>style.visibility</p:attrName>
-                                        </p:attrNameLst>
-                                      </p:cBhvr>
-                                      <p:to>
-                                        <p:strVal val="visible"/>
-                                      </p:to>
-                                    </p:set>
-                                  </p:childTnLst>
-                                </p:cTn>
-                              </p:par>
-                              <p:par>
-                                <p:cTn id="19" presetID="1" presetClass="entr" presetSubtype="0" fill="hold" nodeType="withEffect">
-                                  <p:stCondLst>
-                                    <p:cond delay="0"/>
-                                  </p:stCondLst>
-                                  <p:childTnLst>
-                                    <p:set>
-                                      <p:cBhvr>
-                                        <p:cTn id="20" dur="1" fill="hold">
-                                          <p:stCondLst>
-                                            <p:cond delay="0"/>
-                                          </p:stCondLst>
-                                        </p:cTn>
-                                        <p:tgtEl>
-                                          <p:spTgt spid="41"/>
-                                        </p:tgtEl>
-                                        <p:attrNameLst>
-                                          <p:attrName>style.visibility</p:attrName>
-                                        </p:attrNameLst>
-                                      </p:cBhvr>
-                                      <p:to>
-                                        <p:strVal val="visible"/>
-                                      </p:to>
-                                    </p:set>
-                                  </p:childTnLst>
-                                </p:cTn>
-                              </p:par>
-                            </p:childTnLst>
-                          </p:cTn>
-                        </p:par>
-                      </p:childTnLst>
-                    </p:cTn>
-                  </p:par>
-                  <p:par>
-                    <p:cTn id="21" fill="hold">
-                      <p:stCondLst>
-                        <p:cond delay="indefinite"/>
-                      </p:stCondLst>
-                      <p:childTnLst>
-                        <p:par>
-                          <p:cTn id="22" fill="hold">
-                            <p:stCondLst>
-                              <p:cond delay="0"/>
-                            </p:stCondLst>
-                            <p:childTnLst>
-                              <p:par>
-                                <p:cTn id="23" presetID="1" presetClass="entr" presetSubtype="0" fill="hold" nodeType="clickEffect">
-                                  <p:stCondLst>
-                                    <p:cond delay="0"/>
-                                  </p:stCondLst>
-                                  <p:childTnLst>
-                                    <p:set>
-                                      <p:cBhvr>
-                                        <p:cTn id="24" dur="1" fill="hold">
-                                          <p:stCondLst>
-                                            <p:cond delay="0"/>
-                                          </p:stCondLst>
-                                        </p:cTn>
-                                        <p:tgtEl>
-                                          <p:spTgt spid="34"/>
-                                        </p:tgtEl>
-                                        <p:attrNameLst>
-                                          <p:attrName>style.visibility</p:attrName>
-                                        </p:attrNameLst>
-                                      </p:cBhvr>
-                                      <p:to>
-                                        <p:strVal val="visible"/>
-                                      </p:to>
-                                    </p:set>
-                                  </p:childTnLst>
-                                </p:cTn>
-                              </p:par>
-                              <p:par>
-                                <p:cTn id="25" presetID="1" presetClass="entr" presetSubtype="0" fill="hold" nodeType="withEffect">
-                                  <p:stCondLst>
-                                    <p:cond delay="0"/>
-                                  </p:stCondLst>
-                                  <p:childTnLst>
-                                    <p:set>
-                                      <p:cBhvr>
-                                        <p:cTn id="26" dur="1" fill="hold">
-                                          <p:stCondLst>
-                                            <p:cond delay="0"/>
-                                          </p:stCondLst>
-                                        </p:cTn>
-                                        <p:tgtEl>
-                                          <p:spTgt spid="17"/>
-                                        </p:tgtEl>
-                                        <p:attrNameLst>
-                                          <p:attrName>style.visibility</p:attrName>
-                                        </p:attrNameLst>
-                                      </p:cBhvr>
-                                      <p:to>
-                                        <p:strVal val="visible"/>
-                                      </p:to>
-                                    </p:set>
-                                  </p:childTnLst>
-                                </p:cTn>
-                              </p:par>
-                            </p:childTnLst>
-                          </p:cTn>
-                        </p:par>
-                      </p:childTnLst>
-                    </p:cTn>
-                  </p:par>
-                  <p:par>
-                    <p:cTn id="27" fill="hold">
-                      <p:stCondLst>
-                        <p:cond delay="indefinite"/>
-                      </p:stCondLst>
-                      <p:childTnLst>
-                        <p:par>
-                          <p:cTn id="28" fill="hold">
-                            <p:stCondLst>
-                              <p:cond delay="0"/>
-                            </p:stCondLst>
-                            <p:childTnLst>
-                              <p:par>
-                                <p:cTn id="29" presetID="1" presetClass="entr" presetSubtype="0" fill="hold" grpId="0" nodeType="clickEffect">
-                                  <p:stCondLst>
-                                    <p:cond delay="0"/>
-                                  </p:stCondLst>
-                                  <p:childTnLst>
-                                    <p:set>
-                                      <p:cBhvr>
-                                        <p:cTn id="30" dur="1" fill="hold">
-                                          <p:stCondLst>
-                                            <p:cond delay="0"/>
-                                          </p:stCondLst>
-                                        </p:cTn>
-                                        <p:tgtEl>
-                                          <p:spTgt spid="21"/>
-                                        </p:tgtEl>
-                                        <p:attrNameLst>
-                                          <p:attrName>style.visibility</p:attrName>
-                                        </p:attrNameLst>
-                                      </p:cBhvr>
-                                      <p:to>
-                                        <p:strVal val="visible"/>
-                                      </p:to>
-                                    </p:set>
-                                  </p:childTnLst>
-                                </p:cTn>
-                              </p:par>
-                              <p:par>
-                                <p:cTn id="31" presetID="1" presetClass="entr" presetSubtype="0" fill="hold" grpId="0" nodeType="withEffect">
-                                  <p:stCondLst>
-                                    <p:cond delay="0"/>
-                                  </p:stCondLst>
-                                  <p:childTnLst>
-                                    <p:set>
-                                      <p:cBhvr>
-                                        <p:cTn id="32" dur="1" fill="hold">
-                                          <p:stCondLst>
-                                            <p:cond delay="0"/>
-                                          </p:stCondLst>
-                                        </p:cTn>
-                                        <p:tgtEl>
-                                          <p:spTgt spid="22"/>
-                                        </p:tgtEl>
-                                        <p:attrNameLst>
-                                          <p:attrName>style.visibility</p:attrName>
-                                        </p:attrNameLst>
-                                      </p:cBhvr>
-                                      <p:to>
-                                        <p:strVal val="visible"/>
-                                      </p:to>
-                                    </p:set>
-                                  </p:childTnLst>
-                                </p:cTn>
-                              </p:par>
-                              <p:par>
-                                <p:cTn id="33" presetID="1" presetClass="entr" presetSubtype="0" fill="hold" grpId="0" nodeType="withEffect">
-                                  <p:stCondLst>
-                                    <p:cond delay="0"/>
-                                  </p:stCondLst>
-                                  <p:childTnLst>
-                                    <p:set>
-                                      <p:cBhvr>
-                                        <p:cTn id="34" dur="1" fill="hold">
-                                          <p:stCondLst>
-                                            <p:cond delay="0"/>
-                                          </p:stCondLst>
-                                        </p:cTn>
-                                        <p:tgtEl>
-                                          <p:spTgt spid="31"/>
-                                        </p:tgtEl>
-                                        <p:attrNameLst>
-                                          <p:attrName>style.visibility</p:attrName>
-                                        </p:attrNameLst>
-                                      </p:cBhvr>
-                                      <p:to>
-                                        <p:strVal val="visible"/>
-                                      </p:to>
-                                    </p:set>
-                                  </p:childTnLst>
-                                </p:cTn>
-                              </p:par>
-                              <p:par>
-                                <p:cTn id="35" presetID="1" presetClass="entr" presetSubtype="0" fill="hold" grpId="0" nodeType="withEffect">
-                                  <p:stCondLst>
-                                    <p:cond delay="0"/>
-                                  </p:stCondLst>
-                                  <p:childTnLst>
-                                    <p:set>
-                                      <p:cBhvr>
-                                        <p:cTn id="36" dur="1" fill="hold">
-                                          <p:stCondLst>
-                                            <p:cond delay="0"/>
-                                          </p:stCondLst>
-                                        </p:cTn>
-                                        <p:tgtEl>
-                                          <p:spTgt spid="18"/>
-                                        </p:tgtEl>
-                                        <p:attrNameLst>
-                                          <p:attrName>style.visibility</p:attrName>
-                                        </p:attrNameLst>
-                                      </p:cBhvr>
-                                      <p:to>
-                                        <p:strVal val="visible"/>
-                                      </p:to>
-                                    </p:set>
-                                  </p:childTnLst>
-                                </p:cTn>
-                              </p:par>
-                            </p:childTnLst>
-                          </p:cTn>
-                        </p:par>
-                      </p:childTnLst>
-                    </p:cTn>
-                  </p:par>
-                  <p:par>
-                    <p:cTn id="37" fill="hold">
-                      <p:stCondLst>
-                        <p:cond delay="indefinite"/>
-                      </p:stCondLst>
-                      <p:childTnLst>
-                        <p:par>
-                          <p:cTn id="38" fill="hold">
-                            <p:stCondLst>
-                              <p:cond delay="0"/>
-                            </p:stCondLst>
-                            <p:childTnLst>
-                              <p:par>
-                                <p:cTn id="39" presetID="1" presetClass="entr" presetSubtype="0" fill="hold" nodeType="clickEffect">
-                                  <p:stCondLst>
-                                    <p:cond delay="0"/>
-                                  </p:stCondLst>
-                                  <p:childTnLst>
-                                    <p:set>
-                                      <p:cBhvr>
-                                        <p:cTn id="40" dur="1" fill="hold">
-                                          <p:stCondLst>
-                                            <p:cond delay="0"/>
-                                          </p:stCondLst>
-                                        </p:cTn>
-                                        <p:tgtEl>
-                                          <p:spTgt spid="6"/>
-                                        </p:tgtEl>
-                                        <p:attrNameLst>
-                                          <p:attrName>style.visibility</p:attrName>
-                                        </p:attrNameLst>
-                                      </p:cBhvr>
-                                      <p:to>
-                                        <p:strVal val="visible"/>
-                                      </p:to>
-                                    </p:set>
-                                  </p:childTnLst>
-                                </p:cTn>
-                              </p:par>
-                            </p:childTnLst>
-                          </p:cTn>
-                        </p:par>
-                      </p:childTnLst>
-                    </p:cTn>
-                  </p:par>
-                </p:childTnLst>
-              </p:cTn>
-              <p:prevCondLst>
-                <p:cond evt="onPrev" delay="0">
-                  <p:tgtEl>
-                    <p:sldTgt/>
-                  </p:tgtEl>
-                </p:cond>
-              </p:prevCondLst>
-              <p:nextCondLst>
-                <p:cond evt="onNext" delay="0">
-                  <p:tgtEl>
-                    <p:sldTgt/>
-                  </p:tgtEl>
-                </p:cond>
-              </p:nextCondLst>
-            </p:seq>
-          </p:childTnLst>
-        </p:cTn>
-      </p:par>
-    </p:tnLst>
-    <p:bldLst>
-      <p:bldP spid="18" grpId="0" animBg="1"/>
-      <p:bldP spid="21" grpId="0" animBg="1"/>
-      <p:bldP spid="31" grpId="0" animBg="1"/>
-      <p:bldP spid="22" grpId="0" animBg="1"/>
-    </p:bldLst>
-  </p:timing>
-</p:sld>
-</file>
-
-<file path=ppt/slides/slide9.xml><?xml version="1.0" encoding="utf-8"?>
-<p:sld xmlns:a="http://schemas.openxmlformats.org/drawingml/2006/main" xmlns:r="http://schemas.openxmlformats.org/officeDocument/2006/relationships" xmlns:p="http://schemas.openxmlformats.org/presentationml/2006/main">
-  <p:cSld>
-    <p:spTree>
-      <p:nvGrpSpPr>
-        <p:cNvPr id="1" name=""/>
-        <p:cNvGrpSpPr/>
-        <p:nvPr/>
-      </p:nvGrpSpPr>
-      <p:grpSpPr>
-        <a:xfrm>
-          <a:off x="0" y="0"/>
-          <a:ext cx="0" cy="0"/>
-          <a:chOff x="0" y="0"/>
-          <a:chExt cx="0" cy="0"/>
-        </a:xfrm>
-      </p:grpSpPr>
-      <p:sp>
-        <p:nvSpPr>
-          <p:cNvPr id="2" name="Title 1">
-            <a:extLst>
-              <a:ext uri="{FF2B5EF4-FFF2-40B4-BE49-F238E27FC236}">
-                <a16:creationId xmlns:a16="http://schemas.microsoft.com/office/drawing/2014/main" id="{0900A91B-BAC2-44E1-A791-90B33A4C963B}"/>
-              </a:ext>
-            </a:extLst>
-          </p:cNvPr>
-          <p:cNvSpPr>
-            <a:spLocks noGrp="1"/>
-          </p:cNvSpPr>
-          <p:nvPr>
-            <p:ph type="title"/>
-          </p:nvPr>
-        </p:nvSpPr>
-        <p:spPr/>
-        <p:txBody>
-          <a:bodyPr/>
-          <a:lstStyle/>
-          <a:p>
-            <a:r>
-              <a:rPr lang="en-ZA" dirty="0"/>
-              <a:t>Basic Image Processing</a:t>
-            </a:r>
-          </a:p>
-        </p:txBody>
-      </p:sp>
-      <p:sp>
-        <p:nvSpPr>
-          <p:cNvPr id="4" name="Slide Number Placeholder 3">
-            <a:extLst>
-              <a:ext uri="{FF2B5EF4-FFF2-40B4-BE49-F238E27FC236}">
-                <a16:creationId xmlns:a16="http://schemas.microsoft.com/office/drawing/2014/main" id="{CB887F69-566C-4B98-A607-DA1A1021298F}"/>
-              </a:ext>
-            </a:extLst>
-          </p:cNvPr>
-          <p:cNvSpPr>
-            <a:spLocks noGrp="1"/>
-          </p:cNvSpPr>
-          <p:nvPr>
-            <p:ph type="sldNum" sz="quarter" idx="10"/>
-          </p:nvPr>
-        </p:nvSpPr>
-        <p:spPr/>
-        <p:txBody>
-          <a:bodyPr/>
-          <a:lstStyle/>
-          <a:p>
-            <a:pPr>
-              <a:defRPr/>
-            </a:pPr>
-            <a:fld id="{A27591B5-593E-49C1-8C2D-4B5CC8495990}" type="slidenum">
-              <a:rPr lang="en-US" smtClean="0"/>
-              <a:pPr>
-                <a:defRPr/>
-              </a:pPr>
-              <a:t>9</a:t>
-            </a:fld>
-            <a:endParaRPr lang="en-US" dirty="0"/>
-          </a:p>
-        </p:txBody>
-      </p:sp>
-      <p:pic>
-        <p:nvPicPr>
-          <p:cNvPr id="8" name="Picture 7">
-            <a:extLst>
-              <a:ext uri="{FF2B5EF4-FFF2-40B4-BE49-F238E27FC236}">
-                <a16:creationId xmlns:a16="http://schemas.microsoft.com/office/drawing/2014/main" id="{ED303DAB-881A-4740-A11C-FF58B8C183BD}"/>
-              </a:ext>
-            </a:extLst>
-          </p:cNvPr>
-          <p:cNvPicPr>
-            <a:picLocks noChangeAspect="1"/>
-          </p:cNvPicPr>
-          <p:nvPr/>
-        </p:nvPicPr>
-        <p:blipFill>
-          <a:blip r:embed="rId2">
-            <a:extLst>
-              <a:ext uri="{28A0092B-C50C-407E-A947-70E740481C1C}">
-                <a14:useLocalDpi xmlns:a14="http://schemas.microsoft.com/office/drawing/2010/main" val="0"/>
-              </a:ext>
-            </a:extLst>
-          </a:blip>
-          <a:stretch>
-            <a:fillRect/>
-          </a:stretch>
-        </p:blipFill>
-        <p:spPr>
-          <a:xfrm>
-            <a:off x="1896758" y="2263348"/>
-            <a:ext cx="2534565" cy="3984861"/>
-          </a:xfrm>
-          <a:prstGeom prst="rect">
-            <a:avLst/>
-          </a:prstGeom>
-        </p:spPr>
-      </p:pic>
-      <p:sp>
-        <p:nvSpPr>
-          <p:cNvPr id="6" name="Rectangle 5">
-            <a:extLst>
-              <a:ext uri="{FF2B5EF4-FFF2-40B4-BE49-F238E27FC236}">
-                <a16:creationId xmlns:a16="http://schemas.microsoft.com/office/drawing/2014/main" id="{CDD6BE5B-404A-4062-B371-CF7E32C70DD2}"/>
-              </a:ext>
-            </a:extLst>
-          </p:cNvPr>
-          <p:cNvSpPr/>
-          <p:nvPr/>
-        </p:nvSpPr>
-        <p:spPr>
-          <a:xfrm>
-            <a:off x="847631" y="1203751"/>
-            <a:ext cx="6096000" cy="830997"/>
-          </a:xfrm>
-          <a:prstGeom prst="rect">
-            <a:avLst/>
-          </a:prstGeom>
-        </p:spPr>
-        <p:txBody>
-          <a:bodyPr>
-            <a:spAutoFit/>
-          </a:bodyPr>
-          <a:lstStyle/>
-          <a:p>
-            <a:r>
-              <a:rPr lang="en-ZA" dirty="0">
-                <a:effectLst/>
-              </a:rPr>
-              <a:t>Once this is done the bubble locations can be found and processed.</a:t>
-            </a:r>
-          </a:p>
-        </p:txBody>
-      </p:sp>
-      <p:pic>
-        <p:nvPicPr>
-          <p:cNvPr id="9" name="Content Placeholder 4">
-            <a:extLst>
-              <a:ext uri="{FF2B5EF4-FFF2-40B4-BE49-F238E27FC236}">
-                <a16:creationId xmlns:a16="http://schemas.microsoft.com/office/drawing/2014/main" id="{F50276F8-DD58-47E8-A125-0A05867F915C}"/>
-              </a:ext>
-            </a:extLst>
-          </p:cNvPr>
-          <p:cNvPicPr>
-            <a:picLocks noChangeAspect="1"/>
-          </p:cNvPicPr>
-          <p:nvPr/>
-        </p:nvPicPr>
-        <p:blipFill rotWithShape="1">
-          <a:blip r:embed="rId3">
-            <a:extLst>
-              <a:ext uri="{28A0092B-C50C-407E-A947-70E740481C1C}">
-                <a14:useLocalDpi xmlns:a14="http://schemas.microsoft.com/office/drawing/2010/main" val="0"/>
-              </a:ext>
-            </a:extLst>
-          </a:blip>
-          <a:srcRect l="79282" t="7597" r="4243" b="66960"/>
-          <a:stretch/>
-        </p:blipFill>
-        <p:spPr bwMode="auto">
-          <a:xfrm>
-            <a:off x="6844713" y="2347354"/>
-            <a:ext cx="3910819" cy="3972951"/>
-          </a:xfrm>
-          <a:prstGeom prst="rect">
-            <a:avLst/>
-          </a:prstGeom>
-          <a:noFill/>
-          <a:ln>
-            <a:noFill/>
-          </a:ln>
-          <a:extLst>
-            <a:ext uri="{909E8E84-426E-40DD-AFC4-6F175D3DCCD1}">
-              <a14:hiddenFill xmlns:a14="http://schemas.microsoft.com/office/drawing/2010/main">
-                <a:solidFill>
-                  <a:srgbClr val="FFFFFF"/>
-                </a:solidFill>
-              </a14:hiddenFill>
-            </a:ext>
-            <a:ext uri="{91240B29-F687-4F45-9708-019B960494DF}">
-              <a14:hiddenLine xmlns:a14="http://schemas.microsoft.com/office/drawing/2010/main" w="9525">
-                <a:solidFill>
-                  <a:srgbClr val="000000"/>
-                </a:solidFill>
-                <a:miter lim="800000"/>
-                <a:headEnd/>
-                <a:tailEnd/>
-              </a14:hiddenLine>
-            </a:ext>
-          </a:extLst>
-        </p:spPr>
-      </p:pic>
-    </p:spTree>
-    <p:extLst>
-      <p:ext uri="{BB962C8B-B14F-4D97-AF65-F5344CB8AC3E}">
-        <p14:creationId xmlns:p14="http://schemas.microsoft.com/office/powerpoint/2010/main" val="339862086"/>
-      </p:ext>
-    </p:extLst>
-  </p:cSld>
-  <p:clrMapOvr>
-    <a:masterClrMapping/>
-  </p:clrMapOvr>
-  <p:timing>
-    <p:tnLst>
-      <p:par>
-        <p:cTn id="1" dur="indefinite" restart="never" nodeType="tmRoot">
-          <p:childTnLst>
-            <p:seq concurrent="1" nextAc="seek">
-              <p:cTn id="2" dur="indefinite" nodeType="mainSeq">
-                <p:childTnLst>
-                  <p:par>
-                    <p:cTn id="3" fill="hold">
-                      <p:stCondLst>
-                        <p:cond delay="indefinite"/>
-                      </p:stCondLst>
-                      <p:childTnLst>
-                        <p:par>
-                          <p:cTn id="4" fill="hold">
-                            <p:stCondLst>
-                              <p:cond delay="0"/>
-                            </p:stCondLst>
-                            <p:childTnLst>
-                              <p:par>
-                                <p:cTn id="5" presetID="1" presetClass="entr" presetSubtype="0" fill="hold" nodeType="clickEffect">
-                                  <p:stCondLst>
-                                    <p:cond delay="0"/>
-                                  </p:stCondLst>
-                                  <p:childTnLst>
-                                    <p:set>
-                                      <p:cBhvr>
-                                        <p:cTn id="6" dur="1" fill="hold">
-                                          <p:stCondLst>
-                                            <p:cond delay="0"/>
-                                          </p:stCondLst>
-                                        </p:cTn>
-                                        <p:tgtEl>
-                                          <p:spTgt spid="8"/>
-                                        </p:tgtEl>
-                                        <p:attrNameLst>
-                                          <p:attrName>style.visibility</p:attrName>
-                                        </p:attrNameLst>
-                                      </p:cBhvr>
-                                      <p:to>
-                                        <p:strVal val="visible"/>
-                                      </p:to>
-                                    </p:set>
-                                  </p:childTnLst>
-                                </p:cTn>
-                              </p:par>
-                            </p:childTnLst>
-                          </p:cTn>
-                        </p:par>
-                      </p:childTnLst>
-                    </p:cTn>
-                  </p:par>
-                  <p:par>
-                    <p:cTn id="7" fill="hold">
-                      <p:stCondLst>
-                        <p:cond delay="indefinite"/>
-                      </p:stCondLst>
-                      <p:childTnLst>
-                        <p:par>
-                          <p:cTn id="8" fill="hold">
-                            <p:stCondLst>
-                              <p:cond delay="0"/>
-                            </p:stCondLst>
-                            <p:childTnLst>
-                              <p:par>
-                                <p:cTn id="9" presetID="1" presetClass="entr" presetSubtype="0" fill="hold" nodeType="clickEffect">
-                                  <p:stCondLst>
-                                    <p:cond delay="0"/>
-                                  </p:stCondLst>
-                                  <p:childTnLst>
-                                    <p:set>
-                                      <p:cBhvr>
-                                        <p:cTn id="10" dur="1" fill="hold">
-                                          <p:stCondLst>
-                                            <p:cond delay="0"/>
-                                          </p:stCondLst>
-                                        </p:cTn>
-                                        <p:tgtEl>
-                                          <p:spTgt spid="9"/>
-                                        </p:tgtEl>
-                                        <p:attrNameLst>
-                                          <p:attrName>style.visibility</p:attrName>
-                                        </p:attrNameLst>
-                                      </p:cBhvr>
-                                      <p:to>
-                                        <p:strVal val="visible"/>
-                                      </p:to>
-                                    </p:set>
-                                  </p:childTnLst>
-                                </p:cTn>
-                              </p:par>
-                            </p:childTnLst>
-                          </p:cTn>
-                        </p:par>
-                      </p:childTnLst>
-                    </p:cTn>
-                  </p:par>
-                </p:childTnLst>
-              </p:cTn>
-              <p:prevCondLst>
-                <p:cond evt="onPrev" delay="0">
-                  <p:tgtEl>
-                    <p:sldTgt/>
-                  </p:tgtEl>
-                </p:cond>
-              </p:prevCondLst>
-              <p:nextCondLst>
-                <p:cond evt="onNext" delay="0">
-                  <p:tgtEl>
-                    <p:sldTgt/>
-                  </p:tgtEl>
-                </p:cond>
-              </p:nextCondLst>
-            </p:seq>
-          </p:childTnLst>
-        </p:cTn>
-      </p:par>
-    </p:tnLst>
-  </p:timing>
 </p:sld>
 </file>
 

--- a/OralExamination/SkripsieOral_APSmit.pptx
+++ b/OralExamination/SkripsieOral_APSmit.pptx
@@ -1138,6 +1138,96 @@
 </p:notes>
 </file>
 
+<file path=ppt/notesSlides/notesSlide11.xml><?xml version="1.0" encoding="utf-8"?>
+<p:notes xmlns:a="http://schemas.openxmlformats.org/drawingml/2006/main" xmlns:r="http://schemas.openxmlformats.org/officeDocument/2006/relationships" xmlns:p="http://schemas.openxmlformats.org/presentationml/2006/main">
+  <p:cSld>
+    <p:spTree>
+      <p:nvGrpSpPr>
+        <p:cNvPr id="1" name=""/>
+        <p:cNvGrpSpPr/>
+        <p:nvPr/>
+      </p:nvGrpSpPr>
+      <p:grpSpPr>
+        <a:xfrm>
+          <a:off x="0" y="0"/>
+          <a:ext cx="0" cy="0"/>
+          <a:chOff x="0" y="0"/>
+          <a:chExt cx="0" cy="0"/>
+        </a:xfrm>
+      </p:grpSpPr>
+      <p:sp>
+        <p:nvSpPr>
+          <p:cNvPr id="2" name="Slide Image Placeholder 1"/>
+          <p:cNvSpPr>
+            <a:spLocks noGrp="1" noRot="1" noChangeAspect="1"/>
+          </p:cNvSpPr>
+          <p:nvPr>
+            <p:ph type="sldImg"/>
+          </p:nvPr>
+        </p:nvSpPr>
+        <p:spPr/>
+      </p:sp>
+      <p:sp>
+        <p:nvSpPr>
+          <p:cNvPr id="3" name="Notes Placeholder 2"/>
+          <p:cNvSpPr>
+            <a:spLocks noGrp="1"/>
+          </p:cNvSpPr>
+          <p:nvPr>
+            <p:ph type="body" idx="1"/>
+          </p:nvPr>
+        </p:nvSpPr>
+        <p:spPr/>
+        <p:txBody>
+          <a:bodyPr/>
+          <a:lstStyle/>
+          <a:p>
+            <a:endParaRPr lang="en-ZA" dirty="0"/>
+          </a:p>
+        </p:txBody>
+      </p:sp>
+      <p:sp>
+        <p:nvSpPr>
+          <p:cNvPr id="4" name="Slide Number Placeholder 3"/>
+          <p:cNvSpPr>
+            <a:spLocks noGrp="1"/>
+          </p:cNvSpPr>
+          <p:nvPr>
+            <p:ph type="sldNum" sz="quarter" idx="10"/>
+          </p:nvPr>
+        </p:nvSpPr>
+        <p:spPr/>
+        <p:txBody>
+          <a:bodyPr/>
+          <a:lstStyle/>
+          <a:p>
+            <a:pPr>
+              <a:defRPr/>
+            </a:pPr>
+            <a:fld id="{2AABE78A-E99E-4C1C-B170-1B5F1DA6AE54}" type="slidenum">
+              <a:rPr lang="en-US" smtClean="0"/>
+              <a:pPr>
+                <a:defRPr/>
+              </a:pPr>
+              <a:t>15</a:t>
+            </a:fld>
+            <a:endParaRPr lang="en-US" dirty="0"/>
+          </a:p>
+        </p:txBody>
+      </p:sp>
+    </p:spTree>
+    <p:extLst>
+      <p:ext uri="{BB962C8B-B14F-4D97-AF65-F5344CB8AC3E}">
+        <p14:creationId xmlns:p14="http://schemas.microsoft.com/office/powerpoint/2010/main" val="3687232425"/>
+      </p:ext>
+    </p:extLst>
+  </p:cSld>
+  <p:clrMapOvr>
+    <a:masterClrMapping/>
+  </p:clrMapOvr>
+</p:notes>
+</file>
+
 <file path=ppt/notesSlides/notesSlide2.xml><?xml version="1.0" encoding="utf-8"?>
 <p:notes xmlns:a="http://schemas.openxmlformats.org/drawingml/2006/main" xmlns:r="http://schemas.openxmlformats.org/officeDocument/2006/relationships" xmlns:p="http://schemas.openxmlformats.org/presentationml/2006/main">
   <p:cSld>
@@ -1181,6 +1271,77 @@
         <p:txBody>
           <a:bodyPr/>
           <a:lstStyle/>
+          <a:p>
+            <a:pPr marL="342900" indent="-342900">
+              <a:buFont typeface="Arial" panose="020B0604020202020204" pitchFamily="34" charset="0"/>
+              <a:buChar char="•"/>
+            </a:pPr>
+            <a:r>
+              <a:rPr lang="en-ZA" dirty="0">
+                <a:effectLst/>
+              </a:rPr>
+              <a:t>Tutors and teaching assistant grade tests incorrectly</a:t>
+            </a:r>
+          </a:p>
+          <a:p>
+            <a:pPr marL="285750" indent="-285750">
+              <a:buFont typeface="Arial" panose="020B0604020202020204" pitchFamily="34" charset="0"/>
+              <a:buChar char="•"/>
+            </a:pPr>
+            <a:endParaRPr lang="en-ZA" dirty="0">
+              <a:effectLst/>
+            </a:endParaRPr>
+          </a:p>
+          <a:p>
+            <a:pPr marL="285750" indent="-285750">
+              <a:buFont typeface="Arial" panose="020B0604020202020204" pitchFamily="34" charset="0"/>
+              <a:buChar char="•"/>
+            </a:pPr>
+            <a:r>
+              <a:rPr lang="en-ZA" dirty="0">
+                <a:effectLst/>
+              </a:rPr>
+              <a:t>Online tests impractical due to class size</a:t>
+            </a:r>
+          </a:p>
+          <a:p>
+            <a:endParaRPr lang="en-ZA" dirty="0">
+              <a:effectLst/>
+            </a:endParaRPr>
+          </a:p>
+          <a:p>
+            <a:pPr marL="285750" indent="-285750">
+              <a:buFont typeface="Arial" panose="020B0604020202020204" pitchFamily="34" charset="0"/>
+              <a:buChar char="•"/>
+            </a:pPr>
+            <a:r>
+              <a:rPr lang="en-ZA" dirty="0">
+                <a:effectLst/>
+              </a:rPr>
+              <a:t>Current Optical Marker Recognition systems require special scanners</a:t>
+            </a:r>
+          </a:p>
+          <a:p>
+            <a:pPr marL="285750" indent="-285750">
+              <a:buFont typeface="Arial" panose="020B0604020202020204" pitchFamily="34" charset="0"/>
+              <a:buChar char="•"/>
+            </a:pPr>
+            <a:endParaRPr lang="en-ZA" dirty="0">
+              <a:effectLst/>
+            </a:endParaRPr>
+          </a:p>
+          <a:p>
+            <a:pPr marL="285750" indent="-285750">
+              <a:buFont typeface="Arial" panose="020B0604020202020204" pitchFamily="34" charset="0"/>
+              <a:buChar char="•"/>
+            </a:pPr>
+            <a:r>
+              <a:rPr lang="en-ZA" dirty="0">
+                <a:effectLst/>
+              </a:rPr>
+              <a:t>Current Optical Marker Recognition systems are difficult to use</a:t>
+            </a:r>
+          </a:p>
           <a:p>
             <a:endParaRPr lang="en-ZA" dirty="0"/>
           </a:p>
@@ -5402,6 +5563,9 @@
           <a:bodyPr/>
           <a:lstStyle/>
           <a:p>
+            <a:pPr marL="0" indent="0">
+              <a:buNone/>
+            </a:pPr>
             <a:r>
               <a:rPr lang="en-ZA" kern="1200" dirty="0">
                 <a:effectLst>
@@ -5413,13 +5577,13 @@
                 </a:effectLst>
                 <a:latin typeface="Times New Roman" pitchFamily="18" charset="0"/>
               </a:rPr>
-              <a:t> </a:t>
+              <a:t>1</a:t>
             </a:r>
             <a:r>
               <a:rPr lang="en-ZA" kern="1200" dirty="0">
                 <a:latin typeface="Times New Roman" pitchFamily="18" charset="0"/>
               </a:rPr>
-              <a:t>First step is to find the orientation of the template</a:t>
+              <a:t>) Orientation of the template</a:t>
             </a:r>
           </a:p>
           <a:p>
@@ -6597,7 +6761,7 @@
         <p:spPr>
           <a:xfrm>
             <a:off x="847630" y="1203751"/>
-            <a:ext cx="6917735" cy="461665"/>
+            <a:ext cx="9907902" cy="461665"/>
           </a:xfrm>
           <a:prstGeom prst="rect">
             <a:avLst/>
@@ -6613,7 +6777,7 @@
               <a:rPr lang="en-ZA" dirty="0">
                 <a:effectLst/>
               </a:rPr>
-              <a:t>The bubble locations can then be found and processed.</a:t>
+              <a:t>2) Process bubbles</a:t>
             </a:r>
           </a:p>
         </p:txBody>
@@ -6889,7 +7053,7 @@
               <a:rPr lang="en-ZA" kern="1200" dirty="0">
                 <a:latin typeface="Times New Roman" pitchFamily="18" charset="0"/>
               </a:rPr>
-              <a:t>Initial image processing is done on the digit using a custom segmentation algorithm</a:t>
+              <a:t>Custom segmentation algorithm</a:t>
             </a:r>
           </a:p>
         </p:txBody>
@@ -8031,76 +8195,306 @@
           </a:p>
         </p:txBody>
       </p:sp>
-      <p:pic>
-        <p:nvPicPr>
-          <p:cNvPr id="14" name="Content Placeholder 13">
+      <p:sp>
+        <p:nvSpPr>
+          <p:cNvPr id="6" name="Oval 5">
             <a:extLst>
               <a:ext uri="{FF2B5EF4-FFF2-40B4-BE49-F238E27FC236}">
-                <a16:creationId xmlns:a16="http://schemas.microsoft.com/office/drawing/2014/main" id="{01959AA6-403D-4F83-AE3A-0CDB9297E10C}"/>
+                <a16:creationId xmlns:a16="http://schemas.microsoft.com/office/drawing/2014/main" id="{0B4E4821-9AF7-47E8-9E22-27A416093DBE}"/>
               </a:ext>
             </a:extLst>
           </p:cNvPr>
-          <p:cNvPicPr>
-            <a:picLocks noGrp="1" noChangeAspect="1"/>
-          </p:cNvPicPr>
-          <p:nvPr>
-            <p:ph idx="1"/>
-          </p:nvPr>
-        </p:nvPicPr>
-        <p:blipFill>
-          <a:blip r:embed="rId3">
-            <a:extLst>
-              <a:ext uri="{28A0092B-C50C-407E-A947-70E740481C1C}">
-                <a14:useLocalDpi xmlns:a14="http://schemas.microsoft.com/office/drawing/2010/main" val="0"/>
-              </a:ext>
-            </a:extLst>
-          </a:blip>
-          <a:stretch>
-            <a:fillRect/>
-          </a:stretch>
-        </p:blipFill>
-        <p:spPr>
+          <p:cNvSpPr/>
+          <p:nvPr/>
+        </p:nvSpPr>
+        <p:spPr bwMode="auto">
           <a:xfrm>
-            <a:off x="4996016" y="2365098"/>
-            <a:ext cx="5963107" cy="2753002"/>
+            <a:off x="2966332" y="3984086"/>
+            <a:ext cx="2368059" cy="1083212"/>
           </a:xfrm>
+          <a:prstGeom prst="ellipse">
+            <a:avLst/>
+          </a:prstGeom>
+          <a:solidFill>
+            <a:schemeClr val="accent1"/>
+          </a:solidFill>
+          <a:ln w="12700" cap="sq" cmpd="sng" algn="ctr">
+            <a:solidFill>
+              <a:schemeClr val="tx1"/>
+            </a:solidFill>
+            <a:prstDash val="solid"/>
+            <a:round/>
+            <a:headEnd type="none" w="sm" len="sm"/>
+            <a:tailEnd type="none" w="sm" len="sm"/>
+          </a:ln>
+          <a:effectLst/>
         </p:spPr>
-      </p:pic>
-      <p:pic>
-        <p:nvPicPr>
-          <p:cNvPr id="15" name="Picture 14">
+        <p:txBody>
+          <a:bodyPr vert="horz" wrap="square" lIns="91440" tIns="45720" rIns="91440" bIns="45720" numCol="1" rtlCol="0" anchor="t" anchorCtr="0" compatLnSpc="1">
+            <a:prstTxWarp prst="textNoShape">
+              <a:avLst/>
+            </a:prstTxWarp>
+          </a:bodyPr>
+          <a:lstStyle/>
+          <a:p>
+            <a:pPr marL="0" marR="0" indent="0" algn="ctr" defTabSz="914400" rtl="0" eaLnBrk="1" fontAlgn="base" latinLnBrk="0" hangingPunct="1">
+              <a:lnSpc>
+                <a:spcPct val="100000"/>
+              </a:lnSpc>
+              <a:spcBef>
+                <a:spcPct val="0"/>
+              </a:spcBef>
+              <a:spcAft>
+                <a:spcPct val="0"/>
+              </a:spcAft>
+              <a:buClrTx/>
+              <a:buSzTx/>
+              <a:buFontTx/>
+              <a:buNone/>
+              <a:tabLst/>
+            </a:pPr>
+            <a:r>
+              <a:rPr kumimoji="0" lang="en-ZA" b="0" i="0" u="none" strike="noStrike" cap="none" normalizeH="0" baseline="0" dirty="0">
+                <a:ln>
+                  <a:noFill/>
+                </a:ln>
+                <a:solidFill>
+                  <a:schemeClr val="tx1"/>
+                </a:solidFill>
+                <a:effectLst/>
+                <a:latin typeface="Times New Roman" pitchFamily="18" charset="0"/>
+              </a:rPr>
+              <a:t>Bubble evidence</a:t>
+            </a:r>
+          </a:p>
+        </p:txBody>
+      </p:sp>
+      <p:sp>
+        <p:nvSpPr>
+          <p:cNvPr id="9" name="Oval 8">
             <a:extLst>
               <a:ext uri="{FF2B5EF4-FFF2-40B4-BE49-F238E27FC236}">
-                <a16:creationId xmlns:a16="http://schemas.microsoft.com/office/drawing/2014/main" id="{8AC5C5D7-DBF4-4537-BC6A-8555EA8702D8}"/>
+                <a16:creationId xmlns:a16="http://schemas.microsoft.com/office/drawing/2014/main" id="{A8AB9DB8-24DF-458C-B2AA-6EDF073970A9}"/>
               </a:ext>
             </a:extLst>
           </p:cNvPr>
-          <p:cNvPicPr>
-            <a:picLocks noChangeAspect="1"/>
-          </p:cNvPicPr>
+          <p:cNvSpPr/>
           <p:nvPr/>
-        </p:nvPicPr>
-        <p:blipFill rotWithShape="1">
-          <a:blip r:embed="rId4" cstate="print">
+        </p:nvSpPr>
+        <p:spPr bwMode="auto">
+          <a:xfrm>
+            <a:off x="7264009" y="3984086"/>
+            <a:ext cx="2254283" cy="1083212"/>
+          </a:xfrm>
+          <a:prstGeom prst="ellipse">
+            <a:avLst/>
+          </a:prstGeom>
+          <a:solidFill>
+            <a:schemeClr val="accent1"/>
+          </a:solidFill>
+          <a:ln w="12700" cap="sq" cmpd="sng" algn="ctr">
+            <a:solidFill>
+              <a:schemeClr val="tx1"/>
+            </a:solidFill>
+            <a:prstDash val="solid"/>
+            <a:round/>
+            <a:headEnd type="none" w="sm" len="sm"/>
+            <a:tailEnd type="none" w="sm" len="sm"/>
+          </a:ln>
+          <a:effectLst/>
+        </p:spPr>
+        <p:txBody>
+          <a:bodyPr vert="horz" wrap="square" lIns="91440" tIns="45720" rIns="91440" bIns="45720" numCol="1" rtlCol="0" anchor="t" anchorCtr="0" compatLnSpc="1">
+            <a:prstTxWarp prst="textNoShape">
+              <a:avLst/>
+            </a:prstTxWarp>
+          </a:bodyPr>
+          <a:lstStyle/>
+          <a:p>
+            <a:pPr marL="0" marR="0" indent="0" algn="ctr" defTabSz="914400" rtl="0" eaLnBrk="1" fontAlgn="base" latinLnBrk="0" hangingPunct="1">
+              <a:lnSpc>
+                <a:spcPct val="100000"/>
+              </a:lnSpc>
+              <a:spcBef>
+                <a:spcPct val="0"/>
+              </a:spcBef>
+              <a:spcAft>
+                <a:spcPct val="0"/>
+              </a:spcAft>
+              <a:buClrTx/>
+              <a:buSzTx/>
+              <a:buFontTx/>
+              <a:buNone/>
+              <a:tabLst/>
+            </a:pPr>
+            <a:r>
+              <a:rPr kumimoji="0" lang="en-ZA" sz="2400" b="0" i="0" u="none" strike="noStrike" cap="none" normalizeH="0" baseline="0" dirty="0">
+                <a:ln>
+                  <a:noFill/>
+                </a:ln>
+                <a:solidFill>
+                  <a:schemeClr val="tx1"/>
+                </a:solidFill>
+                <a:effectLst/>
+                <a:latin typeface="Times New Roman" pitchFamily="18" charset="0"/>
+              </a:rPr>
+              <a:t>Character priors</a:t>
+            </a:r>
+          </a:p>
+        </p:txBody>
+      </p:sp>
+      <p:sp>
+        <p:nvSpPr>
+          <p:cNvPr id="10" name="Oval 9">
             <a:extLst>
-              <a:ext uri="{28A0092B-C50C-407E-A947-70E740481C1C}">
-                <a14:useLocalDpi xmlns:a14="http://schemas.microsoft.com/office/drawing/2010/main" val="0"/>
+              <a:ext uri="{FF2B5EF4-FFF2-40B4-BE49-F238E27FC236}">
+                <a16:creationId xmlns:a16="http://schemas.microsoft.com/office/drawing/2014/main" id="{15A91DCE-E2DD-4837-93FF-9A9057293D60}"/>
               </a:ext>
             </a:extLst>
-          </a:blip>
-          <a:srcRect l="47229" t="67435" r="11364" b="2492"/>
-          <a:stretch/>
-        </p:blipFill>
-        <p:spPr>
+          </p:cNvPr>
+          <p:cNvSpPr/>
+          <p:nvPr/>
+        </p:nvSpPr>
+        <p:spPr bwMode="auto">
           <a:xfrm>
-            <a:off x="965200" y="2002745"/>
-            <a:ext cx="3060700" cy="3115355"/>
+            <a:off x="5334391" y="2243529"/>
+            <a:ext cx="1929618" cy="1083212"/>
           </a:xfrm>
-          <a:prstGeom prst="rect">
+          <a:prstGeom prst="ellipse">
             <a:avLst/>
           </a:prstGeom>
+          <a:solidFill>
+            <a:schemeClr val="accent1"/>
+          </a:solidFill>
+          <a:ln w="12700" cap="sq" cmpd="sng" algn="ctr">
+            <a:solidFill>
+              <a:schemeClr val="tx1"/>
+            </a:solidFill>
+            <a:prstDash val="solid"/>
+            <a:round/>
+            <a:headEnd type="none" w="sm" len="sm"/>
+            <a:tailEnd type="none" w="sm" len="sm"/>
+          </a:ln>
+          <a:effectLst/>
         </p:spPr>
-      </p:pic>
+        <p:txBody>
+          <a:bodyPr vert="horz" wrap="square" lIns="91440" tIns="45720" rIns="91440" bIns="45720" numCol="1" rtlCol="0" anchor="t" anchorCtr="0" compatLnSpc="1">
+            <a:prstTxWarp prst="textNoShape">
+              <a:avLst/>
+            </a:prstTxWarp>
+          </a:bodyPr>
+          <a:lstStyle/>
+          <a:p>
+            <a:pPr marL="0" marR="0" indent="0" algn="ctr" defTabSz="914400" rtl="0" eaLnBrk="1" fontAlgn="base" latinLnBrk="0" hangingPunct="1">
+              <a:lnSpc>
+                <a:spcPct val="100000"/>
+              </a:lnSpc>
+              <a:spcBef>
+                <a:spcPct val="0"/>
+              </a:spcBef>
+              <a:spcAft>
+                <a:spcPct val="0"/>
+              </a:spcAft>
+              <a:buClrTx/>
+              <a:buSzTx/>
+              <a:buFontTx/>
+              <a:buNone/>
+              <a:tabLst/>
+            </a:pPr>
+            <a:r>
+              <a:rPr kumimoji="0" lang="en-ZA" sz="2400" b="0" i="0" u="none" strike="noStrike" cap="none" normalizeH="0" baseline="0" dirty="0">
+                <a:ln>
+                  <a:noFill/>
+                </a:ln>
+                <a:solidFill>
+                  <a:schemeClr val="tx1"/>
+                </a:solidFill>
+                <a:effectLst/>
+                <a:latin typeface="Times New Roman" pitchFamily="18" charset="0"/>
+              </a:rPr>
+              <a:t>True Answer</a:t>
+            </a:r>
+          </a:p>
+        </p:txBody>
+      </p:sp>
+      <p:cxnSp>
+        <p:nvCxnSpPr>
+          <p:cNvPr id="8" name="Straight Arrow Connector 7">
+            <a:extLst>
+              <a:ext uri="{FF2B5EF4-FFF2-40B4-BE49-F238E27FC236}">
+                <a16:creationId xmlns:a16="http://schemas.microsoft.com/office/drawing/2014/main" id="{A8127AC8-684F-4AEA-9EC8-C0B6D2BAB9ED}"/>
+              </a:ext>
+            </a:extLst>
+          </p:cNvPr>
+          <p:cNvCxnSpPr>
+            <a:cxnSpLocks/>
+            <a:stCxn id="10" idx="4"/>
+            <a:endCxn id="6" idx="0"/>
+          </p:cNvCxnSpPr>
+          <p:nvPr/>
+        </p:nvCxnSpPr>
+        <p:spPr bwMode="auto">
+          <a:xfrm flipH="1">
+            <a:off x="4150362" y="3326741"/>
+            <a:ext cx="2148838" cy="657345"/>
+          </a:xfrm>
+          <a:prstGeom prst="straightConnector1">
+            <a:avLst/>
+          </a:prstGeom>
+          <a:solidFill>
+            <a:schemeClr val="accent1"/>
+          </a:solidFill>
+          <a:ln w="12700" cap="sq" cmpd="sng" algn="ctr">
+            <a:solidFill>
+              <a:schemeClr val="tx1"/>
+            </a:solidFill>
+            <a:prstDash val="solid"/>
+            <a:round/>
+            <a:headEnd type="none" w="sm" len="sm"/>
+            <a:tailEnd type="triangle"/>
+          </a:ln>
+          <a:effectLst/>
+        </p:spPr>
+      </p:cxnSp>
+      <p:cxnSp>
+        <p:nvCxnSpPr>
+          <p:cNvPr id="12" name="Straight Arrow Connector 11">
+            <a:extLst>
+              <a:ext uri="{FF2B5EF4-FFF2-40B4-BE49-F238E27FC236}">
+                <a16:creationId xmlns:a16="http://schemas.microsoft.com/office/drawing/2014/main" id="{2BD7EDE1-7E8D-403E-AEE8-DBAAB3084583}"/>
+              </a:ext>
+            </a:extLst>
+          </p:cNvPr>
+          <p:cNvCxnSpPr>
+            <a:cxnSpLocks/>
+            <a:stCxn id="10" idx="4"/>
+            <a:endCxn id="9" idx="0"/>
+          </p:cNvCxnSpPr>
+          <p:nvPr/>
+        </p:nvCxnSpPr>
+        <p:spPr bwMode="auto">
+          <a:xfrm>
+            <a:off x="6299200" y="3326741"/>
+            <a:ext cx="2091951" cy="657345"/>
+          </a:xfrm>
+          <a:prstGeom prst="straightConnector1">
+            <a:avLst/>
+          </a:prstGeom>
+          <a:solidFill>
+            <a:schemeClr val="accent1"/>
+          </a:solidFill>
+          <a:ln w="12700" cap="sq" cmpd="sng" algn="ctr">
+            <a:solidFill>
+              <a:schemeClr val="tx1"/>
+            </a:solidFill>
+            <a:prstDash val="solid"/>
+            <a:round/>
+            <a:headEnd type="none" w="sm" len="sm"/>
+            <a:tailEnd type="triangle"/>
+          </a:ln>
+          <a:effectLst/>
+        </p:spPr>
+      </p:cxnSp>
     </p:spTree>
     <p:extLst>
       <p:ext uri="{BB962C8B-B14F-4D97-AF65-F5344CB8AC3E}">
@@ -9221,7 +9615,7 @@
           <a:p>
             <a:r>
               <a:rPr lang="en-ZA" dirty="0"/>
-              <a:t>Automatic grading accuracy 97.1%</a:t>
+              <a:t>New automatic grading accuracy 97.1%</a:t>
             </a:r>
           </a:p>
           <a:p>
@@ -9233,13 +9627,13 @@
           <a:p>
             <a:r>
               <a:rPr lang="en-ZA" dirty="0"/>
-              <a:t>In a tutorial session on average only 0.1% or 1 test or less is graded incorrectly</a:t>
+              <a:t>Only 0.1% or 1 test per tutorial graded incorrectly</a:t>
             </a:r>
           </a:p>
           <a:p>
             <a:r>
               <a:rPr lang="en-ZA" dirty="0"/>
-              <a:t>System has now been extended to 2 new templates</a:t>
+              <a:t>System extended to 2 new templates</a:t>
             </a:r>
           </a:p>
         </p:txBody>
@@ -9534,7 +9928,7 @@
         </p:blipFill>
         <p:spPr bwMode="auto">
           <a:xfrm>
-            <a:off x="8753328" y="3135995"/>
+            <a:off x="8753325" y="2482991"/>
             <a:ext cx="1659119" cy="701829"/>
           </a:xfrm>
           <a:prstGeom prst="rect">
@@ -9610,7 +10004,7 @@
         <p:spPr>
           <a:xfrm>
             <a:off x="677333" y="1337665"/>
-            <a:ext cx="7707085" cy="3785652"/>
+            <a:ext cx="7707085" cy="5262979"/>
           </a:xfrm>
           <a:prstGeom prst="rect">
             <a:avLst/>
@@ -9631,11 +10025,20 @@
               <a:rPr lang="en-ZA" dirty="0">
                 <a:effectLst/>
               </a:rPr>
-              <a:t>Tutors and teaching assistant grade tests incorrectly</a:t>
+              <a:t>Tutors and teaching assistants</a:t>
             </a:r>
           </a:p>
           <a:p>
-            <a:pPr marL="285750" indent="-285750">
+            <a:pPr marL="342900" indent="-342900">
+              <a:buFont typeface="Arial" panose="020B0604020202020204" pitchFamily="34" charset="0"/>
+              <a:buChar char="•"/>
+            </a:pPr>
+            <a:endParaRPr lang="en-ZA" dirty="0">
+              <a:effectLst/>
+            </a:endParaRPr>
+          </a:p>
+          <a:p>
+            <a:pPr marL="342900" indent="-342900">
               <a:buFont typeface="Arial" panose="020B0604020202020204" pitchFamily="34" charset="0"/>
               <a:buChar char="•"/>
             </a:pPr>
@@ -9652,16 +10055,42 @@
               <a:rPr lang="en-ZA" dirty="0">
                 <a:effectLst/>
               </a:rPr>
-              <a:t>Online tests impractical due to class size</a:t>
+              <a:t>Online tests impractical</a:t>
             </a:r>
           </a:p>
           <a:p>
+            <a:pPr marL="285750" indent="-285750">
+              <a:buFont typeface="Arial" panose="020B0604020202020204" pitchFamily="34" charset="0"/>
+              <a:buChar char="•"/>
+            </a:pPr>
             <a:endParaRPr lang="en-ZA" dirty="0">
               <a:effectLst/>
             </a:endParaRPr>
           </a:p>
           <a:p>
             <a:pPr marL="285750" indent="-285750">
+              <a:buFont typeface="Arial" panose="020B0604020202020204" pitchFamily="34" charset="0"/>
+              <a:buChar char="•"/>
+            </a:pPr>
+            <a:endParaRPr lang="en-ZA" dirty="0">
+              <a:effectLst/>
+            </a:endParaRPr>
+          </a:p>
+          <a:p>
+            <a:r>
+              <a:rPr lang="en-ZA" dirty="0">
+                <a:effectLst/>
+              </a:rPr>
+              <a:t>Current Optical Marker Recognition</a:t>
+            </a:r>
+          </a:p>
+          <a:p>
+            <a:endParaRPr lang="en-ZA" dirty="0">
+              <a:effectLst/>
+            </a:endParaRPr>
+          </a:p>
+          <a:p>
+            <a:pPr marL="742950" lvl="1" indent="-285750">
               <a:buFont typeface="Arial" panose="020B0604020202020204" pitchFamily="34" charset="0"/>
               <a:buChar char="•"/>
             </a:pPr>
@@ -9669,7 +10098,7 @@
               <a:rPr lang="en-ZA" dirty="0">
                 <a:effectLst/>
               </a:rPr>
-              <a:t>Current OMR systems require special scanners</a:t>
+              <a:t>Special scanners</a:t>
             </a:r>
           </a:p>
           <a:p>
@@ -9682,7 +10111,7 @@
             </a:endParaRPr>
           </a:p>
           <a:p>
-            <a:pPr marL="285750" indent="-285750">
+            <a:pPr marL="742950" lvl="1" indent="-285750">
               <a:buFont typeface="Arial" panose="020B0604020202020204" pitchFamily="34" charset="0"/>
               <a:buChar char="•"/>
             </a:pPr>
@@ -9690,7 +10119,7 @@
               <a:rPr lang="en-ZA" dirty="0">
                 <a:effectLst/>
               </a:rPr>
-              <a:t>Current OMR systems are difficult to use</a:t>
+              <a:t>Difficult to use</a:t>
             </a:r>
           </a:p>
           <a:p>
@@ -9739,7 +10168,7 @@
         </p:blipFill>
         <p:spPr bwMode="auto">
           <a:xfrm>
-            <a:off x="7934175" y="4753411"/>
+            <a:off x="7934175" y="5217869"/>
             <a:ext cx="3297421" cy="1248215"/>
           </a:xfrm>
           <a:prstGeom prst="rect">
@@ -9786,7 +10215,7 @@
         </p:blipFill>
         <p:spPr bwMode="auto">
           <a:xfrm>
-            <a:off x="8813974" y="3899064"/>
+            <a:off x="8874619" y="4378200"/>
             <a:ext cx="1537825" cy="854347"/>
           </a:xfrm>
           <a:prstGeom prst="rect">
@@ -10183,7 +10612,7 @@
                 <a:effectLst/>
                 <a:latin typeface="Times New Roman" pitchFamily="18" charset="0"/>
               </a:rPr>
-              <a:t>Template that allows for decimal valued answers</a:t>
+              <a:t>Template allows decimal valued answers</a:t>
             </a:r>
           </a:p>
           <a:p>
@@ -10212,7 +10641,7 @@
                 <a:effectLst/>
                 <a:latin typeface="Times New Roman" pitchFamily="18" charset="0"/>
               </a:rPr>
-              <a:t>Software that can handle crossed-out answers</a:t>
+              <a:t>Software handles crossed-out answers</a:t>
             </a:r>
           </a:p>
           <a:p>
@@ -10241,7 +10670,7 @@
                 <a:effectLst/>
                 <a:latin typeface="Times New Roman" pitchFamily="18" charset="0"/>
               </a:rPr>
-              <a:t>Software also identifies characters through character recognition to increase reliability</a:t>
+              <a:t>Character recognition to increase reliability</a:t>
             </a:r>
           </a:p>
           <a:p>

--- a/OralExamination/SkripsieOral_APSmit.pptx
+++ b/OralExamination/SkripsieOral_APSmit.pptx
@@ -7146,7 +7146,7 @@
         <p:spPr bwMode="auto">
           <a:xfrm>
             <a:off x="529166" y="5085282"/>
-            <a:ext cx="5240867" cy="1772718"/>
+            <a:ext cx="5240867" cy="935690"/>
           </a:xfrm>
           <a:prstGeom prst="rect">
             <a:avLst/>
@@ -7353,7 +7353,7 @@
                 <a:effectLst/>
                 <a:latin typeface="Times New Roman" pitchFamily="18" charset="0"/>
               </a:rPr>
-              <a:t>Convolutional neural network classifies digits implemented in </a:t>
+              <a:t>Convolutional neural network in </a:t>
             </a:r>
             <a:r>
               <a:rPr lang="en-ZA" kern="1200" dirty="0" err="1">

--- a/OralExamination/SkripsieOral_APSmit.pptx
+++ b/OralExamination/SkripsieOral_APSmit.pptx
@@ -9609,7 +9609,7 @@
           <a:p>
             <a:r>
               <a:rPr lang="en-ZA" dirty="0"/>
-              <a:t>Grades 1000 test in 30 minutes</a:t>
+              <a:t>Grades 900 test in 30 minutes</a:t>
             </a:r>
           </a:p>
           <a:p>
